--- a/slides/ietf106/SemanticProxy.pptx
+++ b/slides/ietf106/SemanticProxy.pptx
@@ -5,27 +5,29 @@
     <p:sldMasterId id="2147483660" r:id="rId1"/>
   </p:sldMasterIdLst>
   <p:notesMasterIdLst>
-    <p:notesMasterId r:id="rId20"/>
+    <p:notesMasterId r:id="rId22"/>
   </p:notesMasterIdLst>
   <p:sldIdLst>
     <p:sldId id="256" r:id="rId2"/>
     <p:sldId id="305" r:id="rId3"/>
-    <p:sldId id="307" r:id="rId4"/>
-    <p:sldId id="312" r:id="rId5"/>
-    <p:sldId id="300" r:id="rId6"/>
-    <p:sldId id="320" r:id="rId7"/>
-    <p:sldId id="301" r:id="rId8"/>
+    <p:sldId id="312" r:id="rId4"/>
+    <p:sldId id="307" r:id="rId5"/>
+    <p:sldId id="301" r:id="rId6"/>
+    <p:sldId id="300" r:id="rId7"/>
+    <p:sldId id="320" r:id="rId8"/>
     <p:sldId id="309" r:id="rId9"/>
     <p:sldId id="314" r:id="rId10"/>
     <p:sldId id="313" r:id="rId11"/>
     <p:sldId id="315" r:id="rId12"/>
-    <p:sldId id="316" r:id="rId13"/>
-    <p:sldId id="317" r:id="rId14"/>
+    <p:sldId id="317" r:id="rId13"/>
+    <p:sldId id="316" r:id="rId14"/>
     <p:sldId id="318" r:id="rId15"/>
-    <p:sldId id="310" r:id="rId16"/>
-    <p:sldId id="319" r:id="rId17"/>
-    <p:sldId id="306" r:id="rId18"/>
-    <p:sldId id="303" r:id="rId19"/>
+    <p:sldId id="323" r:id="rId16"/>
+    <p:sldId id="324" r:id="rId17"/>
+    <p:sldId id="310" r:id="rId18"/>
+    <p:sldId id="319" r:id="rId19"/>
+    <p:sldId id="306" r:id="rId20"/>
+    <p:sldId id="303" r:id="rId21"/>
   </p:sldIdLst>
   <p:sldSz cx="9144000" cy="6858000" type="letter"/>
   <p:notesSz cx="6858000" cy="9144000"/>
@@ -214,7 +216,7 @@
           <a:p>
             <a:fld id="{B1E0F983-F99A-654B-A22B-122E72D1598A}" type="datetimeFigureOut">
               <a:rPr lang="en-US" smtClean="0"/>
-              <a:t>11/15/19</a:t>
+              <a:t>11/16/19</a:t>
             </a:fld>
             <a:endParaRPr lang="en-US"/>
           </a:p>
@@ -613,7 +615,7 @@
           <a:p>
             <a:fld id="{D057EDBF-1783-6543-A668-FCF30E10D4FA}" type="datetimeFigureOut">
               <a:rPr lang="en-US" smtClean="0"/>
-              <a:t>11/15/19</a:t>
+              <a:t>11/16/19</a:t>
             </a:fld>
             <a:endParaRPr lang="en-US"/>
           </a:p>
@@ -778,7 +780,7 @@
           <a:p>
             <a:fld id="{D057EDBF-1783-6543-A668-FCF30E10D4FA}" type="datetimeFigureOut">
               <a:rPr lang="en-US" smtClean="0"/>
-              <a:t>11/15/19</a:t>
+              <a:t>11/16/19</a:t>
             </a:fld>
             <a:endParaRPr lang="en-US"/>
           </a:p>
@@ -953,7 +955,7 @@
           <a:p>
             <a:fld id="{D057EDBF-1783-6543-A668-FCF30E10D4FA}" type="datetimeFigureOut">
               <a:rPr lang="en-US" smtClean="0"/>
-              <a:t>11/15/19</a:t>
+              <a:t>11/16/19</a:t>
             </a:fld>
             <a:endParaRPr lang="en-US"/>
           </a:p>
@@ -1118,7 +1120,7 @@
           <a:p>
             <a:fld id="{D057EDBF-1783-6543-A668-FCF30E10D4FA}" type="datetimeFigureOut">
               <a:rPr lang="en-US" smtClean="0"/>
-              <a:t>11/15/19</a:t>
+              <a:t>11/16/19</a:t>
             </a:fld>
             <a:endParaRPr lang="en-US"/>
           </a:p>
@@ -1357,7 +1359,7 @@
           <a:p>
             <a:fld id="{D057EDBF-1783-6543-A668-FCF30E10D4FA}" type="datetimeFigureOut">
               <a:rPr lang="en-US" smtClean="0"/>
-              <a:t>11/15/19</a:t>
+              <a:t>11/16/19</a:t>
             </a:fld>
             <a:endParaRPr lang="en-US"/>
           </a:p>
@@ -1584,7 +1586,7 @@
           <a:p>
             <a:fld id="{D057EDBF-1783-6543-A668-FCF30E10D4FA}" type="datetimeFigureOut">
               <a:rPr lang="en-US" smtClean="0"/>
-              <a:t>11/15/19</a:t>
+              <a:t>11/16/19</a:t>
             </a:fld>
             <a:endParaRPr lang="en-US"/>
           </a:p>
@@ -1946,7 +1948,7 @@
           <a:p>
             <a:fld id="{D057EDBF-1783-6543-A668-FCF30E10D4FA}" type="datetimeFigureOut">
               <a:rPr lang="en-US" smtClean="0"/>
-              <a:t>11/15/19</a:t>
+              <a:t>11/16/19</a:t>
             </a:fld>
             <a:endParaRPr lang="en-US"/>
           </a:p>
@@ -2059,7 +2061,7 @@
           <a:p>
             <a:fld id="{D057EDBF-1783-6543-A668-FCF30E10D4FA}" type="datetimeFigureOut">
               <a:rPr lang="en-US" smtClean="0"/>
-              <a:t>11/15/19</a:t>
+              <a:t>11/16/19</a:t>
             </a:fld>
             <a:endParaRPr lang="en-US"/>
           </a:p>
@@ -2149,7 +2151,7 @@
           <a:p>
             <a:fld id="{D057EDBF-1783-6543-A668-FCF30E10D4FA}" type="datetimeFigureOut">
               <a:rPr lang="en-US" smtClean="0"/>
-              <a:t>11/15/19</a:t>
+              <a:t>11/16/19</a:t>
             </a:fld>
             <a:endParaRPr lang="en-US"/>
           </a:p>
@@ -2421,7 +2423,7 @@
           <a:p>
             <a:fld id="{D057EDBF-1783-6543-A668-FCF30E10D4FA}" type="datetimeFigureOut">
               <a:rPr lang="en-US" smtClean="0"/>
-              <a:t>11/15/19</a:t>
+              <a:t>11/16/19</a:t>
             </a:fld>
             <a:endParaRPr lang="en-US"/>
           </a:p>
@@ -2673,7 +2675,7 @@
           <a:p>
             <a:fld id="{D057EDBF-1783-6543-A668-FCF30E10D4FA}" type="datetimeFigureOut">
               <a:rPr lang="en-US" smtClean="0"/>
-              <a:t>11/15/19</a:t>
+              <a:t>11/16/19</a:t>
             </a:fld>
             <a:endParaRPr lang="en-US"/>
           </a:p>
@@ -2881,7 +2883,7 @@
           <a:p>
             <a:fld id="{D057EDBF-1783-6543-A668-FCF30E10D4FA}" type="datetimeFigureOut">
               <a:rPr lang="en-US" smtClean="0"/>
-              <a:t>11/15/19</a:t>
+              <a:t>11/16/19</a:t>
             </a:fld>
             <a:endParaRPr lang="en-US"/>
           </a:p>
@@ -3344,11 +3346,7 @@
             </a:r>
             <a:r>
               <a:rPr lang="en-US" dirty="0" smtClean="0"/>
-              <a:t> </a:t>
-            </a:r>
-            <a:r>
-              <a:rPr lang="en-US" dirty="0" smtClean="0"/>
-              <a:t>SDF, </a:t>
+              <a:t> SDF, </a:t>
             </a:r>
             <a:r>
               <a:rPr lang="en-US" dirty="0" err="1" smtClean="0"/>
@@ -3356,11 +3354,7 @@
             </a:r>
             <a:r>
               <a:rPr lang="en-US" dirty="0" smtClean="0"/>
-              <a:t> RDF, and </a:t>
-            </a:r>
-            <a:r>
-              <a:rPr lang="en-US" dirty="0" smtClean="0"/>
-              <a:t>W3C </a:t>
+              <a:t> RDF, and W3C </a:t>
             </a:r>
             <a:r>
               <a:rPr lang="en-US" dirty="0" err="1" smtClean="0"/>
@@ -3370,12 +3364,19 @@
               <a:rPr lang="en-US" dirty="0" smtClean="0"/>
               <a:t> TD</a:t>
             </a:r>
-            <a:endParaRPr lang="en-US" dirty="0" smtClean="0"/>
           </a:p>
           <a:p>
             <a:r>
               <a:rPr lang="en-US" dirty="0" smtClean="0"/>
-              <a:t>November 15, 2019</a:t>
+              <a:t>November </a:t>
+            </a:r>
+            <a:r>
+              <a:rPr lang="en-US" dirty="0" smtClean="0"/>
+              <a:t>17, </a:t>
+            </a:r>
+            <a:r>
+              <a:rPr lang="en-US" dirty="0" smtClean="0"/>
+              <a:t>2019</a:t>
             </a:r>
             <a:endParaRPr lang="en-US" dirty="0"/>
           </a:p>
@@ -4258,7 +4259,7 @@
         </p:nvSpPr>
         <p:spPr>
           <a:xfrm>
-            <a:off x="233795" y="0"/>
+            <a:off x="535131" y="259773"/>
             <a:ext cx="7886700" cy="1325563"/>
           </a:xfrm>
         </p:spPr>
@@ -4268,7 +4269,15 @@
           <a:p>
             <a:r>
               <a:rPr lang="en-US" dirty="0" smtClean="0"/>
-              <a:t>Expected Result (1)</a:t>
+              <a:t>Expected Result </a:t>
+            </a:r>
+            <a:r>
+              <a:rPr lang="mr-IN" dirty="0" smtClean="0"/>
+              <a:t>–</a:t>
+            </a:r>
+            <a:r>
+              <a:rPr lang="en-US" dirty="0" smtClean="0"/>
+              <a:t> Object maps to Capability</a:t>
             </a:r>
             <a:endParaRPr lang="en-US" dirty="0"/>
           </a:p>
@@ -4282,8 +4291,8 @@
         </p:nvSpPr>
         <p:spPr>
           <a:xfrm>
-            <a:off x="3278331" y="1492516"/>
-            <a:ext cx="7091796" cy="4247317"/>
+            <a:off x="2218459" y="2095189"/>
+            <a:ext cx="7091796" cy="3785652"/>
           </a:xfrm>
           <a:prstGeom prst="rect">
             <a:avLst/>
@@ -4296,7 +4305,7 @@
           <a:lstStyle/>
           <a:p>
             <a:r>
-              <a:rPr lang="en-US" b="0" i="0" dirty="0" smtClean="0">
+              <a:rPr lang="en-US" sz="1600" b="0" i="0" dirty="0" smtClean="0">
                 <a:solidFill>
                   <a:srgbClr val="000000"/>
                 </a:solidFill>
@@ -4305,7 +4314,7 @@
               </a:rPr>
               <a:t>{</a:t>
             </a:r>
-            <a:endParaRPr lang="en-US" b="0" i="0" dirty="0" smtClean="0">
+            <a:endParaRPr lang="en-US" sz="1600" b="0" i="0" dirty="0" smtClean="0">
               <a:solidFill>
                 <a:srgbClr val="000000"/>
               </a:solidFill>
@@ -4315,7 +4324,7 @@
           </a:p>
           <a:p>
             <a:r>
-              <a:rPr lang="en-US" b="0" i="0" dirty="0" smtClean="0">
+              <a:rPr lang="en-US" sz="1600" b="0" i="0" dirty="0" smtClean="0">
                 <a:solidFill>
                   <a:srgbClr val="000000"/>
                 </a:solidFill>
@@ -4325,7 +4334,7 @@
               <a:t>  "@id": "</a:t>
             </a:r>
             <a:r>
-              <a:rPr lang="en-US" b="0" i="0" dirty="0" err="1" smtClean="0">
+              <a:rPr lang="en-US" sz="1600" b="0" i="0" dirty="0" err="1" smtClean="0">
                 <a:solidFill>
                   <a:srgbClr val="FF0000"/>
                 </a:solidFill>
@@ -4335,7 +4344,7 @@
               <a:t>iot:SwitchCapability</a:t>
             </a:r>
             <a:r>
-              <a:rPr lang="en-US" b="0" i="0" dirty="0" smtClean="0">
+              <a:rPr lang="en-US" sz="1600" b="0" i="0" dirty="0" smtClean="0">
                 <a:solidFill>
                   <a:srgbClr val="000000"/>
                 </a:solidFill>
@@ -4344,7 +4353,7 @@
               </a:rPr>
               <a:t>",</a:t>
             </a:r>
-            <a:endParaRPr lang="en-US" b="0" i="0" dirty="0" smtClean="0">
+            <a:endParaRPr lang="en-US" sz="1600" b="0" i="0" dirty="0" smtClean="0">
               <a:solidFill>
                 <a:srgbClr val="000000"/>
               </a:solidFill>
@@ -4354,7 +4363,7 @@
           </a:p>
           <a:p>
             <a:r>
-              <a:rPr lang="en-US" b="0" i="0" dirty="0" smtClean="0">
+              <a:rPr lang="en-US" sz="1600" b="0" i="0" dirty="0" smtClean="0">
                 <a:solidFill>
                   <a:srgbClr val="000000"/>
                 </a:solidFill>
@@ -4364,7 +4373,7 @@
               <a:t>  "@type": "</a:t>
             </a:r>
             <a:r>
-              <a:rPr lang="en-US" b="0" i="0" dirty="0" err="1" smtClean="0">
+              <a:rPr lang="en-US" sz="1600" b="0" i="0" dirty="0" err="1" smtClean="0">
                 <a:solidFill>
                   <a:srgbClr val="000000"/>
                 </a:solidFill>
@@ -4374,7 +4383,7 @@
               <a:t>rdfs:Class</a:t>
             </a:r>
             <a:r>
-              <a:rPr lang="en-US" b="0" i="0" dirty="0" smtClean="0">
+              <a:rPr lang="en-US" sz="1600" b="0" i="0" dirty="0" smtClean="0">
                 <a:solidFill>
                   <a:srgbClr val="000000"/>
                 </a:solidFill>
@@ -4383,7 +4392,7 @@
               </a:rPr>
               <a:t>",</a:t>
             </a:r>
-            <a:endParaRPr lang="en-US" b="0" i="0" dirty="0" smtClean="0">
+            <a:endParaRPr lang="en-US" sz="1600" b="0" i="0" dirty="0" smtClean="0">
               <a:solidFill>
                 <a:srgbClr val="000000"/>
               </a:solidFill>
@@ -4393,7 +4402,7 @@
           </a:p>
           <a:p>
             <a:r>
-              <a:rPr lang="en-US" b="0" i="0" dirty="0" smtClean="0">
+              <a:rPr lang="en-US" sz="1600" b="0" i="0" dirty="0" smtClean="0">
                 <a:solidFill>
                   <a:srgbClr val="000000"/>
                 </a:solidFill>
@@ -4403,7 +4412,7 @@
               <a:t>  "</a:t>
             </a:r>
             <a:r>
-              <a:rPr lang="en-US" b="0" i="0" dirty="0" err="1" smtClean="0">
+              <a:rPr lang="en-US" sz="1600" b="0" i="0" dirty="0" err="1" smtClean="0">
                 <a:solidFill>
                   <a:srgbClr val="000000"/>
                 </a:solidFill>
@@ -4413,7 +4422,7 @@
               <a:t>rdfs:label</a:t>
             </a:r>
             <a:r>
-              <a:rPr lang="en-US" b="0" i="0" dirty="0" smtClean="0">
+              <a:rPr lang="en-US" sz="1600" b="0" i="0" dirty="0" smtClean="0">
                 <a:solidFill>
                   <a:srgbClr val="000000"/>
                 </a:solidFill>
@@ -4423,7 +4432,7 @@
               <a:t>": "</a:t>
             </a:r>
             <a:r>
-              <a:rPr lang="en-US" b="0" i="0" dirty="0" err="1" smtClean="0">
+              <a:rPr lang="en-US" sz="1600" b="0" i="0" dirty="0" err="1" smtClean="0">
                 <a:solidFill>
                   <a:srgbClr val="000000"/>
                 </a:solidFill>
@@ -4433,7 +4442,7 @@
               <a:t>SwitchCapability</a:t>
             </a:r>
             <a:r>
-              <a:rPr lang="en-US" b="0" i="0" dirty="0" smtClean="0">
+              <a:rPr lang="en-US" sz="1600" b="0" i="0" dirty="0" smtClean="0">
                 <a:solidFill>
                   <a:srgbClr val="000000"/>
                 </a:solidFill>
@@ -4442,7 +4451,7 @@
               </a:rPr>
               <a:t>",</a:t>
             </a:r>
-            <a:endParaRPr lang="en-US" b="0" i="0" dirty="0" smtClean="0">
+            <a:endParaRPr lang="en-US" sz="1600" b="0" i="0" dirty="0" smtClean="0">
               <a:solidFill>
                 <a:srgbClr val="000000"/>
               </a:solidFill>
@@ -4452,7 +4461,7 @@
           </a:p>
           <a:p>
             <a:r>
-              <a:rPr lang="en-US" b="0" i="0" dirty="0" smtClean="0">
+              <a:rPr lang="en-US" sz="1600" b="0" i="0" dirty="0" smtClean="0">
                 <a:solidFill>
                   <a:srgbClr val="000000"/>
                 </a:solidFill>
@@ -4462,7 +4471,7 @@
               <a:t>  "</a:t>
             </a:r>
             <a:r>
-              <a:rPr lang="en-US" b="0" i="0" dirty="0" err="1" smtClean="0">
+              <a:rPr lang="en-US" sz="1600" b="0" i="0" dirty="0" err="1" smtClean="0">
                 <a:solidFill>
                   <a:srgbClr val="000000"/>
                 </a:solidFill>
@@ -4472,7 +4481,7 @@
               <a:t>rdfs:subClassOf</a:t>
             </a:r>
             <a:r>
-              <a:rPr lang="en-US" b="0" i="0" dirty="0" smtClean="0">
+              <a:rPr lang="en-US" sz="1600" b="0" i="0" dirty="0" smtClean="0">
                 <a:solidFill>
                   <a:srgbClr val="000000"/>
                 </a:solidFill>
@@ -4481,17 +4490,10 @@
               </a:rPr>
               <a:t>": { </a:t>
             </a:r>
-            <a:endParaRPr lang="en-US" b="0" i="0" dirty="0" smtClean="0">
-              <a:solidFill>
-                <a:srgbClr val="000000"/>
-              </a:solidFill>
-              <a:effectLst/>
-              <a:latin typeface="Courier" charset="0"/>
-            </a:endParaRPr>
-          </a:p>
-          <a:p>
-            <a:r>
-              <a:rPr lang="en-US" dirty="0">
+          </a:p>
+          <a:p>
+            <a:r>
+              <a:rPr lang="en-US" sz="1600" dirty="0">
                 <a:solidFill>
                   <a:srgbClr val="000000"/>
                 </a:solidFill>
@@ -4500,7 +4502,7 @@
               <a:t> </a:t>
             </a:r>
             <a:r>
-              <a:rPr lang="en-US" dirty="0" smtClean="0">
+              <a:rPr lang="en-US" sz="1600" dirty="0" smtClean="0">
                 <a:solidFill>
                   <a:srgbClr val="000000"/>
                 </a:solidFill>
@@ -4509,27 +4511,17 @@
               <a:t>   </a:t>
             </a:r>
             <a:r>
-              <a:rPr lang="en-US" b="0" i="0" dirty="0" smtClean="0">
-                <a:solidFill>
-                  <a:srgbClr val="000000"/>
-                </a:solidFill>
-                <a:effectLst/>
-                <a:latin typeface="Courier" charset="0"/>
-              </a:rPr>
-              <a:t>"@</a:t>
-            </a:r>
-            <a:r>
-              <a:rPr lang="en-US" b="0" i="0" dirty="0" smtClean="0">
-                <a:solidFill>
-                  <a:srgbClr val="000000"/>
-                </a:solidFill>
-                <a:effectLst/>
-                <a:latin typeface="Courier" charset="0"/>
-              </a:rPr>
-              <a:t>id": "</a:t>
-            </a:r>
-            <a:r>
-              <a:rPr lang="en-US" b="0" i="0" dirty="0" err="1" smtClean="0">
+              <a:rPr lang="en-US" sz="1600" b="0" i="0" dirty="0" smtClean="0">
+                <a:solidFill>
+                  <a:srgbClr val="000000"/>
+                </a:solidFill>
+                <a:effectLst/>
+                <a:latin typeface="Courier" charset="0"/>
+              </a:rPr>
+              <a:t>"@id": "</a:t>
+            </a:r>
+            <a:r>
+              <a:rPr lang="en-US" sz="1600" b="0" i="0" dirty="0" err="1" smtClean="0">
                 <a:solidFill>
                   <a:srgbClr val="000000"/>
                 </a:solidFill>
@@ -4539,7 +4531,7 @@
               <a:t>iot:Capability</a:t>
             </a:r>
             <a:r>
-              <a:rPr lang="en-US" b="0" i="0" dirty="0" smtClean="0">
+              <a:rPr lang="en-US" sz="1600" b="0" i="0" dirty="0" smtClean="0">
                 <a:solidFill>
                   <a:srgbClr val="000000"/>
                 </a:solidFill>
@@ -4548,17 +4540,10 @@
               </a:rPr>
               <a:t>" </a:t>
             </a:r>
-            <a:endParaRPr lang="en-US" b="0" i="0" dirty="0" smtClean="0">
-              <a:solidFill>
-                <a:srgbClr val="000000"/>
-              </a:solidFill>
-              <a:effectLst/>
-              <a:latin typeface="Courier" charset="0"/>
-            </a:endParaRPr>
-          </a:p>
-          <a:p>
-            <a:r>
-              <a:rPr lang="en-US" dirty="0">
+          </a:p>
+          <a:p>
+            <a:r>
+              <a:rPr lang="en-US" sz="1600" dirty="0">
                 <a:solidFill>
                   <a:srgbClr val="000000"/>
                 </a:solidFill>
@@ -4567,7 +4552,7 @@
               <a:t> </a:t>
             </a:r>
             <a:r>
-              <a:rPr lang="en-US" dirty="0" smtClean="0">
+              <a:rPr lang="en-US" sz="1600" dirty="0" smtClean="0">
                 <a:solidFill>
                   <a:srgbClr val="000000"/>
                 </a:solidFill>
@@ -4576,7 +4561,7 @@
               <a:t> </a:t>
             </a:r>
             <a:r>
-              <a:rPr lang="en-US" b="0" i="0" dirty="0" smtClean="0">
+              <a:rPr lang="en-US" sz="1600" b="0" i="0" dirty="0" smtClean="0">
                 <a:solidFill>
                   <a:srgbClr val="000000"/>
                 </a:solidFill>
@@ -4585,7 +4570,7 @@
               </a:rPr>
               <a:t>},</a:t>
             </a:r>
-            <a:endParaRPr lang="en-US" b="0" i="0" dirty="0" smtClean="0">
+            <a:endParaRPr lang="en-US" sz="1600" b="0" i="0" dirty="0" smtClean="0">
               <a:solidFill>
                 <a:srgbClr val="000000"/>
               </a:solidFill>
@@ -4595,7 +4580,7 @@
           </a:p>
           <a:p>
             <a:r>
-              <a:rPr lang="en-US" b="0" i="0" dirty="0" smtClean="0">
+              <a:rPr lang="en-US" sz="1600" b="0" i="0" dirty="0" smtClean="0">
                 <a:solidFill>
                   <a:srgbClr val="000000"/>
                 </a:solidFill>
@@ -4605,7 +4590,7 @@
               <a:t>  "</a:t>
             </a:r>
             <a:r>
-              <a:rPr lang="en-US" b="0" i="0" dirty="0" err="1" smtClean="0">
+              <a:rPr lang="en-US" sz="1600" b="0" i="0" dirty="0" err="1" smtClean="0">
                 <a:solidFill>
                   <a:srgbClr val="000000"/>
                 </a:solidFill>
@@ -4615,7 +4600,7 @@
               <a:t>iot:providesInteractionPattern</a:t>
             </a:r>
             <a:r>
-              <a:rPr lang="en-US" b="0" i="0" dirty="0" smtClean="0">
+              <a:rPr lang="en-US" sz="1600" b="0" i="0" dirty="0" smtClean="0">
                 <a:solidFill>
                   <a:srgbClr val="000000"/>
                 </a:solidFill>
@@ -4624,7 +4609,7 @@
               </a:rPr>
               <a:t>": [</a:t>
             </a:r>
-            <a:endParaRPr lang="en-US" b="0" i="0" dirty="0" smtClean="0">
+            <a:endParaRPr lang="en-US" sz="1600" b="0" i="0" dirty="0" smtClean="0">
               <a:solidFill>
                 <a:srgbClr val="000000"/>
               </a:solidFill>
@@ -4634,7 +4619,7 @@
           </a:p>
           <a:p>
             <a:r>
-              <a:rPr lang="en-US" b="0" i="0" dirty="0" smtClean="0">
+              <a:rPr lang="en-US" sz="1600" b="0" i="0" dirty="0" smtClean="0">
                 <a:solidFill>
                   <a:srgbClr val="000000"/>
                 </a:solidFill>
@@ -4643,7 +4628,7 @@
               </a:rPr>
               <a:t>    {</a:t>
             </a:r>
-            <a:endParaRPr lang="en-US" b="0" i="0" dirty="0" smtClean="0">
+            <a:endParaRPr lang="en-US" sz="1600" b="0" i="0" dirty="0" smtClean="0">
               <a:solidFill>
                 <a:srgbClr val="000000"/>
               </a:solidFill>
@@ -4653,7 +4638,7 @@
           </a:p>
           <a:p>
             <a:r>
-              <a:rPr lang="en-US" b="0" i="0" dirty="0" smtClean="0">
+              <a:rPr lang="en-US" sz="1600" b="0" i="0" dirty="0" smtClean="0">
                 <a:solidFill>
                   <a:srgbClr val="000000"/>
                 </a:solidFill>
@@ -4663,7 +4648,7 @@
               <a:t>    "@id": "</a:t>
             </a:r>
             <a:r>
-              <a:rPr lang="en-US" b="0" i="0" dirty="0" err="1" smtClean="0">
+              <a:rPr lang="en-US" sz="1600" b="0" i="0" dirty="0" err="1" smtClean="0">
                 <a:solidFill>
                   <a:srgbClr val="FF0000"/>
                 </a:solidFill>
@@ -4673,7 +4658,7 @@
               <a:t>iot:SwitchStateProperty</a:t>
             </a:r>
             <a:r>
-              <a:rPr lang="en-US" b="0" i="0" dirty="0" smtClean="0">
+              <a:rPr lang="en-US" sz="1600" b="0" i="0" dirty="0" smtClean="0">
                 <a:solidFill>
                   <a:srgbClr val="000000"/>
                 </a:solidFill>
@@ -4682,7 +4667,7 @@
               </a:rPr>
               <a:t>",</a:t>
             </a:r>
-            <a:endParaRPr lang="en-US" b="0" i="0" dirty="0" smtClean="0">
+            <a:endParaRPr lang="en-US" sz="1600" b="0" i="0" dirty="0" smtClean="0">
               <a:solidFill>
                 <a:srgbClr val="000000"/>
               </a:solidFill>
@@ -4692,7 +4677,7 @@
           </a:p>
           <a:p>
             <a:r>
-              <a:rPr lang="en-US" b="0" i="0" dirty="0" smtClean="0">
+              <a:rPr lang="en-US" sz="1600" b="0" i="0" dirty="0" smtClean="0">
                 <a:solidFill>
                   <a:srgbClr val="000000"/>
                 </a:solidFill>
@@ -4702,7 +4687,7 @@
               <a:t>    "@id": "</a:t>
             </a:r>
             <a:r>
-              <a:rPr lang="en-US" b="0" i="0" dirty="0" err="1" smtClean="0">
+              <a:rPr lang="en-US" sz="1600" b="0" i="0" dirty="0" err="1" smtClean="0">
                 <a:solidFill>
                   <a:srgbClr val="FF0000"/>
                 </a:solidFill>
@@ -4712,7 +4697,7 @@
               <a:t>iot:SwitchOnAction</a:t>
             </a:r>
             <a:r>
-              <a:rPr lang="en-US" b="0" i="0" dirty="0" smtClean="0">
+              <a:rPr lang="en-US" sz="1600" b="0" i="0" dirty="0" smtClean="0">
                 <a:solidFill>
                   <a:srgbClr val="000000"/>
                 </a:solidFill>
@@ -4721,7 +4706,7 @@
               </a:rPr>
               <a:t>",</a:t>
             </a:r>
-            <a:endParaRPr lang="en-US" b="0" i="0" dirty="0" smtClean="0">
+            <a:endParaRPr lang="en-US" sz="1600" b="0" i="0" dirty="0" smtClean="0">
               <a:solidFill>
                 <a:srgbClr val="000000"/>
               </a:solidFill>
@@ -4731,7 +4716,7 @@
           </a:p>
           <a:p>
             <a:r>
-              <a:rPr lang="en-US" b="0" i="0" dirty="0" smtClean="0">
+              <a:rPr lang="en-US" sz="1600" b="0" i="0" dirty="0" smtClean="0">
                 <a:solidFill>
                   <a:srgbClr val="000000"/>
                 </a:solidFill>
@@ -4741,7 +4726,7 @@
               <a:t>    "@id": "</a:t>
             </a:r>
             <a:r>
-              <a:rPr lang="en-US" b="0" i="0" dirty="0" err="1" smtClean="0">
+              <a:rPr lang="en-US" sz="1600" b="0" i="0" dirty="0" err="1" smtClean="0">
                 <a:solidFill>
                   <a:srgbClr val="FF0000"/>
                 </a:solidFill>
@@ -4751,7 +4736,7 @@
               <a:t>iot:SwitchOffAction</a:t>
             </a:r>
             <a:r>
-              <a:rPr lang="en-US" b="0" i="0" dirty="0" smtClean="0">
+              <a:rPr lang="en-US" sz="1600" b="0" i="0" dirty="0" smtClean="0">
                 <a:solidFill>
                   <a:srgbClr val="000000"/>
                 </a:solidFill>
@@ -4760,7 +4745,7 @@
               </a:rPr>
               <a:t>"</a:t>
             </a:r>
-            <a:endParaRPr lang="en-US" b="0" i="0" dirty="0" smtClean="0">
+            <a:endParaRPr lang="en-US" sz="1600" b="0" i="0" dirty="0" smtClean="0">
               <a:solidFill>
                 <a:srgbClr val="000000"/>
               </a:solidFill>
@@ -4770,7 +4755,7 @@
           </a:p>
           <a:p>
             <a:r>
-              <a:rPr lang="en-US" b="0" i="0" dirty="0" smtClean="0">
+              <a:rPr lang="en-US" sz="1600" b="0" i="0" dirty="0" smtClean="0">
                 <a:solidFill>
                   <a:srgbClr val="000000"/>
                 </a:solidFill>
@@ -4779,7 +4764,7 @@
               </a:rPr>
               <a:t>    }</a:t>
             </a:r>
-            <a:endParaRPr lang="en-US" b="0" i="0" dirty="0" smtClean="0">
+            <a:endParaRPr lang="en-US" sz="1600" b="0" i="0" dirty="0" smtClean="0">
               <a:solidFill>
                 <a:srgbClr val="000000"/>
               </a:solidFill>
@@ -4789,7 +4774,7 @@
           </a:p>
           <a:p>
             <a:r>
-              <a:rPr lang="en-US" b="0" i="0" dirty="0" smtClean="0">
+              <a:rPr lang="en-US" sz="1600" b="0" i="0" dirty="0" smtClean="0">
                 <a:solidFill>
                   <a:srgbClr val="000000"/>
                 </a:solidFill>
@@ -4798,7 +4783,7 @@
               </a:rPr>
               <a:t>  ]</a:t>
             </a:r>
-            <a:endParaRPr lang="en-US" b="0" i="0" dirty="0" smtClean="0">
+            <a:endParaRPr lang="en-US" sz="1600" b="0" i="0" dirty="0" smtClean="0">
               <a:solidFill>
                 <a:srgbClr val="000000"/>
               </a:solidFill>
@@ -4808,7 +4793,7 @@
           </a:p>
           <a:p>
             <a:r>
-              <a:rPr lang="en-US" b="0" i="0" dirty="0" smtClean="0">
+              <a:rPr lang="en-US" sz="1600" b="0" i="0" dirty="0" smtClean="0">
                 <a:solidFill>
                   <a:srgbClr val="000000"/>
                 </a:solidFill>
@@ -4817,7 +4802,7 @@
               </a:rPr>
               <a:t>}</a:t>
             </a:r>
-            <a:endParaRPr lang="en-US" b="0" i="0" dirty="0" smtClean="0">
+            <a:endParaRPr lang="en-US" sz="1600" b="0" i="0" dirty="0" smtClean="0">
               <a:solidFill>
                 <a:srgbClr val="000000"/>
               </a:solidFill>
@@ -4869,7 +4854,7 @@
         </p:nvSpPr>
         <p:spPr>
           <a:xfrm>
-            <a:off x="223405" y="0"/>
+            <a:off x="639041" y="155864"/>
             <a:ext cx="7886700" cy="1325563"/>
           </a:xfrm>
         </p:spPr>
@@ -4879,7 +4864,7 @@
           <a:p>
             <a:r>
               <a:rPr lang="en-US" dirty="0" smtClean="0"/>
-              <a:t>Result (2)</a:t>
+              <a:t>Expected Result - Actions</a:t>
             </a:r>
             <a:endParaRPr lang="en-US" dirty="0"/>
           </a:p>
@@ -4887,14 +4872,14 @@
       </p:sp>
       <p:sp>
         <p:nvSpPr>
-          <p:cNvPr id="4" name="Rectangle 3"/>
+          <p:cNvPr id="5" name="Rectangle 4"/>
           <p:cNvSpPr/>
           <p:nvPr/>
         </p:nvSpPr>
         <p:spPr>
           <a:xfrm>
-            <a:off x="2836718" y="464093"/>
-            <a:ext cx="7180117" cy="6186309"/>
+            <a:off x="2618510" y="1710027"/>
+            <a:ext cx="5216236" cy="4031873"/>
           </a:xfrm>
           <a:prstGeom prst="rect">
             <a:avLst/>
@@ -4907,7 +4892,7 @@
           <a:lstStyle/>
           <a:p>
             <a:r>
-              <a:rPr lang="en-US" b="0" i="0" dirty="0" smtClean="0">
+              <a:rPr lang="en-US" sz="1600" b="0" i="0" dirty="0" smtClean="0">
                 <a:solidFill>
                   <a:srgbClr val="000000"/>
                 </a:solidFill>
@@ -4916,7 +4901,7 @@
               </a:rPr>
               <a:t>{</a:t>
             </a:r>
-            <a:endParaRPr lang="en-US" b="0" i="0" dirty="0" smtClean="0">
+            <a:endParaRPr lang="en-US" sz="1600" b="0" i="0" dirty="0" smtClean="0">
               <a:solidFill>
                 <a:srgbClr val="000000"/>
               </a:solidFill>
@@ -4926,37 +4911,27 @@
           </a:p>
           <a:p>
             <a:r>
-              <a:rPr lang="en-US" b="0" i="0" dirty="0" smtClean="0">
-                <a:solidFill>
-                  <a:srgbClr val="000000"/>
-                </a:solidFill>
-                <a:effectLst/>
-                <a:latin typeface="Courier" charset="0"/>
-              </a:rPr>
-              <a:t>  "@id": </a:t>
-            </a:r>
-            <a:r>
-              <a:rPr lang="en-US" b="0" i="0" dirty="0" smtClean="0">
-                <a:solidFill>
-                  <a:srgbClr val="000000"/>
-                </a:solidFill>
-                <a:effectLst/>
-                <a:latin typeface="Courier" charset="0"/>
-              </a:rPr>
-              <a:t>"</a:t>
-            </a:r>
-            <a:r>
-              <a:rPr lang="en-US" b="0" i="0" dirty="0" err="1" smtClean="0">
+              <a:rPr lang="en-US" sz="1600" b="0" i="0" dirty="0" smtClean="0">
+                <a:solidFill>
+                  <a:srgbClr val="000000"/>
+                </a:solidFill>
+                <a:effectLst/>
+                <a:latin typeface="Courier" charset="0"/>
+              </a:rPr>
+              <a:t>  "@id": "</a:t>
+            </a:r>
+            <a:r>
+              <a:rPr lang="en-US" sz="1600" b="0" i="0" dirty="0" err="1" smtClean="0">
                 <a:solidFill>
                   <a:srgbClr val="FF0000"/>
                 </a:solidFill>
                 <a:effectLst/>
                 <a:latin typeface="Courier" charset="0"/>
               </a:rPr>
-              <a:t>iot:SwitchStateProperty</a:t>
-            </a:r>
-            <a:r>
-              <a:rPr lang="en-US" b="0" i="0" dirty="0" smtClean="0">
+              <a:t>iot:SwitchOnAction</a:t>
+            </a:r>
+            <a:r>
+              <a:rPr lang="en-US" sz="1600" b="0" i="0" dirty="0" smtClean="0">
                 <a:solidFill>
                   <a:srgbClr val="000000"/>
                 </a:solidFill>
@@ -4965,7 +4940,7 @@
               </a:rPr>
               <a:t>",</a:t>
             </a:r>
-            <a:endParaRPr lang="en-US" b="0" i="0" dirty="0" smtClean="0">
+            <a:endParaRPr lang="en-US" sz="1600" b="0" i="0" dirty="0" smtClean="0">
               <a:solidFill>
                 <a:srgbClr val="000000"/>
               </a:solidFill>
@@ -4975,7 +4950,7 @@
           </a:p>
           <a:p>
             <a:r>
-              <a:rPr lang="en-US" b="0" i="0" dirty="0" smtClean="0">
+              <a:rPr lang="en-US" sz="1600" b="0" i="0" dirty="0" smtClean="0">
                 <a:solidFill>
                   <a:srgbClr val="000000"/>
                 </a:solidFill>
@@ -4985,7 +4960,7 @@
               <a:t>  "@type": "</a:t>
             </a:r>
             <a:r>
-              <a:rPr lang="en-US" b="0" i="0" dirty="0" err="1" smtClean="0">
+              <a:rPr lang="en-US" sz="1600" b="0" i="0" dirty="0" err="1" smtClean="0">
                 <a:solidFill>
                   <a:srgbClr val="000000"/>
                 </a:solidFill>
@@ -4995,7 +4970,7 @@
               <a:t>rdfs:Class</a:t>
             </a:r>
             <a:r>
-              <a:rPr lang="en-US" b="0" i="0" dirty="0" smtClean="0">
+              <a:rPr lang="en-US" sz="1600" b="0" i="0" dirty="0" smtClean="0">
                 <a:solidFill>
                   <a:srgbClr val="000000"/>
                 </a:solidFill>
@@ -5004,7 +4979,7 @@
               </a:rPr>
               <a:t>",</a:t>
             </a:r>
-            <a:endParaRPr lang="en-US" b="0" i="0" dirty="0" smtClean="0">
+            <a:endParaRPr lang="en-US" sz="1600" b="0" i="0" dirty="0" smtClean="0">
               <a:solidFill>
                 <a:srgbClr val="000000"/>
               </a:solidFill>
@@ -5014,7 +4989,7 @@
           </a:p>
           <a:p>
             <a:r>
-              <a:rPr lang="en-US" b="0" i="0" dirty="0" smtClean="0">
+              <a:rPr lang="en-US" sz="1600" b="0" i="0" dirty="0" smtClean="0">
                 <a:solidFill>
                   <a:srgbClr val="000000"/>
                 </a:solidFill>
@@ -5024,7 +4999,7 @@
               <a:t>  "</a:t>
             </a:r>
             <a:r>
-              <a:rPr lang="en-US" b="0" i="0" dirty="0" err="1" smtClean="0">
+              <a:rPr lang="en-US" sz="1600" b="0" i="0" dirty="0" err="1" smtClean="0">
                 <a:solidFill>
                   <a:srgbClr val="000000"/>
                 </a:solidFill>
@@ -5034,7 +5009,7 @@
               <a:t>rdfs:label</a:t>
             </a:r>
             <a:r>
-              <a:rPr lang="en-US" b="0" i="0" dirty="0" smtClean="0">
+              <a:rPr lang="en-US" sz="1600" b="0" i="0" dirty="0" smtClean="0">
                 <a:solidFill>
                   <a:srgbClr val="000000"/>
                 </a:solidFill>
@@ -5044,17 +5019,17 @@
               <a:t>": "</a:t>
             </a:r>
             <a:r>
-              <a:rPr lang="en-US" b="0" i="0" dirty="0" err="1" smtClean="0">
-                <a:solidFill>
-                  <a:srgbClr val="000000"/>
-                </a:solidFill>
-                <a:effectLst/>
-                <a:latin typeface="Courier" charset="0"/>
-              </a:rPr>
-              <a:t>SwitchStateProperty</a:t>
-            </a:r>
-            <a:r>
-              <a:rPr lang="en-US" b="0" i="0" dirty="0" smtClean="0">
+              <a:rPr lang="en-US" sz="1600" b="0" i="0" dirty="0" err="1" smtClean="0">
+                <a:solidFill>
+                  <a:srgbClr val="000000"/>
+                </a:solidFill>
+                <a:effectLst/>
+                <a:latin typeface="Courier" charset="0"/>
+              </a:rPr>
+              <a:t>SwitchOnAction</a:t>
+            </a:r>
+            <a:r>
+              <a:rPr lang="en-US" sz="1600" b="0" i="0" dirty="0" smtClean="0">
                 <a:solidFill>
                   <a:srgbClr val="000000"/>
                 </a:solidFill>
@@ -5063,7 +5038,7 @@
               </a:rPr>
               <a:t>",</a:t>
             </a:r>
-            <a:endParaRPr lang="en-US" b="0" i="0" dirty="0" smtClean="0">
+            <a:endParaRPr lang="en-US" sz="1600" b="0" i="0" dirty="0" smtClean="0">
               <a:solidFill>
                 <a:srgbClr val="000000"/>
               </a:solidFill>
@@ -5073,7 +5048,7 @@
           </a:p>
           <a:p>
             <a:r>
-              <a:rPr lang="en-US" b="0" i="0" dirty="0" smtClean="0">
+              <a:rPr lang="en-US" sz="1600" b="0" i="0" dirty="0" smtClean="0">
                 <a:solidFill>
                   <a:srgbClr val="000000"/>
                 </a:solidFill>
@@ -5083,7 +5058,7 @@
               <a:t>  "</a:t>
             </a:r>
             <a:r>
-              <a:rPr lang="en-US" b="0" i="0" dirty="0" err="1" smtClean="0">
+              <a:rPr lang="en-US" sz="1600" b="0" i="0" dirty="0" err="1" smtClean="0">
                 <a:solidFill>
                   <a:srgbClr val="000000"/>
                 </a:solidFill>
@@ -5093,7 +5068,7 @@
               <a:t>rdfs:subClassOf</a:t>
             </a:r>
             <a:r>
-              <a:rPr lang="en-US" b="0" i="0" dirty="0" smtClean="0">
+              <a:rPr lang="en-US" sz="1600" b="0" i="0" dirty="0" smtClean="0">
                 <a:solidFill>
                   <a:srgbClr val="000000"/>
                 </a:solidFill>
@@ -5102,7 +5077,7 @@
               </a:rPr>
               <a:t>": {</a:t>
             </a:r>
-            <a:endParaRPr lang="en-US" b="0" i="0" dirty="0" smtClean="0">
+            <a:endParaRPr lang="en-US" sz="1600" b="0" i="0" dirty="0" smtClean="0">
               <a:solidFill>
                 <a:srgbClr val="000000"/>
               </a:solidFill>
@@ -5112,7 +5087,7 @@
           </a:p>
           <a:p>
             <a:r>
-              <a:rPr lang="en-US" b="0" i="0" dirty="0" smtClean="0">
+              <a:rPr lang="en-US" sz="1600" b="0" i="0" dirty="0" smtClean="0">
                 <a:solidFill>
                   <a:srgbClr val="000000"/>
                 </a:solidFill>
@@ -5122,17 +5097,17 @@
               <a:t>    "@id": "</a:t>
             </a:r>
             <a:r>
-              <a:rPr lang="en-US" b="0" i="0" dirty="0" err="1" smtClean="0">
-                <a:solidFill>
-                  <a:srgbClr val="000000"/>
-                </a:solidFill>
-                <a:effectLst/>
-                <a:latin typeface="Courier" charset="0"/>
-              </a:rPr>
-              <a:t>iot:Property</a:t>
-            </a:r>
-            <a:r>
-              <a:rPr lang="en-US" b="0" i="0" dirty="0" smtClean="0">
+              <a:rPr lang="en-US" sz="1600" b="0" i="0" dirty="0" err="1" smtClean="0">
+                <a:solidFill>
+                  <a:srgbClr val="000000"/>
+                </a:solidFill>
+                <a:effectLst/>
+                <a:latin typeface="Courier" charset="0"/>
+              </a:rPr>
+              <a:t>iot:Action</a:t>
+            </a:r>
+            <a:r>
+              <a:rPr lang="en-US" sz="1600" b="0" i="0" dirty="0" smtClean="0">
                 <a:solidFill>
                   <a:srgbClr val="000000"/>
                 </a:solidFill>
@@ -5141,7 +5116,7 @@
               </a:rPr>
               <a:t>"</a:t>
             </a:r>
-            <a:endParaRPr lang="en-US" b="0" i="0" dirty="0" smtClean="0">
+            <a:endParaRPr lang="en-US" sz="1600" b="0" i="0" dirty="0" smtClean="0">
               <a:solidFill>
                 <a:srgbClr val="000000"/>
               </a:solidFill>
@@ -5151,16 +5126,16 @@
           </a:p>
           <a:p>
             <a:r>
-              <a:rPr lang="en-US" b="0" i="0" dirty="0" smtClean="0">
-                <a:solidFill>
-                  <a:srgbClr val="000000"/>
-                </a:solidFill>
-                <a:effectLst/>
-                <a:latin typeface="Courier" charset="0"/>
-              </a:rPr>
-              <a:t>  },</a:t>
-            </a:r>
-            <a:endParaRPr lang="en-US" b="0" i="0" dirty="0" smtClean="0">
+              <a:rPr lang="en-US" sz="1600" b="0" i="0" dirty="0" smtClean="0">
+                <a:solidFill>
+                  <a:srgbClr val="000000"/>
+                </a:solidFill>
+                <a:effectLst/>
+                <a:latin typeface="Courier" charset="0"/>
+              </a:rPr>
+              <a:t>  }</a:t>
+            </a:r>
+            <a:endParaRPr lang="en-US" sz="1600" b="0" i="0" dirty="0" smtClean="0">
               <a:solidFill>
                 <a:srgbClr val="000000"/>
               </a:solidFill>
@@ -5170,36 +5145,16 @@
           </a:p>
           <a:p>
             <a:r>
-              <a:rPr lang="en-US" b="0" i="0" dirty="0" smtClean="0">
-                <a:solidFill>
-                  <a:srgbClr val="000000"/>
-                </a:solidFill>
-                <a:effectLst/>
-                <a:latin typeface="Courier" charset="0"/>
-              </a:rPr>
-              <a:t>  "</a:t>
-            </a:r>
-            <a:r>
-              <a:rPr lang="en-US" b="0" i="0" dirty="0" err="1" smtClean="0">
-                <a:solidFill>
-                  <a:srgbClr val="000000"/>
-                </a:solidFill>
-                <a:effectLst/>
-                <a:latin typeface="Courier" charset="0"/>
-              </a:rPr>
-              <a:t>iot:providesOutputData</a:t>
-            </a:r>
-            <a:r>
-              <a:rPr lang="en-US" b="0" i="0" dirty="0" smtClean="0">
-                <a:solidFill>
-                  <a:srgbClr val="000000"/>
-                </a:solidFill>
-                <a:effectLst/>
-                <a:latin typeface="Courier" charset="0"/>
-              </a:rPr>
-              <a:t>": {</a:t>
-            </a:r>
-            <a:endParaRPr lang="en-US" b="0" i="0" dirty="0" smtClean="0">
+              <a:rPr lang="en-US" sz="1600" b="0" i="0" dirty="0" smtClean="0">
+                <a:solidFill>
+                  <a:srgbClr val="000000"/>
+                </a:solidFill>
+                <a:effectLst/>
+                <a:latin typeface="Courier" charset="0"/>
+              </a:rPr>
+              <a:t>},</a:t>
+            </a:r>
+            <a:endParaRPr lang="en-US" sz="1600" b="0" i="0" dirty="0" smtClean="0">
               <a:solidFill>
                 <a:srgbClr val="000000"/>
               </a:solidFill>
@@ -5209,46 +5164,16 @@
           </a:p>
           <a:p>
             <a:r>
-              <a:rPr lang="en-US" b="0" i="0" dirty="0" smtClean="0">
-                <a:solidFill>
-                  <a:srgbClr val="000000"/>
-                </a:solidFill>
-                <a:effectLst/>
-                <a:latin typeface="Courier" charset="0"/>
-              </a:rPr>
-              <a:t>    "@id": </a:t>
-            </a:r>
-            <a:r>
-              <a:rPr lang="en-US" b="0" i="0" dirty="0" smtClean="0">
-                <a:solidFill>
-                  <a:srgbClr val="000000"/>
-                </a:solidFill>
-                <a:effectLst/>
-                <a:latin typeface="Courier" charset="0"/>
-              </a:rPr>
-              <a:t>"</a:t>
-            </a:r>
-            <a:r>
-              <a:rPr lang="en-US" b="0" i="0" dirty="0" err="1" smtClean="0">
-                <a:solidFill>
-                  <a:srgbClr val="FF0000"/>
-                </a:solidFill>
-                <a:effectLst/>
-                <a:latin typeface="Courier" charset="0"/>
-              </a:rPr>
-              <a:t>iot:SwitchStateData</a:t>
-            </a:r>
-            <a:r>
-              <a:rPr lang="en-US" b="0" i="0" dirty="0" smtClean="0">
-                <a:solidFill>
-                  <a:srgbClr val="000000"/>
-                </a:solidFill>
-                <a:effectLst/>
-                <a:latin typeface="Courier" charset="0"/>
-              </a:rPr>
-              <a:t>"</a:t>
-            </a:r>
-            <a:endParaRPr lang="en-US" b="0" i="0" dirty="0" smtClean="0">
+              <a:rPr lang="en-US" sz="1600" b="0" i="0" dirty="0" smtClean="0">
+                <a:solidFill>
+                  <a:srgbClr val="000000"/>
+                </a:solidFill>
+                <a:effectLst/>
+                <a:latin typeface="Courier" charset="0"/>
+              </a:rPr>
+              <a:t>{</a:t>
+            </a:r>
+            <a:endParaRPr lang="en-US" sz="1600" b="0" i="0" dirty="0" smtClean="0">
               <a:solidFill>
                 <a:srgbClr val="000000"/>
               </a:solidFill>
@@ -5258,16 +5183,36 @@
           </a:p>
           <a:p>
             <a:r>
-              <a:rPr lang="en-US" b="0" i="0" dirty="0" smtClean="0">
-                <a:solidFill>
-                  <a:srgbClr val="000000"/>
-                </a:solidFill>
-                <a:effectLst/>
-                <a:latin typeface="Courier" charset="0"/>
-              </a:rPr>
-              <a:t>  }</a:t>
-            </a:r>
-            <a:endParaRPr lang="en-US" b="0" i="0" dirty="0" smtClean="0">
+              <a:rPr lang="en-US" sz="1600" b="0" i="0" dirty="0" smtClean="0">
+                <a:solidFill>
+                  <a:srgbClr val="000000"/>
+                </a:solidFill>
+                <a:effectLst/>
+                <a:latin typeface="Courier" charset="0"/>
+              </a:rPr>
+              <a:t>  "@id": "</a:t>
+            </a:r>
+            <a:r>
+              <a:rPr lang="en-US" sz="1600" b="0" i="0" dirty="0" err="1" smtClean="0">
+                <a:solidFill>
+                  <a:srgbClr val="FF0000"/>
+                </a:solidFill>
+                <a:effectLst/>
+                <a:latin typeface="Courier" charset="0"/>
+              </a:rPr>
+              <a:t>iot:SwitchOffAction</a:t>
+            </a:r>
+            <a:r>
+              <a:rPr lang="en-US" sz="1600" b="0" i="0" dirty="0" smtClean="0">
+                <a:solidFill>
+                  <a:srgbClr val="000000"/>
+                </a:solidFill>
+                <a:effectLst/>
+                <a:latin typeface="Courier" charset="0"/>
+              </a:rPr>
+              <a:t>",</a:t>
+            </a:r>
+            <a:endParaRPr lang="en-US" sz="1600" b="0" i="0" dirty="0" smtClean="0">
               <a:solidFill>
                 <a:srgbClr val="000000"/>
               </a:solidFill>
@@ -5277,16 +5222,36 @@
           </a:p>
           <a:p>
             <a:r>
-              <a:rPr lang="en-US" b="0" i="0" dirty="0" smtClean="0">
-                <a:solidFill>
-                  <a:srgbClr val="000000"/>
-                </a:solidFill>
-                <a:effectLst/>
-                <a:latin typeface="Courier" charset="0"/>
-              </a:rPr>
-              <a:t>},</a:t>
-            </a:r>
-            <a:endParaRPr lang="en-US" b="0" i="0" dirty="0" smtClean="0">
+              <a:rPr lang="en-US" sz="1600" b="0" i="0" dirty="0" smtClean="0">
+                <a:solidFill>
+                  <a:srgbClr val="000000"/>
+                </a:solidFill>
+                <a:effectLst/>
+                <a:latin typeface="Courier" charset="0"/>
+              </a:rPr>
+              <a:t>  "@type": "</a:t>
+            </a:r>
+            <a:r>
+              <a:rPr lang="en-US" sz="1600" b="0" i="0" dirty="0" err="1" smtClean="0">
+                <a:solidFill>
+                  <a:srgbClr val="000000"/>
+                </a:solidFill>
+                <a:effectLst/>
+                <a:latin typeface="Courier" charset="0"/>
+              </a:rPr>
+              <a:t>rdfs:Class</a:t>
+            </a:r>
+            <a:r>
+              <a:rPr lang="en-US" sz="1600" b="0" i="0" dirty="0" smtClean="0">
+                <a:solidFill>
+                  <a:srgbClr val="000000"/>
+                </a:solidFill>
+                <a:effectLst/>
+                <a:latin typeface="Courier" charset="0"/>
+              </a:rPr>
+              <a:t>",</a:t>
+            </a:r>
+            <a:endParaRPr lang="en-US" sz="1600" b="0" i="0" dirty="0" smtClean="0">
               <a:solidFill>
                 <a:srgbClr val="000000"/>
               </a:solidFill>
@@ -5296,16 +5261,56 @@
           </a:p>
           <a:p>
             <a:r>
-              <a:rPr lang="en-US" b="0" i="0" dirty="0" smtClean="0">
-                <a:solidFill>
-                  <a:srgbClr val="000000"/>
-                </a:solidFill>
-                <a:effectLst/>
-                <a:latin typeface="Courier" charset="0"/>
-              </a:rPr>
-              <a:t>{</a:t>
-            </a:r>
-            <a:endParaRPr lang="en-US" b="0" i="0" dirty="0" smtClean="0">
+              <a:rPr lang="en-US" sz="1600" b="0" i="0" dirty="0" smtClean="0">
+                <a:solidFill>
+                  <a:srgbClr val="000000"/>
+                </a:solidFill>
+                <a:effectLst/>
+                <a:latin typeface="Courier" charset="0"/>
+              </a:rPr>
+              <a:t>  "</a:t>
+            </a:r>
+            <a:r>
+              <a:rPr lang="en-US" sz="1600" b="0" i="0" dirty="0" err="1" smtClean="0">
+                <a:solidFill>
+                  <a:srgbClr val="000000"/>
+                </a:solidFill>
+                <a:effectLst/>
+                <a:latin typeface="Courier" charset="0"/>
+              </a:rPr>
+              <a:t>rdfs:label</a:t>
+            </a:r>
+            <a:r>
+              <a:rPr lang="en-US" sz="1600" b="0" i="0" dirty="0" smtClean="0">
+                <a:solidFill>
+                  <a:srgbClr val="000000"/>
+                </a:solidFill>
+                <a:effectLst/>
+                <a:latin typeface="Courier" charset="0"/>
+              </a:rPr>
+              <a:t>": "</a:t>
+            </a:r>
+            <a:r>
+              <a:rPr lang="en-US" sz="1600" b="0" i="0" dirty="0" err="1" smtClean="0">
+                <a:solidFill>
+                  <a:srgbClr val="000000"/>
+                </a:solidFill>
+                <a:effectLst/>
+                <a:latin typeface="Courier" charset="0"/>
+              </a:rPr>
+              <a:t>SwitchOffAction</a:t>
+            </a:r>
+            <a:r>
+              <a:rPr lang="en-US" sz="1600" b="0" i="0" dirty="0" smtClean="0">
+                <a:solidFill>
+                  <a:srgbClr val="000000"/>
+                </a:solidFill>
+                <a:effectLst/>
+                <a:latin typeface="Courier" charset="0"/>
+              </a:rPr>
+              <a:t>",</a:t>
+            </a:r>
+            <a:endParaRPr lang="en-US" sz="1600" b="0" i="0" dirty="0" smtClean="0">
               <a:solidFill>
                 <a:srgbClr val="000000"/>
               </a:solidFill>
@@ -5315,46 +5320,36 @@
           </a:p>
           <a:p>
             <a:r>
-              <a:rPr lang="en-US" b="0" i="0" dirty="0" smtClean="0">
-                <a:solidFill>
-                  <a:srgbClr val="000000"/>
-                </a:solidFill>
-                <a:effectLst/>
-                <a:latin typeface="Courier" charset="0"/>
-              </a:rPr>
-              <a:t>  "@id": </a:t>
-            </a:r>
-            <a:r>
-              <a:rPr lang="en-US" b="0" i="0" dirty="0" smtClean="0">
-                <a:solidFill>
-                  <a:srgbClr val="000000"/>
-                </a:solidFill>
-                <a:effectLst/>
-                <a:latin typeface="Courier" charset="0"/>
-              </a:rPr>
-              <a:t>"</a:t>
-            </a:r>
-            <a:r>
-              <a:rPr lang="en-US" b="0" i="0" dirty="0" err="1" smtClean="0">
-                <a:solidFill>
-                  <a:srgbClr val="FF0000"/>
-                </a:solidFill>
-                <a:effectLst/>
-                <a:latin typeface="Courier" charset="0"/>
-              </a:rPr>
-              <a:t>iot:SwitchStateData</a:t>
-            </a:r>
-            <a:r>
-              <a:rPr lang="en-US" b="0" i="0" dirty="0" smtClean="0">
-                <a:solidFill>
-                  <a:srgbClr val="000000"/>
-                </a:solidFill>
-                <a:effectLst/>
-                <a:latin typeface="Courier" charset="0"/>
-              </a:rPr>
-              <a:t>",</a:t>
-            </a:r>
-            <a:endParaRPr lang="en-US" b="0" i="0" dirty="0" smtClean="0">
+              <a:rPr lang="en-US" sz="1600" b="0" i="0" dirty="0" smtClean="0">
+                <a:solidFill>
+                  <a:srgbClr val="000000"/>
+                </a:solidFill>
+                <a:effectLst/>
+                <a:latin typeface="Courier" charset="0"/>
+              </a:rPr>
+              <a:t>  "</a:t>
+            </a:r>
+            <a:r>
+              <a:rPr lang="en-US" sz="1600" b="0" i="0" dirty="0" err="1" smtClean="0">
+                <a:solidFill>
+                  <a:srgbClr val="000000"/>
+                </a:solidFill>
+                <a:effectLst/>
+                <a:latin typeface="Courier" charset="0"/>
+              </a:rPr>
+              <a:t>rdfs:subClassOf</a:t>
+            </a:r>
+            <a:r>
+              <a:rPr lang="en-US" sz="1600" b="0" i="0" dirty="0" smtClean="0">
+                <a:solidFill>
+                  <a:srgbClr val="000000"/>
+                </a:solidFill>
+                <a:effectLst/>
+                <a:latin typeface="Courier" charset="0"/>
+              </a:rPr>
+              <a:t>": {</a:t>
+            </a:r>
+            <a:endParaRPr lang="en-US" sz="1600" b="0" i="0" dirty="0" smtClean="0">
               <a:solidFill>
                 <a:srgbClr val="000000"/>
               </a:solidFill>
@@ -5364,36 +5359,36 @@
           </a:p>
           <a:p>
             <a:r>
-              <a:rPr lang="en-US" b="0" i="0" dirty="0" smtClean="0">
-                <a:solidFill>
-                  <a:srgbClr val="000000"/>
-                </a:solidFill>
-                <a:effectLst/>
-                <a:latin typeface="Courier" charset="0"/>
-              </a:rPr>
-              <a:t>  "@type": "</a:t>
-            </a:r>
-            <a:r>
-              <a:rPr lang="en-US" b="0" i="0" dirty="0" err="1" smtClean="0">
-                <a:solidFill>
-                  <a:srgbClr val="000000"/>
-                </a:solidFill>
-                <a:effectLst/>
-                <a:latin typeface="Courier" charset="0"/>
-              </a:rPr>
-              <a:t>rdfs:Class</a:t>
-            </a:r>
-            <a:r>
-              <a:rPr lang="en-US" b="0" i="0" dirty="0" smtClean="0">
-                <a:solidFill>
-                  <a:srgbClr val="000000"/>
-                </a:solidFill>
-                <a:effectLst/>
-                <a:latin typeface="Courier" charset="0"/>
-              </a:rPr>
-              <a:t>",</a:t>
-            </a:r>
-            <a:endParaRPr lang="en-US" b="0" i="0" dirty="0" smtClean="0">
+              <a:rPr lang="en-US" sz="1600" b="0" i="0" dirty="0" smtClean="0">
+                <a:solidFill>
+                  <a:srgbClr val="000000"/>
+                </a:solidFill>
+                <a:effectLst/>
+                <a:latin typeface="Courier" charset="0"/>
+              </a:rPr>
+              <a:t>    "@id": "</a:t>
+            </a:r>
+            <a:r>
+              <a:rPr lang="en-US" sz="1600" b="0" i="0" dirty="0" err="1" smtClean="0">
+                <a:solidFill>
+                  <a:srgbClr val="000000"/>
+                </a:solidFill>
+                <a:effectLst/>
+                <a:latin typeface="Courier" charset="0"/>
+              </a:rPr>
+              <a:t>iot:Action</a:t>
+            </a:r>
+            <a:r>
+              <a:rPr lang="en-US" sz="1600" b="0" i="0" dirty="0" smtClean="0">
+                <a:solidFill>
+                  <a:srgbClr val="000000"/>
+                </a:solidFill>
+                <a:effectLst/>
+                <a:latin typeface="Courier" charset="0"/>
+              </a:rPr>
+              <a:t>"</a:t>
+            </a:r>
+            <a:endParaRPr lang="en-US" sz="1600" b="0" i="0" dirty="0" smtClean="0">
               <a:solidFill>
                 <a:srgbClr val="000000"/>
               </a:solidFill>
@@ -5403,56 +5398,16 @@
           </a:p>
           <a:p>
             <a:r>
-              <a:rPr lang="en-US" b="0" i="0" dirty="0" smtClean="0">
-                <a:solidFill>
-                  <a:srgbClr val="000000"/>
-                </a:solidFill>
-                <a:effectLst/>
-                <a:latin typeface="Courier" charset="0"/>
-              </a:rPr>
-              <a:t>  "</a:t>
-            </a:r>
-            <a:r>
-              <a:rPr lang="en-US" b="0" i="0" dirty="0" err="1" smtClean="0">
-                <a:solidFill>
-                  <a:srgbClr val="000000"/>
-                </a:solidFill>
-                <a:effectLst/>
-                <a:latin typeface="Courier" charset="0"/>
-              </a:rPr>
-              <a:t>rdfs:label</a:t>
-            </a:r>
-            <a:r>
-              <a:rPr lang="en-US" b="0" i="0" dirty="0" smtClean="0">
-                <a:solidFill>
-                  <a:srgbClr val="000000"/>
-                </a:solidFill>
-                <a:effectLst/>
-                <a:latin typeface="Courier" charset="0"/>
-              </a:rPr>
-              <a:t>": "</a:t>
-            </a:r>
-            <a:r>
-              <a:rPr lang="en-US" b="0" i="0" dirty="0" err="1" smtClean="0">
-                <a:solidFill>
-                  <a:srgbClr val="000000"/>
-                </a:solidFill>
-                <a:effectLst/>
-                <a:latin typeface="Courier" charset="0"/>
-              </a:rPr>
-              <a:t>SwitchStateData</a:t>
-            </a:r>
-            <a:r>
-              <a:rPr lang="en-US" b="0" i="0" dirty="0" smtClean="0">
-                <a:solidFill>
-                  <a:srgbClr val="000000"/>
-                </a:solidFill>
-                <a:effectLst/>
-                <a:latin typeface="Courier" charset="0"/>
-              </a:rPr>
-              <a:t>",</a:t>
-            </a:r>
-            <a:endParaRPr lang="en-US" b="0" i="0" dirty="0" smtClean="0">
+              <a:rPr lang="en-US" sz="1600" b="0" i="0" dirty="0" smtClean="0">
+                <a:solidFill>
+                  <a:srgbClr val="000000"/>
+                </a:solidFill>
+                <a:effectLst/>
+                <a:latin typeface="Courier" charset="0"/>
+              </a:rPr>
+              <a:t>  }</a:t>
+            </a:r>
+            <a:endParaRPr lang="en-US" sz="1600" b="0" i="0" dirty="0" smtClean="0">
               <a:solidFill>
                 <a:srgbClr val="000000"/>
               </a:solidFill>
@@ -5462,36 +5417,16 @@
           </a:p>
           <a:p>
             <a:r>
-              <a:rPr lang="en-US" b="0" i="0" dirty="0" smtClean="0">
-                <a:solidFill>
-                  <a:srgbClr val="000000"/>
-                </a:solidFill>
-                <a:effectLst/>
-                <a:latin typeface="Courier" charset="0"/>
-              </a:rPr>
-              <a:t>  "</a:t>
-            </a:r>
-            <a:r>
-              <a:rPr lang="en-US" b="0" i="0" dirty="0" err="1" smtClean="0">
-                <a:solidFill>
-                  <a:srgbClr val="000000"/>
-                </a:solidFill>
-                <a:effectLst/>
-                <a:latin typeface="Courier" charset="0"/>
-              </a:rPr>
-              <a:t>rdfs:subClassOf</a:t>
-            </a:r>
-            <a:r>
-              <a:rPr lang="en-US" b="0" i="0" dirty="0" smtClean="0">
-                <a:solidFill>
-                  <a:srgbClr val="000000"/>
-                </a:solidFill>
-                <a:effectLst/>
-                <a:latin typeface="Courier" charset="0"/>
-              </a:rPr>
-              <a:t>": {</a:t>
-            </a:r>
-            <a:endParaRPr lang="en-US" b="0" i="0" dirty="0" smtClean="0">
+              <a:rPr lang="en-US" sz="1600" b="0" i="0" dirty="0" smtClean="0">
+                <a:solidFill>
+                  <a:srgbClr val="000000"/>
+                </a:solidFill>
+                <a:effectLst/>
+                <a:latin typeface="Courier" charset="0"/>
+              </a:rPr>
+              <a:t>}</a:t>
+            </a:r>
+            <a:endParaRPr lang="en-US" sz="1600" b="0" i="0" dirty="0">
               <a:solidFill>
                 <a:srgbClr val="000000"/>
               </a:solidFill>
@@ -5499,186 +5434,12 @@
               <a:latin typeface="Helvetica" charset="0"/>
             </a:endParaRPr>
           </a:p>
-          <a:p>
-            <a:r>
-              <a:rPr lang="en-US" b="0" i="0" dirty="0" smtClean="0">
-                <a:solidFill>
-                  <a:srgbClr val="000000"/>
-                </a:solidFill>
-                <a:effectLst/>
-                <a:latin typeface="Courier" charset="0"/>
-              </a:rPr>
-              <a:t>    "@id": "</a:t>
-            </a:r>
-            <a:r>
-              <a:rPr lang="en-US" b="0" i="0" dirty="0" err="1" smtClean="0">
-                <a:solidFill>
-                  <a:srgbClr val="000000"/>
-                </a:solidFill>
-                <a:effectLst/>
-                <a:latin typeface="Courier" charset="0"/>
-              </a:rPr>
-              <a:t>schema:PropertyValue</a:t>
-            </a:r>
-            <a:r>
-              <a:rPr lang="en-US" b="0" i="0" dirty="0" smtClean="0">
-                <a:solidFill>
-                  <a:srgbClr val="000000"/>
-                </a:solidFill>
-                <a:effectLst/>
-                <a:latin typeface="Courier" charset="0"/>
-              </a:rPr>
-              <a:t>"</a:t>
-            </a:r>
-            <a:endParaRPr lang="en-US" b="0" i="0" dirty="0" smtClean="0">
-              <a:solidFill>
-                <a:srgbClr val="000000"/>
-              </a:solidFill>
-              <a:effectLst/>
-              <a:latin typeface="Helvetica" charset="0"/>
-            </a:endParaRPr>
-          </a:p>
-          <a:p>
-            <a:r>
-              <a:rPr lang="en-US" b="0" i="0" dirty="0" smtClean="0">
-                <a:solidFill>
-                  <a:srgbClr val="000000"/>
-                </a:solidFill>
-                <a:effectLst/>
-                <a:latin typeface="Courier" charset="0"/>
-              </a:rPr>
-              <a:t>  },</a:t>
-            </a:r>
-            <a:endParaRPr lang="en-US" b="0" i="0" dirty="0" smtClean="0">
-              <a:solidFill>
-                <a:srgbClr val="000000"/>
-              </a:solidFill>
-              <a:effectLst/>
-              <a:latin typeface="Helvetica" charset="0"/>
-            </a:endParaRPr>
-          </a:p>
-          <a:p>
-            <a:r>
-              <a:rPr lang="en-US" b="0" i="0" dirty="0" smtClean="0">
-                <a:solidFill>
-                  <a:srgbClr val="000000"/>
-                </a:solidFill>
-                <a:effectLst/>
-                <a:latin typeface="Courier" charset="0"/>
-              </a:rPr>
-              <a:t>  "</a:t>
-            </a:r>
-            <a:r>
-              <a:rPr lang="en-US" b="0" i="0" dirty="0" err="1" smtClean="0">
-                <a:solidFill>
-                  <a:srgbClr val="000000"/>
-                </a:solidFill>
-                <a:effectLst/>
-                <a:latin typeface="Courier" charset="0"/>
-              </a:rPr>
-              <a:t>schema:propertyType</a:t>
-            </a:r>
-            <a:r>
-              <a:rPr lang="en-US" b="0" i="0" dirty="0" smtClean="0">
-                <a:solidFill>
-                  <a:srgbClr val="000000"/>
-                </a:solidFill>
-                <a:effectLst/>
-                <a:latin typeface="Courier" charset="0"/>
-              </a:rPr>
-              <a:t>": {</a:t>
-            </a:r>
-            <a:endParaRPr lang="en-US" b="0" i="0" dirty="0" smtClean="0">
-              <a:solidFill>
-                <a:srgbClr val="000000"/>
-              </a:solidFill>
-              <a:effectLst/>
-              <a:latin typeface="Helvetica" charset="0"/>
-            </a:endParaRPr>
-          </a:p>
-          <a:p>
-            <a:r>
-              <a:rPr lang="en-US" b="0" i="0" dirty="0" smtClean="0">
-                <a:solidFill>
-                  <a:srgbClr val="000000"/>
-                </a:solidFill>
-                <a:effectLst/>
-                <a:latin typeface="Courier" charset="0"/>
-              </a:rPr>
-              <a:t>    "@id": "</a:t>
-            </a:r>
-            <a:r>
-              <a:rPr lang="en-US" b="0" i="0" dirty="0" err="1" smtClean="0">
-                <a:solidFill>
-                  <a:srgbClr val="000000"/>
-                </a:solidFill>
-                <a:effectLst/>
-                <a:latin typeface="Courier" charset="0"/>
-              </a:rPr>
-              <a:t>schema:String</a:t>
-            </a:r>
-            <a:r>
-              <a:rPr lang="en-US" b="0" i="0" dirty="0" smtClean="0">
-                <a:solidFill>
-                  <a:srgbClr val="000000"/>
-                </a:solidFill>
-                <a:effectLst/>
-                <a:latin typeface="Courier" charset="0"/>
-              </a:rPr>
-              <a:t>"</a:t>
-            </a:r>
-            <a:endParaRPr lang="en-US" b="0" i="0" dirty="0" smtClean="0">
-              <a:solidFill>
-                <a:srgbClr val="000000"/>
-              </a:solidFill>
-              <a:effectLst/>
-              <a:latin typeface="Helvetica" charset="0"/>
-            </a:endParaRPr>
-          </a:p>
-          <a:p>
-            <a:r>
-              <a:rPr lang="en-US" b="0" i="0" dirty="0" smtClean="0">
-                <a:solidFill>
-                  <a:srgbClr val="000000"/>
-                </a:solidFill>
-                <a:effectLst/>
-                <a:latin typeface="Courier" charset="0"/>
-              </a:rPr>
-              <a:t>  }</a:t>
-            </a:r>
-            <a:endParaRPr lang="en-US" b="0" i="0" dirty="0" smtClean="0">
-              <a:solidFill>
-                <a:srgbClr val="000000"/>
-              </a:solidFill>
-              <a:effectLst/>
-              <a:latin typeface="Helvetica" charset="0"/>
-            </a:endParaRPr>
-          </a:p>
-          <a:p>
-            <a:r>
-              <a:rPr lang="en-US" b="0" i="0" dirty="0" smtClean="0">
-                <a:solidFill>
-                  <a:srgbClr val="000000"/>
-                </a:solidFill>
-                <a:effectLst/>
-                <a:latin typeface="Courier" charset="0"/>
-              </a:rPr>
-              <a:t>}</a:t>
-            </a:r>
-            <a:endParaRPr lang="en-US" b="0" i="0" dirty="0">
-              <a:solidFill>
-                <a:srgbClr val="000000"/>
-              </a:solidFill>
-              <a:effectLst/>
-              <a:latin typeface="Helvetica" charset="0"/>
-            </a:endParaRPr>
-          </a:p>
         </p:txBody>
       </p:sp>
     </p:spTree>
     <p:extLst>
       <p:ext uri="{BB962C8B-B14F-4D97-AF65-F5344CB8AC3E}">
-        <p14:creationId xmlns:p14="http://schemas.microsoft.com/office/powerpoint/2010/main" val="2067208417"/>
+        <p14:creationId xmlns:p14="http://schemas.microsoft.com/office/powerpoint/2010/main" val="1581423353"/>
       </p:ext>
     </p:extLst>
   </p:cSld>
@@ -5717,7 +5478,7 @@
         </p:nvSpPr>
         <p:spPr>
           <a:xfrm>
-            <a:off x="202623" y="0"/>
+            <a:off x="566305" y="0"/>
             <a:ext cx="7886700" cy="1325563"/>
           </a:xfrm>
         </p:spPr>
@@ -5727,7 +5488,7 @@
           <a:p>
             <a:r>
               <a:rPr lang="en-US" dirty="0" smtClean="0"/>
-              <a:t>Result (3)</a:t>
+              <a:t>Properties and Data Types</a:t>
             </a:r>
             <a:endParaRPr lang="en-US" dirty="0"/>
           </a:p>
@@ -5735,14 +5496,14 @@
       </p:sp>
       <p:sp>
         <p:nvSpPr>
-          <p:cNvPr id="5" name="Rectangle 4"/>
+          <p:cNvPr id="4" name="Rectangle 3"/>
           <p:cNvSpPr/>
           <p:nvPr/>
         </p:nvSpPr>
         <p:spPr>
           <a:xfrm>
-            <a:off x="3096492" y="1325563"/>
-            <a:ext cx="5216236" cy="4524315"/>
+            <a:off x="2078181" y="1066766"/>
+            <a:ext cx="7180117" cy="5509200"/>
           </a:xfrm>
           <a:prstGeom prst="rect">
             <a:avLst/>
@@ -5755,7 +5516,7 @@
           <a:lstStyle/>
           <a:p>
             <a:r>
-              <a:rPr lang="en-US" b="0" i="0" dirty="0" smtClean="0">
+              <a:rPr lang="en-US" sz="1600" b="0" i="0" dirty="0" smtClean="0">
                 <a:solidFill>
                   <a:srgbClr val="000000"/>
                 </a:solidFill>
@@ -5764,7 +5525,7 @@
               </a:rPr>
               <a:t>{</a:t>
             </a:r>
-            <a:endParaRPr lang="en-US" b="0" i="0" dirty="0" smtClean="0">
+            <a:endParaRPr lang="en-US" sz="1600" b="0" i="0" dirty="0" smtClean="0">
               <a:solidFill>
                 <a:srgbClr val="000000"/>
               </a:solidFill>
@@ -5774,37 +5535,27 @@
           </a:p>
           <a:p>
             <a:r>
-              <a:rPr lang="en-US" b="0" i="0" dirty="0" smtClean="0">
-                <a:solidFill>
-                  <a:srgbClr val="000000"/>
-                </a:solidFill>
-                <a:effectLst/>
-                <a:latin typeface="Courier" charset="0"/>
-              </a:rPr>
-              <a:t>  "@id": </a:t>
-            </a:r>
-            <a:r>
-              <a:rPr lang="en-US" b="0" i="0" dirty="0" smtClean="0">
-                <a:solidFill>
-                  <a:srgbClr val="000000"/>
-                </a:solidFill>
-                <a:effectLst/>
-                <a:latin typeface="Courier" charset="0"/>
-              </a:rPr>
-              <a:t>"</a:t>
-            </a:r>
-            <a:r>
-              <a:rPr lang="en-US" b="0" i="0" dirty="0" err="1" smtClean="0">
+              <a:rPr lang="en-US" sz="1600" b="0" i="0" dirty="0" smtClean="0">
+                <a:solidFill>
+                  <a:srgbClr val="000000"/>
+                </a:solidFill>
+                <a:effectLst/>
+                <a:latin typeface="Courier" charset="0"/>
+              </a:rPr>
+              <a:t>  "@id": "</a:t>
+            </a:r>
+            <a:r>
+              <a:rPr lang="en-US" sz="1600" b="0" i="0" dirty="0" err="1" smtClean="0">
                 <a:solidFill>
                   <a:srgbClr val="FF0000"/>
                 </a:solidFill>
                 <a:effectLst/>
                 <a:latin typeface="Courier" charset="0"/>
               </a:rPr>
-              <a:t>iot:SwitchOnAction</a:t>
-            </a:r>
-            <a:r>
-              <a:rPr lang="en-US" b="0" i="0" dirty="0" smtClean="0">
+              <a:t>iot:SwitchStateProperty</a:t>
+            </a:r>
+            <a:r>
+              <a:rPr lang="en-US" sz="1600" b="0" i="0" dirty="0" smtClean="0">
                 <a:solidFill>
                   <a:srgbClr val="000000"/>
                 </a:solidFill>
@@ -5813,7 +5564,7 @@
               </a:rPr>
               <a:t>",</a:t>
             </a:r>
-            <a:endParaRPr lang="en-US" b="0" i="0" dirty="0" smtClean="0">
+            <a:endParaRPr lang="en-US" sz="1600" b="0" i="0" dirty="0" smtClean="0">
               <a:solidFill>
                 <a:srgbClr val="000000"/>
               </a:solidFill>
@@ -5823,7 +5574,7 @@
           </a:p>
           <a:p>
             <a:r>
-              <a:rPr lang="en-US" b="0" i="0" dirty="0" smtClean="0">
+              <a:rPr lang="en-US" sz="1600" b="0" i="0" dirty="0" smtClean="0">
                 <a:solidFill>
                   <a:srgbClr val="000000"/>
                 </a:solidFill>
@@ -5833,7 +5584,7 @@
               <a:t>  "@type": "</a:t>
             </a:r>
             <a:r>
-              <a:rPr lang="en-US" b="0" i="0" dirty="0" err="1" smtClean="0">
+              <a:rPr lang="en-US" sz="1600" b="0" i="0" dirty="0" err="1" smtClean="0">
                 <a:solidFill>
                   <a:srgbClr val="000000"/>
                 </a:solidFill>
@@ -5843,7 +5594,7 @@
               <a:t>rdfs:Class</a:t>
             </a:r>
             <a:r>
-              <a:rPr lang="en-US" b="0" i="0" dirty="0" smtClean="0">
+              <a:rPr lang="en-US" sz="1600" b="0" i="0" dirty="0" smtClean="0">
                 <a:solidFill>
                   <a:srgbClr val="000000"/>
                 </a:solidFill>
@@ -5852,7 +5603,7 @@
               </a:rPr>
               <a:t>",</a:t>
             </a:r>
-            <a:endParaRPr lang="en-US" b="0" i="0" dirty="0" smtClean="0">
+            <a:endParaRPr lang="en-US" sz="1600" b="0" i="0" dirty="0" smtClean="0">
               <a:solidFill>
                 <a:srgbClr val="000000"/>
               </a:solidFill>
@@ -5862,7 +5613,7 @@
           </a:p>
           <a:p>
             <a:r>
-              <a:rPr lang="en-US" b="0" i="0" dirty="0" smtClean="0">
+              <a:rPr lang="en-US" sz="1600" b="0" i="0" dirty="0" smtClean="0">
                 <a:solidFill>
                   <a:srgbClr val="000000"/>
                 </a:solidFill>
@@ -5872,7 +5623,7 @@
               <a:t>  "</a:t>
             </a:r>
             <a:r>
-              <a:rPr lang="en-US" b="0" i="0" dirty="0" err="1" smtClean="0">
+              <a:rPr lang="en-US" sz="1600" b="0" i="0" dirty="0" err="1" smtClean="0">
                 <a:solidFill>
                   <a:srgbClr val="000000"/>
                 </a:solidFill>
@@ -5882,7 +5633,7 @@
               <a:t>rdfs:label</a:t>
             </a:r>
             <a:r>
-              <a:rPr lang="en-US" b="0" i="0" dirty="0" smtClean="0">
+              <a:rPr lang="en-US" sz="1600" b="0" i="0" dirty="0" smtClean="0">
                 <a:solidFill>
                   <a:srgbClr val="000000"/>
                 </a:solidFill>
@@ -5892,17 +5643,17 @@
               <a:t>": "</a:t>
             </a:r>
             <a:r>
-              <a:rPr lang="en-US" b="0" i="0" dirty="0" err="1" smtClean="0">
-                <a:solidFill>
-                  <a:srgbClr val="000000"/>
-                </a:solidFill>
-                <a:effectLst/>
-                <a:latin typeface="Courier" charset="0"/>
-              </a:rPr>
-              <a:t>SwitchOnAction</a:t>
-            </a:r>
-            <a:r>
-              <a:rPr lang="en-US" b="0" i="0" dirty="0" smtClean="0">
+              <a:rPr lang="en-US" sz="1600" b="0" i="0" dirty="0" err="1" smtClean="0">
+                <a:solidFill>
+                  <a:srgbClr val="000000"/>
+                </a:solidFill>
+                <a:effectLst/>
+                <a:latin typeface="Courier" charset="0"/>
+              </a:rPr>
+              <a:t>SwitchStateProperty</a:t>
+            </a:r>
+            <a:r>
+              <a:rPr lang="en-US" sz="1600" b="0" i="0" dirty="0" smtClean="0">
                 <a:solidFill>
                   <a:srgbClr val="000000"/>
                 </a:solidFill>
@@ -5911,7 +5662,7 @@
               </a:rPr>
               <a:t>",</a:t>
             </a:r>
-            <a:endParaRPr lang="en-US" b="0" i="0" dirty="0" smtClean="0">
+            <a:endParaRPr lang="en-US" sz="1600" b="0" i="0" dirty="0" smtClean="0">
               <a:solidFill>
                 <a:srgbClr val="000000"/>
               </a:solidFill>
@@ -5921,7 +5672,7 @@
           </a:p>
           <a:p>
             <a:r>
-              <a:rPr lang="en-US" b="0" i="0" dirty="0" smtClean="0">
+              <a:rPr lang="en-US" sz="1600" b="0" i="0" dirty="0" smtClean="0">
                 <a:solidFill>
                   <a:srgbClr val="000000"/>
                 </a:solidFill>
@@ -5931,7 +5682,7 @@
               <a:t>  "</a:t>
             </a:r>
             <a:r>
-              <a:rPr lang="en-US" b="0" i="0" dirty="0" err="1" smtClean="0">
+              <a:rPr lang="en-US" sz="1600" b="0" i="0" dirty="0" err="1" smtClean="0">
                 <a:solidFill>
                   <a:srgbClr val="000000"/>
                 </a:solidFill>
@@ -5941,7 +5692,7 @@
               <a:t>rdfs:subClassOf</a:t>
             </a:r>
             <a:r>
-              <a:rPr lang="en-US" b="0" i="0" dirty="0" smtClean="0">
+              <a:rPr lang="en-US" sz="1600" b="0" i="0" dirty="0" smtClean="0">
                 <a:solidFill>
                   <a:srgbClr val="000000"/>
                 </a:solidFill>
@@ -5950,7 +5701,7 @@
               </a:rPr>
               <a:t>": {</a:t>
             </a:r>
-            <a:endParaRPr lang="en-US" b="0" i="0" dirty="0" smtClean="0">
+            <a:endParaRPr lang="en-US" sz="1600" b="0" i="0" dirty="0" smtClean="0">
               <a:solidFill>
                 <a:srgbClr val="000000"/>
               </a:solidFill>
@@ -5960,7 +5711,7 @@
           </a:p>
           <a:p>
             <a:r>
-              <a:rPr lang="en-US" b="0" i="0" dirty="0" smtClean="0">
+              <a:rPr lang="en-US" sz="1600" b="0" i="0" dirty="0" smtClean="0">
                 <a:solidFill>
                   <a:srgbClr val="000000"/>
                 </a:solidFill>
@@ -5970,17 +5721,17 @@
               <a:t>    "@id": "</a:t>
             </a:r>
             <a:r>
-              <a:rPr lang="en-US" b="0" i="0" dirty="0" err="1" smtClean="0">
-                <a:solidFill>
-                  <a:srgbClr val="000000"/>
-                </a:solidFill>
-                <a:effectLst/>
-                <a:latin typeface="Courier" charset="0"/>
-              </a:rPr>
-              <a:t>iot:Action</a:t>
-            </a:r>
-            <a:r>
-              <a:rPr lang="en-US" b="0" i="0" dirty="0" smtClean="0">
+              <a:rPr lang="en-US" sz="1600" b="0" i="0" dirty="0" err="1" smtClean="0">
+                <a:solidFill>
+                  <a:srgbClr val="000000"/>
+                </a:solidFill>
+                <a:effectLst/>
+                <a:latin typeface="Courier" charset="0"/>
+              </a:rPr>
+              <a:t>iot:Property</a:t>
+            </a:r>
+            <a:r>
+              <a:rPr lang="en-US" sz="1600" b="0" i="0" dirty="0" smtClean="0">
                 <a:solidFill>
                   <a:srgbClr val="000000"/>
                 </a:solidFill>
@@ -5989,7 +5740,7 @@
               </a:rPr>
               <a:t>"</a:t>
             </a:r>
-            <a:endParaRPr lang="en-US" b="0" i="0" dirty="0" smtClean="0">
+            <a:endParaRPr lang="en-US" sz="1600" b="0" i="0" dirty="0" smtClean="0">
               <a:solidFill>
                 <a:srgbClr val="000000"/>
               </a:solidFill>
@@ -5999,16 +5750,16 @@
           </a:p>
           <a:p>
             <a:r>
-              <a:rPr lang="en-US" b="0" i="0" dirty="0" smtClean="0">
-                <a:solidFill>
-                  <a:srgbClr val="000000"/>
-                </a:solidFill>
-                <a:effectLst/>
-                <a:latin typeface="Courier" charset="0"/>
-              </a:rPr>
-              <a:t>  }</a:t>
-            </a:r>
-            <a:endParaRPr lang="en-US" b="0" i="0" dirty="0" smtClean="0">
+              <a:rPr lang="en-US" sz="1600" b="0" i="0" dirty="0" smtClean="0">
+                <a:solidFill>
+                  <a:srgbClr val="000000"/>
+                </a:solidFill>
+                <a:effectLst/>
+                <a:latin typeface="Courier" charset="0"/>
+              </a:rPr>
+              <a:t>  },</a:t>
+            </a:r>
+            <a:endParaRPr lang="en-US" sz="1600" b="0" i="0" dirty="0" smtClean="0">
               <a:solidFill>
                 <a:srgbClr val="000000"/>
               </a:solidFill>
@@ -6018,16 +5769,36 @@
           </a:p>
           <a:p>
             <a:r>
-              <a:rPr lang="en-US" b="0" i="0" dirty="0" smtClean="0">
-                <a:solidFill>
-                  <a:srgbClr val="000000"/>
-                </a:solidFill>
-                <a:effectLst/>
-                <a:latin typeface="Courier" charset="0"/>
-              </a:rPr>
-              <a:t>},</a:t>
-            </a:r>
-            <a:endParaRPr lang="en-US" b="0" i="0" dirty="0" smtClean="0">
+              <a:rPr lang="en-US" sz="1600" b="0" i="0" dirty="0" smtClean="0">
+                <a:solidFill>
+                  <a:srgbClr val="000000"/>
+                </a:solidFill>
+                <a:effectLst/>
+                <a:latin typeface="Courier" charset="0"/>
+              </a:rPr>
+              <a:t>  "</a:t>
+            </a:r>
+            <a:r>
+              <a:rPr lang="en-US" sz="1600" b="0" i="0" dirty="0" err="1" smtClean="0">
+                <a:solidFill>
+                  <a:srgbClr val="000000"/>
+                </a:solidFill>
+                <a:effectLst/>
+                <a:latin typeface="Courier" charset="0"/>
+              </a:rPr>
+              <a:t>iot:providesOutputData</a:t>
+            </a:r>
+            <a:r>
+              <a:rPr lang="en-US" sz="1600" b="0" i="0" dirty="0" smtClean="0">
+                <a:solidFill>
+                  <a:srgbClr val="000000"/>
+                </a:solidFill>
+                <a:effectLst/>
+                <a:latin typeface="Courier" charset="0"/>
+              </a:rPr>
+              <a:t>": {</a:t>
+            </a:r>
+            <a:endParaRPr lang="en-US" sz="1600" b="0" i="0" dirty="0" smtClean="0">
               <a:solidFill>
                 <a:srgbClr val="000000"/>
               </a:solidFill>
@@ -6037,16 +5808,36 @@
           </a:p>
           <a:p>
             <a:r>
-              <a:rPr lang="en-US" b="0" i="0" dirty="0" smtClean="0">
-                <a:solidFill>
-                  <a:srgbClr val="000000"/>
-                </a:solidFill>
-                <a:effectLst/>
-                <a:latin typeface="Courier" charset="0"/>
-              </a:rPr>
-              <a:t>{</a:t>
-            </a:r>
-            <a:endParaRPr lang="en-US" b="0" i="0" dirty="0" smtClean="0">
+              <a:rPr lang="en-US" sz="1600" b="0" i="0" dirty="0" smtClean="0">
+                <a:solidFill>
+                  <a:srgbClr val="000000"/>
+                </a:solidFill>
+                <a:effectLst/>
+                <a:latin typeface="Courier" charset="0"/>
+              </a:rPr>
+              <a:t>    "@id": "</a:t>
+            </a:r>
+            <a:r>
+              <a:rPr lang="en-US" sz="1600" b="0" i="0" dirty="0" err="1" smtClean="0">
+                <a:solidFill>
+                  <a:srgbClr val="FF0000"/>
+                </a:solidFill>
+                <a:effectLst/>
+                <a:latin typeface="Courier" charset="0"/>
+              </a:rPr>
+              <a:t>iot:SwitchStateData</a:t>
+            </a:r>
+            <a:r>
+              <a:rPr lang="en-US" sz="1600" b="0" i="0" dirty="0" smtClean="0">
+                <a:solidFill>
+                  <a:srgbClr val="000000"/>
+                </a:solidFill>
+                <a:effectLst/>
+                <a:latin typeface="Courier" charset="0"/>
+              </a:rPr>
+              <a:t>"</a:t>
+            </a:r>
+            <a:endParaRPr lang="en-US" sz="1600" b="0" i="0" dirty="0" smtClean="0">
               <a:solidFill>
                 <a:srgbClr val="000000"/>
               </a:solidFill>
@@ -6056,46 +5847,16 @@
           </a:p>
           <a:p>
             <a:r>
-              <a:rPr lang="en-US" b="0" i="0" dirty="0" smtClean="0">
-                <a:solidFill>
-                  <a:srgbClr val="000000"/>
-                </a:solidFill>
-                <a:effectLst/>
-                <a:latin typeface="Courier" charset="0"/>
-              </a:rPr>
-              <a:t>  "@id": </a:t>
-            </a:r>
-            <a:r>
-              <a:rPr lang="en-US" b="0" i="0" dirty="0" smtClean="0">
-                <a:solidFill>
-                  <a:srgbClr val="000000"/>
-                </a:solidFill>
-                <a:effectLst/>
-                <a:latin typeface="Courier" charset="0"/>
-              </a:rPr>
-              <a:t>"</a:t>
-            </a:r>
-            <a:r>
-              <a:rPr lang="en-US" b="0" i="0" dirty="0" err="1" smtClean="0">
-                <a:solidFill>
-                  <a:srgbClr val="FF0000"/>
-                </a:solidFill>
-                <a:effectLst/>
-                <a:latin typeface="Courier" charset="0"/>
-              </a:rPr>
-              <a:t>iot:SwitchOffAction</a:t>
-            </a:r>
-            <a:r>
-              <a:rPr lang="en-US" b="0" i="0" dirty="0" smtClean="0">
-                <a:solidFill>
-                  <a:srgbClr val="000000"/>
-                </a:solidFill>
-                <a:effectLst/>
-                <a:latin typeface="Courier" charset="0"/>
-              </a:rPr>
-              <a:t>",</a:t>
-            </a:r>
-            <a:endParaRPr lang="en-US" b="0" i="0" dirty="0" smtClean="0">
+              <a:rPr lang="en-US" sz="1600" b="0" i="0" dirty="0" smtClean="0">
+                <a:solidFill>
+                  <a:srgbClr val="000000"/>
+                </a:solidFill>
+                <a:effectLst/>
+                <a:latin typeface="Courier" charset="0"/>
+              </a:rPr>
+              <a:t>  }</a:t>
+            </a:r>
+            <a:endParaRPr lang="en-US" sz="1600" b="0" i="0" dirty="0" smtClean="0">
               <a:solidFill>
                 <a:srgbClr val="000000"/>
               </a:solidFill>
@@ -6105,36 +5866,16 @@
           </a:p>
           <a:p>
             <a:r>
-              <a:rPr lang="en-US" b="0" i="0" dirty="0" smtClean="0">
-                <a:solidFill>
-                  <a:srgbClr val="000000"/>
-                </a:solidFill>
-                <a:effectLst/>
-                <a:latin typeface="Courier" charset="0"/>
-              </a:rPr>
-              <a:t>  "@type": "</a:t>
-            </a:r>
-            <a:r>
-              <a:rPr lang="en-US" b="0" i="0" dirty="0" err="1" smtClean="0">
-                <a:solidFill>
-                  <a:srgbClr val="000000"/>
-                </a:solidFill>
-                <a:effectLst/>
-                <a:latin typeface="Courier" charset="0"/>
-              </a:rPr>
-              <a:t>rdfs:Class</a:t>
-            </a:r>
-            <a:r>
-              <a:rPr lang="en-US" b="0" i="0" dirty="0" smtClean="0">
-                <a:solidFill>
-                  <a:srgbClr val="000000"/>
-                </a:solidFill>
-                <a:effectLst/>
-                <a:latin typeface="Courier" charset="0"/>
-              </a:rPr>
-              <a:t>",</a:t>
-            </a:r>
-            <a:endParaRPr lang="en-US" b="0" i="0" dirty="0" smtClean="0">
+              <a:rPr lang="en-US" sz="1600" b="0" i="0" dirty="0" smtClean="0">
+                <a:solidFill>
+                  <a:srgbClr val="000000"/>
+                </a:solidFill>
+                <a:effectLst/>
+                <a:latin typeface="Courier" charset="0"/>
+              </a:rPr>
+              <a:t>},</a:t>
+            </a:r>
+            <a:endParaRPr lang="en-US" sz="1600" b="0" i="0" dirty="0" smtClean="0">
               <a:solidFill>
                 <a:srgbClr val="000000"/>
               </a:solidFill>
@@ -6144,56 +5885,16 @@
           </a:p>
           <a:p>
             <a:r>
-              <a:rPr lang="en-US" b="0" i="0" dirty="0" smtClean="0">
-                <a:solidFill>
-                  <a:srgbClr val="000000"/>
-                </a:solidFill>
-                <a:effectLst/>
-                <a:latin typeface="Courier" charset="0"/>
-              </a:rPr>
-              <a:t>  "</a:t>
-            </a:r>
-            <a:r>
-              <a:rPr lang="en-US" b="0" i="0" dirty="0" err="1" smtClean="0">
-                <a:solidFill>
-                  <a:srgbClr val="000000"/>
-                </a:solidFill>
-                <a:effectLst/>
-                <a:latin typeface="Courier" charset="0"/>
-              </a:rPr>
-              <a:t>rdfs:label</a:t>
-            </a:r>
-            <a:r>
-              <a:rPr lang="en-US" b="0" i="0" dirty="0" smtClean="0">
-                <a:solidFill>
-                  <a:srgbClr val="000000"/>
-                </a:solidFill>
-                <a:effectLst/>
-                <a:latin typeface="Courier" charset="0"/>
-              </a:rPr>
-              <a:t>": "</a:t>
-            </a:r>
-            <a:r>
-              <a:rPr lang="en-US" b="0" i="0" dirty="0" err="1" smtClean="0">
-                <a:solidFill>
-                  <a:srgbClr val="000000"/>
-                </a:solidFill>
-                <a:effectLst/>
-                <a:latin typeface="Courier" charset="0"/>
-              </a:rPr>
-              <a:t>SwitchOffAction</a:t>
-            </a:r>
-            <a:r>
-              <a:rPr lang="en-US" b="0" i="0" dirty="0" smtClean="0">
-                <a:solidFill>
-                  <a:srgbClr val="000000"/>
-                </a:solidFill>
-                <a:effectLst/>
-                <a:latin typeface="Courier" charset="0"/>
-              </a:rPr>
-              <a:t>",</a:t>
-            </a:r>
-            <a:endParaRPr lang="en-US" b="0" i="0" dirty="0" smtClean="0">
+              <a:rPr lang="en-US" sz="1600" b="0" i="0" dirty="0" smtClean="0">
+                <a:solidFill>
+                  <a:srgbClr val="000000"/>
+                </a:solidFill>
+                <a:effectLst/>
+                <a:latin typeface="Courier" charset="0"/>
+              </a:rPr>
+              <a:t>{</a:t>
+            </a:r>
+            <a:endParaRPr lang="en-US" sz="1600" b="0" i="0" dirty="0" smtClean="0">
               <a:solidFill>
                 <a:srgbClr val="000000"/>
               </a:solidFill>
@@ -6203,36 +5904,36 @@
           </a:p>
           <a:p>
             <a:r>
-              <a:rPr lang="en-US" b="0" i="0" dirty="0" smtClean="0">
-                <a:solidFill>
-                  <a:srgbClr val="000000"/>
-                </a:solidFill>
-                <a:effectLst/>
-                <a:latin typeface="Courier" charset="0"/>
-              </a:rPr>
-              <a:t>  "</a:t>
-            </a:r>
-            <a:r>
-              <a:rPr lang="en-US" b="0" i="0" dirty="0" err="1" smtClean="0">
-                <a:solidFill>
-                  <a:srgbClr val="000000"/>
-                </a:solidFill>
-                <a:effectLst/>
-                <a:latin typeface="Courier" charset="0"/>
-              </a:rPr>
-              <a:t>rdfs:subClassOf</a:t>
-            </a:r>
-            <a:r>
-              <a:rPr lang="en-US" b="0" i="0" dirty="0" smtClean="0">
-                <a:solidFill>
-                  <a:srgbClr val="000000"/>
-                </a:solidFill>
-                <a:effectLst/>
-                <a:latin typeface="Courier" charset="0"/>
-              </a:rPr>
-              <a:t>": {</a:t>
-            </a:r>
-            <a:endParaRPr lang="en-US" b="0" i="0" dirty="0" smtClean="0">
+              <a:rPr lang="en-US" sz="1600" b="0" i="0" dirty="0" smtClean="0">
+                <a:solidFill>
+                  <a:srgbClr val="000000"/>
+                </a:solidFill>
+                <a:effectLst/>
+                <a:latin typeface="Courier" charset="0"/>
+              </a:rPr>
+              <a:t>  "@id": "</a:t>
+            </a:r>
+            <a:r>
+              <a:rPr lang="en-US" sz="1600" b="0" i="0" dirty="0" err="1" smtClean="0">
+                <a:solidFill>
+                  <a:srgbClr val="FF0000"/>
+                </a:solidFill>
+                <a:effectLst/>
+                <a:latin typeface="Courier" charset="0"/>
+              </a:rPr>
+              <a:t>iot:SwitchStateData</a:t>
+            </a:r>
+            <a:r>
+              <a:rPr lang="en-US" sz="1600" b="0" i="0" dirty="0" smtClean="0">
+                <a:solidFill>
+                  <a:srgbClr val="000000"/>
+                </a:solidFill>
+                <a:effectLst/>
+                <a:latin typeface="Courier" charset="0"/>
+              </a:rPr>
+              <a:t>",</a:t>
+            </a:r>
+            <a:endParaRPr lang="en-US" sz="1600" b="0" i="0" dirty="0" smtClean="0">
               <a:solidFill>
                 <a:srgbClr val="000000"/>
               </a:solidFill>
@@ -6242,36 +5943,36 @@
           </a:p>
           <a:p>
             <a:r>
-              <a:rPr lang="en-US" b="0" i="0" dirty="0" smtClean="0">
-                <a:solidFill>
-                  <a:srgbClr val="000000"/>
-                </a:solidFill>
-                <a:effectLst/>
-                <a:latin typeface="Courier" charset="0"/>
-              </a:rPr>
-              <a:t>    "@id": "</a:t>
-            </a:r>
-            <a:r>
-              <a:rPr lang="en-US" b="0" i="0" dirty="0" err="1" smtClean="0">
-                <a:solidFill>
-                  <a:srgbClr val="000000"/>
-                </a:solidFill>
-                <a:effectLst/>
-                <a:latin typeface="Courier" charset="0"/>
-              </a:rPr>
-              <a:t>iot:Action</a:t>
-            </a:r>
-            <a:r>
-              <a:rPr lang="en-US" b="0" i="0" dirty="0" smtClean="0">
-                <a:solidFill>
-                  <a:srgbClr val="000000"/>
-                </a:solidFill>
-                <a:effectLst/>
-                <a:latin typeface="Courier" charset="0"/>
-              </a:rPr>
-              <a:t>"</a:t>
-            </a:r>
-            <a:endParaRPr lang="en-US" b="0" i="0" dirty="0" smtClean="0">
+              <a:rPr lang="en-US" sz="1600" b="0" i="0" dirty="0" smtClean="0">
+                <a:solidFill>
+                  <a:srgbClr val="000000"/>
+                </a:solidFill>
+                <a:effectLst/>
+                <a:latin typeface="Courier" charset="0"/>
+              </a:rPr>
+              <a:t>  "@type": "</a:t>
+            </a:r>
+            <a:r>
+              <a:rPr lang="en-US" sz="1600" b="0" i="0" dirty="0" err="1" smtClean="0">
+                <a:solidFill>
+                  <a:srgbClr val="000000"/>
+                </a:solidFill>
+                <a:effectLst/>
+                <a:latin typeface="Courier" charset="0"/>
+              </a:rPr>
+              <a:t>rdfs:Class</a:t>
+            </a:r>
+            <a:r>
+              <a:rPr lang="en-US" sz="1600" b="0" i="0" dirty="0" smtClean="0">
+                <a:solidFill>
+                  <a:srgbClr val="000000"/>
+                </a:solidFill>
+                <a:effectLst/>
+                <a:latin typeface="Courier" charset="0"/>
+              </a:rPr>
+              <a:t>",</a:t>
+            </a:r>
+            <a:endParaRPr lang="en-US" sz="1600" b="0" i="0" dirty="0" smtClean="0">
               <a:solidFill>
                 <a:srgbClr val="000000"/>
               </a:solidFill>
@@ -6281,16 +5982,56 @@
           </a:p>
           <a:p>
             <a:r>
-              <a:rPr lang="en-US" b="0" i="0" dirty="0" smtClean="0">
-                <a:solidFill>
-                  <a:srgbClr val="000000"/>
-                </a:solidFill>
-                <a:effectLst/>
-                <a:latin typeface="Courier" charset="0"/>
-              </a:rPr>
-              <a:t>  }</a:t>
-            </a:r>
-            <a:endParaRPr lang="en-US" b="0" i="0" dirty="0" smtClean="0">
+              <a:rPr lang="en-US" sz="1600" b="0" i="0" dirty="0" smtClean="0">
+                <a:solidFill>
+                  <a:srgbClr val="000000"/>
+                </a:solidFill>
+                <a:effectLst/>
+                <a:latin typeface="Courier" charset="0"/>
+              </a:rPr>
+              <a:t>  "</a:t>
+            </a:r>
+            <a:r>
+              <a:rPr lang="en-US" sz="1600" b="0" i="0" dirty="0" err="1" smtClean="0">
+                <a:solidFill>
+                  <a:srgbClr val="000000"/>
+                </a:solidFill>
+                <a:effectLst/>
+                <a:latin typeface="Courier" charset="0"/>
+              </a:rPr>
+              <a:t>rdfs:label</a:t>
+            </a:r>
+            <a:r>
+              <a:rPr lang="en-US" sz="1600" b="0" i="0" dirty="0" smtClean="0">
+                <a:solidFill>
+                  <a:srgbClr val="000000"/>
+                </a:solidFill>
+                <a:effectLst/>
+                <a:latin typeface="Courier" charset="0"/>
+              </a:rPr>
+              <a:t>": "</a:t>
+            </a:r>
+            <a:r>
+              <a:rPr lang="en-US" sz="1600" b="0" i="0" dirty="0" err="1" smtClean="0">
+                <a:solidFill>
+                  <a:srgbClr val="000000"/>
+                </a:solidFill>
+                <a:effectLst/>
+                <a:latin typeface="Courier" charset="0"/>
+              </a:rPr>
+              <a:t>SwitchStateData</a:t>
+            </a:r>
+            <a:r>
+              <a:rPr lang="en-US" sz="1600" b="0" i="0" dirty="0" smtClean="0">
+                <a:solidFill>
+                  <a:srgbClr val="000000"/>
+                </a:solidFill>
+                <a:effectLst/>
+                <a:latin typeface="Courier" charset="0"/>
+              </a:rPr>
+              <a:t>",</a:t>
+            </a:r>
+            <a:endParaRPr lang="en-US" sz="1600" b="0" i="0" dirty="0" smtClean="0">
               <a:solidFill>
                 <a:srgbClr val="000000"/>
               </a:solidFill>
@@ -6300,16 +6041,36 @@
           </a:p>
           <a:p>
             <a:r>
-              <a:rPr lang="en-US" b="0" i="0" dirty="0" smtClean="0">
-                <a:solidFill>
-                  <a:srgbClr val="000000"/>
-                </a:solidFill>
-                <a:effectLst/>
-                <a:latin typeface="Courier" charset="0"/>
-              </a:rPr>
-              <a:t>}</a:t>
-            </a:r>
-            <a:endParaRPr lang="en-US" b="0" i="0" dirty="0">
+              <a:rPr lang="en-US" sz="1600" b="0" i="0" dirty="0" smtClean="0">
+                <a:solidFill>
+                  <a:srgbClr val="000000"/>
+                </a:solidFill>
+                <a:effectLst/>
+                <a:latin typeface="Courier" charset="0"/>
+              </a:rPr>
+              <a:t>  "</a:t>
+            </a:r>
+            <a:r>
+              <a:rPr lang="en-US" sz="1600" b="0" i="0" dirty="0" err="1" smtClean="0">
+                <a:solidFill>
+                  <a:srgbClr val="000000"/>
+                </a:solidFill>
+                <a:effectLst/>
+                <a:latin typeface="Courier" charset="0"/>
+              </a:rPr>
+              <a:t>rdfs:subClassOf</a:t>
+            </a:r>
+            <a:r>
+              <a:rPr lang="en-US" sz="1600" b="0" i="0" dirty="0" smtClean="0">
+                <a:solidFill>
+                  <a:srgbClr val="000000"/>
+                </a:solidFill>
+                <a:effectLst/>
+                <a:latin typeface="Courier" charset="0"/>
+              </a:rPr>
+              <a:t>": {</a:t>
+            </a:r>
+            <a:endParaRPr lang="en-US" sz="1600" b="0" i="0" dirty="0" smtClean="0">
               <a:solidFill>
                 <a:srgbClr val="000000"/>
               </a:solidFill>
@@ -6317,12 +6078,186 @@
               <a:latin typeface="Helvetica" charset="0"/>
             </a:endParaRPr>
           </a:p>
+          <a:p>
+            <a:r>
+              <a:rPr lang="en-US" sz="1600" b="0" i="0" dirty="0" smtClean="0">
+                <a:solidFill>
+                  <a:srgbClr val="000000"/>
+                </a:solidFill>
+                <a:effectLst/>
+                <a:latin typeface="Courier" charset="0"/>
+              </a:rPr>
+              <a:t>    "@id": "</a:t>
+            </a:r>
+            <a:r>
+              <a:rPr lang="en-US" sz="1600" b="0" i="0" dirty="0" err="1" smtClean="0">
+                <a:solidFill>
+                  <a:srgbClr val="000000"/>
+                </a:solidFill>
+                <a:effectLst/>
+                <a:latin typeface="Courier" charset="0"/>
+              </a:rPr>
+              <a:t>schema:PropertyValue</a:t>
+            </a:r>
+            <a:r>
+              <a:rPr lang="en-US" sz="1600" b="0" i="0" dirty="0" smtClean="0">
+                <a:solidFill>
+                  <a:srgbClr val="000000"/>
+                </a:solidFill>
+                <a:effectLst/>
+                <a:latin typeface="Courier" charset="0"/>
+              </a:rPr>
+              <a:t>"</a:t>
+            </a:r>
+            <a:endParaRPr lang="en-US" sz="1600" b="0" i="0" dirty="0" smtClean="0">
+              <a:solidFill>
+                <a:srgbClr val="000000"/>
+              </a:solidFill>
+              <a:effectLst/>
+              <a:latin typeface="Helvetica" charset="0"/>
+            </a:endParaRPr>
+          </a:p>
+          <a:p>
+            <a:r>
+              <a:rPr lang="en-US" sz="1600" b="0" i="0" dirty="0" smtClean="0">
+                <a:solidFill>
+                  <a:srgbClr val="000000"/>
+                </a:solidFill>
+                <a:effectLst/>
+                <a:latin typeface="Courier" charset="0"/>
+              </a:rPr>
+              <a:t>  },</a:t>
+            </a:r>
+            <a:endParaRPr lang="en-US" sz="1600" b="0" i="0" dirty="0" smtClean="0">
+              <a:solidFill>
+                <a:srgbClr val="000000"/>
+              </a:solidFill>
+              <a:effectLst/>
+              <a:latin typeface="Helvetica" charset="0"/>
+            </a:endParaRPr>
+          </a:p>
+          <a:p>
+            <a:r>
+              <a:rPr lang="en-US" sz="1600" b="0" i="0" dirty="0" smtClean="0">
+                <a:solidFill>
+                  <a:srgbClr val="000000"/>
+                </a:solidFill>
+                <a:effectLst/>
+                <a:latin typeface="Courier" charset="0"/>
+              </a:rPr>
+              <a:t>  "</a:t>
+            </a:r>
+            <a:r>
+              <a:rPr lang="en-US" sz="1600" b="0" i="0" dirty="0" err="1" smtClean="0">
+                <a:solidFill>
+                  <a:srgbClr val="000000"/>
+                </a:solidFill>
+                <a:effectLst/>
+                <a:latin typeface="Courier" charset="0"/>
+              </a:rPr>
+              <a:t>schema:propertyType</a:t>
+            </a:r>
+            <a:r>
+              <a:rPr lang="en-US" sz="1600" b="0" i="0" dirty="0" smtClean="0">
+                <a:solidFill>
+                  <a:srgbClr val="000000"/>
+                </a:solidFill>
+                <a:effectLst/>
+                <a:latin typeface="Courier" charset="0"/>
+              </a:rPr>
+              <a:t>": {</a:t>
+            </a:r>
+            <a:endParaRPr lang="en-US" sz="1600" b="0" i="0" dirty="0" smtClean="0">
+              <a:solidFill>
+                <a:srgbClr val="000000"/>
+              </a:solidFill>
+              <a:effectLst/>
+              <a:latin typeface="Helvetica" charset="0"/>
+            </a:endParaRPr>
+          </a:p>
+          <a:p>
+            <a:r>
+              <a:rPr lang="en-US" sz="1600" b="0" i="0" dirty="0" smtClean="0">
+                <a:solidFill>
+                  <a:srgbClr val="000000"/>
+                </a:solidFill>
+                <a:effectLst/>
+                <a:latin typeface="Courier" charset="0"/>
+              </a:rPr>
+              <a:t>    "@id": "</a:t>
+            </a:r>
+            <a:r>
+              <a:rPr lang="en-US" sz="1600" b="0" i="0" dirty="0" err="1" smtClean="0">
+                <a:solidFill>
+                  <a:srgbClr val="000000"/>
+                </a:solidFill>
+                <a:effectLst/>
+                <a:latin typeface="Courier" charset="0"/>
+              </a:rPr>
+              <a:t>schema:String</a:t>
+            </a:r>
+            <a:r>
+              <a:rPr lang="en-US" sz="1600" b="0" i="0" dirty="0" smtClean="0">
+                <a:solidFill>
+                  <a:srgbClr val="000000"/>
+                </a:solidFill>
+                <a:effectLst/>
+                <a:latin typeface="Courier" charset="0"/>
+              </a:rPr>
+              <a:t>"</a:t>
+            </a:r>
+            <a:endParaRPr lang="en-US" sz="1600" b="0" i="0" dirty="0" smtClean="0">
+              <a:solidFill>
+                <a:srgbClr val="000000"/>
+              </a:solidFill>
+              <a:effectLst/>
+              <a:latin typeface="Helvetica" charset="0"/>
+            </a:endParaRPr>
+          </a:p>
+          <a:p>
+            <a:r>
+              <a:rPr lang="en-US" sz="1600" b="0" i="0" dirty="0" smtClean="0">
+                <a:solidFill>
+                  <a:srgbClr val="000000"/>
+                </a:solidFill>
+                <a:effectLst/>
+                <a:latin typeface="Courier" charset="0"/>
+              </a:rPr>
+              <a:t>  }</a:t>
+            </a:r>
+            <a:endParaRPr lang="en-US" sz="1600" b="0" i="0" dirty="0" smtClean="0">
+              <a:solidFill>
+                <a:srgbClr val="000000"/>
+              </a:solidFill>
+              <a:effectLst/>
+              <a:latin typeface="Helvetica" charset="0"/>
+            </a:endParaRPr>
+          </a:p>
+          <a:p>
+            <a:r>
+              <a:rPr lang="en-US" sz="1600" b="0" i="0" dirty="0" smtClean="0">
+                <a:solidFill>
+                  <a:srgbClr val="000000"/>
+                </a:solidFill>
+                <a:effectLst/>
+                <a:latin typeface="Courier" charset="0"/>
+              </a:rPr>
+              <a:t>}</a:t>
+            </a:r>
+            <a:endParaRPr lang="en-US" sz="1600" b="0" i="0" dirty="0">
+              <a:solidFill>
+                <a:srgbClr val="000000"/>
+              </a:solidFill>
+              <a:effectLst/>
+              <a:latin typeface="Helvetica" charset="0"/>
+            </a:endParaRPr>
+          </a:p>
         </p:txBody>
       </p:sp>
     </p:spTree>
     <p:extLst>
       <p:ext uri="{BB962C8B-B14F-4D97-AF65-F5344CB8AC3E}">
-        <p14:creationId xmlns:p14="http://schemas.microsoft.com/office/powerpoint/2010/main" val="1581423353"/>
+        <p14:creationId xmlns:p14="http://schemas.microsoft.com/office/powerpoint/2010/main" val="2067208417"/>
       </p:ext>
     </p:extLst>
   </p:cSld>
@@ -6365,8 +6300,16 @@
           <a:lstStyle/>
           <a:p>
             <a:r>
+              <a:rPr lang="en-US" dirty="0" err="1" smtClean="0"/>
+              <a:t>Rexpected</a:t>
+            </a:r>
+            <a:r>
               <a:rPr lang="en-US" dirty="0" smtClean="0"/>
-              <a:t>Result(4)</a:t>
+              <a:t> Result - </a:t>
+            </a:r>
+            <a:r>
+              <a:rPr lang="en-US" dirty="0" err="1" smtClean="0"/>
+              <a:t>Enums</a:t>
             </a:r>
             <a:endParaRPr lang="en-US" dirty="0"/>
           </a:p>
@@ -6389,15 +6332,23 @@
           <a:p>
             <a:r>
               <a:rPr lang="en-US" dirty="0" smtClean="0"/>
-              <a:t>How do we describe the </a:t>
+              <a:t>How do we </a:t>
+            </a:r>
+            <a:r>
+              <a:rPr lang="en-US" dirty="0" smtClean="0"/>
+              <a:t>describe </a:t>
             </a:r>
             <a:r>
               <a:rPr lang="en-US" dirty="0" err="1" smtClean="0"/>
-              <a:t>enum</a:t>
+              <a:t>enums</a:t>
             </a:r>
             <a:r>
               <a:rPr lang="en-US" dirty="0" smtClean="0"/>
-              <a:t> in </a:t>
+              <a:t> </a:t>
+            </a:r>
+            <a:r>
+              <a:rPr lang="en-US" dirty="0" smtClean="0"/>
+              <a:t>in </a:t>
             </a:r>
             <a:r>
               <a:rPr lang="en-US" dirty="0" err="1" smtClean="0"/>
@@ -6453,7 +6404,7 @@
         </p:nvSpPr>
         <p:spPr>
           <a:xfrm>
-            <a:off x="2675659" y="-144527"/>
+            <a:off x="701386" y="0"/>
             <a:ext cx="7886700" cy="1325563"/>
           </a:xfrm>
         </p:spPr>
@@ -6462,24 +6413,12 @@
           <a:lstStyle/>
           <a:p>
             <a:r>
+              <a:rPr lang="en-US" dirty="0" err="1" smtClean="0"/>
+              <a:t>Enum</a:t>
+            </a:r>
+            <a:r>
               <a:rPr lang="en-US" dirty="0" smtClean="0"/>
-              <a:t>Semantic Proxy </a:t>
-            </a:r>
-            <a:r>
-              <a:rPr lang="mr-IN" dirty="0" smtClean="0"/>
-              <a:t>–</a:t>
-            </a:r>
-            <a:r>
-              <a:rPr lang="en-US" dirty="0" smtClean="0"/>
-              <a:t> </a:t>
-            </a:r>
-            <a:r>
-              <a:rPr lang="en-US" dirty="0" err="1" smtClean="0"/>
-              <a:t>WoT</a:t>
-            </a:r>
-            <a:r>
-              <a:rPr lang="en-US" dirty="0" smtClean="0"/>
-              <a:t> TD </a:t>
+              <a:t> Data Item and Type in RDF</a:t>
             </a:r>
             <a:endParaRPr lang="en-US" dirty="0"/>
           </a:p>
@@ -6487,14 +6426,14 @@
       </p:sp>
       <p:sp>
         <p:nvSpPr>
-          <p:cNvPr id="3" name="Rectangle 2"/>
+          <p:cNvPr id="4" name="Rectangle 3"/>
           <p:cNvSpPr/>
           <p:nvPr/>
         </p:nvSpPr>
         <p:spPr>
           <a:xfrm>
-            <a:off x="514350" y="611773"/>
-            <a:ext cx="9351818" cy="5755422"/>
+            <a:off x="1192355" y="1220204"/>
+            <a:ext cx="7071014" cy="2800767"/>
           </a:xfrm>
           <a:prstGeom prst="rect">
             <a:avLst/>
@@ -6508,105 +6447,413 @@
           <a:p>
             <a:r>
               <a:rPr lang="en-US" sz="1600" dirty="0">
-                <a:latin typeface="Courier" charset="0"/>
-                <a:ea typeface="Courier" charset="0"/>
-                <a:cs typeface="Courier" charset="0"/>
+                <a:solidFill>
+                  <a:srgbClr val="000000"/>
+                </a:solidFill>
+                <a:latin typeface="Courier" charset="0"/>
               </a:rPr>
               <a:t>{</a:t>
             </a:r>
-          </a:p>
-          <a:p>
+            <a:endParaRPr lang="en-US" sz="1600" dirty="0">
+              <a:solidFill>
+                <a:srgbClr val="000000"/>
+              </a:solidFill>
+              <a:latin typeface="Helvetica" charset="0"/>
+            </a:endParaRPr>
+          </a:p>
+          <a:p>
+            <a:r>
+              <a:rPr lang="en-US" sz="1600" dirty="0">
+                <a:solidFill>
+                  <a:srgbClr val="000000"/>
+                </a:solidFill>
+                <a:latin typeface="Courier" charset="0"/>
+              </a:rPr>
+              <a:t>  "@id": "</a:t>
+            </a:r>
+            <a:r>
+              <a:rPr lang="en-US" sz="1600" dirty="0" err="1">
+                <a:solidFill>
+                  <a:srgbClr val="FF0000"/>
+                </a:solidFill>
+                <a:latin typeface="Courier" charset="0"/>
+              </a:rPr>
+              <a:t>iot:SwitchStateData</a:t>
+            </a:r>
+            <a:r>
+              <a:rPr lang="en-US" sz="1600" dirty="0">
+                <a:solidFill>
+                  <a:srgbClr val="000000"/>
+                </a:solidFill>
+                <a:latin typeface="Courier" charset="0"/>
+              </a:rPr>
+              <a:t>",</a:t>
+            </a:r>
+            <a:endParaRPr lang="en-US" sz="1600" dirty="0">
+              <a:solidFill>
+                <a:srgbClr val="000000"/>
+              </a:solidFill>
+              <a:latin typeface="Helvetica" charset="0"/>
+            </a:endParaRPr>
+          </a:p>
+          <a:p>
+            <a:r>
+              <a:rPr lang="en-US" sz="1600" dirty="0">
+                <a:solidFill>
+                  <a:srgbClr val="000000"/>
+                </a:solidFill>
+                <a:latin typeface="Courier" charset="0"/>
+              </a:rPr>
+              <a:t>  "@type": "</a:t>
+            </a:r>
+            <a:r>
+              <a:rPr lang="en-US" sz="1600" dirty="0" err="1">
+                <a:solidFill>
+                  <a:srgbClr val="000000"/>
+                </a:solidFill>
+                <a:latin typeface="Courier" charset="0"/>
+              </a:rPr>
+              <a:t>rdfs:Class</a:t>
+            </a:r>
+            <a:r>
+              <a:rPr lang="en-US" sz="1600" dirty="0">
+                <a:solidFill>
+                  <a:srgbClr val="000000"/>
+                </a:solidFill>
+                <a:latin typeface="Courier" charset="0"/>
+              </a:rPr>
+              <a:t>",</a:t>
+            </a:r>
+            <a:endParaRPr lang="en-US" sz="1600" dirty="0">
+              <a:solidFill>
+                <a:srgbClr val="000000"/>
+              </a:solidFill>
+              <a:latin typeface="Helvetica" charset="0"/>
+            </a:endParaRPr>
+          </a:p>
+          <a:p>
+            <a:r>
+              <a:rPr lang="en-US" sz="1600" dirty="0">
+                <a:solidFill>
+                  <a:srgbClr val="000000"/>
+                </a:solidFill>
+                <a:latin typeface="Courier" charset="0"/>
+              </a:rPr>
+              <a:t>  "</a:t>
+            </a:r>
+            <a:r>
+              <a:rPr lang="en-US" sz="1600" dirty="0" err="1">
+                <a:solidFill>
+                  <a:srgbClr val="000000"/>
+                </a:solidFill>
+                <a:latin typeface="Courier" charset="0"/>
+              </a:rPr>
+              <a:t>rdfs:label</a:t>
+            </a:r>
+            <a:r>
+              <a:rPr lang="en-US" sz="1600" dirty="0">
+                <a:solidFill>
+                  <a:srgbClr val="000000"/>
+                </a:solidFill>
+                <a:latin typeface="Courier" charset="0"/>
+              </a:rPr>
+              <a:t>": "</a:t>
+            </a:r>
+            <a:r>
+              <a:rPr lang="en-US" sz="1600" dirty="0" err="1">
+                <a:solidFill>
+                  <a:srgbClr val="000000"/>
+                </a:solidFill>
+                <a:latin typeface="Courier" charset="0"/>
+              </a:rPr>
+              <a:t>SwitchStateData</a:t>
+            </a:r>
+            <a:r>
+              <a:rPr lang="en-US" sz="1600" dirty="0">
+                <a:solidFill>
+                  <a:srgbClr val="000000"/>
+                </a:solidFill>
+                <a:latin typeface="Courier" charset="0"/>
+              </a:rPr>
+              <a:t>",</a:t>
+            </a:r>
+            <a:endParaRPr lang="en-US" sz="1600" dirty="0">
+              <a:solidFill>
+                <a:srgbClr val="000000"/>
+              </a:solidFill>
+              <a:latin typeface="Helvetica" charset="0"/>
+            </a:endParaRPr>
+          </a:p>
+          <a:p>
+            <a:r>
+              <a:rPr lang="en-US" sz="1600" dirty="0">
+                <a:solidFill>
+                  <a:srgbClr val="000000"/>
+                </a:solidFill>
+                <a:latin typeface="Courier" charset="0"/>
+              </a:rPr>
+              <a:t>  "</a:t>
+            </a:r>
+            <a:r>
+              <a:rPr lang="en-US" sz="1600" dirty="0" err="1">
+                <a:solidFill>
+                  <a:srgbClr val="000000"/>
+                </a:solidFill>
+                <a:latin typeface="Courier" charset="0"/>
+              </a:rPr>
+              <a:t>rdfs:subClassOf</a:t>
+            </a:r>
+            <a:r>
+              <a:rPr lang="en-US" sz="1600" dirty="0">
+                <a:solidFill>
+                  <a:srgbClr val="000000"/>
+                </a:solidFill>
+                <a:latin typeface="Courier" charset="0"/>
+              </a:rPr>
+              <a:t>": {</a:t>
+            </a:r>
+            <a:endParaRPr lang="en-US" sz="1600" dirty="0">
+              <a:solidFill>
+                <a:srgbClr val="000000"/>
+              </a:solidFill>
+              <a:latin typeface="Helvetica" charset="0"/>
+            </a:endParaRPr>
+          </a:p>
+          <a:p>
+            <a:r>
+              <a:rPr lang="en-US" sz="1600" dirty="0">
+                <a:solidFill>
+                  <a:srgbClr val="000000"/>
+                </a:solidFill>
+                <a:latin typeface="Courier" charset="0"/>
+              </a:rPr>
+              <a:t>    "@id": "</a:t>
+            </a:r>
+            <a:r>
+              <a:rPr lang="en-US" sz="1600" dirty="0" err="1">
+                <a:solidFill>
+                  <a:srgbClr val="000000"/>
+                </a:solidFill>
+                <a:latin typeface="Courier" charset="0"/>
+              </a:rPr>
+              <a:t>schema:PropertyValue</a:t>
+            </a:r>
+            <a:r>
+              <a:rPr lang="en-US" sz="1600" dirty="0">
+                <a:solidFill>
+                  <a:srgbClr val="000000"/>
+                </a:solidFill>
+                <a:latin typeface="Courier" charset="0"/>
+              </a:rPr>
+              <a:t>"</a:t>
+            </a:r>
+            <a:endParaRPr lang="en-US" sz="1600" dirty="0">
+              <a:solidFill>
+                <a:srgbClr val="000000"/>
+              </a:solidFill>
+              <a:latin typeface="Helvetica" charset="0"/>
+            </a:endParaRPr>
+          </a:p>
+          <a:p>
+            <a:r>
+              <a:rPr lang="en-US" sz="1600" dirty="0">
+                <a:solidFill>
+                  <a:srgbClr val="000000"/>
+                </a:solidFill>
+                <a:latin typeface="Courier" charset="0"/>
+              </a:rPr>
+              <a:t>  },</a:t>
+            </a:r>
+            <a:endParaRPr lang="en-US" sz="1600" dirty="0">
+              <a:solidFill>
+                <a:srgbClr val="000000"/>
+              </a:solidFill>
+              <a:latin typeface="Helvetica" charset="0"/>
+            </a:endParaRPr>
+          </a:p>
+          <a:p>
+            <a:r>
+              <a:rPr lang="en-US" sz="1600" dirty="0">
+                <a:solidFill>
+                  <a:srgbClr val="000000"/>
+                </a:solidFill>
+                <a:latin typeface="Courier" charset="0"/>
+              </a:rPr>
+              <a:t>  "</a:t>
+            </a:r>
+            <a:r>
+              <a:rPr lang="en-US" sz="1600" dirty="0" err="1">
+                <a:solidFill>
+                  <a:srgbClr val="000000"/>
+                </a:solidFill>
+                <a:latin typeface="Courier" charset="0"/>
+              </a:rPr>
+              <a:t>schema:propertyType</a:t>
+            </a:r>
+            <a:r>
+              <a:rPr lang="en-US" sz="1600" dirty="0">
+                <a:solidFill>
+                  <a:srgbClr val="000000"/>
+                </a:solidFill>
+                <a:latin typeface="Courier" charset="0"/>
+              </a:rPr>
+              <a:t>": {</a:t>
+            </a:r>
+            <a:endParaRPr lang="en-US" sz="1600" dirty="0">
+              <a:solidFill>
+                <a:srgbClr val="000000"/>
+              </a:solidFill>
+              <a:latin typeface="Helvetica" charset="0"/>
+            </a:endParaRPr>
+          </a:p>
+          <a:p>
+            <a:r>
+              <a:rPr lang="en-US" sz="1600" dirty="0">
+                <a:solidFill>
+                  <a:srgbClr val="000000"/>
+                </a:solidFill>
+                <a:latin typeface="Courier" charset="0"/>
+              </a:rPr>
+              <a:t>    "@id": </a:t>
+            </a:r>
             <a:r>
               <a:rPr lang="en-US" sz="1600" dirty="0" smtClean="0">
-                <a:latin typeface="Courier" charset="0"/>
-                <a:ea typeface="Courier" charset="0"/>
-                <a:cs typeface="Courier" charset="0"/>
-              </a:rPr>
-              <a:t>  "@</a:t>
-            </a:r>
+                <a:solidFill>
+                  <a:srgbClr val="000000"/>
+                </a:solidFill>
+                <a:latin typeface="Courier" charset="0"/>
+              </a:rPr>
+              <a:t>"</a:t>
+            </a:r>
+            <a:r>
+              <a:rPr lang="en-US" sz="1600" dirty="0" err="1" smtClean="0">
+                <a:solidFill>
+                  <a:srgbClr val="FF0000"/>
+                </a:solidFill>
+                <a:latin typeface="Courier" charset="0"/>
+              </a:rPr>
+              <a:t>iot:SwitchStateType</a:t>
+            </a:r>
+            <a:r>
+              <a:rPr lang="en-US" sz="1600" dirty="0" smtClean="0">
+                <a:solidFill>
+                  <a:srgbClr val="000000"/>
+                </a:solidFill>
+                <a:latin typeface="Courier" charset="0"/>
+              </a:rPr>
+              <a:t>"</a:t>
+            </a:r>
+            <a:endParaRPr lang="en-US" sz="1600" dirty="0">
+              <a:solidFill>
+                <a:srgbClr val="000000"/>
+              </a:solidFill>
+              <a:latin typeface="Helvetica" charset="0"/>
+            </a:endParaRPr>
+          </a:p>
+          <a:p>
             <a:r>
               <a:rPr lang="en-US" sz="1600" dirty="0">
-                <a:latin typeface="Courier" charset="0"/>
-                <a:ea typeface="Courier" charset="0"/>
-                <a:cs typeface="Courier" charset="0"/>
-              </a:rPr>
-              <a:t>context": [</a:t>
-            </a:r>
-          </a:p>
-          <a:p>
+                <a:solidFill>
+                  <a:srgbClr val="000000"/>
+                </a:solidFill>
+                <a:latin typeface="Courier" charset="0"/>
+              </a:rPr>
+              <a:t>  }</a:t>
+            </a:r>
+            <a:endParaRPr lang="en-US" sz="1600" dirty="0">
+              <a:solidFill>
+                <a:srgbClr val="000000"/>
+              </a:solidFill>
+              <a:latin typeface="Helvetica" charset="0"/>
+            </a:endParaRPr>
+          </a:p>
+          <a:p>
+            <a:r>
+              <a:rPr lang="en-US" sz="1600" dirty="0">
+                <a:solidFill>
+                  <a:srgbClr val="000000"/>
+                </a:solidFill>
+                <a:latin typeface="Courier" charset="0"/>
+              </a:rPr>
+              <a:t>}</a:t>
+            </a:r>
+            <a:endParaRPr lang="en-US" sz="1600" dirty="0">
+              <a:solidFill>
+                <a:srgbClr val="000000"/>
+              </a:solidFill>
+              <a:latin typeface="Helvetica" charset="0"/>
+            </a:endParaRPr>
+          </a:p>
+        </p:txBody>
+      </p:sp>
+      <p:sp>
+        <p:nvSpPr>
+          <p:cNvPr id="6" name="Rectangle 5"/>
+          <p:cNvSpPr/>
+          <p:nvPr/>
+        </p:nvSpPr>
+        <p:spPr>
+          <a:xfrm>
+            <a:off x="1192355" y="3915612"/>
+            <a:ext cx="7600950" cy="2308324"/>
+          </a:xfrm>
+          <a:prstGeom prst="rect">
+            <a:avLst/>
+          </a:prstGeom>
+        </p:spPr>
+        <p:txBody>
+          <a:bodyPr wrap="square">
+            <a:spAutoFit/>
+          </a:bodyPr>
+          <a:lstStyle/>
+          <a:p>
+            <a:r>
+              <a:rPr lang="en-US" sz="1600" dirty="0">
+                <a:latin typeface="Courier" charset="0"/>
+                <a:ea typeface="Courier" charset="0"/>
+                <a:cs typeface="Courier" charset="0"/>
+              </a:rPr>
+              <a:t>{</a:t>
+            </a:r>
+          </a:p>
+          <a:p>
+            <a:r>
+              <a:rPr lang="en-US" sz="1600" dirty="0">
+                <a:latin typeface="Courier" charset="0"/>
+                <a:ea typeface="Courier" charset="0"/>
+                <a:cs typeface="Courier" charset="0"/>
+              </a:rPr>
+              <a:t>    "@id": "</a:t>
+            </a:r>
+            <a:r>
+              <a:rPr lang="en-US" sz="1600" dirty="0" err="1" smtClean="0">
+                <a:solidFill>
+                  <a:srgbClr val="FF0000"/>
+                </a:solidFill>
+                <a:latin typeface="Courier" charset="0"/>
+                <a:ea typeface="Courier" charset="0"/>
+                <a:cs typeface="Courier" charset="0"/>
+              </a:rPr>
+              <a:t>iot:</a:t>
+            </a:r>
+            <a:r>
+              <a:rPr lang="en-US" sz="1600" dirty="0" err="1">
+                <a:solidFill>
+                  <a:srgbClr val="FF0000"/>
+                </a:solidFill>
+                <a:latin typeface="Courier" charset="0"/>
+                <a:ea typeface="Courier" charset="0"/>
+                <a:cs typeface="Courier" charset="0"/>
+              </a:rPr>
+              <a:t>SwitchStateType</a:t>
+            </a:r>
             <a:r>
               <a:rPr lang="en-US" sz="1600" dirty="0" smtClean="0">
                 <a:latin typeface="Courier" charset="0"/>
                 <a:ea typeface="Courier" charset="0"/>
                 <a:cs typeface="Courier" charset="0"/>
               </a:rPr>
-              <a:t>    "</a:t>
-            </a:r>
-            <a:r>
-              <a:rPr lang="en-US" sz="1600" dirty="0">
-                <a:latin typeface="Courier" charset="0"/>
-                <a:ea typeface="Courier" charset="0"/>
-                <a:cs typeface="Courier" charset="0"/>
-              </a:rPr>
-              <a:t>https</a:t>
-            </a:r>
-            <a:r>
-              <a:rPr lang="en-US" sz="1600" dirty="0" smtClean="0">
-                <a:latin typeface="Courier" charset="0"/>
-                <a:ea typeface="Courier" charset="0"/>
-                <a:cs typeface="Courier" charset="0"/>
-              </a:rPr>
-              <a:t>://www.w3.org/2019/wot/td/v1</a:t>
-            </a:r>
-            <a:r>
-              <a:rPr lang="en-US" sz="1600" dirty="0">
-                <a:latin typeface="Courier" charset="0"/>
-                <a:ea typeface="Courier" charset="0"/>
-                <a:cs typeface="Courier" charset="0"/>
-              </a:rPr>
               <a:t>",</a:t>
-            </a:r>
-          </a:p>
-          <a:p>
-            <a:r>
-              <a:rPr lang="en-US" sz="1600" dirty="0" smtClean="0">
-                <a:latin typeface="Courier" charset="0"/>
-                <a:ea typeface="Courier" charset="0"/>
-                <a:cs typeface="Courier" charset="0"/>
-              </a:rPr>
-              <a:t>    {"</a:t>
-            </a:r>
-            <a:r>
-              <a:rPr lang="en-US" sz="1600" dirty="0" err="1">
-                <a:latin typeface="Courier" charset="0"/>
-                <a:ea typeface="Courier" charset="0"/>
-                <a:cs typeface="Courier" charset="0"/>
-              </a:rPr>
-              <a:t>iot</a:t>
-            </a:r>
-            <a:r>
-              <a:rPr lang="en-US" sz="1600" dirty="0">
-                <a:latin typeface="Courier" charset="0"/>
-                <a:ea typeface="Courier" charset="0"/>
-                <a:cs typeface="Courier" charset="0"/>
-              </a:rPr>
-              <a:t>": "http://</a:t>
-            </a:r>
-            <a:r>
-              <a:rPr lang="en-US" sz="1600" dirty="0" err="1">
-                <a:latin typeface="Courier" charset="0"/>
-                <a:ea typeface="Courier" charset="0"/>
-                <a:cs typeface="Courier" charset="0"/>
-              </a:rPr>
-              <a:t>iotschema.org</a:t>
-            </a:r>
-            <a:r>
-              <a:rPr lang="en-US" sz="1600" dirty="0" smtClean="0">
-                <a:latin typeface="Courier" charset="0"/>
-                <a:ea typeface="Courier" charset="0"/>
-                <a:cs typeface="Courier" charset="0"/>
-              </a:rPr>
-              <a:t>/"}</a:t>
             </a:r>
             <a:endParaRPr lang="en-US" sz="1600" dirty="0">
               <a:latin typeface="Courier" charset="0"/>
@@ -6616,12 +6863,78 @@
           </a:p>
           <a:p>
             <a:r>
+              <a:rPr lang="en-US" sz="1600" dirty="0">
+                <a:latin typeface="Courier" charset="0"/>
+                <a:ea typeface="Courier" charset="0"/>
+                <a:cs typeface="Courier" charset="0"/>
+              </a:rPr>
+              <a:t>    "@type": "</a:t>
+            </a:r>
+            <a:r>
+              <a:rPr lang="en-US" sz="1600" dirty="0" err="1">
+                <a:latin typeface="Courier" charset="0"/>
+                <a:ea typeface="Courier" charset="0"/>
+                <a:cs typeface="Courier" charset="0"/>
+              </a:rPr>
+              <a:t>rdfs:Class</a:t>
+            </a:r>
+            <a:r>
+              <a:rPr lang="en-US" sz="1600" dirty="0">
+                <a:latin typeface="Courier" charset="0"/>
+                <a:ea typeface="Courier" charset="0"/>
+                <a:cs typeface="Courier" charset="0"/>
+              </a:rPr>
+              <a:t>",</a:t>
+            </a:r>
+          </a:p>
+          <a:p>
+            <a:r>
+              <a:rPr lang="en-US" sz="1600" dirty="0">
+                <a:latin typeface="Courier" charset="0"/>
+                <a:ea typeface="Courier" charset="0"/>
+                <a:cs typeface="Courier" charset="0"/>
+              </a:rPr>
+              <a:t>    "</a:t>
+            </a:r>
+            <a:r>
+              <a:rPr lang="en-US" sz="1600" dirty="0" err="1">
+                <a:latin typeface="Courier" charset="0"/>
+                <a:ea typeface="Courier" charset="0"/>
+                <a:cs typeface="Courier" charset="0"/>
+              </a:rPr>
+              <a:t>rdfs:comment</a:t>
+            </a:r>
+            <a:r>
+              <a:rPr lang="en-US" sz="1600" dirty="0">
+                <a:latin typeface="Courier" charset="0"/>
+                <a:ea typeface="Courier" charset="0"/>
+                <a:cs typeface="Courier" charset="0"/>
+              </a:rPr>
+              <a:t>": </a:t>
+            </a:r>
+            <a:r>
               <a:rPr lang="en-US" sz="1600" dirty="0" smtClean="0">
                 <a:latin typeface="Courier" charset="0"/>
                 <a:ea typeface="Courier" charset="0"/>
                 <a:cs typeface="Courier" charset="0"/>
               </a:rPr>
-              <a:t>  ],</a:t>
+              <a:t>"Enumeration </a:t>
+            </a:r>
+            <a:r>
+              <a:rPr lang="en-US" sz="1600" dirty="0">
+                <a:latin typeface="Courier" charset="0"/>
+                <a:ea typeface="Courier" charset="0"/>
+                <a:cs typeface="Courier" charset="0"/>
+              </a:rPr>
+              <a:t>of </a:t>
+            </a:r>
+            <a:r>
+              <a:rPr lang="en-US" sz="1600" dirty="0" smtClean="0">
+                <a:latin typeface="Courier" charset="0"/>
+                <a:ea typeface="Courier" charset="0"/>
+                <a:cs typeface="Courier" charset="0"/>
+              </a:rPr>
+              <a:t>Switch states",</a:t>
             </a:r>
             <a:endParaRPr lang="en-US" sz="1600" dirty="0">
               <a:latin typeface="Courier" charset="0"/>
@@ -6631,12 +6944,44 @@
           </a:p>
           <a:p>
             <a:r>
+              <a:rPr lang="en-US" sz="1600" dirty="0">
+                <a:latin typeface="Courier" charset="0"/>
+                <a:ea typeface="Courier" charset="0"/>
+                <a:cs typeface="Courier" charset="0"/>
+              </a:rPr>
+              <a:t>    "</a:t>
+            </a:r>
+            <a:r>
+              <a:rPr lang="en-US" sz="1600" dirty="0" err="1">
+                <a:latin typeface="Courier" charset="0"/>
+                <a:ea typeface="Courier" charset="0"/>
+                <a:cs typeface="Courier" charset="0"/>
+              </a:rPr>
+              <a:t>rdfs:label</a:t>
+            </a:r>
+            <a:r>
+              <a:rPr lang="en-US" sz="1600" dirty="0">
+                <a:latin typeface="Courier" charset="0"/>
+                <a:ea typeface="Courier" charset="0"/>
+                <a:cs typeface="Courier" charset="0"/>
+              </a:rPr>
+              <a:t>": </a:t>
+            </a:r>
+            <a:r>
               <a:rPr lang="en-US" sz="1600" dirty="0" smtClean="0">
                 <a:latin typeface="Courier" charset="0"/>
                 <a:ea typeface="Courier" charset="0"/>
                 <a:cs typeface="Courier" charset="0"/>
               </a:rPr>
-              <a:t>  "@</a:t>
+              <a:t>"</a:t>
+            </a:r>
+            <a:r>
+              <a:rPr lang="en-US" sz="1600" dirty="0" err="1" smtClean="0">
+                <a:latin typeface="Courier" charset="0"/>
+                <a:ea typeface="Courier" charset="0"/>
+                <a:cs typeface="Courier" charset="0"/>
+              </a:rPr>
+              <a:t>SwitchStateType</a:t>
             </a:r>
             <a:r>
               <a:rPr lang="en-US" sz="1600" dirty="0">
@@ -6644,18 +6989,25 @@
                 <a:ea typeface="Courier" charset="0"/>
                 <a:cs typeface="Courier" charset="0"/>
               </a:rPr>
-              <a:t>type": [ "Thing", "</a:t>
+              <a:t>",</a:t>
+            </a:r>
+          </a:p>
+          <a:p>
+            <a:r>
+              <a:rPr lang="en-US" sz="1600" dirty="0">
+                <a:latin typeface="Courier" charset="0"/>
+                <a:ea typeface="Courier" charset="0"/>
+                <a:cs typeface="Courier" charset="0"/>
+              </a:rPr>
+              <a:t>    "</a:t>
             </a:r>
             <a:r>
               <a:rPr lang="en-US" sz="1600" dirty="0" err="1">
-                <a:solidFill>
-                  <a:srgbClr val="FF0000"/>
-                </a:solidFill>
-                <a:latin typeface="Courier" charset="0"/>
-                <a:ea typeface="Courier" charset="0"/>
-                <a:cs typeface="Courier" charset="0"/>
-              </a:rPr>
-              <a:t>iot:SwitchCapability</a:t>
+                <a:latin typeface="Courier" charset="0"/>
+                <a:ea typeface="Courier" charset="0"/>
+                <a:cs typeface="Courier" charset="0"/>
+              </a:rPr>
+              <a:t>rdfs:subClassOf</a:t>
             </a:r>
             <a:r>
               <a:rPr lang="en-US" sz="1600" dirty="0">
@@ -6663,35 +7015,17 @@
                 <a:ea typeface="Courier" charset="0"/>
                 <a:cs typeface="Courier" charset="0"/>
               </a:rPr>
-              <a:t>" ],</a:t>
-            </a:r>
-          </a:p>
-          <a:p>
-            <a:r>
-              <a:rPr lang="en-US" sz="1600" dirty="0" smtClean="0">
-                <a:latin typeface="Courier" charset="0"/>
-                <a:ea typeface="Courier" charset="0"/>
-                <a:cs typeface="Courier" charset="0"/>
-              </a:rPr>
-              <a:t>  "</a:t>
-            </a:r>
+              <a:t>": {</a:t>
+            </a:r>
+          </a:p>
+          <a:p>
             <a:r>
               <a:rPr lang="en-US" sz="1600" dirty="0">
                 <a:latin typeface="Courier" charset="0"/>
                 <a:ea typeface="Courier" charset="0"/>
                 <a:cs typeface="Courier" charset="0"/>
               </a:rPr>
-              <a:t>properties": {</a:t>
-            </a:r>
-          </a:p>
-          <a:p>
-            <a:r>
-              <a:rPr lang="en-US" sz="1600" dirty="0" smtClean="0">
-                <a:latin typeface="Courier" charset="0"/>
-                <a:ea typeface="Courier" charset="0"/>
-                <a:cs typeface="Courier" charset="0"/>
-              </a:rPr>
-              <a:t>    "</a:t>
+              <a:t>      "@id": "</a:t>
             </a:r>
             <a:r>
               <a:rPr lang="en-US" sz="1600" dirty="0" err="1">
@@ -6699,7 +7033,7 @@
                 <a:ea typeface="Courier" charset="0"/>
                 <a:cs typeface="Courier" charset="0"/>
               </a:rPr>
-              <a:t>switchState</a:t>
+              <a:t>schema:Enumeration</a:t>
             </a:r>
             <a:r>
               <a:rPr lang="en-US" sz="1600" dirty="0">
@@ -6707,213 +7041,27 @@
                 <a:ea typeface="Courier" charset="0"/>
                 <a:cs typeface="Courier" charset="0"/>
               </a:rPr>
-              <a:t>": {</a:t>
-            </a:r>
-          </a:p>
-          <a:p>
-            <a:r>
-              <a:rPr lang="en-US" sz="1600" dirty="0" smtClean="0">
-                <a:latin typeface="Courier" charset="0"/>
-                <a:ea typeface="Courier" charset="0"/>
-                <a:cs typeface="Courier" charset="0"/>
-              </a:rPr>
-              <a:t>      "@</a:t>
-            </a:r>
+              <a:t>"</a:t>
+            </a:r>
+          </a:p>
+          <a:p>
             <a:r>
               <a:rPr lang="en-US" sz="1600" dirty="0">
                 <a:latin typeface="Courier" charset="0"/>
                 <a:ea typeface="Courier" charset="0"/>
                 <a:cs typeface="Courier" charset="0"/>
               </a:rPr>
-              <a:t>type": ["</a:t>
-            </a:r>
-            <a:r>
-              <a:rPr lang="en-US" sz="1600" dirty="0" err="1">
-                <a:solidFill>
-                  <a:srgbClr val="FF0000"/>
-                </a:solidFill>
-                <a:latin typeface="Courier" charset="0"/>
-                <a:ea typeface="Courier" charset="0"/>
-                <a:cs typeface="Courier" charset="0"/>
-              </a:rPr>
-              <a:t>iot:SwitchStateProperty</a:t>
-            </a:r>
+              <a:t>    }</a:t>
+            </a:r>
+          </a:p>
+          <a:p>
             <a:r>
               <a:rPr lang="en-US" sz="1600" dirty="0">
                 <a:latin typeface="Courier" charset="0"/>
                 <a:ea typeface="Courier" charset="0"/>
                 <a:cs typeface="Courier" charset="0"/>
               </a:rPr>
-              <a:t>", </a:t>
-            </a:r>
-            <a:r>
-              <a:rPr lang="en-US" sz="1600" dirty="0" smtClean="0">
-                <a:latin typeface="Courier" charset="0"/>
-                <a:ea typeface="Courier" charset="0"/>
-                <a:cs typeface="Courier" charset="0"/>
-              </a:rPr>
-              <a:t>"</a:t>
-            </a:r>
-            <a:r>
-              <a:rPr lang="en-US" sz="1600" dirty="0" err="1" smtClean="0">
-                <a:solidFill>
-                  <a:srgbClr val="FF0000"/>
-                </a:solidFill>
-                <a:latin typeface="Courier" charset="0"/>
-                <a:ea typeface="Courier" charset="0"/>
-                <a:cs typeface="Courier" charset="0"/>
-              </a:rPr>
-              <a:t>iot:SwitchStateData</a:t>
-            </a:r>
-            <a:r>
-              <a:rPr lang="en-US" sz="1600" dirty="0">
-                <a:latin typeface="Courier" charset="0"/>
-                <a:ea typeface="Courier" charset="0"/>
-                <a:cs typeface="Courier" charset="0"/>
-              </a:rPr>
-              <a:t>"],</a:t>
-            </a:r>
-          </a:p>
-          <a:p>
-            <a:r>
-              <a:rPr lang="en-US" sz="1600" dirty="0" smtClean="0">
-                <a:latin typeface="Courier" charset="0"/>
-                <a:ea typeface="Courier" charset="0"/>
-                <a:cs typeface="Courier" charset="0"/>
-              </a:rPr>
-              <a:t>      "</a:t>
-            </a:r>
-            <a:r>
-              <a:rPr lang="en-US" sz="1600" dirty="0">
-                <a:latin typeface="Courier" charset="0"/>
-                <a:ea typeface="Courier" charset="0"/>
-                <a:cs typeface="Courier" charset="0"/>
-              </a:rPr>
-              <a:t>type": "string",</a:t>
-            </a:r>
-          </a:p>
-          <a:p>
-            <a:r>
-              <a:rPr lang="en-US" sz="1600" dirty="0" smtClean="0">
-                <a:latin typeface="Courier" charset="0"/>
-                <a:ea typeface="Courier" charset="0"/>
-                <a:cs typeface="Courier" charset="0"/>
-              </a:rPr>
-              <a:t>      "</a:t>
-            </a:r>
-            <a:r>
-              <a:rPr lang="en-US" sz="1600" dirty="0" err="1">
-                <a:latin typeface="Courier" charset="0"/>
-                <a:ea typeface="Courier" charset="0"/>
-                <a:cs typeface="Courier" charset="0"/>
-              </a:rPr>
-              <a:t>enum</a:t>
-            </a:r>
-            <a:r>
-              <a:rPr lang="en-US" sz="1600" dirty="0">
-                <a:latin typeface="Courier" charset="0"/>
-                <a:ea typeface="Courier" charset="0"/>
-                <a:cs typeface="Courier" charset="0"/>
-              </a:rPr>
-              <a:t>": ["on", "off"],</a:t>
-            </a:r>
-          </a:p>
-          <a:p>
-            <a:r>
-              <a:rPr lang="en-US" sz="1600" dirty="0" smtClean="0">
-                <a:latin typeface="Courier" charset="0"/>
-                <a:ea typeface="Courier" charset="0"/>
-                <a:cs typeface="Courier" charset="0"/>
-              </a:rPr>
-              <a:t>      "</a:t>
-            </a:r>
-            <a:r>
-              <a:rPr lang="en-US" sz="1600" dirty="0" err="1">
-                <a:latin typeface="Courier" charset="0"/>
-                <a:ea typeface="Courier" charset="0"/>
-                <a:cs typeface="Courier" charset="0"/>
-              </a:rPr>
-              <a:t>writeOnly</a:t>
-            </a:r>
-            <a:r>
-              <a:rPr lang="en-US" sz="1600" dirty="0">
-                <a:latin typeface="Courier" charset="0"/>
-                <a:ea typeface="Courier" charset="0"/>
-                <a:cs typeface="Courier" charset="0"/>
-              </a:rPr>
-              <a:t>": false,</a:t>
-            </a:r>
-          </a:p>
-          <a:p>
-            <a:r>
-              <a:rPr lang="en-US" sz="1600" dirty="0" smtClean="0">
-                <a:latin typeface="Courier" charset="0"/>
-                <a:ea typeface="Courier" charset="0"/>
-                <a:cs typeface="Courier" charset="0"/>
-              </a:rPr>
-              <a:t>      "</a:t>
-            </a:r>
-            <a:r>
-              <a:rPr lang="en-US" sz="1600" dirty="0" err="1">
-                <a:latin typeface="Courier" charset="0"/>
-                <a:ea typeface="Courier" charset="0"/>
-                <a:cs typeface="Courier" charset="0"/>
-              </a:rPr>
-              <a:t>readOnly</a:t>
-            </a:r>
-            <a:r>
-              <a:rPr lang="en-US" sz="1600" dirty="0">
-                <a:latin typeface="Courier" charset="0"/>
-                <a:ea typeface="Courier" charset="0"/>
-                <a:cs typeface="Courier" charset="0"/>
-              </a:rPr>
-              <a:t>": false,</a:t>
-            </a:r>
-          </a:p>
-          <a:p>
-            <a:r>
-              <a:rPr lang="en-US" sz="1600" dirty="0" smtClean="0">
-                <a:latin typeface="Courier" charset="0"/>
-                <a:ea typeface="Courier" charset="0"/>
-                <a:cs typeface="Courier" charset="0"/>
-              </a:rPr>
-              <a:t>      "</a:t>
-            </a:r>
-            <a:r>
-              <a:rPr lang="en-US" sz="1600" dirty="0">
-                <a:latin typeface="Courier" charset="0"/>
-                <a:ea typeface="Courier" charset="0"/>
-                <a:cs typeface="Courier" charset="0"/>
-              </a:rPr>
-              <a:t>observable": false,</a:t>
-            </a:r>
-          </a:p>
-          <a:p>
-            <a:r>
-              <a:rPr lang="en-US" sz="1600" dirty="0" smtClean="0">
-                <a:latin typeface="Courier" charset="0"/>
-                <a:ea typeface="Courier" charset="0"/>
-                <a:cs typeface="Courier" charset="0"/>
-              </a:rPr>
-              <a:t>      "</a:t>
-            </a:r>
-            <a:r>
-              <a:rPr lang="en-US" sz="1600" dirty="0">
-                <a:latin typeface="Courier" charset="0"/>
-                <a:ea typeface="Courier" charset="0"/>
-                <a:cs typeface="Courier" charset="0"/>
-              </a:rPr>
-              <a:t>forms": [</a:t>
-            </a:r>
-          </a:p>
-          <a:p>
-            <a:r>
-              <a:rPr lang="en-US" sz="1600" dirty="0" smtClean="0">
-                <a:latin typeface="Courier" charset="0"/>
-                <a:ea typeface="Courier" charset="0"/>
-                <a:cs typeface="Courier" charset="0"/>
-              </a:rPr>
-              <a:t>        {</a:t>
+              <a:t>},</a:t>
             </a:r>
             <a:endParaRPr lang="en-US" sz="1600" dirty="0">
               <a:latin typeface="Courier" charset="0"/>
@@ -6921,190 +7069,12 @@
               <a:cs typeface="Courier" charset="0"/>
             </a:endParaRPr>
           </a:p>
-          <a:p>
-            <a:r>
-              <a:rPr lang="en-US" sz="1600" dirty="0" smtClean="0">
-                <a:latin typeface="Courier" charset="0"/>
-                <a:ea typeface="Courier" charset="0"/>
-                <a:cs typeface="Courier" charset="0"/>
-              </a:rPr>
-              <a:t>         "</a:t>
-            </a:r>
-            <a:r>
-              <a:rPr lang="en-US" sz="1600" dirty="0" err="1">
-                <a:latin typeface="Courier" charset="0"/>
-                <a:ea typeface="Courier" charset="0"/>
-                <a:cs typeface="Courier" charset="0"/>
-              </a:rPr>
-              <a:t>href</a:t>
-            </a:r>
-            <a:r>
-              <a:rPr lang="en-US" sz="1600" dirty="0">
-                <a:latin typeface="Courier" charset="0"/>
-                <a:ea typeface="Courier" charset="0"/>
-                <a:cs typeface="Courier" charset="0"/>
-              </a:rPr>
-              <a:t>": "/example/switch/state",</a:t>
-            </a:r>
-          </a:p>
-          <a:p>
-            <a:r>
-              <a:rPr lang="en-US" sz="1600" dirty="0" smtClean="0">
-                <a:latin typeface="Courier" charset="0"/>
-                <a:ea typeface="Courier" charset="0"/>
-                <a:cs typeface="Courier" charset="0"/>
-              </a:rPr>
-              <a:t>         "</a:t>
-            </a:r>
-            <a:r>
-              <a:rPr lang="en-US" sz="1600" dirty="0">
-                <a:latin typeface="Courier" charset="0"/>
-                <a:ea typeface="Courier" charset="0"/>
-                <a:cs typeface="Courier" charset="0"/>
-              </a:rPr>
-              <a:t>op": ["</a:t>
-            </a:r>
-            <a:r>
-              <a:rPr lang="en-US" sz="1600" dirty="0" err="1">
-                <a:latin typeface="Courier" charset="0"/>
-                <a:ea typeface="Courier" charset="0"/>
-                <a:cs typeface="Courier" charset="0"/>
-              </a:rPr>
-              <a:t>readproperty</a:t>
-            </a:r>
-            <a:r>
-              <a:rPr lang="en-US" sz="1600" dirty="0">
-                <a:latin typeface="Courier" charset="0"/>
-                <a:ea typeface="Courier" charset="0"/>
-                <a:cs typeface="Courier" charset="0"/>
-              </a:rPr>
-              <a:t>", "</a:t>
-            </a:r>
-            <a:r>
-              <a:rPr lang="en-US" sz="1600" dirty="0" err="1">
-                <a:latin typeface="Courier" charset="0"/>
-                <a:ea typeface="Courier" charset="0"/>
-                <a:cs typeface="Courier" charset="0"/>
-              </a:rPr>
-              <a:t>writeproperty</a:t>
-            </a:r>
-            <a:r>
-              <a:rPr lang="en-US" sz="1600" dirty="0">
-                <a:latin typeface="Courier" charset="0"/>
-                <a:ea typeface="Courier" charset="0"/>
-                <a:cs typeface="Courier" charset="0"/>
-              </a:rPr>
-              <a:t>"],</a:t>
-            </a:r>
-          </a:p>
-          <a:p>
-            <a:r>
-              <a:rPr lang="en-US" sz="1600" dirty="0" smtClean="0">
-                <a:latin typeface="Courier" charset="0"/>
-                <a:ea typeface="Courier" charset="0"/>
-                <a:cs typeface="Courier" charset="0"/>
-              </a:rPr>
-              <a:t>         "</a:t>
-            </a:r>
-            <a:r>
-              <a:rPr lang="en-US" sz="1600" dirty="0" err="1">
-                <a:latin typeface="Courier" charset="0"/>
-                <a:ea typeface="Courier" charset="0"/>
-                <a:cs typeface="Courier" charset="0"/>
-              </a:rPr>
-              <a:t>contentType</a:t>
-            </a:r>
-            <a:r>
-              <a:rPr lang="en-US" sz="1600" dirty="0">
-                <a:latin typeface="Courier" charset="0"/>
-                <a:ea typeface="Courier" charset="0"/>
-                <a:cs typeface="Courier" charset="0"/>
-              </a:rPr>
-              <a:t>": "application/</a:t>
-            </a:r>
-            <a:r>
-              <a:rPr lang="en-US" sz="1600" dirty="0" err="1">
-                <a:latin typeface="Courier" charset="0"/>
-                <a:ea typeface="Courier" charset="0"/>
-                <a:cs typeface="Courier" charset="0"/>
-              </a:rPr>
-              <a:t>json</a:t>
-            </a:r>
-            <a:r>
-              <a:rPr lang="en-US" sz="1600" dirty="0">
-                <a:latin typeface="Courier" charset="0"/>
-                <a:ea typeface="Courier" charset="0"/>
-                <a:cs typeface="Courier" charset="0"/>
-              </a:rPr>
-              <a:t>"</a:t>
-            </a:r>
-          </a:p>
-          <a:p>
-            <a:r>
-              <a:rPr lang="en-US" sz="1600" dirty="0" smtClean="0">
-                <a:latin typeface="Courier" charset="0"/>
-                <a:ea typeface="Courier" charset="0"/>
-                <a:cs typeface="Courier" charset="0"/>
-              </a:rPr>
-              <a:t>        }</a:t>
-            </a:r>
-            <a:endParaRPr lang="en-US" sz="1600" dirty="0">
-              <a:latin typeface="Courier" charset="0"/>
-              <a:ea typeface="Courier" charset="0"/>
-              <a:cs typeface="Courier" charset="0"/>
-            </a:endParaRPr>
-          </a:p>
-          <a:p>
-            <a:r>
-              <a:rPr lang="en-US" sz="1600" dirty="0" smtClean="0">
-                <a:latin typeface="Courier" charset="0"/>
-                <a:ea typeface="Courier" charset="0"/>
-                <a:cs typeface="Courier" charset="0"/>
-              </a:rPr>
-              <a:t>      ]</a:t>
-            </a:r>
-            <a:endParaRPr lang="en-US" sz="1600" dirty="0">
-              <a:latin typeface="Courier" charset="0"/>
-              <a:ea typeface="Courier" charset="0"/>
-              <a:cs typeface="Courier" charset="0"/>
-            </a:endParaRPr>
-          </a:p>
-          <a:p>
-            <a:r>
-              <a:rPr lang="en-US" sz="1600" dirty="0" smtClean="0">
-                <a:latin typeface="Courier" charset="0"/>
-                <a:ea typeface="Courier" charset="0"/>
-                <a:cs typeface="Courier" charset="0"/>
-              </a:rPr>
-              <a:t>    }</a:t>
-            </a:r>
-            <a:endParaRPr lang="en-US" sz="1600" dirty="0">
-              <a:latin typeface="Courier" charset="0"/>
-              <a:ea typeface="Courier" charset="0"/>
-              <a:cs typeface="Courier" charset="0"/>
-            </a:endParaRPr>
-          </a:p>
-          <a:p>
-            <a:r>
-              <a:rPr lang="en-US" sz="1600" dirty="0" smtClean="0">
-                <a:latin typeface="Courier" charset="0"/>
-                <a:ea typeface="Courier" charset="0"/>
-                <a:cs typeface="Courier" charset="0"/>
-              </a:rPr>
-              <a:t>  },</a:t>
-            </a:r>
-            <a:endParaRPr lang="en-US" sz="1600" dirty="0">
-              <a:latin typeface="Courier" charset="0"/>
-              <a:ea typeface="Courier" charset="0"/>
-              <a:cs typeface="Courier" charset="0"/>
-            </a:endParaRPr>
-          </a:p>
         </p:txBody>
       </p:sp>
     </p:spTree>
     <p:extLst>
       <p:ext uri="{BB962C8B-B14F-4D97-AF65-F5344CB8AC3E}">
-        <p14:creationId xmlns:p14="http://schemas.microsoft.com/office/powerpoint/2010/main" val="1445931559"/>
+        <p14:creationId xmlns:p14="http://schemas.microsoft.com/office/powerpoint/2010/main" val="1815935121"/>
       </p:ext>
     </p:extLst>
   </p:cSld>
@@ -7133,459 +7103,6 @@
       </p:grpSpPr>
       <p:sp>
         <p:nvSpPr>
-          <p:cNvPr id="4" name="Rectangle 3"/>
-          <p:cNvSpPr/>
-          <p:nvPr/>
-        </p:nvSpPr>
-        <p:spPr>
-          <a:xfrm>
-            <a:off x="374072" y="507862"/>
-            <a:ext cx="7190509" cy="6186309"/>
-          </a:xfrm>
-          <a:prstGeom prst="rect">
-            <a:avLst/>
-          </a:prstGeom>
-        </p:spPr>
-        <p:txBody>
-          <a:bodyPr wrap="square">
-            <a:spAutoFit/>
-          </a:bodyPr>
-          <a:lstStyle/>
-          <a:p>
-            <a:r>
-              <a:rPr lang="en-US" dirty="0">
-                <a:latin typeface="Courier" charset="0"/>
-                <a:ea typeface="Courier" charset="0"/>
-                <a:cs typeface="Courier" charset="0"/>
-              </a:rPr>
-              <a:t>  "actions": {</a:t>
-            </a:r>
-          </a:p>
-          <a:p>
-            <a:r>
-              <a:rPr lang="en-US" dirty="0">
-                <a:latin typeface="Courier" charset="0"/>
-                <a:ea typeface="Courier" charset="0"/>
-                <a:cs typeface="Courier" charset="0"/>
-              </a:rPr>
-              <a:t>    "</a:t>
-            </a:r>
-            <a:r>
-              <a:rPr lang="en-US" dirty="0" err="1">
-                <a:latin typeface="Courier" charset="0"/>
-                <a:ea typeface="Courier" charset="0"/>
-                <a:cs typeface="Courier" charset="0"/>
-              </a:rPr>
-              <a:t>switchOn</a:t>
-            </a:r>
-            <a:r>
-              <a:rPr lang="en-US" dirty="0">
-                <a:latin typeface="Courier" charset="0"/>
-                <a:ea typeface="Courier" charset="0"/>
-                <a:cs typeface="Courier" charset="0"/>
-              </a:rPr>
-              <a:t>": {</a:t>
-            </a:r>
-          </a:p>
-          <a:p>
-            <a:r>
-              <a:rPr lang="en-US" dirty="0">
-                <a:latin typeface="Courier" charset="0"/>
-                <a:ea typeface="Courier" charset="0"/>
-                <a:cs typeface="Courier" charset="0"/>
-              </a:rPr>
-              <a:t>      "@type": ["</a:t>
-            </a:r>
-            <a:r>
-              <a:rPr lang="en-US" dirty="0" err="1">
-                <a:solidFill>
-                  <a:srgbClr val="FF0000"/>
-                </a:solidFill>
-                <a:latin typeface="Courier" charset="0"/>
-                <a:ea typeface="Courier" charset="0"/>
-                <a:cs typeface="Courier" charset="0"/>
-              </a:rPr>
-              <a:t>iot:SwitchOnAction</a:t>
-            </a:r>
-            <a:r>
-              <a:rPr lang="en-US" dirty="0">
-                <a:latin typeface="Courier" charset="0"/>
-                <a:ea typeface="Courier" charset="0"/>
-                <a:cs typeface="Courier" charset="0"/>
-              </a:rPr>
-              <a:t>"],</a:t>
-            </a:r>
-          </a:p>
-          <a:p>
-            <a:r>
-              <a:rPr lang="en-US" dirty="0">
-                <a:latin typeface="Courier" charset="0"/>
-                <a:ea typeface="Courier" charset="0"/>
-                <a:cs typeface="Courier" charset="0"/>
-              </a:rPr>
-              <a:t>      "input": {},</a:t>
-            </a:r>
-          </a:p>
-          <a:p>
-            <a:r>
-              <a:rPr lang="en-US" dirty="0">
-                <a:latin typeface="Courier" charset="0"/>
-                <a:ea typeface="Courier" charset="0"/>
-                <a:cs typeface="Courier" charset="0"/>
-              </a:rPr>
-              <a:t>      "forms": [</a:t>
-            </a:r>
-          </a:p>
-          <a:p>
-            <a:r>
-              <a:rPr lang="en-US" dirty="0">
-                <a:latin typeface="Courier" charset="0"/>
-                <a:ea typeface="Courier" charset="0"/>
-                <a:cs typeface="Courier" charset="0"/>
-              </a:rPr>
-              <a:t>        {</a:t>
-            </a:r>
-          </a:p>
-          <a:p>
-            <a:r>
-              <a:rPr lang="en-US" dirty="0">
-                <a:latin typeface="Courier" charset="0"/>
-                <a:ea typeface="Courier" charset="0"/>
-                <a:cs typeface="Courier" charset="0"/>
-              </a:rPr>
-              <a:t>          "</a:t>
-            </a:r>
-            <a:r>
-              <a:rPr lang="en-US" dirty="0" err="1">
-                <a:latin typeface="Courier" charset="0"/>
-                <a:ea typeface="Courier" charset="0"/>
-                <a:cs typeface="Courier" charset="0"/>
-              </a:rPr>
-              <a:t>href</a:t>
-            </a:r>
-            <a:r>
-              <a:rPr lang="en-US" dirty="0">
-                <a:latin typeface="Courier" charset="0"/>
-                <a:ea typeface="Courier" charset="0"/>
-                <a:cs typeface="Courier" charset="0"/>
-              </a:rPr>
-              <a:t>": "/example/switch/on",</a:t>
-            </a:r>
-          </a:p>
-          <a:p>
-            <a:r>
-              <a:rPr lang="en-US" dirty="0">
-                <a:latin typeface="Courier" charset="0"/>
-                <a:ea typeface="Courier" charset="0"/>
-                <a:cs typeface="Courier" charset="0"/>
-              </a:rPr>
-              <a:t>          "op": ["</a:t>
-            </a:r>
-            <a:r>
-              <a:rPr lang="en-US" dirty="0" err="1">
-                <a:latin typeface="Courier" charset="0"/>
-                <a:ea typeface="Courier" charset="0"/>
-                <a:cs typeface="Courier" charset="0"/>
-              </a:rPr>
-              <a:t>invokeaction</a:t>
-            </a:r>
-            <a:r>
-              <a:rPr lang="en-US" dirty="0">
-                <a:latin typeface="Courier" charset="0"/>
-                <a:ea typeface="Courier" charset="0"/>
-                <a:cs typeface="Courier" charset="0"/>
-              </a:rPr>
-              <a:t>"],</a:t>
-            </a:r>
-          </a:p>
-          <a:p>
-            <a:r>
-              <a:rPr lang="en-US" dirty="0">
-                <a:latin typeface="Courier" charset="0"/>
-                <a:ea typeface="Courier" charset="0"/>
-                <a:cs typeface="Courier" charset="0"/>
-              </a:rPr>
-              <a:t>          "</a:t>
-            </a:r>
-            <a:r>
-              <a:rPr lang="en-US" dirty="0" err="1">
-                <a:latin typeface="Courier" charset="0"/>
-                <a:ea typeface="Courier" charset="0"/>
-                <a:cs typeface="Courier" charset="0"/>
-              </a:rPr>
-              <a:t>contentType</a:t>
-            </a:r>
-            <a:r>
-              <a:rPr lang="en-US" dirty="0">
-                <a:latin typeface="Courier" charset="0"/>
-                <a:ea typeface="Courier" charset="0"/>
-                <a:cs typeface="Courier" charset="0"/>
-              </a:rPr>
-              <a:t>": "application/</a:t>
-            </a:r>
-            <a:r>
-              <a:rPr lang="en-US" dirty="0" err="1">
-                <a:latin typeface="Courier" charset="0"/>
-                <a:ea typeface="Courier" charset="0"/>
-                <a:cs typeface="Courier" charset="0"/>
-              </a:rPr>
-              <a:t>json</a:t>
-            </a:r>
-            <a:r>
-              <a:rPr lang="en-US" dirty="0">
-                <a:latin typeface="Courier" charset="0"/>
-                <a:ea typeface="Courier" charset="0"/>
-                <a:cs typeface="Courier" charset="0"/>
-              </a:rPr>
-              <a:t>"</a:t>
-            </a:r>
-          </a:p>
-          <a:p>
-            <a:r>
-              <a:rPr lang="en-US" dirty="0">
-                <a:latin typeface="Courier" charset="0"/>
-                <a:ea typeface="Courier" charset="0"/>
-                <a:cs typeface="Courier" charset="0"/>
-              </a:rPr>
-              <a:t>        }</a:t>
-            </a:r>
-          </a:p>
-          <a:p>
-            <a:r>
-              <a:rPr lang="en-US" dirty="0">
-                <a:latin typeface="Courier" charset="0"/>
-                <a:ea typeface="Courier" charset="0"/>
-                <a:cs typeface="Courier" charset="0"/>
-              </a:rPr>
-              <a:t>      ]</a:t>
-            </a:r>
-          </a:p>
-          <a:p>
-            <a:r>
-              <a:rPr lang="en-US" dirty="0">
-                <a:latin typeface="Courier" charset="0"/>
-                <a:ea typeface="Courier" charset="0"/>
-                <a:cs typeface="Courier" charset="0"/>
-              </a:rPr>
-              <a:t>    },</a:t>
-            </a:r>
-          </a:p>
-          <a:p>
-            <a:r>
-              <a:rPr lang="en-US" dirty="0">
-                <a:latin typeface="Courier" charset="0"/>
-                <a:ea typeface="Courier" charset="0"/>
-                <a:cs typeface="Courier" charset="0"/>
-              </a:rPr>
-              <a:t>    "</a:t>
-            </a:r>
-            <a:r>
-              <a:rPr lang="en-US" dirty="0" err="1">
-                <a:latin typeface="Courier" charset="0"/>
-                <a:ea typeface="Courier" charset="0"/>
-                <a:cs typeface="Courier" charset="0"/>
-              </a:rPr>
-              <a:t>switchOff</a:t>
-            </a:r>
-            <a:r>
-              <a:rPr lang="en-US" dirty="0">
-                <a:latin typeface="Courier" charset="0"/>
-                <a:ea typeface="Courier" charset="0"/>
-                <a:cs typeface="Courier" charset="0"/>
-              </a:rPr>
-              <a:t>": {</a:t>
-            </a:r>
-          </a:p>
-          <a:p>
-            <a:r>
-              <a:rPr lang="en-US" dirty="0">
-                <a:latin typeface="Courier" charset="0"/>
-                <a:ea typeface="Courier" charset="0"/>
-                <a:cs typeface="Courier" charset="0"/>
-              </a:rPr>
-              <a:t>      "@type": ["</a:t>
-            </a:r>
-            <a:r>
-              <a:rPr lang="en-US" dirty="0" err="1">
-                <a:solidFill>
-                  <a:srgbClr val="FF0000"/>
-                </a:solidFill>
-                <a:latin typeface="Courier" charset="0"/>
-                <a:ea typeface="Courier" charset="0"/>
-                <a:cs typeface="Courier" charset="0"/>
-              </a:rPr>
-              <a:t>iot:SwitchOffAction</a:t>
-            </a:r>
-            <a:r>
-              <a:rPr lang="en-US" dirty="0">
-                <a:latin typeface="Courier" charset="0"/>
-                <a:ea typeface="Courier" charset="0"/>
-                <a:cs typeface="Courier" charset="0"/>
-              </a:rPr>
-              <a:t>"],</a:t>
-            </a:r>
-          </a:p>
-          <a:p>
-            <a:r>
-              <a:rPr lang="en-US" dirty="0">
-                <a:latin typeface="Courier" charset="0"/>
-                <a:ea typeface="Courier" charset="0"/>
-                <a:cs typeface="Courier" charset="0"/>
-              </a:rPr>
-              <a:t>      "input": {},</a:t>
-            </a:r>
-          </a:p>
-          <a:p>
-            <a:r>
-              <a:rPr lang="en-US" dirty="0">
-                <a:latin typeface="Courier" charset="0"/>
-                <a:ea typeface="Courier" charset="0"/>
-                <a:cs typeface="Courier" charset="0"/>
-              </a:rPr>
-              <a:t>      "forms": [</a:t>
-            </a:r>
-          </a:p>
-          <a:p>
-            <a:r>
-              <a:rPr lang="en-US" dirty="0">
-                <a:latin typeface="Courier" charset="0"/>
-                <a:ea typeface="Courier" charset="0"/>
-                <a:cs typeface="Courier" charset="0"/>
-              </a:rPr>
-              <a:t>        {</a:t>
-            </a:r>
-          </a:p>
-          <a:p>
-            <a:r>
-              <a:rPr lang="en-US" dirty="0">
-                <a:latin typeface="Courier" charset="0"/>
-                <a:ea typeface="Courier" charset="0"/>
-                <a:cs typeface="Courier" charset="0"/>
-              </a:rPr>
-              <a:t>          "</a:t>
-            </a:r>
-            <a:r>
-              <a:rPr lang="en-US" dirty="0" err="1">
-                <a:latin typeface="Courier" charset="0"/>
-                <a:ea typeface="Courier" charset="0"/>
-                <a:cs typeface="Courier" charset="0"/>
-              </a:rPr>
-              <a:t>href</a:t>
-            </a:r>
-            <a:r>
-              <a:rPr lang="en-US" dirty="0">
-                <a:latin typeface="Courier" charset="0"/>
-                <a:ea typeface="Courier" charset="0"/>
-                <a:cs typeface="Courier" charset="0"/>
-              </a:rPr>
-              <a:t>": "/example/switch/off",</a:t>
-            </a:r>
-          </a:p>
-          <a:p>
-            <a:r>
-              <a:rPr lang="en-US" dirty="0">
-                <a:latin typeface="Courier" charset="0"/>
-                <a:ea typeface="Courier" charset="0"/>
-                <a:cs typeface="Courier" charset="0"/>
-              </a:rPr>
-              <a:t>          "op": ["</a:t>
-            </a:r>
-            <a:r>
-              <a:rPr lang="en-US" dirty="0" err="1">
-                <a:latin typeface="Courier" charset="0"/>
-                <a:ea typeface="Courier" charset="0"/>
-                <a:cs typeface="Courier" charset="0"/>
-              </a:rPr>
-              <a:t>invokeaction</a:t>
-            </a:r>
-            <a:r>
-              <a:rPr lang="en-US" dirty="0">
-                <a:latin typeface="Courier" charset="0"/>
-                <a:ea typeface="Courier" charset="0"/>
-                <a:cs typeface="Courier" charset="0"/>
-              </a:rPr>
-              <a:t>"],</a:t>
-            </a:r>
-          </a:p>
-          <a:p>
-            <a:r>
-              <a:rPr lang="en-US" dirty="0">
-                <a:latin typeface="Courier" charset="0"/>
-                <a:ea typeface="Courier" charset="0"/>
-                <a:cs typeface="Courier" charset="0"/>
-              </a:rPr>
-              <a:t>          "</a:t>
-            </a:r>
-            <a:r>
-              <a:rPr lang="en-US" dirty="0" err="1">
-                <a:latin typeface="Courier" charset="0"/>
-                <a:ea typeface="Courier" charset="0"/>
-                <a:cs typeface="Courier" charset="0"/>
-              </a:rPr>
-              <a:t>contentType</a:t>
-            </a:r>
-            <a:r>
-              <a:rPr lang="en-US" dirty="0">
-                <a:latin typeface="Courier" charset="0"/>
-                <a:ea typeface="Courier" charset="0"/>
-                <a:cs typeface="Courier" charset="0"/>
-              </a:rPr>
-              <a:t>": "application/</a:t>
-            </a:r>
-            <a:r>
-              <a:rPr lang="en-US" dirty="0" err="1">
-                <a:latin typeface="Courier" charset="0"/>
-                <a:ea typeface="Courier" charset="0"/>
-                <a:cs typeface="Courier" charset="0"/>
-              </a:rPr>
-              <a:t>json</a:t>
-            </a:r>
-            <a:r>
-              <a:rPr lang="en-US" dirty="0">
-                <a:latin typeface="Courier" charset="0"/>
-                <a:ea typeface="Courier" charset="0"/>
-                <a:cs typeface="Courier" charset="0"/>
-              </a:rPr>
-              <a:t>"</a:t>
-            </a:r>
-          </a:p>
-          <a:p>
-            <a:r>
-              <a:rPr lang="en-US" dirty="0">
-                <a:latin typeface="Courier" charset="0"/>
-                <a:ea typeface="Courier" charset="0"/>
-                <a:cs typeface="Courier" charset="0"/>
-              </a:rPr>
-              <a:t>        }</a:t>
-            </a:r>
-          </a:p>
-          <a:p>
-            <a:r>
-              <a:rPr lang="en-US" dirty="0">
-                <a:latin typeface="Courier" charset="0"/>
-                <a:ea typeface="Courier" charset="0"/>
-                <a:cs typeface="Courier" charset="0"/>
-              </a:rPr>
-              <a:t>      </a:t>
-            </a:r>
-            <a:r>
-              <a:rPr lang="en-US" dirty="0" smtClean="0">
-                <a:latin typeface="Courier" charset="0"/>
-                <a:ea typeface="Courier" charset="0"/>
-                <a:cs typeface="Courier" charset="0"/>
-              </a:rPr>
-              <a:t>]</a:t>
-            </a:r>
-            <a:endParaRPr lang="en-US" dirty="0">
-              <a:latin typeface="Courier" charset="0"/>
-              <a:ea typeface="Courier" charset="0"/>
-              <a:cs typeface="Courier" charset="0"/>
-            </a:endParaRPr>
-          </a:p>
-        </p:txBody>
-      </p:sp>
-      <p:sp>
-        <p:nvSpPr>
           <p:cNvPr id="5" name="Title 1"/>
           <p:cNvSpPr>
             <a:spLocks noGrp="1"/>
@@ -7596,7 +7113,7 @@
         </p:nvSpPr>
         <p:spPr>
           <a:xfrm>
-            <a:off x="2925040" y="-154919"/>
+            <a:off x="628650" y="0"/>
             <a:ext cx="7886700" cy="1325563"/>
           </a:xfrm>
         </p:spPr>
@@ -7605,33 +7122,444 @@
           <a:lstStyle/>
           <a:p>
             <a:r>
+              <a:rPr lang="en-US" dirty="0" err="1" smtClean="0"/>
+              <a:t>Enum</a:t>
+            </a:r>
+            <a:r>
               <a:rPr lang="en-US" dirty="0" smtClean="0"/>
-              <a:t>Semantic Proxy </a:t>
-            </a:r>
-            <a:r>
-              <a:rPr lang="mr-IN" dirty="0" smtClean="0"/>
-              <a:t>–</a:t>
-            </a:r>
-            <a:r>
-              <a:rPr lang="en-US" dirty="0" smtClean="0"/>
-              <a:t> </a:t>
-            </a:r>
-            <a:r>
-              <a:rPr lang="en-US" dirty="0" err="1" smtClean="0"/>
-              <a:t>WoT</a:t>
-            </a:r>
-            <a:r>
-              <a:rPr lang="en-US" dirty="0" smtClean="0"/>
-              <a:t> TD </a:t>
+              <a:t> Data Values in RDF</a:t>
             </a:r>
             <a:endParaRPr lang="en-US" dirty="0"/>
+          </a:p>
+        </p:txBody>
+      </p:sp>
+      <p:sp>
+        <p:nvSpPr>
+          <p:cNvPr id="6" name="Rectangle 5"/>
+          <p:cNvSpPr/>
+          <p:nvPr/>
+        </p:nvSpPr>
+        <p:spPr>
+          <a:xfrm>
+            <a:off x="1350818" y="1942881"/>
+            <a:ext cx="6743700" cy="3046988"/>
+          </a:xfrm>
+          <a:prstGeom prst="rect">
+            <a:avLst/>
+          </a:prstGeom>
+        </p:spPr>
+        <p:txBody>
+          <a:bodyPr wrap="square">
+            <a:spAutoFit/>
+          </a:bodyPr>
+          <a:lstStyle/>
+          <a:p>
+            <a:r>
+              <a:rPr lang="en-US" sz="1600" dirty="0">
+                <a:latin typeface="Courier" charset="0"/>
+                <a:ea typeface="Courier" charset="0"/>
+                <a:cs typeface="Courier" charset="0"/>
+              </a:rPr>
+              <a:t>{</a:t>
+            </a:r>
+          </a:p>
+          <a:p>
+            <a:r>
+              <a:rPr lang="en-US" sz="1600" dirty="0">
+                <a:latin typeface="Courier" charset="0"/>
+                <a:ea typeface="Courier" charset="0"/>
+                <a:cs typeface="Courier" charset="0"/>
+              </a:rPr>
+              <a:t>    "@id": "</a:t>
+            </a:r>
+            <a:r>
+              <a:rPr lang="en-US" sz="1600" dirty="0" err="1" smtClean="0">
+                <a:solidFill>
+                  <a:srgbClr val="FF0000"/>
+                </a:solidFill>
+                <a:latin typeface="Courier" charset="0"/>
+                <a:ea typeface="Courier" charset="0"/>
+                <a:cs typeface="Courier" charset="0"/>
+              </a:rPr>
+              <a:t>iot:SwitchOn</a:t>
+            </a:r>
+            <a:r>
+              <a:rPr lang="en-US" sz="1600" dirty="0" err="1">
+                <a:solidFill>
+                  <a:srgbClr val="FF0000"/>
+                </a:solidFill>
+                <a:latin typeface="Courier" charset="0"/>
+                <a:ea typeface="Courier" charset="0"/>
+                <a:cs typeface="Courier" charset="0"/>
+              </a:rPr>
+              <a:t>State</a:t>
+            </a:r>
+            <a:r>
+              <a:rPr lang="en-US" sz="1600" dirty="0" smtClean="0">
+                <a:latin typeface="Courier" charset="0"/>
+                <a:ea typeface="Courier" charset="0"/>
+                <a:cs typeface="Courier" charset="0"/>
+              </a:rPr>
+              <a:t>",</a:t>
+            </a:r>
+            <a:endParaRPr lang="en-US" sz="1600" dirty="0">
+              <a:latin typeface="Courier" charset="0"/>
+              <a:ea typeface="Courier" charset="0"/>
+              <a:cs typeface="Courier" charset="0"/>
+            </a:endParaRPr>
+          </a:p>
+          <a:p>
+            <a:r>
+              <a:rPr lang="en-US" sz="1600" dirty="0">
+                <a:latin typeface="Courier" charset="0"/>
+                <a:ea typeface="Courier" charset="0"/>
+                <a:cs typeface="Courier" charset="0"/>
+              </a:rPr>
+              <a:t>    "@type": </a:t>
+            </a:r>
+            <a:r>
+              <a:rPr lang="en-US" sz="1600" dirty="0" smtClean="0">
+                <a:latin typeface="Courier" charset="0"/>
+                <a:ea typeface="Courier" charset="0"/>
+                <a:cs typeface="Courier" charset="0"/>
+              </a:rPr>
+              <a:t>"</a:t>
+            </a:r>
+            <a:r>
+              <a:rPr lang="en-US" sz="1600" dirty="0" err="1">
+                <a:latin typeface="Courier" charset="0"/>
+                <a:ea typeface="Courier" charset="0"/>
+                <a:cs typeface="Courier" charset="0"/>
+              </a:rPr>
+              <a:t>iot:SwitchStateType</a:t>
+            </a:r>
+            <a:r>
+              <a:rPr lang="en-US" sz="1600" dirty="0" smtClean="0">
+                <a:latin typeface="Courier" charset="0"/>
+                <a:ea typeface="Courier" charset="0"/>
+                <a:cs typeface="Courier" charset="0"/>
+              </a:rPr>
+              <a:t>",</a:t>
+            </a:r>
+            <a:endParaRPr lang="en-US" sz="1600" dirty="0">
+              <a:latin typeface="Courier" charset="0"/>
+              <a:ea typeface="Courier" charset="0"/>
+              <a:cs typeface="Courier" charset="0"/>
+            </a:endParaRPr>
+          </a:p>
+          <a:p>
+            <a:r>
+              <a:rPr lang="en-US" sz="1600" dirty="0">
+                <a:latin typeface="Courier" charset="0"/>
+                <a:ea typeface="Courier" charset="0"/>
+                <a:cs typeface="Courier" charset="0"/>
+              </a:rPr>
+              <a:t>    "</a:t>
+            </a:r>
+            <a:r>
+              <a:rPr lang="en-US" sz="1600" dirty="0" err="1">
+                <a:latin typeface="Courier" charset="0"/>
+                <a:ea typeface="Courier" charset="0"/>
+                <a:cs typeface="Courier" charset="0"/>
+              </a:rPr>
+              <a:t>rdfs:comment</a:t>
+            </a:r>
+            <a:r>
+              <a:rPr lang="en-US" sz="1600" dirty="0">
+                <a:latin typeface="Courier" charset="0"/>
+                <a:ea typeface="Courier" charset="0"/>
+                <a:cs typeface="Courier" charset="0"/>
+              </a:rPr>
+              <a:t>": </a:t>
+            </a:r>
+            <a:r>
+              <a:rPr lang="en-US" sz="1600" dirty="0" smtClean="0">
+                <a:latin typeface="Courier" charset="0"/>
+                <a:ea typeface="Courier" charset="0"/>
+                <a:cs typeface="Courier" charset="0"/>
+              </a:rPr>
+              <a:t>"Switch On State",</a:t>
+            </a:r>
+            <a:endParaRPr lang="en-US" sz="1600" dirty="0">
+              <a:latin typeface="Courier" charset="0"/>
+              <a:ea typeface="Courier" charset="0"/>
+              <a:cs typeface="Courier" charset="0"/>
+            </a:endParaRPr>
+          </a:p>
+          <a:p>
+            <a:r>
+              <a:rPr lang="en-US" sz="1600" dirty="0">
+                <a:latin typeface="Courier" charset="0"/>
+                <a:ea typeface="Courier" charset="0"/>
+                <a:cs typeface="Courier" charset="0"/>
+              </a:rPr>
+              <a:t>    "</a:t>
+            </a:r>
+            <a:r>
+              <a:rPr lang="en-US" sz="1600" dirty="0" err="1">
+                <a:latin typeface="Courier" charset="0"/>
+                <a:ea typeface="Courier" charset="0"/>
+                <a:cs typeface="Courier" charset="0"/>
+              </a:rPr>
+              <a:t>rdfs:label</a:t>
+            </a:r>
+            <a:r>
+              <a:rPr lang="en-US" sz="1600" dirty="0">
+                <a:latin typeface="Courier" charset="0"/>
+                <a:ea typeface="Courier" charset="0"/>
+                <a:cs typeface="Courier" charset="0"/>
+              </a:rPr>
+              <a:t>": </a:t>
+            </a:r>
+            <a:r>
+              <a:rPr lang="en-US" sz="1600" dirty="0" smtClean="0">
+                <a:latin typeface="Courier" charset="0"/>
+                <a:ea typeface="Courier" charset="0"/>
+                <a:cs typeface="Courier" charset="0"/>
+              </a:rPr>
+              <a:t>"</a:t>
+            </a:r>
+            <a:r>
+              <a:rPr lang="en-US" sz="1600" dirty="0" err="1" smtClean="0">
+                <a:latin typeface="Courier" charset="0"/>
+                <a:ea typeface="Courier" charset="0"/>
+                <a:cs typeface="Courier" charset="0"/>
+              </a:rPr>
+              <a:t>SwitchOnState</a:t>
+            </a:r>
+            <a:r>
+              <a:rPr lang="en-US" sz="1600" dirty="0" smtClean="0">
+                <a:latin typeface="Courier" charset="0"/>
+                <a:ea typeface="Courier" charset="0"/>
+                <a:cs typeface="Courier" charset="0"/>
+              </a:rPr>
+              <a:t>"</a:t>
+            </a:r>
+            <a:endParaRPr lang="en-US" sz="1600" dirty="0">
+              <a:latin typeface="Courier" charset="0"/>
+              <a:ea typeface="Courier" charset="0"/>
+              <a:cs typeface="Courier" charset="0"/>
+            </a:endParaRPr>
+          </a:p>
+          <a:p>
+            <a:r>
+              <a:rPr lang="en-US" sz="1600" dirty="0" smtClean="0">
+                <a:latin typeface="Courier" charset="0"/>
+                <a:ea typeface="Courier" charset="0"/>
+                <a:cs typeface="Courier" charset="0"/>
+              </a:rPr>
+              <a:t>},</a:t>
+            </a:r>
+            <a:endParaRPr lang="en-US" sz="1600" dirty="0">
+              <a:latin typeface="Courier" charset="0"/>
+              <a:ea typeface="Courier" charset="0"/>
+              <a:cs typeface="Courier" charset="0"/>
+            </a:endParaRPr>
+          </a:p>
+          <a:p>
+            <a:r>
+              <a:rPr lang="en-US" sz="1600" dirty="0">
+                <a:latin typeface="Courier" charset="0"/>
+                <a:ea typeface="Courier" charset="0"/>
+                <a:cs typeface="Courier" charset="0"/>
+              </a:rPr>
+              <a:t>{</a:t>
+            </a:r>
+          </a:p>
+          <a:p>
+            <a:r>
+              <a:rPr lang="en-US" sz="1600" dirty="0">
+                <a:latin typeface="Courier" charset="0"/>
+                <a:ea typeface="Courier" charset="0"/>
+                <a:cs typeface="Courier" charset="0"/>
+              </a:rPr>
+              <a:t>    "@id": </a:t>
+            </a:r>
+            <a:r>
+              <a:rPr lang="en-US" sz="1600" dirty="0" smtClean="0">
+                <a:latin typeface="Courier" charset="0"/>
+                <a:ea typeface="Courier" charset="0"/>
+                <a:cs typeface="Courier" charset="0"/>
+              </a:rPr>
+              <a:t>"</a:t>
+            </a:r>
+            <a:r>
+              <a:rPr lang="en-US" sz="1600" dirty="0" err="1" smtClean="0">
+                <a:solidFill>
+                  <a:srgbClr val="FF0000"/>
+                </a:solidFill>
+                <a:latin typeface="Courier" charset="0"/>
+                <a:ea typeface="Courier" charset="0"/>
+                <a:cs typeface="Courier" charset="0"/>
+              </a:rPr>
+              <a:t>iot:SwitchOffState</a:t>
+            </a:r>
+            <a:r>
+              <a:rPr lang="en-US" sz="1600" dirty="0" smtClean="0">
+                <a:latin typeface="Courier" charset="0"/>
+                <a:ea typeface="Courier" charset="0"/>
+                <a:cs typeface="Courier" charset="0"/>
+              </a:rPr>
+              <a:t>",</a:t>
+            </a:r>
+            <a:endParaRPr lang="en-US" sz="1600" dirty="0">
+              <a:latin typeface="Courier" charset="0"/>
+              <a:ea typeface="Courier" charset="0"/>
+              <a:cs typeface="Courier" charset="0"/>
+            </a:endParaRPr>
+          </a:p>
+          <a:p>
+            <a:r>
+              <a:rPr lang="en-US" sz="1600" dirty="0">
+                <a:latin typeface="Courier" charset="0"/>
+                <a:ea typeface="Courier" charset="0"/>
+                <a:cs typeface="Courier" charset="0"/>
+              </a:rPr>
+              <a:t>    "@type": </a:t>
+            </a:r>
+            <a:r>
+              <a:rPr lang="en-US" sz="1600" dirty="0" smtClean="0">
+                <a:latin typeface="Courier" charset="0"/>
+                <a:ea typeface="Courier" charset="0"/>
+                <a:cs typeface="Courier" charset="0"/>
+              </a:rPr>
+              <a:t>"</a:t>
+            </a:r>
+            <a:r>
+              <a:rPr lang="en-US" sz="1600" dirty="0" err="1">
+                <a:latin typeface="Courier" charset="0"/>
+                <a:ea typeface="Courier" charset="0"/>
+                <a:cs typeface="Courier" charset="0"/>
+              </a:rPr>
+              <a:t>iot:SwitchStateType</a:t>
+            </a:r>
+            <a:r>
+              <a:rPr lang="en-US" sz="1600" dirty="0" smtClean="0">
+                <a:latin typeface="Courier" charset="0"/>
+                <a:ea typeface="Courier" charset="0"/>
+                <a:cs typeface="Courier" charset="0"/>
+              </a:rPr>
+              <a:t>",</a:t>
+            </a:r>
+            <a:endParaRPr lang="en-US" sz="1600" dirty="0">
+              <a:latin typeface="Courier" charset="0"/>
+              <a:ea typeface="Courier" charset="0"/>
+              <a:cs typeface="Courier" charset="0"/>
+            </a:endParaRPr>
+          </a:p>
+          <a:p>
+            <a:r>
+              <a:rPr lang="en-US" sz="1600" dirty="0">
+                <a:latin typeface="Courier" charset="0"/>
+                <a:ea typeface="Courier" charset="0"/>
+                <a:cs typeface="Courier" charset="0"/>
+              </a:rPr>
+              <a:t>    "</a:t>
+            </a:r>
+            <a:r>
+              <a:rPr lang="en-US" sz="1600" dirty="0" err="1">
+                <a:latin typeface="Courier" charset="0"/>
+                <a:ea typeface="Courier" charset="0"/>
+                <a:cs typeface="Courier" charset="0"/>
+              </a:rPr>
+              <a:t>rdfs:comment</a:t>
+            </a:r>
+            <a:r>
+              <a:rPr lang="en-US" sz="1600" dirty="0">
+                <a:latin typeface="Courier" charset="0"/>
+                <a:ea typeface="Courier" charset="0"/>
+                <a:cs typeface="Courier" charset="0"/>
+              </a:rPr>
+              <a:t>": "Switch </a:t>
+            </a:r>
+            <a:r>
+              <a:rPr lang="en-US" sz="1600" dirty="0" smtClean="0">
+                <a:latin typeface="Courier" charset="0"/>
+                <a:ea typeface="Courier" charset="0"/>
+                <a:cs typeface="Courier" charset="0"/>
+              </a:rPr>
+              <a:t>Off </a:t>
+            </a:r>
+            <a:r>
+              <a:rPr lang="en-US" sz="1600" dirty="0">
+                <a:latin typeface="Courier" charset="0"/>
+                <a:ea typeface="Courier" charset="0"/>
+                <a:cs typeface="Courier" charset="0"/>
+              </a:rPr>
+              <a:t>State",</a:t>
+            </a:r>
+          </a:p>
+          <a:p>
+            <a:r>
+              <a:rPr lang="en-US" sz="1600" dirty="0">
+                <a:latin typeface="Courier" charset="0"/>
+                <a:ea typeface="Courier" charset="0"/>
+                <a:cs typeface="Courier" charset="0"/>
+              </a:rPr>
+              <a:t>    "</a:t>
+            </a:r>
+            <a:r>
+              <a:rPr lang="en-US" sz="1600" dirty="0" err="1">
+                <a:latin typeface="Courier" charset="0"/>
+                <a:ea typeface="Courier" charset="0"/>
+                <a:cs typeface="Courier" charset="0"/>
+              </a:rPr>
+              <a:t>rdfs:label</a:t>
+            </a:r>
+            <a:r>
+              <a:rPr lang="en-US" sz="1600" dirty="0">
+                <a:latin typeface="Courier" charset="0"/>
+                <a:ea typeface="Courier" charset="0"/>
+                <a:cs typeface="Courier" charset="0"/>
+              </a:rPr>
+              <a:t>": </a:t>
+            </a:r>
+            <a:r>
+              <a:rPr lang="en-US" sz="1600" dirty="0" smtClean="0">
+                <a:latin typeface="Courier" charset="0"/>
+                <a:ea typeface="Courier" charset="0"/>
+                <a:cs typeface="Courier" charset="0"/>
+              </a:rPr>
+              <a:t>"</a:t>
+            </a:r>
+            <a:r>
+              <a:rPr lang="en-US" sz="1600" dirty="0" err="1" smtClean="0">
+                <a:latin typeface="Courier" charset="0"/>
+                <a:ea typeface="Courier" charset="0"/>
+                <a:cs typeface="Courier" charset="0"/>
+              </a:rPr>
+              <a:t>SwitchOffState</a:t>
+            </a:r>
+            <a:r>
+              <a:rPr lang="en-US" sz="1600" dirty="0" smtClean="0">
+                <a:latin typeface="Courier" charset="0"/>
+                <a:ea typeface="Courier" charset="0"/>
+                <a:cs typeface="Courier" charset="0"/>
+              </a:rPr>
+              <a:t>"</a:t>
+            </a:r>
+          </a:p>
+          <a:p>
+            <a:r>
+              <a:rPr lang="en-US" sz="1600" dirty="0" smtClean="0">
+                <a:latin typeface="Courier" charset="0"/>
+                <a:ea typeface="Courier" charset="0"/>
+                <a:cs typeface="Courier" charset="0"/>
+              </a:rPr>
+              <a:t>}</a:t>
+            </a:r>
+            <a:endParaRPr lang="en-US" sz="1600" dirty="0">
+              <a:latin typeface="Courier" charset="0"/>
+              <a:ea typeface="Courier" charset="0"/>
+              <a:cs typeface="Courier" charset="0"/>
+            </a:endParaRPr>
           </a:p>
         </p:txBody>
       </p:sp>
     </p:spTree>
     <p:extLst>
       <p:ext uri="{BB962C8B-B14F-4D97-AF65-F5344CB8AC3E}">
-        <p14:creationId xmlns:p14="http://schemas.microsoft.com/office/powerpoint/2010/main" val="1834939288"/>
+        <p14:creationId xmlns:p14="http://schemas.microsoft.com/office/powerpoint/2010/main" val="1036960704"/>
       </p:ext>
     </p:extLst>
   </p:cSld>
@@ -7670,7 +7598,7 @@
         </p:nvSpPr>
         <p:spPr>
           <a:xfrm>
-            <a:off x="628650" y="178089"/>
+            <a:off x="2675659" y="-144527"/>
             <a:ext cx="7886700" cy="1325563"/>
           </a:xfrm>
         </p:spPr>
@@ -7688,7 +7616,15 @@
             </a:r>
             <a:r>
               <a:rPr lang="en-US" dirty="0" smtClean="0"/>
-              <a:t> Semantic API</a:t>
+              <a:t> </a:t>
+            </a:r>
+            <a:r>
+              <a:rPr lang="en-US" dirty="0" err="1" smtClean="0"/>
+              <a:t>WoT</a:t>
+            </a:r>
+            <a:r>
+              <a:rPr lang="en-US" dirty="0" smtClean="0"/>
+              <a:t> TD </a:t>
             </a:r>
             <a:endParaRPr lang="en-US" dirty="0"/>
           </a:p>
@@ -7696,166 +7632,727 @@
       </p:sp>
       <p:sp>
         <p:nvSpPr>
-          <p:cNvPr id="3" name="Content Placeholder 2"/>
-          <p:cNvSpPr>
-            <a:spLocks noGrp="1"/>
-          </p:cNvSpPr>
-          <p:nvPr>
-            <p:ph idx="1"/>
-          </p:nvPr>
+          <p:cNvPr id="3" name="Rectangle 2"/>
+          <p:cNvSpPr/>
+          <p:nvPr/>
         </p:nvSpPr>
         <p:spPr>
           <a:xfrm>
-            <a:off x="628650" y="1410134"/>
-            <a:ext cx="7886700" cy="4351338"/>
+            <a:off x="275360" y="809200"/>
+            <a:ext cx="9351818" cy="5755422"/>
           </a:xfrm>
+          <a:prstGeom prst="rect">
+            <a:avLst/>
+          </a:prstGeom>
         </p:spPr>
         <p:txBody>
-          <a:bodyPr/>
+          <a:bodyPr wrap="square">
+            <a:spAutoFit/>
+          </a:bodyPr>
           <a:lstStyle/>
           <a:p>
             <a:r>
-              <a:rPr lang="en-US" dirty="0"/>
-              <a:t>Names of affordances are resolved through Semantic Discovery</a:t>
-            </a:r>
-          </a:p>
-          <a:p>
-            <a:pPr lvl="1"/>
-            <a:r>
-              <a:rPr lang="en-US" dirty="0" err="1"/>
-              <a:t>PropertyName</a:t>
-            </a:r>
-            <a:r>
-              <a:rPr lang="en-US" dirty="0"/>
-              <a:t>=discover(</a:t>
-            </a:r>
-            <a:r>
-              <a:rPr lang="en-US" dirty="0" err="1"/>
-              <a:t>FilterParameters</a:t>
-            </a:r>
-            <a:r>
-              <a:rPr lang="en-US" dirty="0"/>
-              <a:t>)</a:t>
-            </a:r>
-          </a:p>
-          <a:p>
-            <a:r>
-              <a:rPr lang="en-US" dirty="0" smtClean="0"/>
-              <a:t>Applications use meta-model affordances and operations</a:t>
-            </a:r>
-          </a:p>
-          <a:p>
-            <a:pPr lvl="1"/>
-            <a:r>
-              <a:rPr lang="en-US" dirty="0" smtClean="0"/>
-              <a:t>data=</a:t>
-            </a:r>
-            <a:r>
-              <a:rPr lang="en-US" dirty="0" err="1" smtClean="0"/>
-              <a:t>readProperty</a:t>
-            </a:r>
-            <a:r>
-              <a:rPr lang="en-US" dirty="0" smtClean="0"/>
-              <a:t>(</a:t>
-            </a:r>
-            <a:r>
-              <a:rPr lang="en-US" dirty="0" err="1" smtClean="0"/>
-              <a:t>PropertyName</a:t>
-            </a:r>
-            <a:r>
-              <a:rPr lang="en-US" dirty="0" smtClean="0"/>
-              <a:t>)</a:t>
-            </a:r>
-          </a:p>
-          <a:p>
-            <a:pPr lvl="1"/>
-            <a:r>
-              <a:rPr lang="en-US" dirty="0" err="1" smtClean="0"/>
-              <a:t>writeProperty</a:t>
-            </a:r>
-            <a:r>
-              <a:rPr lang="en-US" dirty="0" smtClean="0"/>
-              <a:t>(</a:t>
-            </a:r>
-            <a:r>
-              <a:rPr lang="en-US" dirty="0" err="1" smtClean="0"/>
-              <a:t>PropertyName</a:t>
-            </a:r>
-            <a:r>
-              <a:rPr lang="en-US" dirty="0" smtClean="0"/>
-              <a:t>, data)</a:t>
-            </a:r>
-          </a:p>
-          <a:p>
-            <a:pPr lvl="1"/>
-            <a:r>
-              <a:rPr lang="en-US" dirty="0" smtClean="0"/>
-              <a:t>result=</a:t>
-            </a:r>
-            <a:r>
-              <a:rPr lang="en-US" dirty="0" err="1" smtClean="0"/>
-              <a:t>invokeAction</a:t>
-            </a:r>
-            <a:r>
-              <a:rPr lang="en-US" dirty="0" smtClean="0"/>
-              <a:t>(</a:t>
-            </a:r>
-            <a:r>
-              <a:rPr lang="en-US" dirty="0" err="1" smtClean="0"/>
-              <a:t>ActionName</a:t>
-            </a:r>
-            <a:r>
-              <a:rPr lang="en-US" dirty="0" smtClean="0"/>
-              <a:t>, parameters)</a:t>
-            </a:r>
-          </a:p>
-          <a:p>
-            <a:pPr lvl="1"/>
-            <a:r>
-              <a:rPr lang="en-US" dirty="0"/>
-              <a:t>d</a:t>
-            </a:r>
-            <a:r>
-              <a:rPr lang="en-US" dirty="0" smtClean="0"/>
-              <a:t>ata=</a:t>
-            </a:r>
-            <a:r>
-              <a:rPr lang="en-US" dirty="0" err="1" smtClean="0"/>
-              <a:t>subscribeEvent</a:t>
-            </a:r>
-            <a:r>
-              <a:rPr lang="en-US" dirty="0" smtClean="0"/>
-              <a:t>(</a:t>
-            </a:r>
-            <a:r>
-              <a:rPr lang="en-US" dirty="0" err="1" smtClean="0"/>
-              <a:t>EventName</a:t>
-            </a:r>
-            <a:r>
-              <a:rPr lang="en-US" dirty="0" smtClean="0"/>
-              <a:t>) </a:t>
-            </a:r>
-          </a:p>
-          <a:p>
-            <a:r>
-              <a:rPr lang="en-US" dirty="0" smtClean="0"/>
-              <a:t>Supports modular, declarative programming models </a:t>
-            </a:r>
-            <a:r>
-              <a:rPr lang="mr-IN" dirty="0" smtClean="0"/>
-              <a:t>–</a:t>
-            </a:r>
-            <a:r>
-              <a:rPr lang="en-US" dirty="0" smtClean="0"/>
-              <a:t> Node-RED</a:t>
-            </a:r>
+              <a:rPr lang="en-US" sz="1600" dirty="0">
+                <a:latin typeface="Courier" charset="0"/>
+                <a:ea typeface="Courier" charset="0"/>
+                <a:cs typeface="Courier" charset="0"/>
+              </a:rPr>
+              <a:t>{</a:t>
+            </a:r>
+          </a:p>
+          <a:p>
+            <a:r>
+              <a:rPr lang="en-US" sz="1600" dirty="0" smtClean="0">
+                <a:latin typeface="Courier" charset="0"/>
+                <a:ea typeface="Courier" charset="0"/>
+                <a:cs typeface="Courier" charset="0"/>
+              </a:rPr>
+              <a:t>  "@</a:t>
+            </a:r>
+            <a:r>
+              <a:rPr lang="en-US" sz="1600" dirty="0">
+                <a:latin typeface="Courier" charset="0"/>
+                <a:ea typeface="Courier" charset="0"/>
+                <a:cs typeface="Courier" charset="0"/>
+              </a:rPr>
+              <a:t>context": [</a:t>
+            </a:r>
+          </a:p>
+          <a:p>
+            <a:r>
+              <a:rPr lang="en-US" sz="1600" dirty="0" smtClean="0">
+                <a:latin typeface="Courier" charset="0"/>
+                <a:ea typeface="Courier" charset="0"/>
+                <a:cs typeface="Courier" charset="0"/>
+              </a:rPr>
+              <a:t>    "</a:t>
+            </a:r>
+            <a:r>
+              <a:rPr lang="en-US" sz="1600" dirty="0">
+                <a:latin typeface="Courier" charset="0"/>
+                <a:ea typeface="Courier" charset="0"/>
+                <a:cs typeface="Courier" charset="0"/>
+              </a:rPr>
+              <a:t>https</a:t>
+            </a:r>
+            <a:r>
+              <a:rPr lang="en-US" sz="1600" dirty="0" smtClean="0">
+                <a:latin typeface="Courier" charset="0"/>
+                <a:ea typeface="Courier" charset="0"/>
+                <a:cs typeface="Courier" charset="0"/>
+              </a:rPr>
+              <a:t>://www.w3.org/2019/wot/td/v1</a:t>
+            </a:r>
+            <a:r>
+              <a:rPr lang="en-US" sz="1600" dirty="0">
+                <a:latin typeface="Courier" charset="0"/>
+                <a:ea typeface="Courier" charset="0"/>
+                <a:cs typeface="Courier" charset="0"/>
+              </a:rPr>
+              <a:t>",</a:t>
+            </a:r>
+          </a:p>
+          <a:p>
+            <a:r>
+              <a:rPr lang="en-US" sz="1600" dirty="0" smtClean="0">
+                <a:latin typeface="Courier" charset="0"/>
+                <a:ea typeface="Courier" charset="0"/>
+                <a:cs typeface="Courier" charset="0"/>
+              </a:rPr>
+              <a:t>    {"</a:t>
+            </a:r>
+            <a:r>
+              <a:rPr lang="en-US" sz="1600" dirty="0" err="1">
+                <a:latin typeface="Courier" charset="0"/>
+                <a:ea typeface="Courier" charset="0"/>
+                <a:cs typeface="Courier" charset="0"/>
+              </a:rPr>
+              <a:t>iot</a:t>
+            </a:r>
+            <a:r>
+              <a:rPr lang="en-US" sz="1600" dirty="0">
+                <a:latin typeface="Courier" charset="0"/>
+                <a:ea typeface="Courier" charset="0"/>
+                <a:cs typeface="Courier" charset="0"/>
+              </a:rPr>
+              <a:t>": "http://</a:t>
+            </a:r>
+            <a:r>
+              <a:rPr lang="en-US" sz="1600" dirty="0" err="1">
+                <a:latin typeface="Courier" charset="0"/>
+                <a:ea typeface="Courier" charset="0"/>
+                <a:cs typeface="Courier" charset="0"/>
+              </a:rPr>
+              <a:t>iotschema.org</a:t>
+            </a:r>
+            <a:r>
+              <a:rPr lang="en-US" sz="1600" dirty="0" smtClean="0">
+                <a:latin typeface="Courier" charset="0"/>
+                <a:ea typeface="Courier" charset="0"/>
+                <a:cs typeface="Courier" charset="0"/>
+              </a:rPr>
+              <a:t>/"}</a:t>
+            </a:r>
+            <a:endParaRPr lang="en-US" sz="1600" dirty="0">
+              <a:latin typeface="Courier" charset="0"/>
+              <a:ea typeface="Courier" charset="0"/>
+              <a:cs typeface="Courier" charset="0"/>
+            </a:endParaRPr>
+          </a:p>
+          <a:p>
+            <a:r>
+              <a:rPr lang="en-US" sz="1600" dirty="0" smtClean="0">
+                <a:latin typeface="Courier" charset="0"/>
+                <a:ea typeface="Courier" charset="0"/>
+                <a:cs typeface="Courier" charset="0"/>
+              </a:rPr>
+              <a:t>  ],</a:t>
+            </a:r>
+            <a:endParaRPr lang="en-US" sz="1600" dirty="0">
+              <a:latin typeface="Courier" charset="0"/>
+              <a:ea typeface="Courier" charset="0"/>
+              <a:cs typeface="Courier" charset="0"/>
+            </a:endParaRPr>
+          </a:p>
+          <a:p>
+            <a:r>
+              <a:rPr lang="en-US" sz="1600" dirty="0" smtClean="0">
+                <a:latin typeface="Courier" charset="0"/>
+                <a:ea typeface="Courier" charset="0"/>
+                <a:cs typeface="Courier" charset="0"/>
+              </a:rPr>
+              <a:t>  "@</a:t>
+            </a:r>
+            <a:r>
+              <a:rPr lang="en-US" sz="1600" dirty="0">
+                <a:latin typeface="Courier" charset="0"/>
+                <a:ea typeface="Courier" charset="0"/>
+                <a:cs typeface="Courier" charset="0"/>
+              </a:rPr>
+              <a:t>type": [ "Thing", "</a:t>
+            </a:r>
+            <a:r>
+              <a:rPr lang="en-US" sz="1600" dirty="0" err="1">
+                <a:solidFill>
+                  <a:srgbClr val="FF0000"/>
+                </a:solidFill>
+                <a:latin typeface="Courier" charset="0"/>
+                <a:ea typeface="Courier" charset="0"/>
+                <a:cs typeface="Courier" charset="0"/>
+              </a:rPr>
+              <a:t>iot:SwitchCapability</a:t>
+            </a:r>
+            <a:r>
+              <a:rPr lang="en-US" sz="1600" dirty="0">
+                <a:latin typeface="Courier" charset="0"/>
+                <a:ea typeface="Courier" charset="0"/>
+                <a:cs typeface="Courier" charset="0"/>
+              </a:rPr>
+              <a:t>" ],</a:t>
+            </a:r>
+          </a:p>
+          <a:p>
+            <a:r>
+              <a:rPr lang="en-US" sz="1600" dirty="0" smtClean="0">
+                <a:latin typeface="Courier" charset="0"/>
+                <a:ea typeface="Courier" charset="0"/>
+                <a:cs typeface="Courier" charset="0"/>
+              </a:rPr>
+              <a:t>  "</a:t>
+            </a:r>
+            <a:r>
+              <a:rPr lang="en-US" sz="1600" dirty="0">
+                <a:latin typeface="Courier" charset="0"/>
+                <a:ea typeface="Courier" charset="0"/>
+                <a:cs typeface="Courier" charset="0"/>
+              </a:rPr>
+              <a:t>properties": {</a:t>
+            </a:r>
+          </a:p>
+          <a:p>
+            <a:r>
+              <a:rPr lang="en-US" sz="1600" dirty="0" smtClean="0">
+                <a:latin typeface="Courier" charset="0"/>
+                <a:ea typeface="Courier" charset="0"/>
+                <a:cs typeface="Courier" charset="0"/>
+              </a:rPr>
+              <a:t>    </a:t>
+            </a:r>
+            <a:r>
+              <a:rPr lang="en-US" sz="1600" dirty="0" smtClean="0">
+                <a:latin typeface="Courier" charset="0"/>
+                <a:ea typeface="Courier" charset="0"/>
+                <a:cs typeface="Courier" charset="0"/>
+              </a:rPr>
+              <a:t>"</a:t>
+            </a:r>
+            <a:r>
+              <a:rPr lang="en-US" sz="1600" dirty="0" err="1" smtClean="0">
+                <a:latin typeface="Courier" charset="0"/>
+                <a:ea typeface="Courier" charset="0"/>
+                <a:cs typeface="Courier" charset="0"/>
+              </a:rPr>
+              <a:t>SwitchStateProperty</a:t>
+            </a:r>
+            <a:r>
+              <a:rPr lang="en-US" sz="1600" dirty="0" smtClean="0">
+                <a:latin typeface="Courier" charset="0"/>
+                <a:ea typeface="Courier" charset="0"/>
+                <a:cs typeface="Courier" charset="0"/>
+              </a:rPr>
+              <a:t>": </a:t>
+            </a:r>
+            <a:r>
+              <a:rPr lang="en-US" sz="1600" dirty="0">
+                <a:latin typeface="Courier" charset="0"/>
+                <a:ea typeface="Courier" charset="0"/>
+                <a:cs typeface="Courier" charset="0"/>
+              </a:rPr>
+              <a:t>{</a:t>
+            </a:r>
+          </a:p>
+          <a:p>
+            <a:r>
+              <a:rPr lang="en-US" sz="1600" dirty="0" smtClean="0">
+                <a:latin typeface="Courier" charset="0"/>
+                <a:ea typeface="Courier" charset="0"/>
+                <a:cs typeface="Courier" charset="0"/>
+              </a:rPr>
+              <a:t>      "@</a:t>
+            </a:r>
+            <a:r>
+              <a:rPr lang="en-US" sz="1600" dirty="0">
+                <a:latin typeface="Courier" charset="0"/>
+                <a:ea typeface="Courier" charset="0"/>
+                <a:cs typeface="Courier" charset="0"/>
+              </a:rPr>
+              <a:t>type": ["</a:t>
+            </a:r>
+            <a:r>
+              <a:rPr lang="en-US" sz="1600" dirty="0" err="1">
+                <a:solidFill>
+                  <a:srgbClr val="FF0000"/>
+                </a:solidFill>
+                <a:latin typeface="Courier" charset="0"/>
+                <a:ea typeface="Courier" charset="0"/>
+                <a:cs typeface="Courier" charset="0"/>
+              </a:rPr>
+              <a:t>iot:SwitchStateProperty</a:t>
+            </a:r>
+            <a:r>
+              <a:rPr lang="en-US" sz="1600" dirty="0">
+                <a:latin typeface="Courier" charset="0"/>
+                <a:ea typeface="Courier" charset="0"/>
+                <a:cs typeface="Courier" charset="0"/>
+              </a:rPr>
+              <a:t>", </a:t>
+            </a:r>
+            <a:r>
+              <a:rPr lang="en-US" sz="1600" dirty="0" smtClean="0">
+                <a:latin typeface="Courier" charset="0"/>
+                <a:ea typeface="Courier" charset="0"/>
+                <a:cs typeface="Courier" charset="0"/>
+              </a:rPr>
+              <a:t>"</a:t>
+            </a:r>
+            <a:r>
+              <a:rPr lang="en-US" sz="1600" dirty="0" err="1" smtClean="0">
+                <a:solidFill>
+                  <a:srgbClr val="FF0000"/>
+                </a:solidFill>
+                <a:latin typeface="Courier" charset="0"/>
+                <a:ea typeface="Courier" charset="0"/>
+                <a:cs typeface="Courier" charset="0"/>
+              </a:rPr>
+              <a:t>iot:SwitchStateData</a:t>
+            </a:r>
+            <a:r>
+              <a:rPr lang="en-US" sz="1600" dirty="0">
+                <a:latin typeface="Courier" charset="0"/>
+                <a:ea typeface="Courier" charset="0"/>
+                <a:cs typeface="Courier" charset="0"/>
+              </a:rPr>
+              <a:t>"],</a:t>
+            </a:r>
+          </a:p>
+          <a:p>
+            <a:r>
+              <a:rPr lang="en-US" sz="1600" dirty="0" smtClean="0">
+                <a:latin typeface="Courier" charset="0"/>
+                <a:ea typeface="Courier" charset="0"/>
+                <a:cs typeface="Courier" charset="0"/>
+              </a:rPr>
+              <a:t>      "</a:t>
+            </a:r>
+            <a:r>
+              <a:rPr lang="en-US" sz="1600" dirty="0">
+                <a:latin typeface="Courier" charset="0"/>
+                <a:ea typeface="Courier" charset="0"/>
+                <a:cs typeface="Courier" charset="0"/>
+              </a:rPr>
+              <a:t>type": "string",</a:t>
+            </a:r>
+          </a:p>
+          <a:p>
+            <a:r>
+              <a:rPr lang="en-US" sz="1600" dirty="0" smtClean="0">
+                <a:latin typeface="Courier" charset="0"/>
+                <a:ea typeface="Courier" charset="0"/>
+                <a:cs typeface="Courier" charset="0"/>
+              </a:rPr>
+              <a:t>      "</a:t>
+            </a:r>
+            <a:r>
+              <a:rPr lang="en-US" sz="1600" dirty="0" err="1">
+                <a:latin typeface="Courier" charset="0"/>
+                <a:ea typeface="Courier" charset="0"/>
+                <a:cs typeface="Courier" charset="0"/>
+              </a:rPr>
+              <a:t>enum</a:t>
+            </a:r>
+            <a:r>
+              <a:rPr lang="en-US" sz="1600" dirty="0">
+                <a:latin typeface="Courier" charset="0"/>
+                <a:ea typeface="Courier" charset="0"/>
+                <a:cs typeface="Courier" charset="0"/>
+              </a:rPr>
+              <a:t>": ["on", "off"],</a:t>
+            </a:r>
+          </a:p>
+          <a:p>
+            <a:r>
+              <a:rPr lang="en-US" sz="1600" dirty="0" smtClean="0">
+                <a:latin typeface="Courier" charset="0"/>
+                <a:ea typeface="Courier" charset="0"/>
+                <a:cs typeface="Courier" charset="0"/>
+              </a:rPr>
+              <a:t>      "</a:t>
+            </a:r>
+            <a:r>
+              <a:rPr lang="en-US" sz="1600" dirty="0" err="1">
+                <a:latin typeface="Courier" charset="0"/>
+                <a:ea typeface="Courier" charset="0"/>
+                <a:cs typeface="Courier" charset="0"/>
+              </a:rPr>
+              <a:t>writeOnly</a:t>
+            </a:r>
+            <a:r>
+              <a:rPr lang="en-US" sz="1600" dirty="0">
+                <a:latin typeface="Courier" charset="0"/>
+                <a:ea typeface="Courier" charset="0"/>
+                <a:cs typeface="Courier" charset="0"/>
+              </a:rPr>
+              <a:t>": false,</a:t>
+            </a:r>
+          </a:p>
+          <a:p>
+            <a:r>
+              <a:rPr lang="en-US" sz="1600" dirty="0" smtClean="0">
+                <a:latin typeface="Courier" charset="0"/>
+                <a:ea typeface="Courier" charset="0"/>
+                <a:cs typeface="Courier" charset="0"/>
+              </a:rPr>
+              <a:t>      "</a:t>
+            </a:r>
+            <a:r>
+              <a:rPr lang="en-US" sz="1600" dirty="0" err="1">
+                <a:latin typeface="Courier" charset="0"/>
+                <a:ea typeface="Courier" charset="0"/>
+                <a:cs typeface="Courier" charset="0"/>
+              </a:rPr>
+              <a:t>readOnly</a:t>
+            </a:r>
+            <a:r>
+              <a:rPr lang="en-US" sz="1600" dirty="0">
+                <a:latin typeface="Courier" charset="0"/>
+                <a:ea typeface="Courier" charset="0"/>
+                <a:cs typeface="Courier" charset="0"/>
+              </a:rPr>
+              <a:t>": false,</a:t>
+            </a:r>
+          </a:p>
+          <a:p>
+            <a:r>
+              <a:rPr lang="en-US" sz="1600" dirty="0" smtClean="0">
+                <a:latin typeface="Courier" charset="0"/>
+                <a:ea typeface="Courier" charset="0"/>
+                <a:cs typeface="Courier" charset="0"/>
+              </a:rPr>
+              <a:t>      "</a:t>
+            </a:r>
+            <a:r>
+              <a:rPr lang="en-US" sz="1600" dirty="0">
+                <a:latin typeface="Courier" charset="0"/>
+                <a:ea typeface="Courier" charset="0"/>
+                <a:cs typeface="Courier" charset="0"/>
+              </a:rPr>
+              <a:t>observable": </a:t>
+            </a:r>
+            <a:r>
+              <a:rPr lang="en-US" sz="1600" dirty="0" smtClean="0">
+                <a:latin typeface="Courier" charset="0"/>
+                <a:ea typeface="Courier" charset="0"/>
+                <a:cs typeface="Courier" charset="0"/>
+              </a:rPr>
+              <a:t>true,</a:t>
+            </a:r>
+            <a:endParaRPr lang="en-US" sz="1600" dirty="0">
+              <a:latin typeface="Courier" charset="0"/>
+              <a:ea typeface="Courier" charset="0"/>
+              <a:cs typeface="Courier" charset="0"/>
+            </a:endParaRPr>
+          </a:p>
+          <a:p>
+            <a:r>
+              <a:rPr lang="en-US" sz="1600" dirty="0" smtClean="0">
+                <a:latin typeface="Courier" charset="0"/>
+                <a:ea typeface="Courier" charset="0"/>
+                <a:cs typeface="Courier" charset="0"/>
+              </a:rPr>
+              <a:t>      "</a:t>
+            </a:r>
+            <a:r>
+              <a:rPr lang="en-US" sz="1600" dirty="0">
+                <a:latin typeface="Courier" charset="0"/>
+                <a:ea typeface="Courier" charset="0"/>
+                <a:cs typeface="Courier" charset="0"/>
+              </a:rPr>
+              <a:t>forms": [</a:t>
+            </a:r>
+          </a:p>
+          <a:p>
+            <a:r>
+              <a:rPr lang="en-US" sz="1600" dirty="0" smtClean="0">
+                <a:latin typeface="Courier" charset="0"/>
+                <a:ea typeface="Courier" charset="0"/>
+                <a:cs typeface="Courier" charset="0"/>
+              </a:rPr>
+              <a:t>        {</a:t>
+            </a:r>
+            <a:endParaRPr lang="en-US" sz="1600" dirty="0">
+              <a:latin typeface="Courier" charset="0"/>
+              <a:ea typeface="Courier" charset="0"/>
+              <a:cs typeface="Courier" charset="0"/>
+            </a:endParaRPr>
+          </a:p>
+          <a:p>
+            <a:r>
+              <a:rPr lang="en-US" sz="1600" dirty="0" smtClean="0">
+                <a:latin typeface="Courier" charset="0"/>
+                <a:ea typeface="Courier" charset="0"/>
+                <a:cs typeface="Courier" charset="0"/>
+              </a:rPr>
+              <a:t>         "</a:t>
+            </a:r>
+            <a:r>
+              <a:rPr lang="en-US" sz="1600" dirty="0" err="1">
+                <a:latin typeface="Courier" charset="0"/>
+                <a:ea typeface="Courier" charset="0"/>
+                <a:cs typeface="Courier" charset="0"/>
+              </a:rPr>
+              <a:t>href</a:t>
+            </a:r>
+            <a:r>
+              <a:rPr lang="en-US" sz="1600" dirty="0">
+                <a:latin typeface="Courier" charset="0"/>
+                <a:ea typeface="Courier" charset="0"/>
+                <a:cs typeface="Courier" charset="0"/>
+              </a:rPr>
+              <a:t>": </a:t>
+            </a:r>
+            <a:r>
+              <a:rPr lang="en-US" sz="1600" dirty="0" smtClean="0">
+                <a:latin typeface="Courier" charset="0"/>
+                <a:ea typeface="Courier" charset="0"/>
+                <a:cs typeface="Courier" charset="0"/>
+              </a:rPr>
+              <a:t>"/</a:t>
+            </a:r>
+            <a:r>
+              <a:rPr lang="en-US" sz="1600" dirty="0" err="1" smtClean="0">
+                <a:latin typeface="Courier" charset="0"/>
+                <a:ea typeface="Courier" charset="0"/>
+                <a:cs typeface="Courier" charset="0"/>
+              </a:rPr>
+              <a:t>SwitchCapability</a:t>
+            </a:r>
+            <a:r>
+              <a:rPr lang="en-US" sz="1600" dirty="0" smtClean="0">
+                <a:latin typeface="Courier" charset="0"/>
+                <a:ea typeface="Courier" charset="0"/>
+                <a:cs typeface="Courier" charset="0"/>
+              </a:rPr>
+              <a:t>/</a:t>
+            </a:r>
+            <a:r>
+              <a:rPr lang="en-US" sz="1600" dirty="0" smtClean="0">
+                <a:latin typeface="Courier" charset="0"/>
+                <a:ea typeface="Courier" charset="0"/>
+                <a:cs typeface="Courier" charset="0"/>
+              </a:rPr>
+              <a:t>properties/</a:t>
+            </a:r>
+            <a:r>
+              <a:rPr lang="en-US" sz="1600" dirty="0" err="1" smtClean="0">
+                <a:latin typeface="Courier" charset="0"/>
+                <a:ea typeface="Courier" charset="0"/>
+                <a:cs typeface="Courier" charset="0"/>
+              </a:rPr>
+              <a:t>SwitchStateProperty</a:t>
+            </a:r>
+            <a:r>
+              <a:rPr lang="en-US" sz="1600" dirty="0" smtClean="0">
+                <a:latin typeface="Courier" charset="0"/>
+                <a:ea typeface="Courier" charset="0"/>
+                <a:cs typeface="Courier" charset="0"/>
+              </a:rPr>
+              <a:t>",</a:t>
+            </a:r>
+            <a:endParaRPr lang="en-US" sz="1600" dirty="0">
+              <a:latin typeface="Courier" charset="0"/>
+              <a:ea typeface="Courier" charset="0"/>
+              <a:cs typeface="Courier" charset="0"/>
+            </a:endParaRPr>
+          </a:p>
+          <a:p>
+            <a:r>
+              <a:rPr lang="en-US" sz="1600" dirty="0" smtClean="0">
+                <a:latin typeface="Courier" charset="0"/>
+                <a:ea typeface="Courier" charset="0"/>
+                <a:cs typeface="Courier" charset="0"/>
+              </a:rPr>
+              <a:t>         "</a:t>
+            </a:r>
+            <a:r>
+              <a:rPr lang="en-US" sz="1600" dirty="0">
+                <a:latin typeface="Courier" charset="0"/>
+                <a:ea typeface="Courier" charset="0"/>
+                <a:cs typeface="Courier" charset="0"/>
+              </a:rPr>
+              <a:t>op": ["</a:t>
+            </a:r>
+            <a:r>
+              <a:rPr lang="en-US" sz="1600" dirty="0" err="1">
+                <a:latin typeface="Courier" charset="0"/>
+                <a:ea typeface="Courier" charset="0"/>
+                <a:cs typeface="Courier" charset="0"/>
+              </a:rPr>
+              <a:t>readproperty</a:t>
+            </a:r>
+            <a:r>
+              <a:rPr lang="en-US" sz="1600" dirty="0">
+                <a:latin typeface="Courier" charset="0"/>
+                <a:ea typeface="Courier" charset="0"/>
+                <a:cs typeface="Courier" charset="0"/>
+              </a:rPr>
+              <a:t>", "</a:t>
+            </a:r>
+            <a:r>
+              <a:rPr lang="en-US" sz="1600" dirty="0" err="1">
+                <a:latin typeface="Courier" charset="0"/>
+                <a:ea typeface="Courier" charset="0"/>
+                <a:cs typeface="Courier" charset="0"/>
+              </a:rPr>
+              <a:t>writeproperty</a:t>
+            </a:r>
+            <a:r>
+              <a:rPr lang="en-US" sz="1600" dirty="0" smtClean="0">
+                <a:latin typeface="Courier" charset="0"/>
+                <a:ea typeface="Courier" charset="0"/>
+                <a:cs typeface="Courier" charset="0"/>
+              </a:rPr>
+              <a:t>", "</a:t>
+            </a:r>
+            <a:r>
+              <a:rPr lang="en-US" sz="1600" dirty="0" err="1" smtClean="0">
+                <a:latin typeface="Courier" charset="0"/>
+                <a:ea typeface="Courier" charset="0"/>
+                <a:cs typeface="Courier" charset="0"/>
+              </a:rPr>
+              <a:t>observeproperty</a:t>
+            </a:r>
+            <a:r>
+              <a:rPr lang="en-US" sz="1600" dirty="0" smtClean="0">
+                <a:latin typeface="Courier" charset="0"/>
+                <a:ea typeface="Courier" charset="0"/>
+                <a:cs typeface="Courier" charset="0"/>
+              </a:rPr>
+              <a:t>"],</a:t>
+            </a:r>
+            <a:endParaRPr lang="en-US" sz="1600" dirty="0">
+              <a:latin typeface="Courier" charset="0"/>
+              <a:ea typeface="Courier" charset="0"/>
+              <a:cs typeface="Courier" charset="0"/>
+            </a:endParaRPr>
+          </a:p>
+          <a:p>
+            <a:r>
+              <a:rPr lang="en-US" sz="1600" dirty="0" smtClean="0">
+                <a:latin typeface="Courier" charset="0"/>
+                <a:ea typeface="Courier" charset="0"/>
+                <a:cs typeface="Courier" charset="0"/>
+              </a:rPr>
+              <a:t>         "</a:t>
+            </a:r>
+            <a:r>
+              <a:rPr lang="en-US" sz="1600" dirty="0" err="1">
+                <a:latin typeface="Courier" charset="0"/>
+                <a:ea typeface="Courier" charset="0"/>
+                <a:cs typeface="Courier" charset="0"/>
+              </a:rPr>
+              <a:t>contentType</a:t>
+            </a:r>
+            <a:r>
+              <a:rPr lang="en-US" sz="1600" dirty="0">
+                <a:latin typeface="Courier" charset="0"/>
+                <a:ea typeface="Courier" charset="0"/>
+                <a:cs typeface="Courier" charset="0"/>
+              </a:rPr>
+              <a:t>": "application/</a:t>
+            </a:r>
+            <a:r>
+              <a:rPr lang="en-US" sz="1600" dirty="0" err="1">
+                <a:latin typeface="Courier" charset="0"/>
+                <a:ea typeface="Courier" charset="0"/>
+                <a:cs typeface="Courier" charset="0"/>
+              </a:rPr>
+              <a:t>json</a:t>
+            </a:r>
+            <a:r>
+              <a:rPr lang="en-US" sz="1600" dirty="0">
+                <a:latin typeface="Courier" charset="0"/>
+                <a:ea typeface="Courier" charset="0"/>
+                <a:cs typeface="Courier" charset="0"/>
+              </a:rPr>
+              <a:t>"</a:t>
+            </a:r>
+          </a:p>
+          <a:p>
+            <a:r>
+              <a:rPr lang="en-US" sz="1600" dirty="0" smtClean="0">
+                <a:latin typeface="Courier" charset="0"/>
+                <a:ea typeface="Courier" charset="0"/>
+                <a:cs typeface="Courier" charset="0"/>
+              </a:rPr>
+              <a:t>        }</a:t>
+            </a:r>
+            <a:endParaRPr lang="en-US" sz="1600" dirty="0">
+              <a:latin typeface="Courier" charset="0"/>
+              <a:ea typeface="Courier" charset="0"/>
+              <a:cs typeface="Courier" charset="0"/>
+            </a:endParaRPr>
+          </a:p>
+          <a:p>
+            <a:r>
+              <a:rPr lang="en-US" sz="1600" dirty="0" smtClean="0">
+                <a:latin typeface="Courier" charset="0"/>
+                <a:ea typeface="Courier" charset="0"/>
+                <a:cs typeface="Courier" charset="0"/>
+              </a:rPr>
+              <a:t>      ]</a:t>
+            </a:r>
+            <a:endParaRPr lang="en-US" sz="1600" dirty="0">
+              <a:latin typeface="Courier" charset="0"/>
+              <a:ea typeface="Courier" charset="0"/>
+              <a:cs typeface="Courier" charset="0"/>
+            </a:endParaRPr>
+          </a:p>
+          <a:p>
+            <a:r>
+              <a:rPr lang="en-US" sz="1600" dirty="0" smtClean="0">
+                <a:latin typeface="Courier" charset="0"/>
+                <a:ea typeface="Courier" charset="0"/>
+                <a:cs typeface="Courier" charset="0"/>
+              </a:rPr>
+              <a:t>    }</a:t>
+            </a:r>
+            <a:endParaRPr lang="en-US" sz="1600" dirty="0">
+              <a:latin typeface="Courier" charset="0"/>
+              <a:ea typeface="Courier" charset="0"/>
+              <a:cs typeface="Courier" charset="0"/>
+            </a:endParaRPr>
+          </a:p>
+          <a:p>
+            <a:r>
+              <a:rPr lang="en-US" sz="1600" dirty="0" smtClean="0">
+                <a:latin typeface="Courier" charset="0"/>
+                <a:ea typeface="Courier" charset="0"/>
+                <a:cs typeface="Courier" charset="0"/>
+              </a:rPr>
+              <a:t>  },</a:t>
+            </a:r>
+            <a:endParaRPr lang="en-US" sz="1600" dirty="0">
+              <a:latin typeface="Courier" charset="0"/>
+              <a:ea typeface="Courier" charset="0"/>
+              <a:cs typeface="Courier" charset="0"/>
+            </a:endParaRPr>
           </a:p>
         </p:txBody>
       </p:sp>
     </p:spTree>
     <p:extLst>
       <p:ext uri="{BB962C8B-B14F-4D97-AF65-F5344CB8AC3E}">
-        <p14:creationId xmlns:p14="http://schemas.microsoft.com/office/powerpoint/2010/main" val="71748157"/>
+        <p14:creationId xmlns:p14="http://schemas.microsoft.com/office/powerpoint/2010/main" val="1445931559"/>
       </p:ext>
     </p:extLst>
   </p:cSld>
@@ -7884,6 +8381,1057 @@
       </p:grpSpPr>
       <p:sp>
         <p:nvSpPr>
+          <p:cNvPr id="4" name="Rectangle 3"/>
+          <p:cNvSpPr/>
+          <p:nvPr/>
+        </p:nvSpPr>
+        <p:spPr>
+          <a:xfrm>
+            <a:off x="301336" y="850762"/>
+            <a:ext cx="8842664" cy="5539978"/>
+          </a:xfrm>
+          <a:prstGeom prst="rect">
+            <a:avLst/>
+          </a:prstGeom>
+        </p:spPr>
+        <p:txBody>
+          <a:bodyPr wrap="square">
+            <a:spAutoFit/>
+          </a:bodyPr>
+          <a:lstStyle/>
+          <a:p>
+            <a:r>
+              <a:rPr lang="en-US" dirty="0">
+                <a:latin typeface="Courier" charset="0"/>
+                <a:ea typeface="Courier" charset="0"/>
+                <a:cs typeface="Courier" charset="0"/>
+              </a:rPr>
+              <a:t>  </a:t>
+            </a:r>
+            <a:r>
+              <a:rPr lang="en-US" sz="1600" dirty="0">
+                <a:latin typeface="Courier" charset="0"/>
+                <a:ea typeface="Courier" charset="0"/>
+                <a:cs typeface="Courier" charset="0"/>
+              </a:rPr>
+              <a:t>"actions": {</a:t>
+            </a:r>
+          </a:p>
+          <a:p>
+            <a:r>
+              <a:rPr lang="en-US" sz="1600" dirty="0">
+                <a:latin typeface="Courier" charset="0"/>
+                <a:ea typeface="Courier" charset="0"/>
+                <a:cs typeface="Courier" charset="0"/>
+              </a:rPr>
+              <a:t>    </a:t>
+            </a:r>
+            <a:r>
+              <a:rPr lang="en-US" sz="1600" dirty="0" smtClean="0">
+                <a:latin typeface="Courier" charset="0"/>
+                <a:ea typeface="Courier" charset="0"/>
+                <a:cs typeface="Courier" charset="0"/>
+              </a:rPr>
+              <a:t>"</a:t>
+            </a:r>
+            <a:r>
+              <a:rPr lang="en-US" sz="1600" dirty="0" err="1" smtClean="0">
+                <a:latin typeface="Courier" charset="0"/>
+                <a:ea typeface="Courier" charset="0"/>
+                <a:cs typeface="Courier" charset="0"/>
+              </a:rPr>
+              <a:t>S</a:t>
+            </a:r>
+            <a:r>
+              <a:rPr lang="en-US" sz="1600" dirty="0" err="1" smtClean="0">
+                <a:latin typeface="Courier" charset="0"/>
+                <a:ea typeface="Courier" charset="0"/>
+                <a:cs typeface="Courier" charset="0"/>
+              </a:rPr>
+              <a:t>witchOnAction</a:t>
+            </a:r>
+            <a:r>
+              <a:rPr lang="en-US" sz="1600" dirty="0" smtClean="0">
+                <a:latin typeface="Courier" charset="0"/>
+                <a:ea typeface="Courier" charset="0"/>
+                <a:cs typeface="Courier" charset="0"/>
+              </a:rPr>
+              <a:t>": </a:t>
+            </a:r>
+            <a:r>
+              <a:rPr lang="en-US" sz="1600" dirty="0">
+                <a:latin typeface="Courier" charset="0"/>
+                <a:ea typeface="Courier" charset="0"/>
+                <a:cs typeface="Courier" charset="0"/>
+              </a:rPr>
+              <a:t>{</a:t>
+            </a:r>
+          </a:p>
+          <a:p>
+            <a:r>
+              <a:rPr lang="en-US" sz="1600" dirty="0">
+                <a:latin typeface="Courier" charset="0"/>
+                <a:ea typeface="Courier" charset="0"/>
+                <a:cs typeface="Courier" charset="0"/>
+              </a:rPr>
+              <a:t>      "@type": ["</a:t>
+            </a:r>
+            <a:r>
+              <a:rPr lang="en-US" sz="1600" dirty="0" err="1">
+                <a:solidFill>
+                  <a:srgbClr val="FF0000"/>
+                </a:solidFill>
+                <a:latin typeface="Courier" charset="0"/>
+                <a:ea typeface="Courier" charset="0"/>
+                <a:cs typeface="Courier" charset="0"/>
+              </a:rPr>
+              <a:t>iot:SwitchOnAction</a:t>
+            </a:r>
+            <a:r>
+              <a:rPr lang="en-US" sz="1600" dirty="0">
+                <a:latin typeface="Courier" charset="0"/>
+                <a:ea typeface="Courier" charset="0"/>
+                <a:cs typeface="Courier" charset="0"/>
+              </a:rPr>
+              <a:t>"],</a:t>
+            </a:r>
+          </a:p>
+          <a:p>
+            <a:r>
+              <a:rPr lang="en-US" sz="1600" dirty="0">
+                <a:latin typeface="Courier" charset="0"/>
+                <a:ea typeface="Courier" charset="0"/>
+                <a:cs typeface="Courier" charset="0"/>
+              </a:rPr>
+              <a:t>      "input": {},</a:t>
+            </a:r>
+          </a:p>
+          <a:p>
+            <a:r>
+              <a:rPr lang="en-US" sz="1600" dirty="0">
+                <a:latin typeface="Courier" charset="0"/>
+                <a:ea typeface="Courier" charset="0"/>
+                <a:cs typeface="Courier" charset="0"/>
+              </a:rPr>
+              <a:t>      "forms": [</a:t>
+            </a:r>
+          </a:p>
+          <a:p>
+            <a:r>
+              <a:rPr lang="en-US" sz="1600" dirty="0">
+                <a:latin typeface="Courier" charset="0"/>
+                <a:ea typeface="Courier" charset="0"/>
+                <a:cs typeface="Courier" charset="0"/>
+              </a:rPr>
+              <a:t>        {</a:t>
+            </a:r>
+          </a:p>
+          <a:p>
+            <a:r>
+              <a:rPr lang="en-US" sz="1600" dirty="0">
+                <a:latin typeface="Courier" charset="0"/>
+                <a:ea typeface="Courier" charset="0"/>
+                <a:cs typeface="Courier" charset="0"/>
+              </a:rPr>
+              <a:t>          "</a:t>
+            </a:r>
+            <a:r>
+              <a:rPr lang="en-US" sz="1600" dirty="0" err="1">
+                <a:latin typeface="Courier" charset="0"/>
+                <a:ea typeface="Courier" charset="0"/>
+                <a:cs typeface="Courier" charset="0"/>
+              </a:rPr>
+              <a:t>href</a:t>
+            </a:r>
+            <a:r>
+              <a:rPr lang="en-US" sz="1600" dirty="0">
+                <a:latin typeface="Courier" charset="0"/>
+                <a:ea typeface="Courier" charset="0"/>
+                <a:cs typeface="Courier" charset="0"/>
+              </a:rPr>
+              <a:t>": </a:t>
+            </a:r>
+            <a:r>
+              <a:rPr lang="en-US" sz="1600" dirty="0" smtClean="0">
+                <a:latin typeface="Courier" charset="0"/>
+                <a:ea typeface="Courier" charset="0"/>
+                <a:cs typeface="Courier" charset="0"/>
+              </a:rPr>
+              <a:t>"/</a:t>
+            </a:r>
+            <a:r>
+              <a:rPr lang="en-US" sz="1600" dirty="0" err="1" smtClean="0">
+                <a:latin typeface="Courier" charset="0"/>
+                <a:ea typeface="Courier" charset="0"/>
+                <a:cs typeface="Courier" charset="0"/>
+              </a:rPr>
+              <a:t>SwitchCapability</a:t>
+            </a:r>
+            <a:r>
+              <a:rPr lang="en-US" sz="1600" dirty="0" smtClean="0">
+                <a:latin typeface="Courier" charset="0"/>
+                <a:ea typeface="Courier" charset="0"/>
+                <a:cs typeface="Courier" charset="0"/>
+              </a:rPr>
+              <a:t>/actions/</a:t>
+            </a:r>
+            <a:r>
+              <a:rPr lang="en-US" sz="1600" dirty="0" err="1" smtClean="0">
+                <a:latin typeface="Courier" charset="0"/>
+                <a:ea typeface="Courier" charset="0"/>
+                <a:cs typeface="Courier" charset="0"/>
+              </a:rPr>
+              <a:t>Switch</a:t>
+            </a:r>
+            <a:r>
+              <a:rPr lang="en-US" sz="1600" dirty="0" err="1" smtClean="0">
+                <a:latin typeface="Courier" charset="0"/>
+                <a:ea typeface="Courier" charset="0"/>
+                <a:cs typeface="Courier" charset="0"/>
+              </a:rPr>
+              <a:t>O</a:t>
+            </a:r>
+            <a:r>
+              <a:rPr lang="en-US" sz="1600" dirty="0" err="1" smtClean="0">
+                <a:latin typeface="Courier" charset="0"/>
+                <a:ea typeface="Courier" charset="0"/>
+                <a:cs typeface="Courier" charset="0"/>
+              </a:rPr>
+              <a:t>nAction</a:t>
+            </a:r>
+            <a:r>
+              <a:rPr lang="en-US" sz="1600" dirty="0" smtClean="0">
+                <a:latin typeface="Courier" charset="0"/>
+                <a:ea typeface="Courier" charset="0"/>
+                <a:cs typeface="Courier" charset="0"/>
+              </a:rPr>
+              <a:t>",</a:t>
+            </a:r>
+            <a:endParaRPr lang="en-US" sz="1600" dirty="0">
+              <a:latin typeface="Courier" charset="0"/>
+              <a:ea typeface="Courier" charset="0"/>
+              <a:cs typeface="Courier" charset="0"/>
+            </a:endParaRPr>
+          </a:p>
+          <a:p>
+            <a:r>
+              <a:rPr lang="en-US" sz="1600" dirty="0">
+                <a:latin typeface="Courier" charset="0"/>
+                <a:ea typeface="Courier" charset="0"/>
+                <a:cs typeface="Courier" charset="0"/>
+              </a:rPr>
+              <a:t>          "op": ["</a:t>
+            </a:r>
+            <a:r>
+              <a:rPr lang="en-US" sz="1600" dirty="0" err="1">
+                <a:latin typeface="Courier" charset="0"/>
+                <a:ea typeface="Courier" charset="0"/>
+                <a:cs typeface="Courier" charset="0"/>
+              </a:rPr>
+              <a:t>invokeaction</a:t>
+            </a:r>
+            <a:r>
+              <a:rPr lang="en-US" sz="1600" dirty="0">
+                <a:latin typeface="Courier" charset="0"/>
+                <a:ea typeface="Courier" charset="0"/>
+                <a:cs typeface="Courier" charset="0"/>
+              </a:rPr>
+              <a:t>"],</a:t>
+            </a:r>
+          </a:p>
+          <a:p>
+            <a:r>
+              <a:rPr lang="en-US" sz="1600" dirty="0">
+                <a:latin typeface="Courier" charset="0"/>
+                <a:ea typeface="Courier" charset="0"/>
+                <a:cs typeface="Courier" charset="0"/>
+              </a:rPr>
+              <a:t>          "</a:t>
+            </a:r>
+            <a:r>
+              <a:rPr lang="en-US" sz="1600" dirty="0" err="1">
+                <a:latin typeface="Courier" charset="0"/>
+                <a:ea typeface="Courier" charset="0"/>
+                <a:cs typeface="Courier" charset="0"/>
+              </a:rPr>
+              <a:t>contentType</a:t>
+            </a:r>
+            <a:r>
+              <a:rPr lang="en-US" sz="1600" dirty="0">
+                <a:latin typeface="Courier" charset="0"/>
+                <a:ea typeface="Courier" charset="0"/>
+                <a:cs typeface="Courier" charset="0"/>
+              </a:rPr>
+              <a:t>": "application/</a:t>
+            </a:r>
+            <a:r>
+              <a:rPr lang="en-US" sz="1600" dirty="0" err="1">
+                <a:latin typeface="Courier" charset="0"/>
+                <a:ea typeface="Courier" charset="0"/>
+                <a:cs typeface="Courier" charset="0"/>
+              </a:rPr>
+              <a:t>json</a:t>
+            </a:r>
+            <a:r>
+              <a:rPr lang="en-US" sz="1600" dirty="0">
+                <a:latin typeface="Courier" charset="0"/>
+                <a:ea typeface="Courier" charset="0"/>
+                <a:cs typeface="Courier" charset="0"/>
+              </a:rPr>
+              <a:t>"</a:t>
+            </a:r>
+          </a:p>
+          <a:p>
+            <a:r>
+              <a:rPr lang="en-US" sz="1600" dirty="0">
+                <a:latin typeface="Courier" charset="0"/>
+                <a:ea typeface="Courier" charset="0"/>
+                <a:cs typeface="Courier" charset="0"/>
+              </a:rPr>
+              <a:t>        }</a:t>
+            </a:r>
+          </a:p>
+          <a:p>
+            <a:r>
+              <a:rPr lang="en-US" sz="1600" dirty="0">
+                <a:latin typeface="Courier" charset="0"/>
+                <a:ea typeface="Courier" charset="0"/>
+                <a:cs typeface="Courier" charset="0"/>
+              </a:rPr>
+              <a:t>      ]</a:t>
+            </a:r>
+          </a:p>
+          <a:p>
+            <a:r>
+              <a:rPr lang="en-US" sz="1600" dirty="0">
+                <a:latin typeface="Courier" charset="0"/>
+                <a:ea typeface="Courier" charset="0"/>
+                <a:cs typeface="Courier" charset="0"/>
+              </a:rPr>
+              <a:t>    },</a:t>
+            </a:r>
+          </a:p>
+          <a:p>
+            <a:r>
+              <a:rPr lang="en-US" sz="1600" dirty="0">
+                <a:latin typeface="Courier" charset="0"/>
+                <a:ea typeface="Courier" charset="0"/>
+                <a:cs typeface="Courier" charset="0"/>
+              </a:rPr>
+              <a:t>    </a:t>
+            </a:r>
+            <a:r>
+              <a:rPr lang="en-US" sz="1600" dirty="0" smtClean="0">
+                <a:latin typeface="Courier" charset="0"/>
+                <a:ea typeface="Courier" charset="0"/>
+                <a:cs typeface="Courier" charset="0"/>
+              </a:rPr>
+              <a:t>"</a:t>
+            </a:r>
+            <a:r>
+              <a:rPr lang="en-US" sz="1600" dirty="0" err="1" smtClean="0">
+                <a:latin typeface="Courier" charset="0"/>
+                <a:ea typeface="Courier" charset="0"/>
+                <a:cs typeface="Courier" charset="0"/>
+              </a:rPr>
+              <a:t>S</a:t>
+            </a:r>
+            <a:r>
+              <a:rPr lang="en-US" sz="1600" dirty="0" err="1" smtClean="0">
+                <a:latin typeface="Courier" charset="0"/>
+                <a:ea typeface="Courier" charset="0"/>
+                <a:cs typeface="Courier" charset="0"/>
+              </a:rPr>
+              <a:t>witchOffAction</a:t>
+            </a:r>
+            <a:r>
+              <a:rPr lang="en-US" sz="1600" dirty="0" smtClean="0">
+                <a:latin typeface="Courier" charset="0"/>
+                <a:ea typeface="Courier" charset="0"/>
+                <a:cs typeface="Courier" charset="0"/>
+              </a:rPr>
+              <a:t>": </a:t>
+            </a:r>
+            <a:r>
+              <a:rPr lang="en-US" sz="1600" dirty="0">
+                <a:latin typeface="Courier" charset="0"/>
+                <a:ea typeface="Courier" charset="0"/>
+                <a:cs typeface="Courier" charset="0"/>
+              </a:rPr>
+              <a:t>{</a:t>
+            </a:r>
+          </a:p>
+          <a:p>
+            <a:r>
+              <a:rPr lang="en-US" sz="1600" dirty="0">
+                <a:latin typeface="Courier" charset="0"/>
+                <a:ea typeface="Courier" charset="0"/>
+                <a:cs typeface="Courier" charset="0"/>
+              </a:rPr>
+              <a:t>      "@type": ["</a:t>
+            </a:r>
+            <a:r>
+              <a:rPr lang="en-US" sz="1600" dirty="0" err="1">
+                <a:solidFill>
+                  <a:srgbClr val="FF0000"/>
+                </a:solidFill>
+                <a:latin typeface="Courier" charset="0"/>
+                <a:ea typeface="Courier" charset="0"/>
+                <a:cs typeface="Courier" charset="0"/>
+              </a:rPr>
+              <a:t>iot:SwitchOffAction</a:t>
+            </a:r>
+            <a:r>
+              <a:rPr lang="en-US" sz="1600" dirty="0">
+                <a:latin typeface="Courier" charset="0"/>
+                <a:ea typeface="Courier" charset="0"/>
+                <a:cs typeface="Courier" charset="0"/>
+              </a:rPr>
+              <a:t>"],</a:t>
+            </a:r>
+          </a:p>
+          <a:p>
+            <a:r>
+              <a:rPr lang="en-US" sz="1600" dirty="0">
+                <a:latin typeface="Courier" charset="0"/>
+                <a:ea typeface="Courier" charset="0"/>
+                <a:cs typeface="Courier" charset="0"/>
+              </a:rPr>
+              <a:t>      "input": {},</a:t>
+            </a:r>
+          </a:p>
+          <a:p>
+            <a:r>
+              <a:rPr lang="en-US" sz="1600" dirty="0">
+                <a:latin typeface="Courier" charset="0"/>
+                <a:ea typeface="Courier" charset="0"/>
+                <a:cs typeface="Courier" charset="0"/>
+              </a:rPr>
+              <a:t>      "forms": [</a:t>
+            </a:r>
+          </a:p>
+          <a:p>
+            <a:r>
+              <a:rPr lang="en-US" sz="1600" dirty="0">
+                <a:latin typeface="Courier" charset="0"/>
+                <a:ea typeface="Courier" charset="0"/>
+                <a:cs typeface="Courier" charset="0"/>
+              </a:rPr>
+              <a:t>        {</a:t>
+            </a:r>
+          </a:p>
+          <a:p>
+            <a:r>
+              <a:rPr lang="en-US" sz="1600" dirty="0">
+                <a:latin typeface="Courier" charset="0"/>
+                <a:ea typeface="Courier" charset="0"/>
+                <a:cs typeface="Courier" charset="0"/>
+              </a:rPr>
+              <a:t>          "</a:t>
+            </a:r>
+            <a:r>
+              <a:rPr lang="en-US" sz="1600" dirty="0" err="1">
+                <a:latin typeface="Courier" charset="0"/>
+                <a:ea typeface="Courier" charset="0"/>
+                <a:cs typeface="Courier" charset="0"/>
+              </a:rPr>
+              <a:t>href</a:t>
+            </a:r>
+            <a:r>
+              <a:rPr lang="en-US" sz="1600" dirty="0">
+                <a:latin typeface="Courier" charset="0"/>
+                <a:ea typeface="Courier" charset="0"/>
+                <a:cs typeface="Courier" charset="0"/>
+              </a:rPr>
+              <a:t>": </a:t>
+            </a:r>
+            <a:r>
+              <a:rPr lang="en-US" sz="1600" dirty="0" smtClean="0">
+                <a:latin typeface="Courier" charset="0"/>
+                <a:ea typeface="Courier" charset="0"/>
+                <a:cs typeface="Courier" charset="0"/>
+              </a:rPr>
+              <a:t>"/</a:t>
+            </a:r>
+            <a:r>
+              <a:rPr lang="en-US" sz="1600" dirty="0" err="1" smtClean="0">
+                <a:latin typeface="Courier" charset="0"/>
+                <a:ea typeface="Courier" charset="0"/>
+                <a:cs typeface="Courier" charset="0"/>
+              </a:rPr>
+              <a:t>SwitchCapability</a:t>
+            </a:r>
+            <a:r>
+              <a:rPr lang="en-US" sz="1600" dirty="0" smtClean="0">
+                <a:latin typeface="Courier" charset="0"/>
+                <a:ea typeface="Courier" charset="0"/>
+                <a:cs typeface="Courier" charset="0"/>
+              </a:rPr>
+              <a:t>/actions/</a:t>
+            </a:r>
+            <a:r>
+              <a:rPr lang="en-US" sz="1600" dirty="0" err="1" smtClean="0">
+                <a:latin typeface="Courier" charset="0"/>
+                <a:ea typeface="Courier" charset="0"/>
+                <a:cs typeface="Courier" charset="0"/>
+              </a:rPr>
+              <a:t>Switch</a:t>
+            </a:r>
+            <a:r>
+              <a:rPr lang="en-US" sz="1600" dirty="0" err="1" smtClean="0">
+                <a:latin typeface="Courier" charset="0"/>
+                <a:ea typeface="Courier" charset="0"/>
+                <a:cs typeface="Courier" charset="0"/>
+              </a:rPr>
+              <a:t>O</a:t>
+            </a:r>
+            <a:r>
+              <a:rPr lang="en-US" sz="1600" dirty="0" err="1" smtClean="0">
+                <a:latin typeface="Courier" charset="0"/>
+                <a:ea typeface="Courier" charset="0"/>
+                <a:cs typeface="Courier" charset="0"/>
+              </a:rPr>
+              <a:t>ffAction</a:t>
+            </a:r>
+            <a:r>
+              <a:rPr lang="en-US" sz="1600" dirty="0" smtClean="0">
+                <a:latin typeface="Courier" charset="0"/>
+                <a:ea typeface="Courier" charset="0"/>
+                <a:cs typeface="Courier" charset="0"/>
+              </a:rPr>
+              <a:t>",</a:t>
+            </a:r>
+            <a:endParaRPr lang="en-US" sz="1600" dirty="0">
+              <a:latin typeface="Courier" charset="0"/>
+              <a:ea typeface="Courier" charset="0"/>
+              <a:cs typeface="Courier" charset="0"/>
+            </a:endParaRPr>
+          </a:p>
+          <a:p>
+            <a:r>
+              <a:rPr lang="en-US" sz="1600" dirty="0">
+                <a:latin typeface="Courier" charset="0"/>
+                <a:ea typeface="Courier" charset="0"/>
+                <a:cs typeface="Courier" charset="0"/>
+              </a:rPr>
+              <a:t>          "op": ["</a:t>
+            </a:r>
+            <a:r>
+              <a:rPr lang="en-US" sz="1600" dirty="0" err="1">
+                <a:latin typeface="Courier" charset="0"/>
+                <a:ea typeface="Courier" charset="0"/>
+                <a:cs typeface="Courier" charset="0"/>
+              </a:rPr>
+              <a:t>invokeaction</a:t>
+            </a:r>
+            <a:r>
+              <a:rPr lang="en-US" sz="1600" dirty="0">
+                <a:latin typeface="Courier" charset="0"/>
+                <a:ea typeface="Courier" charset="0"/>
+                <a:cs typeface="Courier" charset="0"/>
+              </a:rPr>
+              <a:t>"],</a:t>
+            </a:r>
+          </a:p>
+          <a:p>
+            <a:r>
+              <a:rPr lang="en-US" sz="1600" dirty="0">
+                <a:latin typeface="Courier" charset="0"/>
+                <a:ea typeface="Courier" charset="0"/>
+                <a:cs typeface="Courier" charset="0"/>
+              </a:rPr>
+              <a:t>          "</a:t>
+            </a:r>
+            <a:r>
+              <a:rPr lang="en-US" sz="1600" dirty="0" err="1">
+                <a:latin typeface="Courier" charset="0"/>
+                <a:ea typeface="Courier" charset="0"/>
+                <a:cs typeface="Courier" charset="0"/>
+              </a:rPr>
+              <a:t>contentType</a:t>
+            </a:r>
+            <a:r>
+              <a:rPr lang="en-US" sz="1600" dirty="0">
+                <a:latin typeface="Courier" charset="0"/>
+                <a:ea typeface="Courier" charset="0"/>
+                <a:cs typeface="Courier" charset="0"/>
+              </a:rPr>
+              <a:t>": "application/</a:t>
+            </a:r>
+            <a:r>
+              <a:rPr lang="en-US" sz="1600" dirty="0" err="1">
+                <a:latin typeface="Courier" charset="0"/>
+                <a:ea typeface="Courier" charset="0"/>
+                <a:cs typeface="Courier" charset="0"/>
+              </a:rPr>
+              <a:t>json</a:t>
+            </a:r>
+            <a:r>
+              <a:rPr lang="en-US" sz="1600" dirty="0">
+                <a:latin typeface="Courier" charset="0"/>
+                <a:ea typeface="Courier" charset="0"/>
+                <a:cs typeface="Courier" charset="0"/>
+              </a:rPr>
+              <a:t>"</a:t>
+            </a:r>
+          </a:p>
+          <a:p>
+            <a:r>
+              <a:rPr lang="en-US" sz="1600" dirty="0">
+                <a:latin typeface="Courier" charset="0"/>
+                <a:ea typeface="Courier" charset="0"/>
+                <a:cs typeface="Courier" charset="0"/>
+              </a:rPr>
+              <a:t>        }</a:t>
+            </a:r>
+          </a:p>
+          <a:p>
+            <a:r>
+              <a:rPr lang="en-US" sz="1600" dirty="0">
+                <a:latin typeface="Courier" charset="0"/>
+                <a:ea typeface="Courier" charset="0"/>
+                <a:cs typeface="Courier" charset="0"/>
+              </a:rPr>
+              <a:t>      </a:t>
+            </a:r>
+            <a:r>
+              <a:rPr lang="en-US" sz="1600" dirty="0" smtClean="0">
+                <a:latin typeface="Courier" charset="0"/>
+                <a:ea typeface="Courier" charset="0"/>
+                <a:cs typeface="Courier" charset="0"/>
+              </a:rPr>
+              <a:t>]</a:t>
+            </a:r>
+            <a:endParaRPr lang="en-US" sz="1600" dirty="0">
+              <a:latin typeface="Courier" charset="0"/>
+              <a:ea typeface="Courier" charset="0"/>
+              <a:cs typeface="Courier" charset="0"/>
+            </a:endParaRPr>
+          </a:p>
+        </p:txBody>
+      </p:sp>
+      <p:sp>
+        <p:nvSpPr>
+          <p:cNvPr id="5" name="Title 1"/>
+          <p:cNvSpPr>
+            <a:spLocks noGrp="1"/>
+          </p:cNvSpPr>
+          <p:nvPr>
+            <p:ph type="title"/>
+          </p:nvPr>
+        </p:nvSpPr>
+        <p:spPr>
+          <a:xfrm>
+            <a:off x="2925040" y="-154919"/>
+            <a:ext cx="7886700" cy="1325563"/>
+          </a:xfrm>
+        </p:spPr>
+        <p:txBody>
+          <a:bodyPr/>
+          <a:lstStyle/>
+          <a:p>
+            <a:r>
+              <a:rPr lang="en-US" dirty="0" smtClean="0"/>
+              <a:t>Semantic Proxy </a:t>
+            </a:r>
+            <a:r>
+              <a:rPr lang="mr-IN" dirty="0" smtClean="0"/>
+              <a:t>–</a:t>
+            </a:r>
+            <a:r>
+              <a:rPr lang="en-US" dirty="0" smtClean="0"/>
+              <a:t> </a:t>
+            </a:r>
+            <a:r>
+              <a:rPr lang="en-US" dirty="0" err="1" smtClean="0"/>
+              <a:t>WoT</a:t>
+            </a:r>
+            <a:r>
+              <a:rPr lang="en-US" dirty="0" smtClean="0"/>
+              <a:t> TD </a:t>
+            </a:r>
+            <a:endParaRPr lang="en-US" dirty="0"/>
+          </a:p>
+        </p:txBody>
+      </p:sp>
+    </p:spTree>
+    <p:extLst>
+      <p:ext uri="{BB962C8B-B14F-4D97-AF65-F5344CB8AC3E}">
+        <p14:creationId xmlns:p14="http://schemas.microsoft.com/office/powerpoint/2010/main" val="1834939288"/>
+      </p:ext>
+    </p:extLst>
+  </p:cSld>
+  <p:clrMapOvr>
+    <a:masterClrMapping/>
+  </p:clrMapOvr>
+</p:sld>
+</file>
+
+<file path=ppt/slides/slide19.xml><?xml version="1.0" encoding="utf-8"?>
+<p:sld xmlns:a="http://schemas.openxmlformats.org/drawingml/2006/main" xmlns:r="http://schemas.openxmlformats.org/officeDocument/2006/relationships" xmlns:p="http://schemas.openxmlformats.org/presentationml/2006/main">
+  <p:cSld>
+    <p:spTree>
+      <p:nvGrpSpPr>
+        <p:cNvPr id="1" name=""/>
+        <p:cNvGrpSpPr/>
+        <p:nvPr/>
+      </p:nvGrpSpPr>
+      <p:grpSpPr>
+        <a:xfrm>
+          <a:off x="0" y="0"/>
+          <a:ext cx="0" cy="0"/>
+          <a:chOff x="0" y="0"/>
+          <a:chExt cx="0" cy="0"/>
+        </a:xfrm>
+      </p:grpSpPr>
+      <p:sp>
+        <p:nvSpPr>
+          <p:cNvPr id="2" name="Title 1"/>
+          <p:cNvSpPr>
+            <a:spLocks noGrp="1"/>
+          </p:cNvSpPr>
+          <p:nvPr>
+            <p:ph type="title"/>
+          </p:nvPr>
+        </p:nvSpPr>
+        <p:spPr>
+          <a:xfrm>
+            <a:off x="628650" y="178089"/>
+            <a:ext cx="7886700" cy="1325563"/>
+          </a:xfrm>
+        </p:spPr>
+        <p:txBody>
+          <a:bodyPr/>
+          <a:lstStyle/>
+          <a:p>
+            <a:r>
+              <a:rPr lang="en-US" dirty="0" smtClean="0"/>
+              <a:t>Semantic Proxy </a:t>
+            </a:r>
+            <a:r>
+              <a:rPr lang="mr-IN" dirty="0" smtClean="0"/>
+              <a:t>–</a:t>
+            </a:r>
+            <a:r>
+              <a:rPr lang="en-US" dirty="0" smtClean="0"/>
+              <a:t> Semantic API</a:t>
+            </a:r>
+            <a:endParaRPr lang="en-US" dirty="0"/>
+          </a:p>
+        </p:txBody>
+      </p:sp>
+      <p:sp>
+        <p:nvSpPr>
+          <p:cNvPr id="3" name="Content Placeholder 2"/>
+          <p:cNvSpPr>
+            <a:spLocks noGrp="1"/>
+          </p:cNvSpPr>
+          <p:nvPr>
+            <p:ph idx="1"/>
+          </p:nvPr>
+        </p:nvSpPr>
+        <p:spPr>
+          <a:xfrm>
+            <a:off x="628650" y="1410134"/>
+            <a:ext cx="7886700" cy="4351338"/>
+          </a:xfrm>
+        </p:spPr>
+        <p:txBody>
+          <a:bodyPr/>
+          <a:lstStyle/>
+          <a:p>
+            <a:r>
+              <a:rPr lang="en-US" dirty="0"/>
+              <a:t>Names of affordances are resolved through Semantic Discovery</a:t>
+            </a:r>
+          </a:p>
+          <a:p>
+            <a:pPr lvl="1"/>
+            <a:r>
+              <a:rPr lang="en-US" dirty="0" err="1"/>
+              <a:t>PropertyName</a:t>
+            </a:r>
+            <a:r>
+              <a:rPr lang="en-US" dirty="0"/>
+              <a:t>=discover(</a:t>
+            </a:r>
+            <a:r>
+              <a:rPr lang="en-US" dirty="0" err="1"/>
+              <a:t>FilterParameters</a:t>
+            </a:r>
+            <a:r>
+              <a:rPr lang="en-US" dirty="0"/>
+              <a:t>)</a:t>
+            </a:r>
+          </a:p>
+          <a:p>
+            <a:r>
+              <a:rPr lang="en-US" dirty="0" smtClean="0"/>
+              <a:t>Applications use meta-model affordances and operations</a:t>
+            </a:r>
+          </a:p>
+          <a:p>
+            <a:pPr lvl="1"/>
+            <a:r>
+              <a:rPr lang="en-US" dirty="0" smtClean="0"/>
+              <a:t>data=</a:t>
+            </a:r>
+            <a:r>
+              <a:rPr lang="en-US" dirty="0" err="1" smtClean="0"/>
+              <a:t>readProperty</a:t>
+            </a:r>
+            <a:r>
+              <a:rPr lang="en-US" dirty="0" smtClean="0"/>
+              <a:t>(</a:t>
+            </a:r>
+            <a:r>
+              <a:rPr lang="en-US" dirty="0" err="1" smtClean="0"/>
+              <a:t>PropertyName</a:t>
+            </a:r>
+            <a:r>
+              <a:rPr lang="en-US" dirty="0" smtClean="0"/>
+              <a:t>)</a:t>
+            </a:r>
+          </a:p>
+          <a:p>
+            <a:pPr lvl="1"/>
+            <a:r>
+              <a:rPr lang="en-US" dirty="0" err="1" smtClean="0"/>
+              <a:t>writeProperty</a:t>
+            </a:r>
+            <a:r>
+              <a:rPr lang="en-US" dirty="0" smtClean="0"/>
+              <a:t>(</a:t>
+            </a:r>
+            <a:r>
+              <a:rPr lang="en-US" dirty="0" err="1" smtClean="0"/>
+              <a:t>PropertyName</a:t>
+            </a:r>
+            <a:r>
+              <a:rPr lang="en-US" dirty="0" smtClean="0"/>
+              <a:t>, data)</a:t>
+            </a:r>
+          </a:p>
+          <a:p>
+            <a:pPr lvl="1"/>
+            <a:r>
+              <a:rPr lang="en-US" dirty="0" smtClean="0"/>
+              <a:t>result=</a:t>
+            </a:r>
+            <a:r>
+              <a:rPr lang="en-US" dirty="0" err="1" smtClean="0"/>
+              <a:t>invokeAction</a:t>
+            </a:r>
+            <a:r>
+              <a:rPr lang="en-US" dirty="0" smtClean="0"/>
+              <a:t>(</a:t>
+            </a:r>
+            <a:r>
+              <a:rPr lang="en-US" dirty="0" err="1" smtClean="0"/>
+              <a:t>ActionName</a:t>
+            </a:r>
+            <a:r>
+              <a:rPr lang="en-US" dirty="0" smtClean="0"/>
+              <a:t>, parameters)</a:t>
+            </a:r>
+          </a:p>
+          <a:p>
+            <a:pPr lvl="1"/>
+            <a:r>
+              <a:rPr lang="en-US" dirty="0"/>
+              <a:t>d</a:t>
+            </a:r>
+            <a:r>
+              <a:rPr lang="en-US" dirty="0" smtClean="0"/>
+              <a:t>ata=</a:t>
+            </a:r>
+            <a:r>
+              <a:rPr lang="en-US" dirty="0" err="1" smtClean="0"/>
+              <a:t>subscribeEvent</a:t>
+            </a:r>
+            <a:r>
+              <a:rPr lang="en-US" dirty="0" smtClean="0"/>
+              <a:t>(</a:t>
+            </a:r>
+            <a:r>
+              <a:rPr lang="en-US" dirty="0" err="1" smtClean="0"/>
+              <a:t>EventName</a:t>
+            </a:r>
+            <a:r>
+              <a:rPr lang="en-US" dirty="0" smtClean="0"/>
+              <a:t>) </a:t>
+            </a:r>
+          </a:p>
+          <a:p>
+            <a:r>
+              <a:rPr lang="en-US" dirty="0" smtClean="0"/>
+              <a:t>Supports modular, declarative programming models </a:t>
+            </a:r>
+            <a:r>
+              <a:rPr lang="mr-IN" dirty="0" smtClean="0"/>
+              <a:t>–</a:t>
+            </a:r>
+            <a:r>
+              <a:rPr lang="en-US" dirty="0" smtClean="0"/>
+              <a:t> Node-RED</a:t>
+            </a:r>
+          </a:p>
+        </p:txBody>
+      </p:sp>
+    </p:spTree>
+    <p:extLst>
+      <p:ext uri="{BB962C8B-B14F-4D97-AF65-F5344CB8AC3E}">
+        <p14:creationId xmlns:p14="http://schemas.microsoft.com/office/powerpoint/2010/main" val="71748157"/>
+      </p:ext>
+    </p:extLst>
+  </p:cSld>
+  <p:clrMapOvr>
+    <a:masterClrMapping/>
+  </p:clrMapOvr>
+</p:sld>
+</file>
+
+<file path=ppt/slides/slide2.xml><?xml version="1.0" encoding="utf-8"?>
+<p:sld xmlns:a="http://schemas.openxmlformats.org/drawingml/2006/main" xmlns:r="http://schemas.openxmlformats.org/officeDocument/2006/relationships" xmlns:p="http://schemas.openxmlformats.org/presentationml/2006/main">
+  <p:cSld>
+    <p:spTree>
+      <p:nvGrpSpPr>
+        <p:cNvPr id="1" name=""/>
+        <p:cNvGrpSpPr/>
+        <p:nvPr/>
+      </p:nvGrpSpPr>
+      <p:grpSpPr>
+        <a:xfrm>
+          <a:off x="0" y="0"/>
+          <a:ext cx="0" cy="0"/>
+          <a:chOff x="0" y="0"/>
+          <a:chExt cx="0" cy="0"/>
+        </a:xfrm>
+      </p:grpSpPr>
+      <p:sp>
+        <p:nvSpPr>
+          <p:cNvPr id="2" name="Title 1"/>
+          <p:cNvSpPr>
+            <a:spLocks noGrp="1"/>
+          </p:cNvSpPr>
+          <p:nvPr>
+            <p:ph type="title"/>
+          </p:nvPr>
+        </p:nvSpPr>
+        <p:spPr/>
+        <p:txBody>
+          <a:bodyPr/>
+          <a:lstStyle/>
+          <a:p>
+            <a:r>
+              <a:rPr lang="en-US" dirty="0" smtClean="0"/>
+              <a:t>Semantic Proxy</a:t>
+            </a:r>
+            <a:endParaRPr lang="en-US" dirty="0"/>
+          </a:p>
+        </p:txBody>
+      </p:sp>
+      <p:sp>
+        <p:nvSpPr>
+          <p:cNvPr id="3" name="Content Placeholder 2"/>
+          <p:cNvSpPr>
+            <a:spLocks noGrp="1"/>
+          </p:cNvSpPr>
+          <p:nvPr>
+            <p:ph idx="1"/>
+          </p:nvPr>
+        </p:nvSpPr>
+        <p:spPr/>
+        <p:txBody>
+          <a:bodyPr/>
+          <a:lstStyle/>
+          <a:p>
+            <a:r>
+              <a:rPr lang="en-US" dirty="0" smtClean="0"/>
+              <a:t>A Proxy for Semantic Interoperability</a:t>
+            </a:r>
+          </a:p>
+          <a:p>
+            <a:pPr lvl="1"/>
+            <a:r>
+              <a:rPr lang="en-US" dirty="0" smtClean="0"/>
+              <a:t>Proxy to enable translation from device protocol to application protocol </a:t>
+            </a:r>
+          </a:p>
+          <a:p>
+            <a:pPr lvl="1"/>
+            <a:r>
+              <a:rPr lang="en-US" dirty="0" smtClean="0"/>
+              <a:t>Provides for many-to-many mapping of application protocols to device protocols </a:t>
+            </a:r>
+          </a:p>
+          <a:p>
+            <a:pPr lvl="1"/>
+            <a:r>
+              <a:rPr lang="en-US" dirty="0"/>
+              <a:t>many-to-one and </a:t>
+            </a:r>
+            <a:r>
+              <a:rPr lang="en-US" dirty="0" smtClean="0"/>
+              <a:t>one-to-many through a common semantic model </a:t>
+            </a:r>
+          </a:p>
+          <a:p>
+            <a:pPr lvl="1"/>
+            <a:r>
+              <a:rPr lang="en-US" dirty="0" smtClean="0"/>
+              <a:t>Could implement a "universal" </a:t>
+            </a:r>
+            <a:r>
+              <a:rPr lang="en-US" dirty="0" err="1" smtClean="0"/>
+              <a:t>IoT</a:t>
+            </a:r>
+            <a:r>
+              <a:rPr lang="en-US" dirty="0" smtClean="0"/>
+              <a:t> gateway</a:t>
+            </a:r>
+          </a:p>
+        </p:txBody>
+      </p:sp>
+    </p:spTree>
+    <p:extLst>
+      <p:ext uri="{BB962C8B-B14F-4D97-AF65-F5344CB8AC3E}">
+        <p14:creationId xmlns:p14="http://schemas.microsoft.com/office/powerpoint/2010/main" val="13675998"/>
+      </p:ext>
+    </p:extLst>
+  </p:cSld>
+  <p:clrMapOvr>
+    <a:masterClrMapping/>
+  </p:clrMapOvr>
+  <p:timing>
+    <p:tnLst>
+      <p:par>
+        <p:cTn id="1" dur="indefinite" restart="never" nodeType="tmRoot"/>
+      </p:par>
+    </p:tnLst>
+  </p:timing>
+</p:sld>
+</file>
+
+<file path=ppt/slides/slide20.xml><?xml version="1.0" encoding="utf-8"?>
+<p:sld xmlns:a="http://schemas.openxmlformats.org/drawingml/2006/main" xmlns:r="http://schemas.openxmlformats.org/officeDocument/2006/relationships" xmlns:p="http://schemas.openxmlformats.org/presentationml/2006/main">
+  <p:cSld>
+    <p:spTree>
+      <p:nvGrpSpPr>
+        <p:cNvPr id="1" name=""/>
+        <p:cNvGrpSpPr/>
+        <p:nvPr/>
+      </p:nvGrpSpPr>
+      <p:grpSpPr>
+        <a:xfrm>
+          <a:off x="0" y="0"/>
+          <a:ext cx="0" cy="0"/>
+          <a:chOff x="0" y="0"/>
+          <a:chExt cx="0" cy="0"/>
+        </a:xfrm>
+      </p:grpSpPr>
+      <p:sp>
+        <p:nvSpPr>
           <p:cNvPr id="2" name="Title 1"/>
           <p:cNvSpPr>
             <a:spLocks noGrp="1"/>
@@ -8068,130 +9616,6 @@
 </p:sld>
 </file>
 
-<file path=ppt/slides/slide2.xml><?xml version="1.0" encoding="utf-8"?>
-<p:sld xmlns:a="http://schemas.openxmlformats.org/drawingml/2006/main" xmlns:r="http://schemas.openxmlformats.org/officeDocument/2006/relationships" xmlns:p="http://schemas.openxmlformats.org/presentationml/2006/main">
-  <p:cSld>
-    <p:spTree>
-      <p:nvGrpSpPr>
-        <p:cNvPr id="1" name=""/>
-        <p:cNvGrpSpPr/>
-        <p:nvPr/>
-      </p:nvGrpSpPr>
-      <p:grpSpPr>
-        <a:xfrm>
-          <a:off x="0" y="0"/>
-          <a:ext cx="0" cy="0"/>
-          <a:chOff x="0" y="0"/>
-          <a:chExt cx="0" cy="0"/>
-        </a:xfrm>
-      </p:grpSpPr>
-      <p:sp>
-        <p:nvSpPr>
-          <p:cNvPr id="2" name="Title 1"/>
-          <p:cNvSpPr>
-            <a:spLocks noGrp="1"/>
-          </p:cNvSpPr>
-          <p:nvPr>
-            <p:ph type="title"/>
-          </p:nvPr>
-        </p:nvSpPr>
-        <p:spPr/>
-        <p:txBody>
-          <a:bodyPr/>
-          <a:lstStyle/>
-          <a:p>
-            <a:r>
-              <a:rPr lang="en-US" dirty="0" smtClean="0"/>
-              <a:t>Semantic Proxy</a:t>
-            </a:r>
-            <a:endParaRPr lang="en-US" dirty="0"/>
-          </a:p>
-        </p:txBody>
-      </p:sp>
-      <p:sp>
-        <p:nvSpPr>
-          <p:cNvPr id="3" name="Content Placeholder 2"/>
-          <p:cNvSpPr>
-            <a:spLocks noGrp="1"/>
-          </p:cNvSpPr>
-          <p:nvPr>
-            <p:ph idx="1"/>
-          </p:nvPr>
-        </p:nvSpPr>
-        <p:spPr/>
-        <p:txBody>
-          <a:bodyPr/>
-          <a:lstStyle/>
-          <a:p>
-            <a:r>
-              <a:rPr lang="en-US" dirty="0" smtClean="0"/>
-              <a:t>A Proxy for Semantic </a:t>
-            </a:r>
-            <a:r>
-              <a:rPr lang="en-US" dirty="0" smtClean="0"/>
-              <a:t>Interoperability</a:t>
-            </a:r>
-          </a:p>
-          <a:p>
-            <a:pPr lvl="1"/>
-            <a:r>
-              <a:rPr lang="en-US" dirty="0" smtClean="0"/>
-              <a:t>Proxy to enable translation from device protocol to application </a:t>
-            </a:r>
-            <a:r>
-              <a:rPr lang="en-US" dirty="0" smtClean="0"/>
-              <a:t>protocol </a:t>
-            </a:r>
-            <a:endParaRPr lang="en-US" dirty="0" smtClean="0"/>
-          </a:p>
-          <a:p>
-            <a:pPr lvl="1"/>
-            <a:r>
-              <a:rPr lang="en-US" dirty="0" smtClean="0"/>
-              <a:t>Provides for many-to-many mapping of application protocols to device protocols </a:t>
-            </a:r>
-          </a:p>
-          <a:p>
-            <a:pPr lvl="1"/>
-            <a:r>
-              <a:rPr lang="en-US" dirty="0"/>
-              <a:t>many-to-one and </a:t>
-            </a:r>
-            <a:r>
-              <a:rPr lang="en-US" dirty="0" smtClean="0"/>
-              <a:t>one-to-many through a common semantic model </a:t>
-            </a:r>
-          </a:p>
-          <a:p>
-            <a:pPr lvl="1"/>
-            <a:r>
-              <a:rPr lang="en-US" dirty="0" smtClean="0"/>
-              <a:t>Could implement a "universal" </a:t>
-            </a:r>
-            <a:r>
-              <a:rPr lang="en-US" dirty="0" err="1" smtClean="0"/>
-              <a:t>IoT</a:t>
-            </a:r>
-            <a:r>
-              <a:rPr lang="en-US" dirty="0" smtClean="0"/>
-              <a:t> gateway</a:t>
-            </a:r>
-          </a:p>
-        </p:txBody>
-      </p:sp>
-    </p:spTree>
-    <p:extLst>
-      <p:ext uri="{BB962C8B-B14F-4D97-AF65-F5344CB8AC3E}">
-        <p14:creationId xmlns:p14="http://schemas.microsoft.com/office/powerpoint/2010/main" val="13675998"/>
-      </p:ext>
-    </p:extLst>
-  </p:cSld>
-  <p:clrMapOvr>
-    <a:masterClrMapping/>
-  </p:clrMapOvr>
-</p:sld>
-</file>
-
 <file path=ppt/slides/slide3.xml><?xml version="1.0" encoding="utf-8"?>
 <p:sld xmlns:a="http://schemas.openxmlformats.org/drawingml/2006/main" xmlns:r="http://schemas.openxmlformats.org/officeDocument/2006/relationships" xmlns:p="http://schemas.openxmlformats.org/presentationml/2006/main">
   <p:cSld>
@@ -8219,27 +9643,14 @@
             <p:ph type="title"/>
           </p:nvPr>
         </p:nvSpPr>
-        <p:spPr>
-          <a:xfrm>
-            <a:off x="628650" y="365126"/>
-            <a:ext cx="8037368" cy="1325563"/>
-          </a:xfrm>
-        </p:spPr>
+        <p:spPr/>
         <p:txBody>
           <a:bodyPr/>
           <a:lstStyle/>
           <a:p>
             <a:r>
               <a:rPr lang="en-US" dirty="0" smtClean="0"/>
-              <a:t>Semantic Proxy </a:t>
-            </a:r>
-            <a:r>
-              <a:rPr lang="mr-IN" dirty="0" smtClean="0"/>
-              <a:t>–</a:t>
-            </a:r>
-            <a:r>
-              <a:rPr lang="en-US" dirty="0" smtClean="0"/>
-              <a:t> Protocol Binding</a:t>
+              <a:t>Meta Operations of Abstract Affordances</a:t>
             </a:r>
             <a:endParaRPr lang="en-US" dirty="0"/>
           </a:p>
@@ -8255,36 +9666,60 @@
             <p:ph idx="1"/>
           </p:nvPr>
         </p:nvSpPr>
-        <p:spPr/>
+        <p:spPr>
+          <a:xfrm>
+            <a:off x="628650" y="1939925"/>
+            <a:ext cx="7886700" cy="4351338"/>
+          </a:xfrm>
+        </p:spPr>
         <p:txBody>
           <a:bodyPr/>
           <a:lstStyle/>
           <a:p>
             <a:r>
               <a:rPr lang="en-US" dirty="0" smtClean="0"/>
-              <a:t>Uses a common semantic model to connect applications to things over diverse network protocols and communication patterns</a:t>
-            </a:r>
-          </a:p>
-          <a:p>
+              <a:t>Property</a:t>
+            </a:r>
+          </a:p>
+          <a:p>
+            <a:pPr lvl="1"/>
             <a:r>
               <a:rPr lang="en-US" dirty="0" smtClean="0"/>
-              <a:t>Proxy maps the meta-model operations to network messages in the target protocol using protocol bindings</a:t>
-            </a:r>
-          </a:p>
-          <a:p>
+              <a:t>value = Read(), Write(value)</a:t>
+            </a:r>
+          </a:p>
+          <a:p>
+            <a:r>
+              <a:rPr lang="en-US" dirty="0" smtClean="0"/>
+              <a:t>Action</a:t>
+            </a:r>
+          </a:p>
+          <a:p>
+            <a:pPr lvl="1"/>
             <a:r>
               <a:rPr lang="en-US" dirty="0"/>
-              <a:t>Flavors of REST, Pub/Sub, RPC </a:t>
+              <a:t>status </a:t>
             </a:r>
             <a:r>
               <a:rPr lang="en-US" dirty="0" smtClean="0"/>
-              <a:t>messages</a:t>
+              <a:t>response(s) = Invoke(parameters)</a:t>
             </a:r>
           </a:p>
           <a:p>
             <a:r>
               <a:rPr lang="en-US" dirty="0" smtClean="0"/>
-              <a:t>Example using W3C Web of Things Architecture</a:t>
+              <a:t>Event</a:t>
+            </a:r>
+          </a:p>
+          <a:p>
+            <a:pPr lvl="1"/>
+            <a:r>
+              <a:rPr lang="en-US" dirty="0"/>
+              <a:t>event occurrence </a:t>
+            </a:r>
+            <a:r>
+              <a:rPr lang="en-US" dirty="0" smtClean="0"/>
+              <a:t>responses = Subscribe() </a:t>
             </a:r>
           </a:p>
           <a:p>
@@ -8295,13 +9730,20 @@
     </p:spTree>
     <p:extLst>
       <p:ext uri="{BB962C8B-B14F-4D97-AF65-F5344CB8AC3E}">
-        <p14:creationId xmlns:p14="http://schemas.microsoft.com/office/powerpoint/2010/main" val="1132948732"/>
+        <p14:creationId xmlns:p14="http://schemas.microsoft.com/office/powerpoint/2010/main" val="1892972205"/>
       </p:ext>
     </p:extLst>
   </p:cSld>
   <p:clrMapOvr>
     <a:masterClrMapping/>
   </p:clrMapOvr>
+  <p:timing>
+    <p:tnLst>
+      <p:par>
+        <p:cTn id="1" dur="indefinite" restart="never" nodeType="tmRoot"/>
+      </p:par>
+    </p:tnLst>
+  </p:timing>
 </p:sld>
 </file>
 
@@ -8332,14 +9774,19 @@
             <p:ph type="title"/>
           </p:nvPr>
         </p:nvSpPr>
-        <p:spPr/>
+        <p:spPr>
+          <a:xfrm>
+            <a:off x="628650" y="365126"/>
+            <a:ext cx="8037368" cy="1325563"/>
+          </a:xfrm>
+        </p:spPr>
         <p:txBody>
           <a:bodyPr/>
           <a:lstStyle/>
           <a:p>
             <a:r>
               <a:rPr lang="en-US" dirty="0" smtClean="0"/>
-              <a:t>Protocol Binding </a:t>
+              <a:t>Semantic Proxy </a:t>
             </a:r>
             <a:r>
               <a:rPr lang="mr-IN" dirty="0" smtClean="0"/>
@@ -8347,7 +9794,7 @@
             </a:r>
             <a:r>
               <a:rPr lang="en-US" dirty="0" smtClean="0"/>
-              <a:t> Meta Operations</a:t>
+              <a:t> Protocol Binding</a:t>
             </a:r>
             <a:endParaRPr lang="en-US" dirty="0"/>
           </a:p>
@@ -8363,60 +9810,36 @@
             <p:ph idx="1"/>
           </p:nvPr>
         </p:nvSpPr>
-        <p:spPr>
-          <a:xfrm>
-            <a:off x="628650" y="1939925"/>
-            <a:ext cx="7886700" cy="4351338"/>
-          </a:xfrm>
-        </p:spPr>
+        <p:spPr/>
         <p:txBody>
           <a:bodyPr/>
           <a:lstStyle/>
           <a:p>
             <a:r>
               <a:rPr lang="en-US" dirty="0" smtClean="0"/>
-              <a:t>Property</a:t>
-            </a:r>
-          </a:p>
-          <a:p>
-            <a:pPr lvl="1"/>
+              <a:t>Uses a common semantic model to connect applications to things over diverse network protocols and communication patterns</a:t>
+            </a:r>
+          </a:p>
+          <a:p>
             <a:r>
               <a:rPr lang="en-US" dirty="0" smtClean="0"/>
-              <a:t>value = Read(), Write(value)</a:t>
-            </a:r>
-          </a:p>
-          <a:p>
+              <a:t>Proxy maps the meta-model operations to network messages in the target protocol using protocol bindings</a:t>
+            </a:r>
+          </a:p>
+          <a:p>
+            <a:r>
+              <a:rPr lang="en-US" dirty="0"/>
+              <a:t>Flavors of REST, Pub/Sub, RPC </a:t>
+            </a:r>
             <a:r>
               <a:rPr lang="en-US" dirty="0" smtClean="0"/>
-              <a:t>Action</a:t>
-            </a:r>
-          </a:p>
-          <a:p>
-            <a:pPr lvl="1"/>
-            <a:r>
-              <a:rPr lang="en-US" dirty="0"/>
-              <a:t>status </a:t>
-            </a:r>
+              <a:t>messages</a:t>
+            </a:r>
+          </a:p>
+          <a:p>
             <a:r>
               <a:rPr lang="en-US" dirty="0" smtClean="0"/>
-              <a:t>response(s) = Invoke(parameters)</a:t>
-            </a:r>
-          </a:p>
-          <a:p>
-            <a:r>
-              <a:rPr lang="en-US" dirty="0" smtClean="0"/>
-              <a:t>Event</a:t>
-            </a:r>
-          </a:p>
-          <a:p>
-            <a:pPr lvl="1"/>
-            <a:r>
-              <a:rPr lang="en-US" dirty="0"/>
-              <a:t>event occurrence </a:t>
-            </a:r>
-            <a:r>
-              <a:rPr lang="en-US" dirty="0" smtClean="0"/>
-              <a:t>responses = Subscribe() </a:t>
+              <a:t>Example using W3C Web of Things Architecture</a:t>
             </a:r>
           </a:p>
           <a:p>
@@ -8427,13 +9850,20 @@
     </p:spTree>
     <p:extLst>
       <p:ext uri="{BB962C8B-B14F-4D97-AF65-F5344CB8AC3E}">
-        <p14:creationId xmlns:p14="http://schemas.microsoft.com/office/powerpoint/2010/main" val="1892972205"/>
+        <p14:creationId xmlns:p14="http://schemas.microsoft.com/office/powerpoint/2010/main" val="1132948732"/>
       </p:ext>
     </p:extLst>
   </p:cSld>
   <p:clrMapOvr>
     <a:masterClrMapping/>
   </p:clrMapOvr>
+  <p:timing>
+    <p:tnLst>
+      <p:par>
+        <p:cTn id="1" dur="indefinite" restart="never" nodeType="tmRoot"/>
+      </p:par>
+    </p:tnLst>
+  </p:timing>
 </p:sld>
 </file>
 
@@ -8466,7 +9896,7 @@
         </p:nvSpPr>
         <p:spPr>
           <a:xfrm>
-            <a:off x="670214" y="285318"/>
+            <a:off x="628650" y="240435"/>
             <a:ext cx="7886700" cy="1325563"/>
           </a:xfrm>
         </p:spPr>
@@ -8476,6 +9906,125 @@
           <a:p>
             <a:r>
               <a:rPr lang="en-US" dirty="0" smtClean="0"/>
+              <a:t>Semantic Proxy </a:t>
+            </a:r>
+            <a:r>
+              <a:rPr lang="mr-IN" dirty="0" smtClean="0"/>
+              <a:t>–</a:t>
+            </a:r>
+            <a:r>
+              <a:rPr lang="en-US" dirty="0" smtClean="0"/>
+              <a:t> W3C Web of Things Integration</a:t>
+            </a:r>
+            <a:endParaRPr lang="en-US" dirty="0"/>
+          </a:p>
+        </p:txBody>
+      </p:sp>
+      <p:sp>
+        <p:nvSpPr>
+          <p:cNvPr id="3" name="Content Placeholder 2"/>
+          <p:cNvSpPr>
+            <a:spLocks noGrp="1"/>
+          </p:cNvSpPr>
+          <p:nvPr>
+            <p:ph idx="1"/>
+          </p:nvPr>
+        </p:nvSpPr>
+        <p:spPr>
+          <a:xfrm>
+            <a:off x="628650" y="1690543"/>
+            <a:ext cx="7886700" cy="4351338"/>
+          </a:xfrm>
+        </p:spPr>
+        <p:txBody>
+          <a:bodyPr/>
+          <a:lstStyle/>
+          <a:p>
+            <a:r>
+              <a:rPr lang="en-US" dirty="0" smtClean="0"/>
+              <a:t>"Thing Description" associates semantic identifiers for Properties, Actions, and Events with affordance descriptions consisting of data schemas and protocol bindings</a:t>
+            </a:r>
+          </a:p>
+          <a:p>
+            <a:r>
+              <a:rPr lang="en-US" dirty="0" smtClean="0"/>
+              <a:t>Protocol bindings associate network operations with meta-operations in the semantic model</a:t>
+            </a:r>
+          </a:p>
+          <a:p>
+            <a:r>
+              <a:rPr lang="en-US" dirty="0" smtClean="0"/>
+              <a:t>"Incoming</a:t>
+            </a:r>
+            <a:r>
+              <a:rPr lang="en-US" dirty="0" smtClean="0"/>
+              <a:t>" Consumed TD and "Outgoing" Exposed TD have the same affordances in the semantic model, and customized data schemas and protocol bindings</a:t>
+            </a:r>
+          </a:p>
+          <a:p>
+            <a:endParaRPr lang="en-US" dirty="0"/>
+          </a:p>
+        </p:txBody>
+      </p:sp>
+    </p:spTree>
+    <p:extLst>
+      <p:ext uri="{BB962C8B-B14F-4D97-AF65-F5344CB8AC3E}">
+        <p14:creationId xmlns:p14="http://schemas.microsoft.com/office/powerpoint/2010/main" val="519631548"/>
+      </p:ext>
+    </p:extLst>
+  </p:cSld>
+  <p:clrMapOvr>
+    <a:masterClrMapping/>
+  </p:clrMapOvr>
+  <p:timing>
+    <p:tnLst>
+      <p:par>
+        <p:cTn id="1" dur="indefinite" restart="never" nodeType="tmRoot"/>
+      </p:par>
+    </p:tnLst>
+  </p:timing>
+</p:sld>
+</file>
+
+<file path=ppt/slides/slide6.xml><?xml version="1.0" encoding="utf-8"?>
+<p:sld xmlns:a="http://schemas.openxmlformats.org/drawingml/2006/main" xmlns:r="http://schemas.openxmlformats.org/officeDocument/2006/relationships" xmlns:p="http://schemas.openxmlformats.org/presentationml/2006/main">
+  <p:cSld>
+    <p:spTree>
+      <p:nvGrpSpPr>
+        <p:cNvPr id="1" name=""/>
+        <p:cNvGrpSpPr/>
+        <p:nvPr/>
+      </p:nvGrpSpPr>
+      <p:grpSpPr>
+        <a:xfrm>
+          <a:off x="0" y="0"/>
+          <a:ext cx="0" cy="0"/>
+          <a:chOff x="0" y="0"/>
+          <a:chExt cx="0" cy="0"/>
+        </a:xfrm>
+      </p:grpSpPr>
+      <p:sp>
+        <p:nvSpPr>
+          <p:cNvPr id="2" name="Title 1"/>
+          <p:cNvSpPr>
+            <a:spLocks noGrp="1"/>
+          </p:cNvSpPr>
+          <p:nvPr>
+            <p:ph type="title"/>
+          </p:nvPr>
+        </p:nvSpPr>
+        <p:spPr>
+          <a:xfrm>
+            <a:off x="649433" y="234360"/>
+            <a:ext cx="7886700" cy="1325563"/>
+          </a:xfrm>
+        </p:spPr>
+        <p:txBody>
+          <a:bodyPr/>
+          <a:lstStyle/>
+          <a:p>
+            <a:r>
+              <a:rPr lang="en-US" dirty="0" smtClean="0"/>
               <a:t>Semantic Proxy - Schematic</a:t>
             </a:r>
             <a:endParaRPr lang="en-US" dirty="0"/>
@@ -8490,14 +10039,17 @@
         </p:nvSpPr>
         <p:spPr>
           <a:xfrm>
-            <a:off x="897837" y="3242006"/>
+            <a:off x="924433" y="3748253"/>
             <a:ext cx="935181" cy="1007918"/>
           </a:xfrm>
           <a:prstGeom prst="snip1Rect">
             <a:avLst/>
           </a:prstGeom>
           <a:solidFill>
-            <a:schemeClr val="bg1"/>
+            <a:schemeClr val="accent4">
+              <a:lumMod val="20000"/>
+              <a:lumOff val="80000"/>
+            </a:schemeClr>
           </a:solidFill>
           <a:ln w="28575">
             <a:solidFill>
@@ -8534,11 +10086,6 @@
               </a:rPr>
               <a:t>SDF</a:t>
             </a:r>
-            <a:endParaRPr lang="en-US" dirty="0" smtClean="0">
-              <a:solidFill>
-                <a:schemeClr val="tx1"/>
-              </a:solidFill>
-            </a:endParaRPr>
           </a:p>
         </p:txBody>
       </p:sp>
@@ -8550,14 +10097,17 @@
         </p:nvSpPr>
         <p:spPr>
           <a:xfrm>
-            <a:off x="2569790" y="3232781"/>
+            <a:off x="2596386" y="3739028"/>
             <a:ext cx="935181" cy="1007918"/>
           </a:xfrm>
           <a:prstGeom prst="snip1Rect">
             <a:avLst/>
           </a:prstGeom>
           <a:solidFill>
-            <a:schemeClr val="bg1"/>
+            <a:schemeClr val="accent4">
+              <a:lumMod val="20000"/>
+              <a:lumOff val="80000"/>
+            </a:schemeClr>
           </a:solidFill>
           <a:ln w="28575">
             <a:solidFill>
@@ -8610,7 +10160,7 @@
         </p:nvCxnSpPr>
         <p:spPr>
           <a:xfrm>
-            <a:off x="1912311" y="3745965"/>
+            <a:off x="1938907" y="4252212"/>
             <a:ext cx="547458" cy="1"/>
           </a:xfrm>
           <a:prstGeom prst="straightConnector1">
@@ -8646,7 +10196,7 @@
         </p:nvCxnSpPr>
         <p:spPr>
           <a:xfrm flipV="1">
-            <a:off x="3568064" y="3098107"/>
+            <a:off x="3600057" y="3475495"/>
             <a:ext cx="673679" cy="472526"/>
           </a:xfrm>
           <a:prstGeom prst="straightConnector1">
@@ -8682,8 +10232,8 @@
         </p:nvCxnSpPr>
         <p:spPr>
           <a:xfrm>
-            <a:off x="3600513" y="3946655"/>
-            <a:ext cx="641230" cy="413191"/>
+            <a:off x="3612589" y="4322619"/>
+            <a:ext cx="655750" cy="0"/>
           </a:xfrm>
           <a:prstGeom prst="straightConnector1">
             <a:avLst/>
@@ -8718,7 +10268,7 @@
         </p:nvSpPr>
         <p:spPr>
           <a:xfrm>
-            <a:off x="1639985" y="2864149"/>
+            <a:off x="1758633" y="4681427"/>
             <a:ext cx="922688" cy="369332"/>
           </a:xfrm>
           <a:prstGeom prst="rect">
@@ -8746,8 +10296,8 @@
           <p:nvPr/>
         </p:nvSpPr>
         <p:spPr>
-          <a:xfrm>
-            <a:off x="3213192" y="2774927"/>
+          <a:xfrm rot="19423636">
+            <a:off x="3436997" y="3676694"/>
             <a:ext cx="1055995" cy="369332"/>
           </a:xfrm>
           <a:prstGeom prst="rect">
@@ -8951,15 +10501,7 @@
                   <a:schemeClr val="tx1"/>
                 </a:solidFill>
               </a:rPr>
-              <a:t>IPSO </a:t>
-            </a:r>
-            <a:r>
-              <a:rPr lang="en-US" dirty="0" smtClean="0">
-                <a:solidFill>
-                  <a:schemeClr val="tx1"/>
-                </a:solidFill>
-              </a:rPr>
-              <a:t>Device</a:t>
+              <a:t>IPSO Device</a:t>
             </a:r>
             <a:endParaRPr lang="en-US" dirty="0">
               <a:solidFill>
@@ -9089,42 +10631,6 @@
           </a:p>
         </p:txBody>
       </p:sp>
-      <p:cxnSp>
-        <p:nvCxnSpPr>
-          <p:cNvPr id="45" name="Straight Arrow Connector 44"/>
-          <p:cNvCxnSpPr/>
-          <p:nvPr/>
-        </p:nvCxnSpPr>
-        <p:spPr>
-          <a:xfrm flipV="1">
-            <a:off x="5420473" y="3806258"/>
-            <a:ext cx="662419" cy="553588"/>
-          </a:xfrm>
-          <a:prstGeom prst="straightConnector1">
-            <a:avLst/>
-          </a:prstGeom>
-          <a:ln w="28575">
-            <a:solidFill>
-              <a:schemeClr val="tx1"/>
-            </a:solidFill>
-            <a:tailEnd type="triangle"/>
-          </a:ln>
-        </p:spPr>
-        <p:style>
-          <a:lnRef idx="1">
-            <a:schemeClr val="accent1"/>
-          </a:lnRef>
-          <a:fillRef idx="0">
-            <a:schemeClr val="accent1"/>
-          </a:fillRef>
-          <a:effectRef idx="0">
-            <a:schemeClr val="accent1"/>
-          </a:effectRef>
-          <a:fontRef idx="minor">
-            <a:schemeClr val="tx1"/>
-          </a:fontRef>
-        </p:style>
-      </p:cxnSp>
       <p:cxnSp>
         <p:nvCxnSpPr>
           <p:cNvPr id="46" name="Straight Arrow Connector 45"/>
@@ -9179,6 +10685,7 @@
             <a:solidFill>
               <a:schemeClr val="tx1"/>
             </a:solidFill>
+            <a:prstDash val="dash"/>
             <a:tailEnd type="triangle"/>
           </a:ln>
         </p:spPr>
@@ -9271,65 +10778,6 @@
           </a:fontRef>
         </p:style>
       </p:cxnSp>
-      <p:sp>
-        <p:nvSpPr>
-          <p:cNvPr id="50" name="Rectangle 49"/>
-          <p:cNvSpPr/>
-          <p:nvPr/>
-        </p:nvSpPr>
-        <p:spPr>
-          <a:xfrm>
-            <a:off x="5536948" y="4408577"/>
-            <a:ext cx="1063112" cy="369332"/>
-          </a:xfrm>
-          <a:prstGeom prst="rect">
-            <a:avLst/>
-          </a:prstGeom>
-        </p:spPr>
-        <p:txBody>
-          <a:bodyPr wrap="none">
-            <a:spAutoFit/>
-          </a:bodyPr>
-          <a:lstStyle/>
-          <a:p>
-            <a:r>
-              <a:rPr lang="en-US" dirty="0" smtClean="0"/>
-              <a:t>Consume</a:t>
-            </a:r>
-            <a:endParaRPr lang="en-US" dirty="0"/>
-          </a:p>
-        </p:txBody>
-      </p:sp>
-      <p:sp>
-        <p:nvSpPr>
-          <p:cNvPr id="51" name="Rectangle 50"/>
-          <p:cNvSpPr/>
-          <p:nvPr/>
-        </p:nvSpPr>
-        <p:spPr>
-          <a:xfrm>
-            <a:off x="5526562" y="2847208"/>
-            <a:ext cx="845103" cy="369332"/>
-          </a:xfrm>
-          <a:prstGeom prst="rect">
-            <a:avLst/>
-          </a:prstGeom>
-        </p:spPr>
-        <p:txBody>
-          <a:bodyPr wrap="none">
-            <a:spAutoFit/>
-          </a:bodyPr>
-          <a:lstStyle/>
-          <a:p>
-            <a:pPr algn="ctr"/>
-            <a:r>
-              <a:rPr lang="en-US" dirty="0" smtClean="0"/>
-              <a:t>Expose</a:t>
-            </a:r>
-            <a:endParaRPr lang="en-US" dirty="0"/>
-          </a:p>
-        </p:txBody>
-      </p:sp>
       <p:cxnSp>
         <p:nvCxnSpPr>
           <p:cNvPr id="52" name="Straight Arrow Connector 51"/>
@@ -9340,6 +10788,228 @@
           <a:xfrm flipV="1">
             <a:off x="5367219" y="2337865"/>
             <a:ext cx="662419" cy="553588"/>
+          </a:xfrm>
+          <a:prstGeom prst="straightConnector1">
+            <a:avLst/>
+          </a:prstGeom>
+          <a:ln w="28575">
+            <a:solidFill>
+              <a:schemeClr val="tx1"/>
+            </a:solidFill>
+            <a:prstDash val="dash"/>
+            <a:tailEnd type="triangle"/>
+          </a:ln>
+        </p:spPr>
+        <p:style>
+          <a:lnRef idx="1">
+            <a:schemeClr val="accent1"/>
+          </a:lnRef>
+          <a:fillRef idx="0">
+            <a:schemeClr val="accent1"/>
+          </a:fillRef>
+          <a:effectRef idx="0">
+            <a:schemeClr val="accent1"/>
+          </a:effectRef>
+          <a:fontRef idx="minor">
+            <a:schemeClr val="tx1"/>
+          </a:fontRef>
+        </p:style>
+      </p:cxnSp>
+      <p:sp>
+        <p:nvSpPr>
+          <p:cNvPr id="27" name="Rectangle 26"/>
+          <p:cNvSpPr/>
+          <p:nvPr/>
+        </p:nvSpPr>
+        <p:spPr>
+          <a:xfrm>
+            <a:off x="4328696" y="2629732"/>
+            <a:ext cx="786031" cy="300323"/>
+          </a:xfrm>
+          <a:prstGeom prst="rect">
+            <a:avLst/>
+          </a:prstGeom>
+          <a:solidFill>
+            <a:schemeClr val="accent4">
+              <a:lumMod val="20000"/>
+              <a:lumOff val="80000"/>
+            </a:schemeClr>
+          </a:solidFill>
+          <a:ln w="28575">
+            <a:solidFill>
+              <a:schemeClr val="tx1"/>
+            </a:solidFill>
+          </a:ln>
+        </p:spPr>
+        <p:style>
+          <a:lnRef idx="2">
+            <a:schemeClr val="accent1">
+              <a:shade val="50000"/>
+            </a:schemeClr>
+          </a:lnRef>
+          <a:fillRef idx="1">
+            <a:schemeClr val="accent1"/>
+          </a:fillRef>
+          <a:effectRef idx="0">
+            <a:schemeClr val="accent1"/>
+          </a:effectRef>
+          <a:fontRef idx="minor">
+            <a:schemeClr val="lt1"/>
+          </a:fontRef>
+        </p:style>
+        <p:txBody>
+          <a:bodyPr rtlCol="0" anchor="ctr"/>
+          <a:lstStyle/>
+          <a:p>
+            <a:pPr algn="ctr"/>
+            <a:r>
+              <a:rPr lang="en-US" dirty="0" smtClean="0">
+                <a:solidFill>
+                  <a:schemeClr val="tx1"/>
+                </a:solidFill>
+              </a:rPr>
+              <a:t>Meta</a:t>
+            </a:r>
+            <a:endParaRPr lang="en-US" dirty="0">
+              <a:solidFill>
+                <a:schemeClr val="tx1"/>
+              </a:solidFill>
+            </a:endParaRPr>
+          </a:p>
+        </p:txBody>
+      </p:sp>
+      <p:sp>
+        <p:nvSpPr>
+          <p:cNvPr id="33" name="Rectangle 32"/>
+          <p:cNvSpPr/>
+          <p:nvPr/>
+        </p:nvSpPr>
+        <p:spPr>
+          <a:xfrm>
+            <a:off x="4335115" y="4131502"/>
+            <a:ext cx="786031" cy="300323"/>
+          </a:xfrm>
+          <a:prstGeom prst="rect">
+            <a:avLst/>
+          </a:prstGeom>
+          <a:solidFill>
+            <a:schemeClr val="accent4">
+              <a:lumMod val="20000"/>
+              <a:lumOff val="80000"/>
+            </a:schemeClr>
+          </a:solidFill>
+          <a:ln w="28575">
+            <a:solidFill>
+              <a:schemeClr val="tx1"/>
+            </a:solidFill>
+          </a:ln>
+        </p:spPr>
+        <p:style>
+          <a:lnRef idx="2">
+            <a:schemeClr val="accent1">
+              <a:shade val="50000"/>
+            </a:schemeClr>
+          </a:lnRef>
+          <a:fillRef idx="1">
+            <a:schemeClr val="accent1"/>
+          </a:fillRef>
+          <a:effectRef idx="0">
+            <a:schemeClr val="accent1"/>
+          </a:effectRef>
+          <a:fontRef idx="minor">
+            <a:schemeClr val="lt1"/>
+          </a:fontRef>
+        </p:style>
+        <p:txBody>
+          <a:bodyPr rtlCol="0" anchor="ctr"/>
+          <a:lstStyle/>
+          <a:p>
+            <a:pPr algn="ctr"/>
+            <a:r>
+              <a:rPr lang="en-US" dirty="0" smtClean="0">
+                <a:solidFill>
+                  <a:schemeClr val="tx1"/>
+                </a:solidFill>
+              </a:rPr>
+              <a:t>Meta</a:t>
+            </a:r>
+            <a:endParaRPr lang="en-US" dirty="0">
+              <a:solidFill>
+                <a:schemeClr val="tx1"/>
+              </a:solidFill>
+            </a:endParaRPr>
+          </a:p>
+        </p:txBody>
+      </p:sp>
+      <p:sp>
+        <p:nvSpPr>
+          <p:cNvPr id="35" name="Rectangle 34"/>
+          <p:cNvSpPr/>
+          <p:nvPr/>
+        </p:nvSpPr>
+        <p:spPr>
+          <a:xfrm rot="1689327">
+            <a:off x="5394109" y="3115328"/>
+            <a:ext cx="845103" cy="369332"/>
+          </a:xfrm>
+          <a:prstGeom prst="rect">
+            <a:avLst/>
+          </a:prstGeom>
+        </p:spPr>
+        <p:txBody>
+          <a:bodyPr wrap="none">
+            <a:spAutoFit/>
+          </a:bodyPr>
+          <a:lstStyle/>
+          <a:p>
+            <a:pPr algn="ctr"/>
+            <a:r>
+              <a:rPr lang="en-US" dirty="0" smtClean="0"/>
+              <a:t>Expose</a:t>
+            </a:r>
+            <a:endParaRPr lang="en-US" dirty="0"/>
+          </a:p>
+        </p:txBody>
+      </p:sp>
+      <p:sp>
+        <p:nvSpPr>
+          <p:cNvPr id="38" name="Rectangle 37"/>
+          <p:cNvSpPr/>
+          <p:nvPr/>
+        </p:nvSpPr>
+        <p:spPr>
+          <a:xfrm rot="19484396">
+            <a:off x="5250673" y="4104631"/>
+            <a:ext cx="1063112" cy="369332"/>
+          </a:xfrm>
+          <a:prstGeom prst="rect">
+            <a:avLst/>
+          </a:prstGeom>
+        </p:spPr>
+        <p:txBody>
+          <a:bodyPr wrap="none">
+            <a:spAutoFit/>
+          </a:bodyPr>
+          <a:lstStyle/>
+          <a:p>
+            <a:r>
+              <a:rPr lang="en-US" dirty="0" smtClean="0"/>
+              <a:t>Consume</a:t>
+            </a:r>
+            <a:endParaRPr lang="en-US" dirty="0"/>
+          </a:p>
+        </p:txBody>
+      </p:sp>
+      <p:cxnSp>
+        <p:nvCxnSpPr>
+          <p:cNvPr id="53" name="Straight Arrow Connector 52"/>
+          <p:cNvCxnSpPr/>
+          <p:nvPr/>
+        </p:nvCxnSpPr>
+        <p:spPr>
+          <a:xfrm flipV="1">
+            <a:off x="5420473" y="3938155"/>
+            <a:ext cx="609165" cy="421693"/>
           </a:xfrm>
           <a:prstGeom prst="straightConnector1">
             <a:avLst/>
@@ -9366,6 +11036,46 @@
           </a:fontRef>
         </p:style>
       </p:cxnSp>
+      <p:sp>
+        <p:nvSpPr>
+          <p:cNvPr id="55" name="Content Placeholder 2"/>
+          <p:cNvSpPr>
+            <a:spLocks noGrp="1"/>
+          </p:cNvSpPr>
+          <p:nvPr>
+            <p:ph idx="1"/>
+          </p:nvPr>
+        </p:nvSpPr>
+        <p:spPr>
+          <a:xfrm>
+            <a:off x="736782" y="1400492"/>
+            <a:ext cx="3239157" cy="1901247"/>
+          </a:xfrm>
+        </p:spPr>
+        <p:txBody>
+          <a:bodyPr/>
+          <a:lstStyle/>
+          <a:p>
+            <a:r>
+              <a:rPr lang="en-US" dirty="0"/>
+              <a:t>Both TDs have the same meta interactions and operations </a:t>
+            </a:r>
+            <a:r>
+              <a:rPr lang="en-US" dirty="0" smtClean="0"/>
+              <a:t>defined by </a:t>
+            </a:r>
+            <a:r>
+              <a:rPr lang="en-US" dirty="0" err="1" smtClean="0"/>
+              <a:t>OneDM</a:t>
+            </a:r>
+            <a:r>
+              <a:rPr lang="en-US" dirty="0" smtClean="0"/>
+              <a:t> models </a:t>
+            </a:r>
+            <a:endParaRPr lang="en-US" dirty="0"/>
+          </a:p>
+        </p:txBody>
+      </p:sp>
     </p:spTree>
     <p:extLst>
       <p:ext uri="{BB962C8B-B14F-4D97-AF65-F5344CB8AC3E}">
@@ -9386,7 +11096,7 @@
 </p:sld>
 </file>
 
-<file path=ppt/slides/slide6.xml><?xml version="1.0" encoding="utf-8"?>
+<file path=ppt/slides/slide7.xml><?xml version="1.0" encoding="utf-8"?>
 <p:sld xmlns:a="http://schemas.openxmlformats.org/drawingml/2006/main" xmlns:r="http://schemas.openxmlformats.org/officeDocument/2006/relationships" xmlns:p="http://schemas.openxmlformats.org/presentationml/2006/main">
   <p:cSld>
     <p:spTree>
@@ -9405,34 +11115,6 @@
       </p:grpSpPr>
       <p:sp>
         <p:nvSpPr>
-          <p:cNvPr id="2" name="Title 1"/>
-          <p:cNvSpPr>
-            <a:spLocks noGrp="1"/>
-          </p:cNvSpPr>
-          <p:nvPr>
-            <p:ph type="title"/>
-          </p:nvPr>
-        </p:nvSpPr>
-        <p:spPr>
-          <a:xfrm>
-            <a:off x="670214" y="285318"/>
-            <a:ext cx="7886700" cy="1325563"/>
-          </a:xfrm>
-        </p:spPr>
-        <p:txBody>
-          <a:bodyPr/>
-          <a:lstStyle/>
-          <a:p>
-            <a:r>
-              <a:rPr lang="en-US" dirty="0" smtClean="0"/>
-              <a:t>Semantic Proxy - Schematic</a:t>
-            </a:r>
-            <a:endParaRPr lang="en-US" dirty="0"/>
-          </a:p>
-        </p:txBody>
-      </p:sp>
-      <p:sp>
-        <p:nvSpPr>
           <p:cNvPr id="22" name="Content Placeholder 2"/>
           <p:cNvSpPr>
             <a:spLocks noGrp="1"/>
@@ -9443,8 +11125,8 @@
         </p:nvSpPr>
         <p:spPr>
           <a:xfrm>
-            <a:off x="502452" y="1610881"/>
-            <a:ext cx="3517320" cy="4623890"/>
+            <a:off x="656942" y="2471561"/>
+            <a:ext cx="3239157" cy="2582967"/>
           </a:xfrm>
         </p:spPr>
         <p:txBody>
@@ -9452,30 +11134,40 @@
           <a:lstStyle/>
           <a:p>
             <a:r>
+              <a:rPr lang="en-US" smtClean="0"/>
+              <a:t>Exposed </a:t>
+            </a:r>
+            <a:r>
               <a:rPr lang="en-US" dirty="0" smtClean="0"/>
-              <a:t>Exposed Thing TDs have OCF protocol binding</a:t>
-            </a:r>
-          </a:p>
-          <a:p>
+              <a:t>Thing </a:t>
+            </a:r>
             <a:r>
               <a:rPr lang="en-US" dirty="0" smtClean="0"/>
-              <a:t>Consumed Thing TDs have IPSO protocol binding</a:t>
-            </a:r>
-          </a:p>
-          <a:p>
+              <a:t>TD has </a:t>
+            </a:r>
             <a:r>
               <a:rPr lang="en-US" dirty="0" smtClean="0"/>
-              <a:t>Both TDs have the same meta interactions and operations defined in </a:t>
-            </a:r>
-            <a:r>
-              <a:rPr lang="en-US" dirty="0" err="1" smtClean="0"/>
-              <a:t>OneDM</a:t>
-            </a:r>
+              <a:t>OCF protocol binding</a:t>
+            </a:r>
+          </a:p>
+          <a:p>
             <a:r>
               <a:rPr lang="en-US" dirty="0" smtClean="0"/>
-              <a:t> models </a:t>
-            </a:r>
-            <a:endParaRPr lang="en-US" dirty="0"/>
+              <a:t>Consumed Thing </a:t>
+            </a:r>
+            <a:r>
+              <a:rPr lang="en-US" dirty="0" smtClean="0"/>
+              <a:t>TD has </a:t>
+            </a:r>
+            <a:r>
+              <a:rPr lang="en-US" dirty="0" smtClean="0"/>
+              <a:t>IPSO protocol </a:t>
+            </a:r>
+            <a:r>
+              <a:rPr lang="en-US" dirty="0" smtClean="0"/>
+              <a:t>binding</a:t>
+            </a:r>
+            <a:endParaRPr lang="en-US" dirty="0" smtClean="0"/>
           </a:p>
         </p:txBody>
       </p:sp>
@@ -9493,7 +11185,12 @@
           <a:prstGeom prst="rect">
             <a:avLst/>
           </a:prstGeom>
-          <a:noFill/>
+          <a:solidFill>
+            <a:schemeClr val="accent4">
+              <a:lumMod val="20000"/>
+              <a:lumOff val="80000"/>
+            </a:schemeClr>
+          </a:solidFill>
           <a:ln w="28575">
             <a:solidFill>
               <a:schemeClr val="tx1"/>
@@ -9570,7 +11267,12 @@
           <a:prstGeom prst="rect">
             <a:avLst/>
           </a:prstGeom>
-          <a:noFill/>
+          <a:solidFill>
+            <a:schemeClr val="accent6">
+              <a:lumMod val="20000"/>
+              <a:lumOff val="80000"/>
+            </a:schemeClr>
+          </a:solidFill>
           <a:ln w="28575">
             <a:solidFill>
               <a:schemeClr val="tx1"/>
@@ -9628,7 +11330,12 @@
           <a:prstGeom prst="rect">
             <a:avLst/>
           </a:prstGeom>
-          <a:noFill/>
+          <a:solidFill>
+            <a:schemeClr val="accent5">
+              <a:lumMod val="20000"/>
+              <a:lumOff val="80000"/>
+            </a:schemeClr>
+          </a:solidFill>
           <a:ln w="28575">
             <a:solidFill>
               <a:schemeClr val="tx1"/>
@@ -9662,15 +11369,7 @@
                   <a:schemeClr val="tx1"/>
                 </a:solidFill>
               </a:rPr>
-              <a:t>IPSO </a:t>
-            </a:r>
-            <a:r>
-              <a:rPr lang="en-US" dirty="0" smtClean="0">
-                <a:solidFill>
-                  <a:schemeClr val="tx1"/>
-                </a:solidFill>
-              </a:rPr>
-              <a:t>Device</a:t>
+              <a:t>IPSO Device</a:t>
             </a:r>
             <a:endParaRPr lang="en-US" dirty="0">
               <a:solidFill>
@@ -9730,7 +11429,7 @@
                   <a:schemeClr val="tx1"/>
                 </a:solidFill>
               </a:rPr>
-              <a:t>TD</a:t>
+              <a:t>Co. TD</a:t>
             </a:r>
             <a:endParaRPr lang="en-US" dirty="0">
               <a:solidFill>
@@ -9790,7 +11489,7 @@
                   <a:schemeClr val="tx1"/>
                 </a:solidFill>
               </a:rPr>
-              <a:t>TD</a:t>
+              <a:t>Ex. TD</a:t>
             </a:r>
             <a:endParaRPr lang="en-US" dirty="0">
               <a:solidFill>
@@ -9808,8 +11507,8 @@
         </p:nvCxnSpPr>
         <p:spPr>
           <a:xfrm flipV="1">
-            <a:off x="5420473" y="3806258"/>
-            <a:ext cx="662419" cy="553588"/>
+            <a:off x="5420473" y="3938155"/>
+            <a:ext cx="609165" cy="421693"/>
           </a:xfrm>
           <a:prstGeom prst="straightConnector1">
             <a:avLst/>
@@ -9890,6 +11589,7 @@
             <a:solidFill>
               <a:schemeClr val="tx1"/>
             </a:solidFill>
+            <a:prstDash val="dash"/>
             <a:tailEnd type="triangle"/>
           </a:ln>
         </p:spPr>
@@ -9993,8 +11693,8 @@
           <p:nvPr/>
         </p:nvSpPr>
         <p:spPr>
-          <a:xfrm>
-            <a:off x="5536948" y="4408577"/>
+          <a:xfrm rot="19484396">
+            <a:off x="5250673" y="4104631"/>
             <a:ext cx="1063112" cy="369332"/>
           </a:xfrm>
           <a:prstGeom prst="rect">
@@ -10022,8 +11722,8 @@
           <p:nvPr/>
         </p:nvSpPr>
         <p:spPr>
-          <a:xfrm>
-            <a:off x="5526562" y="2847208"/>
+          <a:xfrm rot="1689327">
+            <a:off x="5394109" y="3115328"/>
             <a:ext cx="845103" cy="369332"/>
           </a:xfrm>
           <a:prstGeom prst="rect">
@@ -10055,6 +11755,43 @@
           <a:xfrm flipV="1">
             <a:off x="5367219" y="2337865"/>
             <a:ext cx="662419" cy="553588"/>
+          </a:xfrm>
+          <a:prstGeom prst="straightConnector1">
+            <a:avLst/>
+          </a:prstGeom>
+          <a:ln w="28575">
+            <a:solidFill>
+              <a:schemeClr val="tx1"/>
+            </a:solidFill>
+            <a:prstDash val="dash"/>
+            <a:tailEnd type="triangle"/>
+          </a:ln>
+        </p:spPr>
+        <p:style>
+          <a:lnRef idx="1">
+            <a:schemeClr val="accent1"/>
+          </a:lnRef>
+          <a:fillRef idx="0">
+            <a:schemeClr val="accent1"/>
+          </a:fillRef>
+          <a:effectRef idx="0">
+            <a:schemeClr val="accent1"/>
+          </a:effectRef>
+          <a:fontRef idx="minor">
+            <a:schemeClr val="tx1"/>
+          </a:fontRef>
+        </p:style>
+      </p:cxnSp>
+      <p:cxnSp>
+        <p:nvCxnSpPr>
+          <p:cNvPr id="19" name="Straight Arrow Connector 18"/>
+          <p:cNvCxnSpPr/>
+          <p:nvPr/>
+        </p:nvCxnSpPr>
+        <p:spPr>
+          <a:xfrm>
+            <a:off x="3557775" y="3066673"/>
+            <a:ext cx="761325" cy="341546"/>
           </a:xfrm>
           <a:prstGeom prst="straightConnector1">
             <a:avLst/>
@@ -10081,46 +11818,423 @@
           </a:fontRef>
         </p:style>
       </p:cxnSp>
-    </p:spTree>
-    <p:extLst>
-      <p:ext uri="{BB962C8B-B14F-4D97-AF65-F5344CB8AC3E}">
-        <p14:creationId xmlns:p14="http://schemas.microsoft.com/office/powerpoint/2010/main" val="2018434029"/>
-      </p:ext>
-    </p:extLst>
-  </p:cSld>
-  <p:clrMapOvr>
-    <a:masterClrMapping/>
-  </p:clrMapOvr>
-  <p:timing>
-    <p:tnLst>
-      <p:par>
-        <p:cTn id="1" dur="indefinite" restart="never" nodeType="tmRoot"/>
-      </p:par>
-    </p:tnLst>
-  </p:timing>
-</p:sld>
-</file>
-
-<file path=ppt/slides/slide7.xml><?xml version="1.0" encoding="utf-8"?>
-<p:sld xmlns:a="http://schemas.openxmlformats.org/drawingml/2006/main" xmlns:r="http://schemas.openxmlformats.org/officeDocument/2006/relationships" xmlns:p="http://schemas.openxmlformats.org/presentationml/2006/main">
-  <p:cSld>
-    <p:spTree>
-      <p:nvGrpSpPr>
-        <p:cNvPr id="1" name=""/>
-        <p:cNvGrpSpPr/>
-        <p:nvPr/>
-      </p:nvGrpSpPr>
-      <p:grpSpPr>
-        <a:xfrm>
-          <a:off x="0" y="0"/>
-          <a:ext cx="0" cy="0"/>
-          <a:chOff x="0" y="0"/>
-          <a:chExt cx="0" cy="0"/>
-        </a:xfrm>
-      </p:grpSpPr>
-      <p:sp>
-        <p:nvSpPr>
-          <p:cNvPr id="2" name="Title 1"/>
+      <p:cxnSp>
+        <p:nvCxnSpPr>
+          <p:cNvPr id="20" name="Straight Arrow Connector 19"/>
+          <p:cNvCxnSpPr/>
+          <p:nvPr/>
+        </p:nvCxnSpPr>
+        <p:spPr>
+          <a:xfrm>
+            <a:off x="3430268" y="4574273"/>
+            <a:ext cx="888831" cy="355565"/>
+          </a:xfrm>
+          <a:prstGeom prst="straightConnector1">
+            <a:avLst/>
+          </a:prstGeom>
+          <a:ln w="28575">
+            <a:solidFill>
+              <a:schemeClr val="tx1"/>
+            </a:solidFill>
+            <a:tailEnd type="triangle"/>
+          </a:ln>
+        </p:spPr>
+        <p:style>
+          <a:lnRef idx="1">
+            <a:schemeClr val="accent1"/>
+          </a:lnRef>
+          <a:fillRef idx="0">
+            <a:schemeClr val="accent1"/>
+          </a:fillRef>
+          <a:effectRef idx="0">
+            <a:schemeClr val="accent1"/>
+          </a:effectRef>
+          <a:fontRef idx="minor">
+            <a:schemeClr val="tx1"/>
+          </a:fontRef>
+        </p:style>
+      </p:cxnSp>
+      <p:sp>
+        <p:nvSpPr>
+          <p:cNvPr id="30" name="Rectangle 29"/>
+          <p:cNvSpPr/>
+          <p:nvPr/>
+        </p:nvSpPr>
+        <p:spPr>
+          <a:xfrm>
+            <a:off x="4335115" y="4777909"/>
+            <a:ext cx="910465" cy="300323"/>
+          </a:xfrm>
+          <a:prstGeom prst="rect">
+            <a:avLst/>
+          </a:prstGeom>
+          <a:solidFill>
+            <a:schemeClr val="accent5">
+              <a:lumMod val="20000"/>
+              <a:lumOff val="80000"/>
+            </a:schemeClr>
+          </a:solidFill>
+          <a:ln w="28575">
+            <a:solidFill>
+              <a:schemeClr val="tx1"/>
+            </a:solidFill>
+          </a:ln>
+        </p:spPr>
+        <p:style>
+          <a:lnRef idx="2">
+            <a:schemeClr val="accent1">
+              <a:shade val="50000"/>
+            </a:schemeClr>
+          </a:lnRef>
+          <a:fillRef idx="1">
+            <a:schemeClr val="accent1"/>
+          </a:fillRef>
+          <a:effectRef idx="0">
+            <a:schemeClr val="accent1"/>
+          </a:effectRef>
+          <a:fontRef idx="minor">
+            <a:schemeClr val="lt1"/>
+          </a:fontRef>
+        </p:style>
+        <p:txBody>
+          <a:bodyPr rtlCol="0" anchor="ctr"/>
+          <a:lstStyle/>
+          <a:p>
+            <a:pPr algn="ctr"/>
+            <a:r>
+              <a:rPr lang="en-US" smtClean="0">
+                <a:solidFill>
+                  <a:schemeClr val="tx1"/>
+                </a:solidFill>
+              </a:rPr>
+              <a:t>PB</a:t>
+            </a:r>
+            <a:endParaRPr lang="en-US" dirty="0">
+              <a:solidFill>
+                <a:schemeClr val="tx1"/>
+              </a:solidFill>
+            </a:endParaRPr>
+          </a:p>
+        </p:txBody>
+      </p:sp>
+      <p:sp>
+        <p:nvSpPr>
+          <p:cNvPr id="37" name="Rectangle 36"/>
+          <p:cNvSpPr/>
+          <p:nvPr/>
+        </p:nvSpPr>
+        <p:spPr>
+          <a:xfrm>
+            <a:off x="4329290" y="3277223"/>
+            <a:ext cx="910465" cy="300323"/>
+          </a:xfrm>
+          <a:prstGeom prst="rect">
+            <a:avLst/>
+          </a:prstGeom>
+          <a:solidFill>
+            <a:schemeClr val="accent6">
+              <a:lumMod val="20000"/>
+              <a:lumOff val="80000"/>
+            </a:schemeClr>
+          </a:solidFill>
+          <a:ln w="28575">
+            <a:solidFill>
+              <a:schemeClr val="tx1"/>
+            </a:solidFill>
+          </a:ln>
+        </p:spPr>
+        <p:style>
+          <a:lnRef idx="2">
+            <a:schemeClr val="accent1">
+              <a:shade val="50000"/>
+            </a:schemeClr>
+          </a:lnRef>
+          <a:fillRef idx="1">
+            <a:schemeClr val="accent1"/>
+          </a:fillRef>
+          <a:effectRef idx="0">
+            <a:schemeClr val="accent1"/>
+          </a:effectRef>
+          <a:fontRef idx="minor">
+            <a:schemeClr val="lt1"/>
+          </a:fontRef>
+        </p:style>
+        <p:txBody>
+          <a:bodyPr rtlCol="0" anchor="ctr"/>
+          <a:lstStyle/>
+          <a:p>
+            <a:pPr algn="ctr"/>
+            <a:r>
+              <a:rPr lang="en-US" smtClean="0">
+                <a:solidFill>
+                  <a:schemeClr val="tx1"/>
+                </a:solidFill>
+              </a:rPr>
+              <a:t>PB</a:t>
+            </a:r>
+            <a:endParaRPr lang="en-US" dirty="0">
+              <a:solidFill>
+                <a:schemeClr val="tx1"/>
+              </a:solidFill>
+            </a:endParaRPr>
+          </a:p>
+        </p:txBody>
+      </p:sp>
+      <p:sp>
+        <p:nvSpPr>
+          <p:cNvPr id="38" name="Rectangle 37"/>
+          <p:cNvSpPr/>
+          <p:nvPr/>
+        </p:nvSpPr>
+        <p:spPr>
+          <a:xfrm>
+            <a:off x="4335115" y="4131502"/>
+            <a:ext cx="786031" cy="300323"/>
+          </a:xfrm>
+          <a:prstGeom prst="rect">
+            <a:avLst/>
+          </a:prstGeom>
+          <a:solidFill>
+            <a:schemeClr val="accent4">
+              <a:lumMod val="20000"/>
+              <a:lumOff val="80000"/>
+            </a:schemeClr>
+          </a:solidFill>
+          <a:ln w="28575">
+            <a:solidFill>
+              <a:schemeClr val="tx1"/>
+            </a:solidFill>
+          </a:ln>
+        </p:spPr>
+        <p:style>
+          <a:lnRef idx="2">
+            <a:schemeClr val="accent1">
+              <a:shade val="50000"/>
+            </a:schemeClr>
+          </a:lnRef>
+          <a:fillRef idx="1">
+            <a:schemeClr val="accent1"/>
+          </a:fillRef>
+          <a:effectRef idx="0">
+            <a:schemeClr val="accent1"/>
+          </a:effectRef>
+          <a:fontRef idx="minor">
+            <a:schemeClr val="lt1"/>
+          </a:fontRef>
+        </p:style>
+        <p:txBody>
+          <a:bodyPr rtlCol="0" anchor="ctr"/>
+          <a:lstStyle/>
+          <a:p>
+            <a:pPr algn="ctr"/>
+            <a:r>
+              <a:rPr lang="en-US" dirty="0" smtClean="0">
+                <a:solidFill>
+                  <a:schemeClr val="tx1"/>
+                </a:solidFill>
+              </a:rPr>
+              <a:t>Meta</a:t>
+            </a:r>
+            <a:endParaRPr lang="en-US" dirty="0">
+              <a:solidFill>
+                <a:schemeClr val="tx1"/>
+              </a:solidFill>
+            </a:endParaRPr>
+          </a:p>
+        </p:txBody>
+      </p:sp>
+      <p:sp>
+        <p:nvSpPr>
+          <p:cNvPr id="39" name="Rectangle 38"/>
+          <p:cNvSpPr/>
+          <p:nvPr/>
+        </p:nvSpPr>
+        <p:spPr>
+          <a:xfrm>
+            <a:off x="4328696" y="2629732"/>
+            <a:ext cx="786031" cy="300323"/>
+          </a:xfrm>
+          <a:prstGeom prst="rect">
+            <a:avLst/>
+          </a:prstGeom>
+          <a:solidFill>
+            <a:schemeClr val="accent4">
+              <a:lumMod val="20000"/>
+              <a:lumOff val="80000"/>
+            </a:schemeClr>
+          </a:solidFill>
+          <a:ln w="28575">
+            <a:solidFill>
+              <a:schemeClr val="tx1"/>
+            </a:solidFill>
+          </a:ln>
+        </p:spPr>
+        <p:style>
+          <a:lnRef idx="2">
+            <a:schemeClr val="accent1">
+              <a:shade val="50000"/>
+            </a:schemeClr>
+          </a:lnRef>
+          <a:fillRef idx="1">
+            <a:schemeClr val="accent1"/>
+          </a:fillRef>
+          <a:effectRef idx="0">
+            <a:schemeClr val="accent1"/>
+          </a:effectRef>
+          <a:fontRef idx="minor">
+            <a:schemeClr val="lt1"/>
+          </a:fontRef>
+        </p:style>
+        <p:txBody>
+          <a:bodyPr rtlCol="0" anchor="ctr"/>
+          <a:lstStyle/>
+          <a:p>
+            <a:pPr algn="ctr"/>
+            <a:r>
+              <a:rPr lang="en-US" dirty="0" smtClean="0">
+                <a:solidFill>
+                  <a:schemeClr val="tx1"/>
+                </a:solidFill>
+              </a:rPr>
+              <a:t>Meta</a:t>
+            </a:r>
+            <a:endParaRPr lang="en-US" dirty="0">
+              <a:solidFill>
+                <a:schemeClr val="tx1"/>
+              </a:solidFill>
+            </a:endParaRPr>
+          </a:p>
+        </p:txBody>
+      </p:sp>
+      <p:sp>
+        <p:nvSpPr>
+          <p:cNvPr id="44" name="Rectangle 43"/>
+          <p:cNvSpPr/>
+          <p:nvPr/>
+        </p:nvSpPr>
+        <p:spPr>
+          <a:xfrm>
+            <a:off x="6210017" y="4070314"/>
+            <a:ext cx="1762401" cy="255084"/>
+          </a:xfrm>
+          <a:prstGeom prst="rect">
+            <a:avLst/>
+          </a:prstGeom>
+          <a:solidFill>
+            <a:schemeClr val="accent5">
+              <a:lumMod val="20000"/>
+              <a:lumOff val="80000"/>
+            </a:schemeClr>
+          </a:solidFill>
+          <a:ln w="28575">
+            <a:solidFill>
+              <a:schemeClr val="tx1"/>
+            </a:solidFill>
+          </a:ln>
+        </p:spPr>
+        <p:style>
+          <a:lnRef idx="2">
+            <a:schemeClr val="accent1">
+              <a:shade val="50000"/>
+            </a:schemeClr>
+          </a:lnRef>
+          <a:fillRef idx="1">
+            <a:schemeClr val="accent1"/>
+          </a:fillRef>
+          <a:effectRef idx="0">
+            <a:schemeClr val="accent1"/>
+          </a:effectRef>
+          <a:fontRef idx="minor">
+            <a:schemeClr val="lt1"/>
+          </a:fontRef>
+        </p:style>
+        <p:txBody>
+          <a:bodyPr rtlCol="0" anchor="ctr"/>
+          <a:lstStyle/>
+          <a:p>
+            <a:pPr algn="ctr"/>
+            <a:r>
+              <a:rPr lang="en-US" dirty="0" smtClean="0">
+                <a:solidFill>
+                  <a:schemeClr val="tx1"/>
+                </a:solidFill>
+              </a:rPr>
+              <a:t>IPSO Protocol</a:t>
+            </a:r>
+            <a:endParaRPr lang="en-US" dirty="0">
+              <a:solidFill>
+                <a:schemeClr val="tx1"/>
+              </a:solidFill>
+            </a:endParaRPr>
+          </a:p>
+        </p:txBody>
+      </p:sp>
+      <p:sp>
+        <p:nvSpPr>
+          <p:cNvPr id="45" name="Rectangle 44"/>
+          <p:cNvSpPr/>
+          <p:nvPr/>
+        </p:nvSpPr>
+        <p:spPr>
+          <a:xfrm>
+            <a:off x="6226546" y="3276116"/>
+            <a:ext cx="1745872" cy="254675"/>
+          </a:xfrm>
+          <a:prstGeom prst="rect">
+            <a:avLst/>
+          </a:prstGeom>
+          <a:solidFill>
+            <a:schemeClr val="accent6">
+              <a:lumMod val="20000"/>
+              <a:lumOff val="80000"/>
+            </a:schemeClr>
+          </a:solidFill>
+          <a:ln w="28575">
+            <a:solidFill>
+              <a:schemeClr val="tx1"/>
+            </a:solidFill>
+          </a:ln>
+        </p:spPr>
+        <p:style>
+          <a:lnRef idx="2">
+            <a:schemeClr val="accent1">
+              <a:shade val="50000"/>
+            </a:schemeClr>
+          </a:lnRef>
+          <a:fillRef idx="1">
+            <a:schemeClr val="accent1"/>
+          </a:fillRef>
+          <a:effectRef idx="0">
+            <a:schemeClr val="accent1"/>
+          </a:effectRef>
+          <a:fontRef idx="minor">
+            <a:schemeClr val="lt1"/>
+          </a:fontRef>
+        </p:style>
+        <p:txBody>
+          <a:bodyPr rtlCol="0" anchor="ctr"/>
+          <a:lstStyle/>
+          <a:p>
+            <a:pPr algn="ctr"/>
+            <a:r>
+              <a:rPr lang="en-US" dirty="0" smtClean="0">
+                <a:solidFill>
+                  <a:schemeClr val="tx1"/>
+                </a:solidFill>
+              </a:rPr>
+              <a:t>OCF Protocol</a:t>
+            </a:r>
+            <a:endParaRPr lang="en-US" dirty="0">
+              <a:solidFill>
+                <a:schemeClr val="tx1"/>
+              </a:solidFill>
+            </a:endParaRPr>
+          </a:p>
+        </p:txBody>
+      </p:sp>
+      <p:sp>
+        <p:nvSpPr>
+          <p:cNvPr id="58" name="Title 1"/>
           <p:cNvSpPr>
             <a:spLocks noGrp="1"/>
           </p:cNvSpPr>
@@ -10130,7 +12244,7 @@
         </p:nvSpPr>
         <p:spPr>
           <a:xfrm>
-            <a:off x="628650" y="240435"/>
+            <a:off x="649433" y="234360"/>
             <a:ext cx="7886700" cy="1325563"/>
           </a:xfrm>
         </p:spPr>
@@ -10140,58 +12254,8 @@
           <a:p>
             <a:r>
               <a:rPr lang="en-US" dirty="0" smtClean="0"/>
-              <a:t>Semantic Proxy </a:t>
-            </a:r>
-            <a:r>
-              <a:rPr lang="mr-IN" dirty="0" smtClean="0"/>
-              <a:t>–</a:t>
-            </a:r>
-            <a:r>
-              <a:rPr lang="en-US" dirty="0" smtClean="0"/>
-              <a:t> W3C Web of Things Integration</a:t>
-            </a:r>
-            <a:endParaRPr lang="en-US" dirty="0"/>
-          </a:p>
-        </p:txBody>
-      </p:sp>
-      <p:sp>
-        <p:nvSpPr>
-          <p:cNvPr id="3" name="Content Placeholder 2"/>
-          <p:cNvSpPr>
-            <a:spLocks noGrp="1"/>
-          </p:cNvSpPr>
-          <p:nvPr>
-            <p:ph idx="1"/>
-          </p:nvPr>
-        </p:nvSpPr>
-        <p:spPr>
-          <a:xfrm>
-            <a:off x="628650" y="1690543"/>
-            <a:ext cx="7886700" cy="4351338"/>
-          </a:xfrm>
-        </p:spPr>
-        <p:txBody>
-          <a:bodyPr/>
-          <a:lstStyle/>
-          <a:p>
-            <a:r>
-              <a:rPr lang="en-US" dirty="0" smtClean="0"/>
-              <a:t>"Thing Description" associates semantic identifiers for Properties, Actions, and Events with affordance descriptions consisting of data schemas and protocol bindings</a:t>
-            </a:r>
-          </a:p>
-          <a:p>
-            <a:r>
-              <a:rPr lang="en-US" dirty="0" smtClean="0"/>
-              <a:t>Protocol bindings associate network operations with meta-operations in the semantic model</a:t>
-            </a:r>
-          </a:p>
-          <a:p>
-            <a:r>
-              <a:rPr lang="en-US" dirty="0" smtClean="0"/>
-              <a:t>"Incoming" Consumed TD and "Outgoing" Exposed TD have the same affordances in the semantic model, and customized data schemas and protocol bindings</a:t>
-            </a:r>
-          </a:p>
-          <a:p>
+              <a:t>Semantic Proxy - Schematic</a:t>
+            </a:r>
             <a:endParaRPr lang="en-US" dirty="0"/>
           </a:p>
         </p:txBody>
@@ -10199,7 +12263,7 @@
     </p:spTree>
     <p:extLst>
       <p:ext uri="{BB962C8B-B14F-4D97-AF65-F5344CB8AC3E}">
-        <p14:creationId xmlns:p14="http://schemas.microsoft.com/office/powerpoint/2010/main" val="519631548"/>
+        <p14:creationId xmlns:p14="http://schemas.microsoft.com/office/powerpoint/2010/main" val="2018434029"/>
       </p:ext>
     </p:extLst>
   </p:cSld>

--- a/slides/ietf106/SemanticProxy.pptx
+++ b/slides/ietf106/SemanticProxy.pptx
@@ -5,7 +5,7 @@
     <p:sldMasterId id="2147483660" r:id="rId1"/>
   </p:sldMasterIdLst>
   <p:notesMasterIdLst>
-    <p:notesMasterId r:id="rId22"/>
+    <p:notesMasterId r:id="rId29"/>
   </p:notesMasterIdLst>
   <p:sldIdLst>
     <p:sldId id="256" r:id="rId2"/>
@@ -20,14 +20,21 @@
     <p:sldId id="313" r:id="rId11"/>
     <p:sldId id="315" r:id="rId12"/>
     <p:sldId id="317" r:id="rId13"/>
-    <p:sldId id="316" r:id="rId14"/>
+    <p:sldId id="328" r:id="rId14"/>
     <p:sldId id="318" r:id="rId15"/>
-    <p:sldId id="323" r:id="rId16"/>
-    <p:sldId id="324" r:id="rId17"/>
-    <p:sldId id="310" r:id="rId18"/>
-    <p:sldId id="319" r:id="rId19"/>
-    <p:sldId id="306" r:id="rId20"/>
-    <p:sldId id="303" r:id="rId21"/>
+    <p:sldId id="329" r:id="rId16"/>
+    <p:sldId id="327" r:id="rId17"/>
+    <p:sldId id="336" r:id="rId18"/>
+    <p:sldId id="330" r:id="rId19"/>
+    <p:sldId id="310" r:id="rId20"/>
+    <p:sldId id="319" r:id="rId21"/>
+    <p:sldId id="306" r:id="rId22"/>
+    <p:sldId id="303" r:id="rId23"/>
+    <p:sldId id="333" r:id="rId24"/>
+    <p:sldId id="334" r:id="rId25"/>
+    <p:sldId id="335" r:id="rId26"/>
+    <p:sldId id="331" r:id="rId27"/>
+    <p:sldId id="332" r:id="rId28"/>
   </p:sldIdLst>
   <p:sldSz cx="9144000" cy="6858000" type="letter"/>
   <p:notesSz cx="6858000" cy="9144000"/>
@@ -216,7 +223,7 @@
           <a:p>
             <a:fld id="{B1E0F983-F99A-654B-A22B-122E72D1598A}" type="datetimeFigureOut">
               <a:rPr lang="en-US" smtClean="0"/>
-              <a:t>11/16/19</a:t>
+              <a:t>11/17/19</a:t>
             </a:fld>
             <a:endParaRPr lang="en-US"/>
           </a:p>
@@ -615,7 +622,7 @@
           <a:p>
             <a:fld id="{D057EDBF-1783-6543-A668-FCF30E10D4FA}" type="datetimeFigureOut">
               <a:rPr lang="en-US" smtClean="0"/>
-              <a:t>11/16/19</a:t>
+              <a:t>11/17/19</a:t>
             </a:fld>
             <a:endParaRPr lang="en-US"/>
           </a:p>
@@ -780,7 +787,7 @@
           <a:p>
             <a:fld id="{D057EDBF-1783-6543-A668-FCF30E10D4FA}" type="datetimeFigureOut">
               <a:rPr lang="en-US" smtClean="0"/>
-              <a:t>11/16/19</a:t>
+              <a:t>11/17/19</a:t>
             </a:fld>
             <a:endParaRPr lang="en-US"/>
           </a:p>
@@ -955,7 +962,7 @@
           <a:p>
             <a:fld id="{D057EDBF-1783-6543-A668-FCF30E10D4FA}" type="datetimeFigureOut">
               <a:rPr lang="en-US" smtClean="0"/>
-              <a:t>11/16/19</a:t>
+              <a:t>11/17/19</a:t>
             </a:fld>
             <a:endParaRPr lang="en-US"/>
           </a:p>
@@ -1120,7 +1127,7 @@
           <a:p>
             <a:fld id="{D057EDBF-1783-6543-A668-FCF30E10D4FA}" type="datetimeFigureOut">
               <a:rPr lang="en-US" smtClean="0"/>
-              <a:t>11/16/19</a:t>
+              <a:t>11/17/19</a:t>
             </a:fld>
             <a:endParaRPr lang="en-US"/>
           </a:p>
@@ -1359,7 +1366,7 @@
           <a:p>
             <a:fld id="{D057EDBF-1783-6543-A668-FCF30E10D4FA}" type="datetimeFigureOut">
               <a:rPr lang="en-US" smtClean="0"/>
-              <a:t>11/16/19</a:t>
+              <a:t>11/17/19</a:t>
             </a:fld>
             <a:endParaRPr lang="en-US"/>
           </a:p>
@@ -1586,7 +1593,7 @@
           <a:p>
             <a:fld id="{D057EDBF-1783-6543-A668-FCF30E10D4FA}" type="datetimeFigureOut">
               <a:rPr lang="en-US" smtClean="0"/>
-              <a:t>11/16/19</a:t>
+              <a:t>11/17/19</a:t>
             </a:fld>
             <a:endParaRPr lang="en-US"/>
           </a:p>
@@ -1948,7 +1955,7 @@
           <a:p>
             <a:fld id="{D057EDBF-1783-6543-A668-FCF30E10D4FA}" type="datetimeFigureOut">
               <a:rPr lang="en-US" smtClean="0"/>
-              <a:t>11/16/19</a:t>
+              <a:t>11/17/19</a:t>
             </a:fld>
             <a:endParaRPr lang="en-US"/>
           </a:p>
@@ -2061,7 +2068,7 @@
           <a:p>
             <a:fld id="{D057EDBF-1783-6543-A668-FCF30E10D4FA}" type="datetimeFigureOut">
               <a:rPr lang="en-US" smtClean="0"/>
-              <a:t>11/16/19</a:t>
+              <a:t>11/17/19</a:t>
             </a:fld>
             <a:endParaRPr lang="en-US"/>
           </a:p>
@@ -2151,7 +2158,7 @@
           <a:p>
             <a:fld id="{D057EDBF-1783-6543-A668-FCF30E10D4FA}" type="datetimeFigureOut">
               <a:rPr lang="en-US" smtClean="0"/>
-              <a:t>11/16/19</a:t>
+              <a:t>11/17/19</a:t>
             </a:fld>
             <a:endParaRPr lang="en-US"/>
           </a:p>
@@ -2423,7 +2430,7 @@
           <a:p>
             <a:fld id="{D057EDBF-1783-6543-A668-FCF30E10D4FA}" type="datetimeFigureOut">
               <a:rPr lang="en-US" smtClean="0"/>
-              <a:t>11/16/19</a:t>
+              <a:t>11/17/19</a:t>
             </a:fld>
             <a:endParaRPr lang="en-US"/>
           </a:p>
@@ -2675,7 +2682,7 @@
           <a:p>
             <a:fld id="{D057EDBF-1783-6543-A668-FCF30E10D4FA}" type="datetimeFigureOut">
               <a:rPr lang="en-US" smtClean="0"/>
-              <a:t>11/16/19</a:t>
+              <a:t>11/17/19</a:t>
             </a:fld>
             <a:endParaRPr lang="en-US"/>
           </a:p>
@@ -2883,7 +2890,7 @@
           <a:p>
             <a:fld id="{D057EDBF-1783-6543-A668-FCF30E10D4FA}" type="datetimeFigureOut">
               <a:rPr lang="en-US" smtClean="0"/>
-              <a:t>11/16/19</a:t>
+              <a:t>11/17/19</a:t>
             </a:fld>
             <a:endParaRPr lang="en-US"/>
           </a:p>
@@ -3368,15 +3375,7 @@
           <a:p>
             <a:r>
               <a:rPr lang="en-US" dirty="0" smtClean="0"/>
-              <a:t>November </a:t>
-            </a:r>
-            <a:r>
-              <a:rPr lang="en-US" dirty="0" smtClean="0"/>
-              <a:t>17, </a:t>
-            </a:r>
-            <a:r>
-              <a:rPr lang="en-US" dirty="0" smtClean="0"/>
-              <a:t>2019</a:t>
+              <a:t>November 17, 2019</a:t>
             </a:r>
             <a:endParaRPr lang="en-US" dirty="0"/>
           </a:p>
@@ -6257,7 +6256,7 @@
     </p:spTree>
     <p:extLst>
       <p:ext uri="{BB962C8B-B14F-4D97-AF65-F5344CB8AC3E}">
-        <p14:creationId xmlns:p14="http://schemas.microsoft.com/office/powerpoint/2010/main" val="2067208417"/>
+        <p14:creationId xmlns:p14="http://schemas.microsoft.com/office/powerpoint/2010/main" val="1466668517"/>
       </p:ext>
     </p:extLst>
   </p:cSld>
@@ -6294,18 +6293,27 @@
             <p:ph type="title"/>
           </p:nvPr>
         </p:nvSpPr>
-        <p:spPr/>
+        <p:spPr>
+          <a:xfrm>
+            <a:off x="628650" y="136526"/>
+            <a:ext cx="7886700" cy="1325563"/>
+          </a:xfrm>
+        </p:spPr>
         <p:txBody>
           <a:bodyPr/>
           <a:lstStyle/>
           <a:p>
             <a:r>
-              <a:rPr lang="en-US" dirty="0" err="1" smtClean="0"/>
-              <a:t>Rexpected</a:t>
+              <a:rPr lang="en-US"/>
+              <a:t>E</a:t>
+            </a:r>
+            <a:r>
+              <a:rPr lang="en-US" smtClean="0"/>
+              <a:t>xpected </a:t>
             </a:r>
             <a:r>
               <a:rPr lang="en-US" dirty="0" smtClean="0"/>
-              <a:t> Result - </a:t>
+              <a:t>Result - </a:t>
             </a:r>
             <a:r>
               <a:rPr lang="en-US" dirty="0" err="1" smtClean="0"/>
@@ -6325,18 +6333,19 @@
             <p:ph idx="1"/>
           </p:nvPr>
         </p:nvSpPr>
-        <p:spPr/>
+        <p:spPr>
+          <a:xfrm>
+            <a:off x="496166" y="1462089"/>
+            <a:ext cx="8151668" cy="4845193"/>
+          </a:xfrm>
+        </p:spPr>
         <p:txBody>
           <a:bodyPr/>
           <a:lstStyle/>
           <a:p>
             <a:r>
               <a:rPr lang="en-US" dirty="0" smtClean="0"/>
-              <a:t>How do we </a:t>
-            </a:r>
-            <a:r>
-              <a:rPr lang="en-US" dirty="0" smtClean="0"/>
-              <a:t>describe </a:t>
+              <a:t>How do we describe </a:t>
             </a:r>
             <a:r>
               <a:rPr lang="en-US" dirty="0" err="1" smtClean="0"/>
@@ -6344,11 +6353,7 @@
             </a:r>
             <a:r>
               <a:rPr lang="en-US" dirty="0" smtClean="0"/>
-              <a:t> </a:t>
-            </a:r>
-            <a:r>
-              <a:rPr lang="en-US" dirty="0" smtClean="0"/>
-              <a:t>in </a:t>
+              <a:t> in </a:t>
             </a:r>
             <a:r>
               <a:rPr lang="en-US" dirty="0" err="1" smtClean="0"/>
@@ -6356,9 +6361,206 @@
             </a:r>
             <a:r>
               <a:rPr lang="en-US" dirty="0" smtClean="0"/>
-              <a:t> style RDF?</a:t>
-            </a:r>
-            <a:endParaRPr lang="en-US" dirty="0"/>
+              <a:t> style RDF</a:t>
+            </a:r>
+            <a:r>
+              <a:rPr lang="en-US" dirty="0" smtClean="0"/>
+              <a:t>?</a:t>
+            </a:r>
+          </a:p>
+          <a:p>
+            <a:r>
+              <a:rPr lang="en-US" dirty="0" smtClean="0"/>
+              <a:t>How do we map </a:t>
+            </a:r>
+            <a:r>
+              <a:rPr lang="en-US" dirty="0" err="1" smtClean="0"/>
+              <a:t>enum</a:t>
+            </a:r>
+            <a:r>
+              <a:rPr lang="en-US" dirty="0" smtClean="0"/>
+              <a:t> values in RDF (which are URIs) to concrete representation values in schemas?</a:t>
+            </a:r>
+          </a:p>
+          <a:p>
+            <a:pPr lvl="1"/>
+            <a:r>
+              <a:rPr lang="en-US" sz="2000" dirty="0">
+                <a:latin typeface="Courier" charset="0"/>
+                <a:ea typeface="Courier" charset="0"/>
+                <a:cs typeface="Courier" charset="0"/>
+              </a:rPr>
+              <a:t>[</a:t>
+            </a:r>
+            <a:r>
+              <a:rPr lang="en-US" sz="2000" dirty="0" smtClean="0">
+                <a:latin typeface="Courier" charset="0"/>
+                <a:ea typeface="Courier" charset="0"/>
+                <a:cs typeface="Courier" charset="0"/>
+              </a:rPr>
+              <a:t>true, false], </a:t>
+            </a:r>
+            <a:r>
+              <a:rPr lang="en-US" sz="2000" dirty="0" smtClean="0">
+                <a:latin typeface="Courier" charset="0"/>
+                <a:ea typeface="Courier" charset="0"/>
+                <a:cs typeface="Courier" charset="0"/>
+              </a:rPr>
+              <a:t>[1, 0], [</a:t>
+            </a:r>
+            <a:r>
+              <a:rPr lang="en-US" sz="2000" dirty="0" smtClean="0">
+                <a:latin typeface="Courier" charset="0"/>
+                <a:ea typeface="Courier" charset="0"/>
+                <a:cs typeface="Courier" charset="0"/>
+              </a:rPr>
+              <a:t>"on", "off"]</a:t>
+            </a:r>
+          </a:p>
+          <a:p>
+            <a:r>
+              <a:rPr lang="en-US" dirty="0" smtClean="0">
+                <a:ea typeface="Courier" charset="0"/>
+                <a:cs typeface="Courier" charset="0"/>
+              </a:rPr>
+              <a:t>Could use schema annotation, like @type but for </a:t>
+            </a:r>
+            <a:r>
+              <a:rPr lang="en-US" dirty="0" err="1" smtClean="0">
+                <a:ea typeface="Courier" charset="0"/>
+                <a:cs typeface="Courier" charset="0"/>
+              </a:rPr>
+              <a:t>enum</a:t>
+            </a:r>
+            <a:r>
+              <a:rPr lang="en-US" dirty="0" smtClean="0">
+                <a:ea typeface="Courier" charset="0"/>
+                <a:cs typeface="Courier" charset="0"/>
+              </a:rPr>
+              <a:t> values</a:t>
+            </a:r>
+          </a:p>
+          <a:p>
+            <a:pPr marL="0" indent="0">
+              <a:buNone/>
+            </a:pPr>
+            <a:r>
+              <a:rPr lang="en-US" sz="2000" dirty="0" smtClean="0">
+                <a:latin typeface="Courier" charset="0"/>
+                <a:ea typeface="Courier" charset="0"/>
+                <a:cs typeface="Courier" charset="0"/>
+              </a:rPr>
+              <a:t>"</a:t>
+            </a:r>
+            <a:r>
+              <a:rPr lang="en-US" sz="2000" dirty="0" err="1" smtClean="0">
+                <a:latin typeface="Courier" charset="0"/>
+                <a:ea typeface="Courier" charset="0"/>
+                <a:cs typeface="Courier" charset="0"/>
+              </a:rPr>
+              <a:t>enum</a:t>
+            </a:r>
+            <a:r>
+              <a:rPr lang="en-US" sz="2000" dirty="0" smtClean="0">
+                <a:latin typeface="Courier" charset="0"/>
+                <a:ea typeface="Courier" charset="0"/>
+                <a:cs typeface="Courier" charset="0"/>
+              </a:rPr>
+              <a:t>": [ </a:t>
+            </a:r>
+          </a:p>
+          <a:p>
+            <a:pPr marL="0" indent="0">
+              <a:buNone/>
+            </a:pPr>
+            <a:r>
+              <a:rPr lang="en-US" sz="2000" dirty="0" smtClean="0">
+                <a:latin typeface="Courier" charset="0"/>
+                <a:ea typeface="Courier" charset="0"/>
+                <a:cs typeface="Courier" charset="0"/>
+              </a:rPr>
+              <a:t>  {"</a:t>
+            </a:r>
+            <a:r>
+              <a:rPr lang="en-US" sz="2000" dirty="0" err="1" smtClean="0">
+                <a:latin typeface="Courier" charset="0"/>
+                <a:ea typeface="Courier" charset="0"/>
+                <a:cs typeface="Courier" charset="0"/>
+              </a:rPr>
+              <a:t>iot:Switch.State.On</a:t>
+            </a:r>
+            <a:r>
+              <a:rPr lang="en-US" sz="2000" dirty="0" smtClean="0">
+                <a:latin typeface="Courier" charset="0"/>
+                <a:ea typeface="Courier" charset="0"/>
+                <a:cs typeface="Courier" charset="0"/>
+              </a:rPr>
+              <a:t>": "on</a:t>
+            </a:r>
+            <a:r>
+              <a:rPr lang="en-US" sz="2000" dirty="0" smtClean="0">
+                <a:latin typeface="Courier" charset="0"/>
+                <a:ea typeface="Courier" charset="0"/>
+                <a:cs typeface="Courier" charset="0"/>
+              </a:rPr>
+              <a:t>"},</a:t>
+            </a:r>
+          </a:p>
+          <a:p>
+            <a:pPr marL="0" indent="0">
+              <a:buNone/>
+            </a:pPr>
+            <a:r>
+              <a:rPr lang="en-US" sz="2000" dirty="0" smtClean="0">
+                <a:latin typeface="Courier" charset="0"/>
+                <a:ea typeface="Courier" charset="0"/>
+                <a:cs typeface="Courier" charset="0"/>
+              </a:rPr>
+              <a:t>  {"</a:t>
+            </a:r>
+            <a:r>
+              <a:rPr lang="en-US" sz="2000" dirty="0" err="1" smtClean="0">
+                <a:latin typeface="Courier" charset="0"/>
+                <a:ea typeface="Courier" charset="0"/>
+                <a:cs typeface="Courier" charset="0"/>
+              </a:rPr>
+              <a:t>iot:Switch.State.Off</a:t>
+            </a:r>
+            <a:r>
+              <a:rPr lang="en-US" sz="2000" dirty="0" smtClean="0">
+                <a:latin typeface="Courier" charset="0"/>
+                <a:ea typeface="Courier" charset="0"/>
+                <a:cs typeface="Courier" charset="0"/>
+              </a:rPr>
+              <a:t>": "off"}  </a:t>
+            </a:r>
+          </a:p>
+          <a:p>
+            <a:pPr marL="0" indent="0">
+              <a:buNone/>
+            </a:pPr>
+            <a:r>
+              <a:rPr lang="en-US" sz="2000" dirty="0" smtClean="0">
+                <a:latin typeface="Courier" charset="0"/>
+                <a:ea typeface="Courier" charset="0"/>
+                <a:cs typeface="Courier" charset="0"/>
+              </a:rPr>
+              <a:t>]</a:t>
+            </a:r>
+            <a:endParaRPr lang="en-US" sz="2000" dirty="0">
+              <a:latin typeface="Courier" charset="0"/>
+              <a:ea typeface="Courier" charset="0"/>
+              <a:cs typeface="Courier" charset="0"/>
+            </a:endParaRPr>
+          </a:p>
+          <a:p>
+            <a:pPr marL="0" indent="0">
+              <a:buNone/>
+            </a:pPr>
+            <a:endParaRPr lang="en-US" dirty="0">
+              <a:ea typeface="Courier" charset="0"/>
+              <a:cs typeface="Courier" charset="0"/>
+            </a:endParaRPr>
           </a:p>
         </p:txBody>
       </p:sp>
@@ -6732,7 +6934,7 @@
                 </a:solidFill>
                 <a:latin typeface="Courier" charset="0"/>
               </a:rPr>
-              <a:t>iot:SwitchStateType</a:t>
+              <a:t>iot:SwitchStateValue</a:t>
             </a:r>
             <a:r>
               <a:rPr lang="en-US" sz="1600" dirty="0" smtClean="0">
@@ -6795,7 +6997,7 @@
         <p:spPr>
           <a:xfrm>
             <a:off x="1192355" y="3915612"/>
-            <a:ext cx="7600950" cy="2308324"/>
+            <a:ext cx="7071014" cy="2308324"/>
           </a:xfrm>
           <a:prstGeom prst="rect">
             <a:avLst/>
@@ -6834,18 +7036,7 @@
                 <a:ea typeface="Courier" charset="0"/>
                 <a:cs typeface="Courier" charset="0"/>
               </a:rPr>
-              <a:t>iot:</a:t>
-            </a:r>
-            <a:r>
-              <a:rPr lang="en-US" sz="1600" dirty="0" err="1">
-                <a:solidFill>
-                  <a:srgbClr val="FF0000"/>
-                </a:solidFill>
-                <a:latin typeface="Courier" charset="0"/>
-                <a:ea typeface="Courier" charset="0"/>
-                <a:cs typeface="Courier" charset="0"/>
-              </a:rPr>
-              <a:t>SwitchStateType</a:t>
+              <a:t>iot:SwitchStateValue</a:t>
             </a:r>
             <a:r>
               <a:rPr lang="en-US" sz="1600" dirty="0" smtClean="0">
@@ -7063,18 +7254,13 @@
               </a:rPr>
               <a:t>},</a:t>
             </a:r>
-            <a:endParaRPr lang="en-US" sz="1600" dirty="0">
-              <a:latin typeface="Courier" charset="0"/>
-              <a:ea typeface="Courier" charset="0"/>
-              <a:cs typeface="Courier" charset="0"/>
-            </a:endParaRPr>
           </a:p>
         </p:txBody>
       </p:sp>
     </p:spTree>
     <p:extLst>
       <p:ext uri="{BB962C8B-B14F-4D97-AF65-F5344CB8AC3E}">
-        <p14:creationId xmlns:p14="http://schemas.microsoft.com/office/powerpoint/2010/main" val="1815935121"/>
+        <p14:creationId xmlns:p14="http://schemas.microsoft.com/office/powerpoint/2010/main" val="1480464953"/>
       </p:ext>
     </p:extLst>
   </p:cSld>
@@ -7226,12 +7412,15 @@
               <a:t>"</a:t>
             </a:r>
             <a:r>
-              <a:rPr lang="en-US" sz="1600" dirty="0" err="1">
-                <a:latin typeface="Courier" charset="0"/>
-                <a:ea typeface="Courier" charset="0"/>
-                <a:cs typeface="Courier" charset="0"/>
-              </a:rPr>
-              <a:t>iot:SwitchStateType</a:t>
+              <a:rPr lang="en-US" sz="1600" dirty="0" err="1" smtClean="0">
+                <a:solidFill>
+                  <a:srgbClr val="FF0000"/>
+                </a:solidFill>
+                <a:latin typeface="Courier" charset="0"/>
+                <a:ea typeface="Courier" charset="0"/>
+                <a:cs typeface="Courier" charset="0"/>
+              </a:rPr>
+              <a:t>iot:SwitchStateValue</a:t>
             </a:r>
             <a:r>
               <a:rPr lang="en-US" sz="1600" dirty="0" smtClean="0">
@@ -7426,12 +7615,15 @@
               <a:t>"</a:t>
             </a:r>
             <a:r>
-              <a:rPr lang="en-US" sz="1600" dirty="0" err="1">
-                <a:latin typeface="Courier" charset="0"/>
-                <a:ea typeface="Courier" charset="0"/>
-                <a:cs typeface="Courier" charset="0"/>
-              </a:rPr>
-              <a:t>iot:SwitchStateType</a:t>
+              <a:rPr lang="en-US" sz="1600" dirty="0" err="1" smtClean="0">
+                <a:solidFill>
+                  <a:srgbClr val="FF0000"/>
+                </a:solidFill>
+                <a:latin typeface="Courier" charset="0"/>
+                <a:ea typeface="Courier" charset="0"/>
+                <a:cs typeface="Courier" charset="0"/>
+              </a:rPr>
+              <a:t>iot:SwitchStateValue</a:t>
             </a:r>
             <a:r>
               <a:rPr lang="en-US" sz="1600" dirty="0" smtClean="0">
@@ -7559,7 +7751,7 @@
     </p:spTree>
     <p:extLst>
       <p:ext uri="{BB962C8B-B14F-4D97-AF65-F5344CB8AC3E}">
-        <p14:creationId xmlns:p14="http://schemas.microsoft.com/office/powerpoint/2010/main" val="1036960704"/>
+        <p14:creationId xmlns:p14="http://schemas.microsoft.com/office/powerpoint/2010/main" val="2119125818"/>
       </p:ext>
     </p:extLst>
   </p:cSld>
@@ -7588,7 +7780,7 @@
       </p:grpSpPr>
       <p:sp>
         <p:nvSpPr>
-          <p:cNvPr id="2" name="Title 1"/>
+          <p:cNvPr id="5" name="Title 1"/>
           <p:cNvSpPr>
             <a:spLocks noGrp="1"/>
           </p:cNvSpPr>
@@ -7598,7 +7790,7 @@
         </p:nvSpPr>
         <p:spPr>
           <a:xfrm>
-            <a:off x="2675659" y="-144527"/>
+            <a:off x="628650" y="0"/>
             <a:ext cx="7886700" cy="1325563"/>
           </a:xfrm>
         </p:spPr>
@@ -7607,24 +7799,12 @@
           <a:lstStyle/>
           <a:p>
             <a:r>
+              <a:rPr lang="en-US" dirty="0" err="1" smtClean="0"/>
+              <a:t>Enum</a:t>
+            </a:r>
+            <a:r>
               <a:rPr lang="en-US" dirty="0" smtClean="0"/>
-              <a:t>Semantic Proxy </a:t>
-            </a:r>
-            <a:r>
-              <a:rPr lang="mr-IN" dirty="0" smtClean="0"/>
-              <a:t>–</a:t>
-            </a:r>
-            <a:r>
-              <a:rPr lang="en-US" dirty="0" smtClean="0"/>
-              <a:t> </a:t>
-            </a:r>
-            <a:r>
-              <a:rPr lang="en-US" dirty="0" err="1" smtClean="0"/>
-              <a:t>WoT</a:t>
-            </a:r>
-            <a:r>
-              <a:rPr lang="en-US" dirty="0" smtClean="0"/>
-              <a:t> TD </a:t>
+              <a:t> Data Values in RDF</a:t>
             </a:r>
             <a:endParaRPr lang="en-US" dirty="0"/>
           </a:p>
@@ -7632,14 +7812,14 @@
       </p:sp>
       <p:sp>
         <p:nvSpPr>
-          <p:cNvPr id="3" name="Rectangle 2"/>
+          <p:cNvPr id="6" name="Rectangle 5"/>
           <p:cNvSpPr/>
           <p:nvPr/>
         </p:nvSpPr>
         <p:spPr>
           <a:xfrm>
-            <a:off x="275360" y="809200"/>
-            <a:ext cx="9351818" cy="5755422"/>
+            <a:off x="1122218" y="1568809"/>
+            <a:ext cx="6743700" cy="4278094"/>
           </a:xfrm>
           <a:prstGeom prst="rect">
             <a:avLst/>
@@ -7662,96 +7842,42 @@
           </a:p>
           <a:p>
             <a:r>
+              <a:rPr lang="en-US" sz="1600" dirty="0">
+                <a:latin typeface="Courier" charset="0"/>
+                <a:ea typeface="Courier" charset="0"/>
+                <a:cs typeface="Courier" charset="0"/>
+              </a:rPr>
+              <a:t>    "@id": "</a:t>
+            </a:r>
+            <a:r>
+              <a:rPr lang="en-US" sz="1600" dirty="0" err="1" smtClean="0">
+                <a:solidFill>
+                  <a:srgbClr val="FF0000"/>
+                </a:solidFill>
+                <a:latin typeface="Courier" charset="0"/>
+                <a:ea typeface="Courier" charset="0"/>
+                <a:cs typeface="Courier" charset="0"/>
+              </a:rPr>
+              <a:t>iot:SwitchOn</a:t>
+            </a:r>
+            <a:r>
+              <a:rPr lang="en-US" sz="1600" dirty="0" err="1">
+                <a:solidFill>
+                  <a:srgbClr val="FF0000"/>
+                </a:solidFill>
+                <a:latin typeface="Courier" charset="0"/>
+                <a:ea typeface="Courier" charset="0"/>
+                <a:cs typeface="Courier" charset="0"/>
+              </a:rPr>
+              <a:t>State</a:t>
+            </a:r>
+            <a:r>
               <a:rPr lang="en-US" sz="1600" dirty="0" smtClean="0">
                 <a:latin typeface="Courier" charset="0"/>
                 <a:ea typeface="Courier" charset="0"/>
                 <a:cs typeface="Courier" charset="0"/>
               </a:rPr>
-              <a:t>  "@</a:t>
-            </a:r>
-            <a:r>
-              <a:rPr lang="en-US" sz="1600" dirty="0">
-                <a:latin typeface="Courier" charset="0"/>
-                <a:ea typeface="Courier" charset="0"/>
-                <a:cs typeface="Courier" charset="0"/>
-              </a:rPr>
-              <a:t>context": [</a:t>
-            </a:r>
-          </a:p>
-          <a:p>
-            <a:r>
-              <a:rPr lang="en-US" sz="1600" dirty="0" smtClean="0">
-                <a:latin typeface="Courier" charset="0"/>
-                <a:ea typeface="Courier" charset="0"/>
-                <a:cs typeface="Courier" charset="0"/>
-              </a:rPr>
-              <a:t>    "</a:t>
-            </a:r>
-            <a:r>
-              <a:rPr lang="en-US" sz="1600" dirty="0">
-                <a:latin typeface="Courier" charset="0"/>
-                <a:ea typeface="Courier" charset="0"/>
-                <a:cs typeface="Courier" charset="0"/>
-              </a:rPr>
-              <a:t>https</a:t>
-            </a:r>
-            <a:r>
-              <a:rPr lang="en-US" sz="1600" dirty="0" smtClean="0">
-                <a:latin typeface="Courier" charset="0"/>
-                <a:ea typeface="Courier" charset="0"/>
-                <a:cs typeface="Courier" charset="0"/>
-              </a:rPr>
-              <a:t>://www.w3.org/2019/wot/td/v1</a:t>
-            </a:r>
-            <a:r>
-              <a:rPr lang="en-US" sz="1600" dirty="0">
-                <a:latin typeface="Courier" charset="0"/>
-                <a:ea typeface="Courier" charset="0"/>
-                <a:cs typeface="Courier" charset="0"/>
-              </a:rPr>
               <a:t>",</a:t>
-            </a:r>
-          </a:p>
-          <a:p>
-            <a:r>
-              <a:rPr lang="en-US" sz="1600" dirty="0" smtClean="0">
-                <a:latin typeface="Courier" charset="0"/>
-                <a:ea typeface="Courier" charset="0"/>
-                <a:cs typeface="Courier" charset="0"/>
-              </a:rPr>
-              <a:t>    {"</a:t>
-            </a:r>
-            <a:r>
-              <a:rPr lang="en-US" sz="1600" dirty="0" err="1">
-                <a:latin typeface="Courier" charset="0"/>
-                <a:ea typeface="Courier" charset="0"/>
-                <a:cs typeface="Courier" charset="0"/>
-              </a:rPr>
-              <a:t>iot</a:t>
-            </a:r>
-            <a:r>
-              <a:rPr lang="en-US" sz="1600" dirty="0">
-                <a:latin typeface="Courier" charset="0"/>
-                <a:ea typeface="Courier" charset="0"/>
-                <a:cs typeface="Courier" charset="0"/>
-              </a:rPr>
-              <a:t>": "http://</a:t>
-            </a:r>
-            <a:r>
-              <a:rPr lang="en-US" sz="1600" dirty="0" err="1">
-                <a:latin typeface="Courier" charset="0"/>
-                <a:ea typeface="Courier" charset="0"/>
-                <a:cs typeface="Courier" charset="0"/>
-              </a:rPr>
-              <a:t>iotschema.org</a:t>
-            </a:r>
-            <a:r>
-              <a:rPr lang="en-US" sz="1600" dirty="0" smtClean="0">
-                <a:latin typeface="Courier" charset="0"/>
-                <a:ea typeface="Courier" charset="0"/>
-                <a:cs typeface="Courier" charset="0"/>
-              </a:rPr>
-              <a:t>/"}</a:t>
             </a:r>
             <a:endParaRPr lang="en-US" sz="1600" dirty="0">
               <a:latin typeface="Courier" charset="0"/>
@@ -7761,12 +7887,39 @@
           </a:p>
           <a:p>
             <a:r>
+              <a:rPr lang="en-US" sz="1600" dirty="0">
+                <a:latin typeface="Courier" charset="0"/>
+                <a:ea typeface="Courier" charset="0"/>
+                <a:cs typeface="Courier" charset="0"/>
+              </a:rPr>
+              <a:t>    "@type": </a:t>
+            </a:r>
+            <a:r>
               <a:rPr lang="en-US" sz="1600" dirty="0" smtClean="0">
                 <a:latin typeface="Courier" charset="0"/>
                 <a:ea typeface="Courier" charset="0"/>
                 <a:cs typeface="Courier" charset="0"/>
               </a:rPr>
-              <a:t>  ],</a:t>
+              <a:t>"</a:t>
+            </a:r>
+            <a:r>
+              <a:rPr lang="en-US" sz="1600" dirty="0" err="1" smtClean="0">
+                <a:solidFill>
+                  <a:srgbClr val="FF0000"/>
+                </a:solidFill>
+                <a:latin typeface="Courier" charset="0"/>
+                <a:ea typeface="Courier" charset="0"/>
+                <a:cs typeface="Courier" charset="0"/>
+              </a:rPr>
+              <a:t>iot:SwitchStateValue</a:t>
+            </a:r>
+            <a:r>
+              <a:rPr lang="en-US" sz="1600" dirty="0" smtClean="0">
+                <a:latin typeface="Courier" charset="0"/>
+                <a:ea typeface="Courier" charset="0"/>
+                <a:cs typeface="Courier" charset="0"/>
+              </a:rPr>
+              <a:t>",</a:t>
             </a:r>
             <a:endParaRPr lang="en-US" sz="1600" dirty="0">
               <a:latin typeface="Courier" charset="0"/>
@@ -7776,285 +7929,36 @@
           </a:p>
           <a:p>
             <a:r>
+              <a:rPr lang="en-US" sz="1600" dirty="0">
+                <a:latin typeface="Courier" charset="0"/>
+                <a:ea typeface="Courier" charset="0"/>
+                <a:cs typeface="Courier" charset="0"/>
+              </a:rPr>
+              <a:t>    "</a:t>
+            </a:r>
+            <a:r>
+              <a:rPr lang="en-US" sz="1600" dirty="0" err="1">
+                <a:latin typeface="Courier" charset="0"/>
+                <a:ea typeface="Courier" charset="0"/>
+                <a:cs typeface="Courier" charset="0"/>
+              </a:rPr>
+              <a:t>rdfs:comment</a:t>
+            </a:r>
+            <a:r>
+              <a:rPr lang="en-US" sz="1600" dirty="0">
+                <a:latin typeface="Courier" charset="0"/>
+                <a:ea typeface="Courier" charset="0"/>
+                <a:cs typeface="Courier" charset="0"/>
+              </a:rPr>
+              <a:t>": </a:t>
+            </a:r>
+            <a:r>
               <a:rPr lang="en-US" sz="1600" dirty="0" smtClean="0">
                 <a:latin typeface="Courier" charset="0"/>
                 <a:ea typeface="Courier" charset="0"/>
                 <a:cs typeface="Courier" charset="0"/>
               </a:rPr>
-              <a:t>  "@</a:t>
-            </a:r>
-            <a:r>
-              <a:rPr lang="en-US" sz="1600" dirty="0">
-                <a:latin typeface="Courier" charset="0"/>
-                <a:ea typeface="Courier" charset="0"/>
-                <a:cs typeface="Courier" charset="0"/>
-              </a:rPr>
-              <a:t>type": [ "Thing", "</a:t>
-            </a:r>
-            <a:r>
-              <a:rPr lang="en-US" sz="1600" dirty="0" err="1">
-                <a:solidFill>
-                  <a:srgbClr val="FF0000"/>
-                </a:solidFill>
-                <a:latin typeface="Courier" charset="0"/>
-                <a:ea typeface="Courier" charset="0"/>
-                <a:cs typeface="Courier" charset="0"/>
-              </a:rPr>
-              <a:t>iot:SwitchCapability</a:t>
-            </a:r>
-            <a:r>
-              <a:rPr lang="en-US" sz="1600" dirty="0">
-                <a:latin typeface="Courier" charset="0"/>
-                <a:ea typeface="Courier" charset="0"/>
-                <a:cs typeface="Courier" charset="0"/>
-              </a:rPr>
-              <a:t>" ],</a:t>
-            </a:r>
-          </a:p>
-          <a:p>
-            <a:r>
-              <a:rPr lang="en-US" sz="1600" dirty="0" smtClean="0">
-                <a:latin typeface="Courier" charset="0"/>
-                <a:ea typeface="Courier" charset="0"/>
-                <a:cs typeface="Courier" charset="0"/>
-              </a:rPr>
-              <a:t>  "</a:t>
-            </a:r>
-            <a:r>
-              <a:rPr lang="en-US" sz="1600" dirty="0">
-                <a:latin typeface="Courier" charset="0"/>
-                <a:ea typeface="Courier" charset="0"/>
-                <a:cs typeface="Courier" charset="0"/>
-              </a:rPr>
-              <a:t>properties": {</a:t>
-            </a:r>
-          </a:p>
-          <a:p>
-            <a:r>
-              <a:rPr lang="en-US" sz="1600" dirty="0" smtClean="0">
-                <a:latin typeface="Courier" charset="0"/>
-                <a:ea typeface="Courier" charset="0"/>
-                <a:cs typeface="Courier" charset="0"/>
-              </a:rPr>
-              <a:t>    </a:t>
-            </a:r>
-            <a:r>
-              <a:rPr lang="en-US" sz="1600" dirty="0" smtClean="0">
-                <a:latin typeface="Courier" charset="0"/>
-                <a:ea typeface="Courier" charset="0"/>
-                <a:cs typeface="Courier" charset="0"/>
-              </a:rPr>
-              <a:t>"</a:t>
-            </a:r>
-            <a:r>
-              <a:rPr lang="en-US" sz="1600" dirty="0" err="1" smtClean="0">
-                <a:latin typeface="Courier" charset="0"/>
-                <a:ea typeface="Courier" charset="0"/>
-                <a:cs typeface="Courier" charset="0"/>
-              </a:rPr>
-              <a:t>SwitchStateProperty</a:t>
-            </a:r>
-            <a:r>
-              <a:rPr lang="en-US" sz="1600" dirty="0" smtClean="0">
-                <a:latin typeface="Courier" charset="0"/>
-                <a:ea typeface="Courier" charset="0"/>
-                <a:cs typeface="Courier" charset="0"/>
-              </a:rPr>
-              <a:t>": </a:t>
-            </a:r>
-            <a:r>
-              <a:rPr lang="en-US" sz="1600" dirty="0">
-                <a:latin typeface="Courier" charset="0"/>
-                <a:ea typeface="Courier" charset="0"/>
-                <a:cs typeface="Courier" charset="0"/>
-              </a:rPr>
-              <a:t>{</a:t>
-            </a:r>
-          </a:p>
-          <a:p>
-            <a:r>
-              <a:rPr lang="en-US" sz="1600" dirty="0" smtClean="0">
-                <a:latin typeface="Courier" charset="0"/>
-                <a:ea typeface="Courier" charset="0"/>
-                <a:cs typeface="Courier" charset="0"/>
-              </a:rPr>
-              <a:t>      "@</a:t>
-            </a:r>
-            <a:r>
-              <a:rPr lang="en-US" sz="1600" dirty="0">
-                <a:latin typeface="Courier" charset="0"/>
-                <a:ea typeface="Courier" charset="0"/>
-                <a:cs typeface="Courier" charset="0"/>
-              </a:rPr>
-              <a:t>type": ["</a:t>
-            </a:r>
-            <a:r>
-              <a:rPr lang="en-US" sz="1600" dirty="0" err="1">
-                <a:solidFill>
-                  <a:srgbClr val="FF0000"/>
-                </a:solidFill>
-                <a:latin typeface="Courier" charset="0"/>
-                <a:ea typeface="Courier" charset="0"/>
-                <a:cs typeface="Courier" charset="0"/>
-              </a:rPr>
-              <a:t>iot:SwitchStateProperty</a:t>
-            </a:r>
-            <a:r>
-              <a:rPr lang="en-US" sz="1600" dirty="0">
-                <a:latin typeface="Courier" charset="0"/>
-                <a:ea typeface="Courier" charset="0"/>
-                <a:cs typeface="Courier" charset="0"/>
-              </a:rPr>
-              <a:t>", </a:t>
-            </a:r>
-            <a:r>
-              <a:rPr lang="en-US" sz="1600" dirty="0" smtClean="0">
-                <a:latin typeface="Courier" charset="0"/>
-                <a:ea typeface="Courier" charset="0"/>
-                <a:cs typeface="Courier" charset="0"/>
-              </a:rPr>
-              <a:t>"</a:t>
-            </a:r>
-            <a:r>
-              <a:rPr lang="en-US" sz="1600" dirty="0" err="1" smtClean="0">
-                <a:solidFill>
-                  <a:srgbClr val="FF0000"/>
-                </a:solidFill>
-                <a:latin typeface="Courier" charset="0"/>
-                <a:ea typeface="Courier" charset="0"/>
-                <a:cs typeface="Courier" charset="0"/>
-              </a:rPr>
-              <a:t>iot:SwitchStateData</a:t>
-            </a:r>
-            <a:r>
-              <a:rPr lang="en-US" sz="1600" dirty="0">
-                <a:latin typeface="Courier" charset="0"/>
-                <a:ea typeface="Courier" charset="0"/>
-                <a:cs typeface="Courier" charset="0"/>
-              </a:rPr>
-              <a:t>"],</a:t>
-            </a:r>
-          </a:p>
-          <a:p>
-            <a:r>
-              <a:rPr lang="en-US" sz="1600" dirty="0" smtClean="0">
-                <a:latin typeface="Courier" charset="0"/>
-                <a:ea typeface="Courier" charset="0"/>
-                <a:cs typeface="Courier" charset="0"/>
-              </a:rPr>
-              <a:t>      "</a:t>
-            </a:r>
-            <a:r>
-              <a:rPr lang="en-US" sz="1600" dirty="0">
-                <a:latin typeface="Courier" charset="0"/>
-                <a:ea typeface="Courier" charset="0"/>
-                <a:cs typeface="Courier" charset="0"/>
-              </a:rPr>
-              <a:t>type": "string",</a:t>
-            </a:r>
-          </a:p>
-          <a:p>
-            <a:r>
-              <a:rPr lang="en-US" sz="1600" dirty="0" smtClean="0">
-                <a:latin typeface="Courier" charset="0"/>
-                <a:ea typeface="Courier" charset="0"/>
-                <a:cs typeface="Courier" charset="0"/>
-              </a:rPr>
-              <a:t>      "</a:t>
-            </a:r>
-            <a:r>
-              <a:rPr lang="en-US" sz="1600" dirty="0" err="1">
-                <a:latin typeface="Courier" charset="0"/>
-                <a:ea typeface="Courier" charset="0"/>
-                <a:cs typeface="Courier" charset="0"/>
-              </a:rPr>
-              <a:t>enum</a:t>
-            </a:r>
-            <a:r>
-              <a:rPr lang="en-US" sz="1600" dirty="0">
-                <a:latin typeface="Courier" charset="0"/>
-                <a:ea typeface="Courier" charset="0"/>
-                <a:cs typeface="Courier" charset="0"/>
-              </a:rPr>
-              <a:t>": ["on", "off"],</a:t>
-            </a:r>
-          </a:p>
-          <a:p>
-            <a:r>
-              <a:rPr lang="en-US" sz="1600" dirty="0" smtClean="0">
-                <a:latin typeface="Courier" charset="0"/>
-                <a:ea typeface="Courier" charset="0"/>
-                <a:cs typeface="Courier" charset="0"/>
-              </a:rPr>
-              <a:t>      "</a:t>
-            </a:r>
-            <a:r>
-              <a:rPr lang="en-US" sz="1600" dirty="0" err="1">
-                <a:latin typeface="Courier" charset="0"/>
-                <a:ea typeface="Courier" charset="0"/>
-                <a:cs typeface="Courier" charset="0"/>
-              </a:rPr>
-              <a:t>writeOnly</a:t>
-            </a:r>
-            <a:r>
-              <a:rPr lang="en-US" sz="1600" dirty="0">
-                <a:latin typeface="Courier" charset="0"/>
-                <a:ea typeface="Courier" charset="0"/>
-                <a:cs typeface="Courier" charset="0"/>
-              </a:rPr>
-              <a:t>": false,</a:t>
-            </a:r>
-          </a:p>
-          <a:p>
-            <a:r>
-              <a:rPr lang="en-US" sz="1600" dirty="0" smtClean="0">
-                <a:latin typeface="Courier" charset="0"/>
-                <a:ea typeface="Courier" charset="0"/>
-                <a:cs typeface="Courier" charset="0"/>
-              </a:rPr>
-              <a:t>      "</a:t>
-            </a:r>
-            <a:r>
-              <a:rPr lang="en-US" sz="1600" dirty="0" err="1">
-                <a:latin typeface="Courier" charset="0"/>
-                <a:ea typeface="Courier" charset="0"/>
-                <a:cs typeface="Courier" charset="0"/>
-              </a:rPr>
-              <a:t>readOnly</a:t>
-            </a:r>
-            <a:r>
-              <a:rPr lang="en-US" sz="1600" dirty="0">
-                <a:latin typeface="Courier" charset="0"/>
-                <a:ea typeface="Courier" charset="0"/>
-                <a:cs typeface="Courier" charset="0"/>
-              </a:rPr>
-              <a:t>": false,</a:t>
-            </a:r>
-          </a:p>
-          <a:p>
-            <a:r>
-              <a:rPr lang="en-US" sz="1600" dirty="0" smtClean="0">
-                <a:latin typeface="Courier" charset="0"/>
-                <a:ea typeface="Courier" charset="0"/>
-                <a:cs typeface="Courier" charset="0"/>
-              </a:rPr>
-              <a:t>      "</a:t>
-            </a:r>
-            <a:r>
-              <a:rPr lang="en-US" sz="1600" dirty="0">
-                <a:latin typeface="Courier" charset="0"/>
-                <a:ea typeface="Courier" charset="0"/>
-                <a:cs typeface="Courier" charset="0"/>
-              </a:rPr>
-              <a:t>observable": </a:t>
-            </a:r>
-            <a:r>
-              <a:rPr lang="en-US" sz="1600" dirty="0" smtClean="0">
-                <a:latin typeface="Courier" charset="0"/>
-                <a:ea typeface="Courier" charset="0"/>
-                <a:cs typeface="Courier" charset="0"/>
-              </a:rPr>
-              <a:t>true,</a:t>
+              <a:t>"Switch On State",</a:t>
             </a:r>
             <a:endParaRPr lang="en-US" sz="1600" dirty="0">
               <a:latin typeface="Courier" charset="0"/>
@@ -8064,30 +7968,242 @@
           </a:p>
           <a:p>
             <a:r>
+              <a:rPr lang="en-US" sz="1600" dirty="0">
+                <a:latin typeface="Courier" charset="0"/>
+                <a:ea typeface="Courier" charset="0"/>
+                <a:cs typeface="Courier" charset="0"/>
+              </a:rPr>
+              <a:t>    "</a:t>
+            </a:r>
+            <a:r>
+              <a:rPr lang="en-US" sz="1600" dirty="0" err="1">
+                <a:latin typeface="Courier" charset="0"/>
+                <a:ea typeface="Courier" charset="0"/>
+                <a:cs typeface="Courier" charset="0"/>
+              </a:rPr>
+              <a:t>rdfs:label</a:t>
+            </a:r>
+            <a:r>
+              <a:rPr lang="en-US" sz="1600" dirty="0">
+                <a:latin typeface="Courier" charset="0"/>
+                <a:ea typeface="Courier" charset="0"/>
+                <a:cs typeface="Courier" charset="0"/>
+              </a:rPr>
+              <a:t>": </a:t>
+            </a:r>
+            <a:r>
               <a:rPr lang="en-US" sz="1600" dirty="0" smtClean="0">
                 <a:latin typeface="Courier" charset="0"/>
                 <a:ea typeface="Courier" charset="0"/>
                 <a:cs typeface="Courier" charset="0"/>
               </a:rPr>
-              <a:t>      "</a:t>
-            </a:r>
+              <a:t>"</a:t>
+            </a:r>
+            <a:r>
+              <a:rPr lang="en-US" sz="1600" dirty="0" err="1" smtClean="0">
+                <a:latin typeface="Courier" charset="0"/>
+                <a:ea typeface="Courier" charset="0"/>
+                <a:cs typeface="Courier" charset="0"/>
+              </a:rPr>
+              <a:t>SwitchOnState</a:t>
+            </a:r>
+            <a:r>
+              <a:rPr lang="en-US" sz="1600" dirty="0" smtClean="0">
+                <a:latin typeface="Courier" charset="0"/>
+                <a:ea typeface="Courier" charset="0"/>
+                <a:cs typeface="Courier" charset="0"/>
+              </a:rPr>
+              <a:t>",</a:t>
+            </a:r>
+          </a:p>
+          <a:p>
             <a:r>
               <a:rPr lang="en-US" sz="1600" dirty="0">
-                <a:latin typeface="Courier" charset="0"/>
-                <a:ea typeface="Courier" charset="0"/>
-                <a:cs typeface="Courier" charset="0"/>
-              </a:rPr>
-              <a:t>forms": [</a:t>
-            </a:r>
-          </a:p>
-          <a:p>
+                <a:solidFill>
+                  <a:schemeClr val="tx1">
+                    <a:lumMod val="50000"/>
+                    <a:lumOff val="50000"/>
+                  </a:schemeClr>
+                </a:solidFill>
+                <a:latin typeface="Courier" charset="0"/>
+              </a:rPr>
+              <a:t>  </a:t>
+            </a:r>
             <a:r>
               <a:rPr lang="en-US" sz="1600" dirty="0" smtClean="0">
-                <a:latin typeface="Courier" charset="0"/>
-                <a:ea typeface="Courier" charset="0"/>
-                <a:cs typeface="Courier" charset="0"/>
-              </a:rPr>
-              <a:t>        {</a:t>
+                <a:solidFill>
+                  <a:schemeClr val="tx1">
+                    <a:lumMod val="50000"/>
+                    <a:lumOff val="50000"/>
+                  </a:schemeClr>
+                </a:solidFill>
+                <a:latin typeface="Courier" charset="0"/>
+              </a:rPr>
+              <a:t>  "</a:t>
+            </a:r>
+            <a:r>
+              <a:rPr lang="en-US" sz="1600" dirty="0" err="1">
+                <a:solidFill>
+                  <a:schemeClr val="tx1">
+                    <a:lumMod val="50000"/>
+                    <a:lumOff val="50000"/>
+                  </a:schemeClr>
+                </a:solidFill>
+                <a:latin typeface="Courier" charset="0"/>
+              </a:rPr>
+              <a:t>schema:propertyType</a:t>
+            </a:r>
+            <a:r>
+              <a:rPr lang="en-US" sz="1600" dirty="0">
+                <a:solidFill>
+                  <a:schemeClr val="tx1">
+                    <a:lumMod val="50000"/>
+                    <a:lumOff val="50000"/>
+                  </a:schemeClr>
+                </a:solidFill>
+                <a:latin typeface="Courier" charset="0"/>
+              </a:rPr>
+              <a:t>": </a:t>
+            </a:r>
+            <a:r>
+              <a:rPr lang="en-US" sz="1600" dirty="0" smtClean="0">
+                <a:solidFill>
+                  <a:schemeClr val="tx1">
+                    <a:lumMod val="50000"/>
+                    <a:lumOff val="50000"/>
+                  </a:schemeClr>
+                </a:solidFill>
+                <a:latin typeface="Courier" charset="0"/>
+              </a:rPr>
+              <a:t>{"@</a:t>
+            </a:r>
+            <a:r>
+              <a:rPr lang="en-US" sz="1600" dirty="0">
+                <a:solidFill>
+                  <a:schemeClr val="tx1">
+                    <a:lumMod val="50000"/>
+                    <a:lumOff val="50000"/>
+                  </a:schemeClr>
+                </a:solidFill>
+                <a:latin typeface="Courier" charset="0"/>
+              </a:rPr>
+              <a:t>id": "</a:t>
+            </a:r>
+            <a:r>
+              <a:rPr lang="en-US" sz="1600" dirty="0" err="1">
+                <a:solidFill>
+                  <a:schemeClr val="tx1">
+                    <a:lumMod val="50000"/>
+                    <a:lumOff val="50000"/>
+                  </a:schemeClr>
+                </a:solidFill>
+                <a:latin typeface="Courier" charset="0"/>
+              </a:rPr>
+              <a:t>schema:String</a:t>
+            </a:r>
+            <a:r>
+              <a:rPr lang="en-US" sz="1600" dirty="0" smtClean="0">
+                <a:solidFill>
+                  <a:schemeClr val="tx1">
+                    <a:lumMod val="50000"/>
+                    <a:lumOff val="50000"/>
+                  </a:schemeClr>
+                </a:solidFill>
+                <a:latin typeface="Courier" charset="0"/>
+              </a:rPr>
+              <a:t>"}</a:t>
+            </a:r>
+            <a:endParaRPr lang="en-US" sz="1600" dirty="0">
+              <a:solidFill>
+                <a:schemeClr val="tx1">
+                  <a:lumMod val="50000"/>
+                  <a:lumOff val="50000"/>
+                </a:schemeClr>
+              </a:solidFill>
+              <a:latin typeface="Helvetica" charset="0"/>
+            </a:endParaRPr>
+          </a:p>
+          <a:p>
+            <a:r>
+              <a:rPr lang="en-US" sz="1600" dirty="0">
+                <a:solidFill>
+                  <a:schemeClr val="tx1">
+                    <a:lumMod val="50000"/>
+                    <a:lumOff val="50000"/>
+                  </a:schemeClr>
+                </a:solidFill>
+                <a:latin typeface="Courier" charset="0"/>
+              </a:rPr>
+              <a:t>    "</a:t>
+            </a:r>
+            <a:r>
+              <a:rPr lang="en-US" sz="1600" dirty="0" err="1" smtClean="0">
+                <a:solidFill>
+                  <a:schemeClr val="tx1">
+                    <a:lumMod val="50000"/>
+                    <a:lumOff val="50000"/>
+                  </a:schemeClr>
+                </a:solidFill>
+                <a:latin typeface="Courier" charset="0"/>
+              </a:rPr>
+              <a:t>schema:defaultValue</a:t>
+            </a:r>
+            <a:r>
+              <a:rPr lang="en-US" sz="1600" dirty="0" smtClean="0">
+                <a:solidFill>
+                  <a:schemeClr val="tx1">
+                    <a:lumMod val="50000"/>
+                    <a:lumOff val="50000"/>
+                  </a:schemeClr>
+                </a:solidFill>
+                <a:latin typeface="Courier" charset="0"/>
+              </a:rPr>
+              <a:t>": {"</a:t>
+            </a:r>
+            <a:r>
+              <a:rPr lang="en-US" sz="1600" dirty="0" err="1" smtClean="0">
+                <a:solidFill>
+                  <a:schemeClr val="tx1">
+                    <a:lumMod val="50000"/>
+                    <a:lumOff val="50000"/>
+                  </a:schemeClr>
+                </a:solidFill>
+                <a:latin typeface="Courier" charset="0"/>
+              </a:rPr>
+              <a:t>rdfs:Literal</a:t>
+            </a:r>
+            <a:r>
+              <a:rPr lang="en-US" sz="1600" dirty="0" smtClean="0">
+                <a:solidFill>
+                  <a:schemeClr val="tx1">
+                    <a:lumMod val="50000"/>
+                    <a:lumOff val="50000"/>
+                  </a:schemeClr>
+                </a:solidFill>
+                <a:latin typeface="Courier" charset="0"/>
+              </a:rPr>
+              <a:t>": "on"}</a:t>
+            </a:r>
+            <a:endParaRPr lang="en-US" sz="1600" dirty="0">
+              <a:solidFill>
+                <a:schemeClr val="tx1">
+                  <a:lumMod val="50000"/>
+                  <a:lumOff val="50000"/>
+                </a:schemeClr>
+              </a:solidFill>
+              <a:latin typeface="Courier" charset="0"/>
+              <a:ea typeface="Courier" charset="0"/>
+              <a:cs typeface="Courier" charset="0"/>
+            </a:endParaRPr>
+          </a:p>
+          <a:p>
+            <a:r>
+              <a:rPr lang="en-US" sz="1600" dirty="0" smtClean="0">
+                <a:latin typeface="Courier" charset="0"/>
+                <a:ea typeface="Courier" charset="0"/>
+                <a:cs typeface="Courier" charset="0"/>
+              </a:rPr>
+              <a:t>},</a:t>
             </a:r>
             <a:endParaRPr lang="en-US" sz="1600" dirty="0">
               <a:latin typeface="Courier" charset="0"/>
@@ -8097,68 +8213,41 @@
           </a:p>
           <a:p>
             <a:r>
+              <a:rPr lang="en-US" sz="1600" dirty="0">
+                <a:latin typeface="Courier" charset="0"/>
+                <a:ea typeface="Courier" charset="0"/>
+                <a:cs typeface="Courier" charset="0"/>
+              </a:rPr>
+              <a:t>{</a:t>
+            </a:r>
+          </a:p>
+          <a:p>
+            <a:r>
+              <a:rPr lang="en-US" sz="1600" dirty="0">
+                <a:latin typeface="Courier" charset="0"/>
+                <a:ea typeface="Courier" charset="0"/>
+                <a:cs typeface="Courier" charset="0"/>
+              </a:rPr>
+              <a:t>    "@id": </a:t>
+            </a:r>
+            <a:r>
               <a:rPr lang="en-US" sz="1600" dirty="0" smtClean="0">
                 <a:latin typeface="Courier" charset="0"/>
                 <a:ea typeface="Courier" charset="0"/>
                 <a:cs typeface="Courier" charset="0"/>
               </a:rPr>
-              <a:t>         "</a:t>
-            </a:r>
-            <a:r>
-              <a:rPr lang="en-US" sz="1600" dirty="0" err="1">
-                <a:latin typeface="Courier" charset="0"/>
-                <a:ea typeface="Courier" charset="0"/>
-                <a:cs typeface="Courier" charset="0"/>
-              </a:rPr>
-              <a:t>href</a:t>
-            </a:r>
-            <a:r>
-              <a:rPr lang="en-US" sz="1600" dirty="0">
-                <a:latin typeface="Courier" charset="0"/>
-                <a:ea typeface="Courier" charset="0"/>
-                <a:cs typeface="Courier" charset="0"/>
-              </a:rPr>
-              <a:t>": </a:t>
-            </a:r>
-            <a:r>
-              <a:rPr lang="en-US" sz="1600" dirty="0" smtClean="0">
-                <a:latin typeface="Courier" charset="0"/>
-                <a:ea typeface="Courier" charset="0"/>
-                <a:cs typeface="Courier" charset="0"/>
-              </a:rPr>
-              <a:t>"/</a:t>
+              <a:t>"</a:t>
             </a:r>
             <a:r>
               <a:rPr lang="en-US" sz="1600" dirty="0" err="1" smtClean="0">
-                <a:latin typeface="Courier" charset="0"/>
-                <a:ea typeface="Courier" charset="0"/>
-                <a:cs typeface="Courier" charset="0"/>
-              </a:rPr>
-              <a:t>SwitchCapability</a:t>
-            </a:r>
-            <a:r>
-              <a:rPr lang="en-US" sz="1600" dirty="0" smtClean="0">
-                <a:latin typeface="Courier" charset="0"/>
-                <a:ea typeface="Courier" charset="0"/>
-                <a:cs typeface="Courier" charset="0"/>
-              </a:rPr>
-              <a:t>/</a:t>
-            </a:r>
-            <a:r>
-              <a:rPr lang="en-US" sz="1600" dirty="0" smtClean="0">
-                <a:latin typeface="Courier" charset="0"/>
-                <a:ea typeface="Courier" charset="0"/>
-                <a:cs typeface="Courier" charset="0"/>
-              </a:rPr>
-              <a:t>properties/</a:t>
-            </a:r>
-            <a:r>
-              <a:rPr lang="en-US" sz="1600" dirty="0" err="1" smtClean="0">
-                <a:latin typeface="Courier" charset="0"/>
-                <a:ea typeface="Courier" charset="0"/>
-                <a:cs typeface="Courier" charset="0"/>
-              </a:rPr>
-              <a:t>SwitchStateProperty</a:t>
+                <a:solidFill>
+                  <a:srgbClr val="FF0000"/>
+                </a:solidFill>
+                <a:latin typeface="Courier" charset="0"/>
+                <a:ea typeface="Courier" charset="0"/>
+                <a:cs typeface="Courier" charset="0"/>
+              </a:rPr>
+              <a:t>iot:SwitchOffState</a:t>
             </a:r>
             <a:r>
               <a:rPr lang="en-US" sz="1600" dirty="0" smtClean="0">
@@ -8176,44 +8265,31 @@
           </a:p>
           <a:p>
             <a:r>
+              <a:rPr lang="en-US" sz="1600" dirty="0">
+                <a:latin typeface="Courier" charset="0"/>
+                <a:ea typeface="Courier" charset="0"/>
+                <a:cs typeface="Courier" charset="0"/>
+              </a:rPr>
+              <a:t>    "@type": </a:t>
+            </a:r>
+            <a:r>
               <a:rPr lang="en-US" sz="1600" dirty="0" smtClean="0">
                 <a:latin typeface="Courier" charset="0"/>
                 <a:ea typeface="Courier" charset="0"/>
                 <a:cs typeface="Courier" charset="0"/>
               </a:rPr>
-              <a:t>         "</a:t>
-            </a:r>
-            <a:r>
-              <a:rPr lang="en-US" sz="1600" dirty="0">
-                <a:latin typeface="Courier" charset="0"/>
-                <a:ea typeface="Courier" charset="0"/>
-                <a:cs typeface="Courier" charset="0"/>
-              </a:rPr>
-              <a:t>op": ["</a:t>
-            </a:r>
-            <a:r>
-              <a:rPr lang="en-US" sz="1600" dirty="0" err="1">
-                <a:latin typeface="Courier" charset="0"/>
-                <a:ea typeface="Courier" charset="0"/>
-                <a:cs typeface="Courier" charset="0"/>
-              </a:rPr>
-              <a:t>readproperty</a:t>
-            </a:r>
-            <a:r>
-              <a:rPr lang="en-US" sz="1600" dirty="0">
-                <a:latin typeface="Courier" charset="0"/>
-                <a:ea typeface="Courier" charset="0"/>
-                <a:cs typeface="Courier" charset="0"/>
-              </a:rPr>
-              <a:t>", "</a:t>
-            </a:r>
-            <a:r>
-              <a:rPr lang="en-US" sz="1600" dirty="0" err="1">
-                <a:latin typeface="Courier" charset="0"/>
-                <a:ea typeface="Courier" charset="0"/>
-                <a:cs typeface="Courier" charset="0"/>
-              </a:rPr>
-              <a:t>writeproperty</a:t>
+              <a:t>"</a:t>
+            </a:r>
+            <a:r>
+              <a:rPr lang="en-US" sz="1600" dirty="0" err="1" smtClean="0">
+                <a:solidFill>
+                  <a:srgbClr val="FF0000"/>
+                </a:solidFill>
+                <a:latin typeface="Courier" charset="0"/>
+                <a:ea typeface="Courier" charset="0"/>
+                <a:cs typeface="Courier" charset="0"/>
+              </a:rPr>
+              <a:t>iot:SwitchStateValue</a:t>
             </a:r>
             <a:r>
               <a:rPr lang="en-US" sz="1600" dirty="0" smtClean="0">
@@ -8221,23 +8297,7 @@
                 <a:ea typeface="Courier" charset="0"/>
                 <a:cs typeface="Courier" charset="0"/>
               </a:rPr>
-              <a:t>", "</a:t>
-            </a:r>
-            <a:r>
-              <a:rPr lang="en-US" sz="1600" dirty="0" err="1" smtClean="0">
-                <a:latin typeface="Courier" charset="0"/>
-                <a:ea typeface="Courier" charset="0"/>
-                <a:cs typeface="Courier" charset="0"/>
-              </a:rPr>
-              <a:t>observeproperty</a:t>
-            </a:r>
-            <a:r>
-              <a:rPr lang="en-US" sz="1600" dirty="0" smtClean="0">
-                <a:latin typeface="Courier" charset="0"/>
-                <a:ea typeface="Courier" charset="0"/>
-                <a:cs typeface="Courier" charset="0"/>
-              </a:rPr>
-              <a:t>"],</a:t>
+              <a:t>",</a:t>
             </a:r>
             <a:endParaRPr lang="en-US" sz="1600" dirty="0">
               <a:latin typeface="Courier" charset="0"/>
@@ -8247,12 +8307,54 @@
           </a:p>
           <a:p>
             <a:r>
+              <a:rPr lang="en-US" sz="1600" dirty="0">
+                <a:latin typeface="Courier" charset="0"/>
+                <a:ea typeface="Courier" charset="0"/>
+                <a:cs typeface="Courier" charset="0"/>
+              </a:rPr>
+              <a:t>    "</a:t>
+            </a:r>
+            <a:r>
+              <a:rPr lang="en-US" sz="1600" dirty="0" err="1">
+                <a:latin typeface="Courier" charset="0"/>
+                <a:ea typeface="Courier" charset="0"/>
+                <a:cs typeface="Courier" charset="0"/>
+              </a:rPr>
+              <a:t>rdfs:comment</a:t>
+            </a:r>
+            <a:r>
+              <a:rPr lang="en-US" sz="1600" dirty="0">
+                <a:latin typeface="Courier" charset="0"/>
+                <a:ea typeface="Courier" charset="0"/>
+                <a:cs typeface="Courier" charset="0"/>
+              </a:rPr>
+              <a:t>": "Switch </a:t>
+            </a:r>
+            <a:r>
               <a:rPr lang="en-US" sz="1600" dirty="0" smtClean="0">
                 <a:latin typeface="Courier" charset="0"/>
                 <a:ea typeface="Courier" charset="0"/>
                 <a:cs typeface="Courier" charset="0"/>
               </a:rPr>
-              <a:t>         "</a:t>
+              <a:t>Off </a:t>
+            </a:r>
+            <a:r>
+              <a:rPr lang="en-US" sz="1600" dirty="0">
+                <a:latin typeface="Courier" charset="0"/>
+                <a:ea typeface="Courier" charset="0"/>
+                <a:cs typeface="Courier" charset="0"/>
+              </a:rPr>
+              <a:t>State",</a:t>
+            </a:r>
+          </a:p>
+          <a:p>
+            <a:r>
+              <a:rPr lang="en-US" sz="1600" dirty="0">
+                <a:latin typeface="Courier" charset="0"/>
+                <a:ea typeface="Courier" charset="0"/>
+                <a:cs typeface="Courier" charset="0"/>
+              </a:rPr>
+              <a:t>    "</a:t>
             </a:r>
             <a:r>
               <a:rPr lang="en-US" sz="1600" dirty="0" err="1">
@@ -8260,7 +8362,7 @@
                 <a:ea typeface="Courier" charset="0"/>
                 <a:cs typeface="Courier" charset="0"/>
               </a:rPr>
-              <a:t>contentType</a:t>
+              <a:t>rdfs:label</a:t>
             </a:r>
             <a:r>
               <a:rPr lang="en-US" sz="1600" dirty="0">
@@ -8268,50 +8370,191 @@
                 <a:ea typeface="Courier" charset="0"/>
                 <a:cs typeface="Courier" charset="0"/>
               </a:rPr>
-              <a:t>": "application/</a:t>
+              <a:t>": </a:t>
+            </a:r>
+            <a:r>
+              <a:rPr lang="en-US" sz="1600" dirty="0" smtClean="0">
+                <a:latin typeface="Courier" charset="0"/>
+                <a:ea typeface="Courier" charset="0"/>
+                <a:cs typeface="Courier" charset="0"/>
+              </a:rPr>
+              <a:t>"</a:t>
+            </a:r>
+            <a:r>
+              <a:rPr lang="en-US" sz="1600" dirty="0" err="1" smtClean="0">
+                <a:latin typeface="Courier" charset="0"/>
+                <a:ea typeface="Courier" charset="0"/>
+                <a:cs typeface="Courier" charset="0"/>
+              </a:rPr>
+              <a:t>SwitchOffState</a:t>
+            </a:r>
+            <a:r>
+              <a:rPr lang="en-US" sz="1600" dirty="0">
+                <a:latin typeface="Courier" charset="0"/>
+                <a:ea typeface="Courier" charset="0"/>
+                <a:cs typeface="Courier" charset="0"/>
+              </a:rPr>
+              <a:t>"",</a:t>
+            </a:r>
+          </a:p>
+          <a:p>
+            <a:r>
+              <a:rPr lang="en-US" sz="1600" dirty="0">
+                <a:solidFill>
+                  <a:schemeClr val="tx1">
+                    <a:lumMod val="50000"/>
+                    <a:lumOff val="50000"/>
+                  </a:schemeClr>
+                </a:solidFill>
+                <a:latin typeface="Courier" charset="0"/>
+              </a:rPr>
+              <a:t>    "</a:t>
             </a:r>
             <a:r>
               <a:rPr lang="en-US" sz="1600" dirty="0" err="1">
-                <a:latin typeface="Courier" charset="0"/>
-                <a:ea typeface="Courier" charset="0"/>
-                <a:cs typeface="Courier" charset="0"/>
-              </a:rPr>
-              <a:t>json</a:t>
+                <a:solidFill>
+                  <a:schemeClr val="tx1">
+                    <a:lumMod val="50000"/>
+                    <a:lumOff val="50000"/>
+                  </a:schemeClr>
+                </a:solidFill>
+                <a:latin typeface="Courier" charset="0"/>
+              </a:rPr>
+              <a:t>schema:propertyType</a:t>
             </a:r>
             <a:r>
               <a:rPr lang="en-US" sz="1600" dirty="0">
-                <a:latin typeface="Courier" charset="0"/>
-                <a:ea typeface="Courier" charset="0"/>
-                <a:cs typeface="Courier" charset="0"/>
-              </a:rPr>
-              <a:t>"</a:t>
-            </a:r>
-          </a:p>
-          <a:p>
+                <a:solidFill>
+                  <a:schemeClr val="tx1">
+                    <a:lumMod val="50000"/>
+                    <a:lumOff val="50000"/>
+                  </a:schemeClr>
+                </a:solidFill>
+                <a:latin typeface="Courier" charset="0"/>
+              </a:rPr>
+              <a:t>": {"@id": "</a:t>
+            </a:r>
+            <a:r>
+              <a:rPr lang="en-US" sz="1600" dirty="0" err="1">
+                <a:solidFill>
+                  <a:schemeClr val="tx1">
+                    <a:lumMod val="50000"/>
+                    <a:lumOff val="50000"/>
+                  </a:schemeClr>
+                </a:solidFill>
+                <a:latin typeface="Courier" charset="0"/>
+              </a:rPr>
+              <a:t>schema:String</a:t>
+            </a:r>
+            <a:r>
+              <a:rPr lang="en-US" sz="1600" dirty="0">
+                <a:solidFill>
+                  <a:schemeClr val="tx1">
+                    <a:lumMod val="50000"/>
+                    <a:lumOff val="50000"/>
+                  </a:schemeClr>
+                </a:solidFill>
+                <a:latin typeface="Courier" charset="0"/>
+              </a:rPr>
+              <a:t>"}</a:t>
+            </a:r>
+            <a:endParaRPr lang="en-US" sz="1600" dirty="0">
+              <a:solidFill>
+                <a:schemeClr val="tx1">
+                  <a:lumMod val="50000"/>
+                  <a:lumOff val="50000"/>
+                </a:schemeClr>
+              </a:solidFill>
+              <a:latin typeface="Helvetica" charset="0"/>
+            </a:endParaRPr>
+          </a:p>
+          <a:p>
+            <a:r>
+              <a:rPr lang="en-US" sz="1600" dirty="0">
+                <a:solidFill>
+                  <a:schemeClr val="tx1">
+                    <a:lumMod val="50000"/>
+                    <a:lumOff val="50000"/>
+                  </a:schemeClr>
+                </a:solidFill>
+                <a:latin typeface="Courier" charset="0"/>
+              </a:rPr>
+              <a:t>    "</a:t>
+            </a:r>
+            <a:r>
+              <a:rPr lang="en-US" sz="1600" dirty="0" err="1" smtClean="0">
+                <a:solidFill>
+                  <a:schemeClr val="tx1">
+                    <a:lumMod val="50000"/>
+                    <a:lumOff val="50000"/>
+                  </a:schemeClr>
+                </a:solidFill>
+                <a:latin typeface="Courier" charset="0"/>
+              </a:rPr>
+              <a:t>schema:defaultValue</a:t>
+            </a:r>
+            <a:r>
+              <a:rPr lang="en-US" sz="1600" dirty="0">
+                <a:solidFill>
+                  <a:schemeClr val="tx1">
+                    <a:lumMod val="50000"/>
+                    <a:lumOff val="50000"/>
+                  </a:schemeClr>
+                </a:solidFill>
+                <a:latin typeface="Courier" charset="0"/>
+              </a:rPr>
+              <a:t>": {"</a:t>
+            </a:r>
+            <a:r>
+              <a:rPr lang="en-US" sz="1600" dirty="0" err="1">
+                <a:solidFill>
+                  <a:schemeClr val="tx1">
+                    <a:lumMod val="50000"/>
+                    <a:lumOff val="50000"/>
+                  </a:schemeClr>
+                </a:solidFill>
+                <a:latin typeface="Courier" charset="0"/>
+              </a:rPr>
+              <a:t>rdfs:Literal</a:t>
+            </a:r>
+            <a:r>
+              <a:rPr lang="en-US" sz="1600" dirty="0">
+                <a:solidFill>
+                  <a:schemeClr val="tx1">
+                    <a:lumMod val="50000"/>
+                    <a:lumOff val="50000"/>
+                  </a:schemeClr>
+                </a:solidFill>
+                <a:latin typeface="Courier" charset="0"/>
+              </a:rPr>
+              <a:t>": "</a:t>
+            </a:r>
             <a:r>
               <a:rPr lang="en-US" sz="1600" dirty="0" smtClean="0">
-                <a:latin typeface="Courier" charset="0"/>
-                <a:ea typeface="Courier" charset="0"/>
-                <a:cs typeface="Courier" charset="0"/>
-              </a:rPr>
-              <a:t>        }</a:t>
+                <a:solidFill>
+                  <a:schemeClr val="tx1">
+                    <a:lumMod val="50000"/>
+                    <a:lumOff val="50000"/>
+                  </a:schemeClr>
+                </a:solidFill>
+                <a:latin typeface="Courier" charset="0"/>
+              </a:rPr>
+              <a:t>off"}</a:t>
             </a:r>
             <a:endParaRPr lang="en-US" sz="1600" dirty="0">
+              <a:solidFill>
+                <a:schemeClr val="tx1">
+                  <a:lumMod val="50000"/>
+                  <a:lumOff val="50000"/>
+                </a:schemeClr>
+              </a:solidFill>
               <a:latin typeface="Courier" charset="0"/>
               <a:ea typeface="Courier" charset="0"/>
               <a:cs typeface="Courier" charset="0"/>
             </a:endParaRPr>
           </a:p>
           <a:p>
-            <a:r>
-              <a:rPr lang="en-US" sz="1600" dirty="0" smtClean="0">
-                <a:latin typeface="Courier" charset="0"/>
-                <a:ea typeface="Courier" charset="0"/>
-                <a:cs typeface="Courier" charset="0"/>
-              </a:rPr>
-              <a:t>      ]</a:t>
-            </a:r>
-            <a:endParaRPr lang="en-US" sz="1600" dirty="0">
+            <a:endParaRPr lang="en-US" sz="1600" dirty="0" smtClean="0">
               <a:latin typeface="Courier" charset="0"/>
               <a:ea typeface="Courier" charset="0"/>
               <a:cs typeface="Courier" charset="0"/>
@@ -8324,22 +8567,7 @@
                 <a:ea typeface="Courier" charset="0"/>
                 <a:cs typeface="Courier" charset="0"/>
               </a:rPr>
-              <a:t>    }</a:t>
-            </a:r>
-            <a:endParaRPr lang="en-US" sz="1600" dirty="0">
-              <a:latin typeface="Courier" charset="0"/>
-              <a:ea typeface="Courier" charset="0"/>
-              <a:cs typeface="Courier" charset="0"/>
-            </a:endParaRPr>
-          </a:p>
-          <a:p>
-            <a:r>
-              <a:rPr lang="en-US" sz="1600" dirty="0" smtClean="0">
-                <a:latin typeface="Courier" charset="0"/>
-                <a:ea typeface="Courier" charset="0"/>
-                <a:cs typeface="Courier" charset="0"/>
-              </a:rPr>
-              <a:t>  },</a:t>
+              <a:t>}</a:t>
             </a:r>
             <a:endParaRPr lang="en-US" sz="1600" dirty="0">
               <a:latin typeface="Courier" charset="0"/>
@@ -8352,7 +8580,7 @@
     </p:spTree>
     <p:extLst>
       <p:ext uri="{BB962C8B-B14F-4D97-AF65-F5344CB8AC3E}">
-        <p14:creationId xmlns:p14="http://schemas.microsoft.com/office/powerpoint/2010/main" val="1445931559"/>
+        <p14:creationId xmlns:p14="http://schemas.microsoft.com/office/powerpoint/2010/main" val="1364609200"/>
       </p:ext>
     </p:extLst>
   </p:cSld>
@@ -8381,638 +8609,7 @@
       </p:grpSpPr>
       <p:sp>
         <p:nvSpPr>
-          <p:cNvPr id="4" name="Rectangle 3"/>
-          <p:cNvSpPr/>
-          <p:nvPr/>
-        </p:nvSpPr>
-        <p:spPr>
-          <a:xfrm>
-            <a:off x="301336" y="850762"/>
-            <a:ext cx="8842664" cy="5539978"/>
-          </a:xfrm>
-          <a:prstGeom prst="rect">
-            <a:avLst/>
-          </a:prstGeom>
-        </p:spPr>
-        <p:txBody>
-          <a:bodyPr wrap="square">
-            <a:spAutoFit/>
-          </a:bodyPr>
-          <a:lstStyle/>
-          <a:p>
-            <a:r>
-              <a:rPr lang="en-US" dirty="0">
-                <a:latin typeface="Courier" charset="0"/>
-                <a:ea typeface="Courier" charset="0"/>
-                <a:cs typeface="Courier" charset="0"/>
-              </a:rPr>
-              <a:t>  </a:t>
-            </a:r>
-            <a:r>
-              <a:rPr lang="en-US" sz="1600" dirty="0">
-                <a:latin typeface="Courier" charset="0"/>
-                <a:ea typeface="Courier" charset="0"/>
-                <a:cs typeface="Courier" charset="0"/>
-              </a:rPr>
-              <a:t>"actions": {</a:t>
-            </a:r>
-          </a:p>
-          <a:p>
-            <a:r>
-              <a:rPr lang="en-US" sz="1600" dirty="0">
-                <a:latin typeface="Courier" charset="0"/>
-                <a:ea typeface="Courier" charset="0"/>
-                <a:cs typeface="Courier" charset="0"/>
-              </a:rPr>
-              <a:t>    </a:t>
-            </a:r>
-            <a:r>
-              <a:rPr lang="en-US" sz="1600" dirty="0" smtClean="0">
-                <a:latin typeface="Courier" charset="0"/>
-                <a:ea typeface="Courier" charset="0"/>
-                <a:cs typeface="Courier" charset="0"/>
-              </a:rPr>
-              <a:t>"</a:t>
-            </a:r>
-            <a:r>
-              <a:rPr lang="en-US" sz="1600" dirty="0" err="1" smtClean="0">
-                <a:latin typeface="Courier" charset="0"/>
-                <a:ea typeface="Courier" charset="0"/>
-                <a:cs typeface="Courier" charset="0"/>
-              </a:rPr>
-              <a:t>S</a:t>
-            </a:r>
-            <a:r>
-              <a:rPr lang="en-US" sz="1600" dirty="0" err="1" smtClean="0">
-                <a:latin typeface="Courier" charset="0"/>
-                <a:ea typeface="Courier" charset="0"/>
-                <a:cs typeface="Courier" charset="0"/>
-              </a:rPr>
-              <a:t>witchOnAction</a:t>
-            </a:r>
-            <a:r>
-              <a:rPr lang="en-US" sz="1600" dirty="0" smtClean="0">
-                <a:latin typeface="Courier" charset="0"/>
-                <a:ea typeface="Courier" charset="0"/>
-                <a:cs typeface="Courier" charset="0"/>
-              </a:rPr>
-              <a:t>": </a:t>
-            </a:r>
-            <a:r>
-              <a:rPr lang="en-US" sz="1600" dirty="0">
-                <a:latin typeface="Courier" charset="0"/>
-                <a:ea typeface="Courier" charset="0"/>
-                <a:cs typeface="Courier" charset="0"/>
-              </a:rPr>
-              <a:t>{</a:t>
-            </a:r>
-          </a:p>
-          <a:p>
-            <a:r>
-              <a:rPr lang="en-US" sz="1600" dirty="0">
-                <a:latin typeface="Courier" charset="0"/>
-                <a:ea typeface="Courier" charset="0"/>
-                <a:cs typeface="Courier" charset="0"/>
-              </a:rPr>
-              <a:t>      "@type": ["</a:t>
-            </a:r>
-            <a:r>
-              <a:rPr lang="en-US" sz="1600" dirty="0" err="1">
-                <a:solidFill>
-                  <a:srgbClr val="FF0000"/>
-                </a:solidFill>
-                <a:latin typeface="Courier" charset="0"/>
-                <a:ea typeface="Courier" charset="0"/>
-                <a:cs typeface="Courier" charset="0"/>
-              </a:rPr>
-              <a:t>iot:SwitchOnAction</a:t>
-            </a:r>
-            <a:r>
-              <a:rPr lang="en-US" sz="1600" dirty="0">
-                <a:latin typeface="Courier" charset="0"/>
-                <a:ea typeface="Courier" charset="0"/>
-                <a:cs typeface="Courier" charset="0"/>
-              </a:rPr>
-              <a:t>"],</a:t>
-            </a:r>
-          </a:p>
-          <a:p>
-            <a:r>
-              <a:rPr lang="en-US" sz="1600" dirty="0">
-                <a:latin typeface="Courier" charset="0"/>
-                <a:ea typeface="Courier" charset="0"/>
-                <a:cs typeface="Courier" charset="0"/>
-              </a:rPr>
-              <a:t>      "input": {},</a:t>
-            </a:r>
-          </a:p>
-          <a:p>
-            <a:r>
-              <a:rPr lang="en-US" sz="1600" dirty="0">
-                <a:latin typeface="Courier" charset="0"/>
-                <a:ea typeface="Courier" charset="0"/>
-                <a:cs typeface="Courier" charset="0"/>
-              </a:rPr>
-              <a:t>      "forms": [</a:t>
-            </a:r>
-          </a:p>
-          <a:p>
-            <a:r>
-              <a:rPr lang="en-US" sz="1600" dirty="0">
-                <a:latin typeface="Courier" charset="0"/>
-                <a:ea typeface="Courier" charset="0"/>
-                <a:cs typeface="Courier" charset="0"/>
-              </a:rPr>
-              <a:t>        {</a:t>
-            </a:r>
-          </a:p>
-          <a:p>
-            <a:r>
-              <a:rPr lang="en-US" sz="1600" dirty="0">
-                <a:latin typeface="Courier" charset="0"/>
-                <a:ea typeface="Courier" charset="0"/>
-                <a:cs typeface="Courier" charset="0"/>
-              </a:rPr>
-              <a:t>          "</a:t>
-            </a:r>
-            <a:r>
-              <a:rPr lang="en-US" sz="1600" dirty="0" err="1">
-                <a:latin typeface="Courier" charset="0"/>
-                <a:ea typeface="Courier" charset="0"/>
-                <a:cs typeface="Courier" charset="0"/>
-              </a:rPr>
-              <a:t>href</a:t>
-            </a:r>
-            <a:r>
-              <a:rPr lang="en-US" sz="1600" dirty="0">
-                <a:latin typeface="Courier" charset="0"/>
-                <a:ea typeface="Courier" charset="0"/>
-                <a:cs typeface="Courier" charset="0"/>
-              </a:rPr>
-              <a:t>": </a:t>
-            </a:r>
-            <a:r>
-              <a:rPr lang="en-US" sz="1600" dirty="0" smtClean="0">
-                <a:latin typeface="Courier" charset="0"/>
-                <a:ea typeface="Courier" charset="0"/>
-                <a:cs typeface="Courier" charset="0"/>
-              </a:rPr>
-              <a:t>"/</a:t>
-            </a:r>
-            <a:r>
-              <a:rPr lang="en-US" sz="1600" dirty="0" err="1" smtClean="0">
-                <a:latin typeface="Courier" charset="0"/>
-                <a:ea typeface="Courier" charset="0"/>
-                <a:cs typeface="Courier" charset="0"/>
-              </a:rPr>
-              <a:t>SwitchCapability</a:t>
-            </a:r>
-            <a:r>
-              <a:rPr lang="en-US" sz="1600" dirty="0" smtClean="0">
-                <a:latin typeface="Courier" charset="0"/>
-                <a:ea typeface="Courier" charset="0"/>
-                <a:cs typeface="Courier" charset="0"/>
-              </a:rPr>
-              <a:t>/actions/</a:t>
-            </a:r>
-            <a:r>
-              <a:rPr lang="en-US" sz="1600" dirty="0" err="1" smtClean="0">
-                <a:latin typeface="Courier" charset="0"/>
-                <a:ea typeface="Courier" charset="0"/>
-                <a:cs typeface="Courier" charset="0"/>
-              </a:rPr>
-              <a:t>Switch</a:t>
-            </a:r>
-            <a:r>
-              <a:rPr lang="en-US" sz="1600" dirty="0" err="1" smtClean="0">
-                <a:latin typeface="Courier" charset="0"/>
-                <a:ea typeface="Courier" charset="0"/>
-                <a:cs typeface="Courier" charset="0"/>
-              </a:rPr>
-              <a:t>O</a:t>
-            </a:r>
-            <a:r>
-              <a:rPr lang="en-US" sz="1600" dirty="0" err="1" smtClean="0">
-                <a:latin typeface="Courier" charset="0"/>
-                <a:ea typeface="Courier" charset="0"/>
-                <a:cs typeface="Courier" charset="0"/>
-              </a:rPr>
-              <a:t>nAction</a:t>
-            </a:r>
-            <a:r>
-              <a:rPr lang="en-US" sz="1600" dirty="0" smtClean="0">
-                <a:latin typeface="Courier" charset="0"/>
-                <a:ea typeface="Courier" charset="0"/>
-                <a:cs typeface="Courier" charset="0"/>
-              </a:rPr>
-              <a:t>",</a:t>
-            </a:r>
-            <a:endParaRPr lang="en-US" sz="1600" dirty="0">
-              <a:latin typeface="Courier" charset="0"/>
-              <a:ea typeface="Courier" charset="0"/>
-              <a:cs typeface="Courier" charset="0"/>
-            </a:endParaRPr>
-          </a:p>
-          <a:p>
-            <a:r>
-              <a:rPr lang="en-US" sz="1600" dirty="0">
-                <a:latin typeface="Courier" charset="0"/>
-                <a:ea typeface="Courier" charset="0"/>
-                <a:cs typeface="Courier" charset="0"/>
-              </a:rPr>
-              <a:t>          "op": ["</a:t>
-            </a:r>
-            <a:r>
-              <a:rPr lang="en-US" sz="1600" dirty="0" err="1">
-                <a:latin typeface="Courier" charset="0"/>
-                <a:ea typeface="Courier" charset="0"/>
-                <a:cs typeface="Courier" charset="0"/>
-              </a:rPr>
-              <a:t>invokeaction</a:t>
-            </a:r>
-            <a:r>
-              <a:rPr lang="en-US" sz="1600" dirty="0">
-                <a:latin typeface="Courier" charset="0"/>
-                <a:ea typeface="Courier" charset="0"/>
-                <a:cs typeface="Courier" charset="0"/>
-              </a:rPr>
-              <a:t>"],</a:t>
-            </a:r>
-          </a:p>
-          <a:p>
-            <a:r>
-              <a:rPr lang="en-US" sz="1600" dirty="0">
-                <a:latin typeface="Courier" charset="0"/>
-                <a:ea typeface="Courier" charset="0"/>
-                <a:cs typeface="Courier" charset="0"/>
-              </a:rPr>
-              <a:t>          "</a:t>
-            </a:r>
-            <a:r>
-              <a:rPr lang="en-US" sz="1600" dirty="0" err="1">
-                <a:latin typeface="Courier" charset="0"/>
-                <a:ea typeface="Courier" charset="0"/>
-                <a:cs typeface="Courier" charset="0"/>
-              </a:rPr>
-              <a:t>contentType</a:t>
-            </a:r>
-            <a:r>
-              <a:rPr lang="en-US" sz="1600" dirty="0">
-                <a:latin typeface="Courier" charset="0"/>
-                <a:ea typeface="Courier" charset="0"/>
-                <a:cs typeface="Courier" charset="0"/>
-              </a:rPr>
-              <a:t>": "application/</a:t>
-            </a:r>
-            <a:r>
-              <a:rPr lang="en-US" sz="1600" dirty="0" err="1">
-                <a:latin typeface="Courier" charset="0"/>
-                <a:ea typeface="Courier" charset="0"/>
-                <a:cs typeface="Courier" charset="0"/>
-              </a:rPr>
-              <a:t>json</a:t>
-            </a:r>
-            <a:r>
-              <a:rPr lang="en-US" sz="1600" dirty="0">
-                <a:latin typeface="Courier" charset="0"/>
-                <a:ea typeface="Courier" charset="0"/>
-                <a:cs typeface="Courier" charset="0"/>
-              </a:rPr>
-              <a:t>"</a:t>
-            </a:r>
-          </a:p>
-          <a:p>
-            <a:r>
-              <a:rPr lang="en-US" sz="1600" dirty="0">
-                <a:latin typeface="Courier" charset="0"/>
-                <a:ea typeface="Courier" charset="0"/>
-                <a:cs typeface="Courier" charset="0"/>
-              </a:rPr>
-              <a:t>        }</a:t>
-            </a:r>
-          </a:p>
-          <a:p>
-            <a:r>
-              <a:rPr lang="en-US" sz="1600" dirty="0">
-                <a:latin typeface="Courier" charset="0"/>
-                <a:ea typeface="Courier" charset="0"/>
-                <a:cs typeface="Courier" charset="0"/>
-              </a:rPr>
-              <a:t>      ]</a:t>
-            </a:r>
-          </a:p>
-          <a:p>
-            <a:r>
-              <a:rPr lang="en-US" sz="1600" dirty="0">
-                <a:latin typeface="Courier" charset="0"/>
-                <a:ea typeface="Courier" charset="0"/>
-                <a:cs typeface="Courier" charset="0"/>
-              </a:rPr>
-              <a:t>    },</a:t>
-            </a:r>
-          </a:p>
-          <a:p>
-            <a:r>
-              <a:rPr lang="en-US" sz="1600" dirty="0">
-                <a:latin typeface="Courier" charset="0"/>
-                <a:ea typeface="Courier" charset="0"/>
-                <a:cs typeface="Courier" charset="0"/>
-              </a:rPr>
-              <a:t>    </a:t>
-            </a:r>
-            <a:r>
-              <a:rPr lang="en-US" sz="1600" dirty="0" smtClean="0">
-                <a:latin typeface="Courier" charset="0"/>
-                <a:ea typeface="Courier" charset="0"/>
-                <a:cs typeface="Courier" charset="0"/>
-              </a:rPr>
-              <a:t>"</a:t>
-            </a:r>
-            <a:r>
-              <a:rPr lang="en-US" sz="1600" dirty="0" err="1" smtClean="0">
-                <a:latin typeface="Courier" charset="0"/>
-                <a:ea typeface="Courier" charset="0"/>
-                <a:cs typeface="Courier" charset="0"/>
-              </a:rPr>
-              <a:t>S</a:t>
-            </a:r>
-            <a:r>
-              <a:rPr lang="en-US" sz="1600" dirty="0" err="1" smtClean="0">
-                <a:latin typeface="Courier" charset="0"/>
-                <a:ea typeface="Courier" charset="0"/>
-                <a:cs typeface="Courier" charset="0"/>
-              </a:rPr>
-              <a:t>witchOffAction</a:t>
-            </a:r>
-            <a:r>
-              <a:rPr lang="en-US" sz="1600" dirty="0" smtClean="0">
-                <a:latin typeface="Courier" charset="0"/>
-                <a:ea typeface="Courier" charset="0"/>
-                <a:cs typeface="Courier" charset="0"/>
-              </a:rPr>
-              <a:t>": </a:t>
-            </a:r>
-            <a:r>
-              <a:rPr lang="en-US" sz="1600" dirty="0">
-                <a:latin typeface="Courier" charset="0"/>
-                <a:ea typeface="Courier" charset="0"/>
-                <a:cs typeface="Courier" charset="0"/>
-              </a:rPr>
-              <a:t>{</a:t>
-            </a:r>
-          </a:p>
-          <a:p>
-            <a:r>
-              <a:rPr lang="en-US" sz="1600" dirty="0">
-                <a:latin typeface="Courier" charset="0"/>
-                <a:ea typeface="Courier" charset="0"/>
-                <a:cs typeface="Courier" charset="0"/>
-              </a:rPr>
-              <a:t>      "@type": ["</a:t>
-            </a:r>
-            <a:r>
-              <a:rPr lang="en-US" sz="1600" dirty="0" err="1">
-                <a:solidFill>
-                  <a:srgbClr val="FF0000"/>
-                </a:solidFill>
-                <a:latin typeface="Courier" charset="0"/>
-                <a:ea typeface="Courier" charset="0"/>
-                <a:cs typeface="Courier" charset="0"/>
-              </a:rPr>
-              <a:t>iot:SwitchOffAction</a:t>
-            </a:r>
-            <a:r>
-              <a:rPr lang="en-US" sz="1600" dirty="0">
-                <a:latin typeface="Courier" charset="0"/>
-                <a:ea typeface="Courier" charset="0"/>
-                <a:cs typeface="Courier" charset="0"/>
-              </a:rPr>
-              <a:t>"],</a:t>
-            </a:r>
-          </a:p>
-          <a:p>
-            <a:r>
-              <a:rPr lang="en-US" sz="1600" dirty="0">
-                <a:latin typeface="Courier" charset="0"/>
-                <a:ea typeface="Courier" charset="0"/>
-                <a:cs typeface="Courier" charset="0"/>
-              </a:rPr>
-              <a:t>      "input": {},</a:t>
-            </a:r>
-          </a:p>
-          <a:p>
-            <a:r>
-              <a:rPr lang="en-US" sz="1600" dirty="0">
-                <a:latin typeface="Courier" charset="0"/>
-                <a:ea typeface="Courier" charset="0"/>
-                <a:cs typeface="Courier" charset="0"/>
-              </a:rPr>
-              <a:t>      "forms": [</a:t>
-            </a:r>
-          </a:p>
-          <a:p>
-            <a:r>
-              <a:rPr lang="en-US" sz="1600" dirty="0">
-                <a:latin typeface="Courier" charset="0"/>
-                <a:ea typeface="Courier" charset="0"/>
-                <a:cs typeface="Courier" charset="0"/>
-              </a:rPr>
-              <a:t>        {</a:t>
-            </a:r>
-          </a:p>
-          <a:p>
-            <a:r>
-              <a:rPr lang="en-US" sz="1600" dirty="0">
-                <a:latin typeface="Courier" charset="0"/>
-                <a:ea typeface="Courier" charset="0"/>
-                <a:cs typeface="Courier" charset="0"/>
-              </a:rPr>
-              <a:t>          "</a:t>
-            </a:r>
-            <a:r>
-              <a:rPr lang="en-US" sz="1600" dirty="0" err="1">
-                <a:latin typeface="Courier" charset="0"/>
-                <a:ea typeface="Courier" charset="0"/>
-                <a:cs typeface="Courier" charset="0"/>
-              </a:rPr>
-              <a:t>href</a:t>
-            </a:r>
-            <a:r>
-              <a:rPr lang="en-US" sz="1600" dirty="0">
-                <a:latin typeface="Courier" charset="0"/>
-                <a:ea typeface="Courier" charset="0"/>
-                <a:cs typeface="Courier" charset="0"/>
-              </a:rPr>
-              <a:t>": </a:t>
-            </a:r>
-            <a:r>
-              <a:rPr lang="en-US" sz="1600" dirty="0" smtClean="0">
-                <a:latin typeface="Courier" charset="0"/>
-                <a:ea typeface="Courier" charset="0"/>
-                <a:cs typeface="Courier" charset="0"/>
-              </a:rPr>
-              <a:t>"/</a:t>
-            </a:r>
-            <a:r>
-              <a:rPr lang="en-US" sz="1600" dirty="0" err="1" smtClean="0">
-                <a:latin typeface="Courier" charset="0"/>
-                <a:ea typeface="Courier" charset="0"/>
-                <a:cs typeface="Courier" charset="0"/>
-              </a:rPr>
-              <a:t>SwitchCapability</a:t>
-            </a:r>
-            <a:r>
-              <a:rPr lang="en-US" sz="1600" dirty="0" smtClean="0">
-                <a:latin typeface="Courier" charset="0"/>
-                <a:ea typeface="Courier" charset="0"/>
-                <a:cs typeface="Courier" charset="0"/>
-              </a:rPr>
-              <a:t>/actions/</a:t>
-            </a:r>
-            <a:r>
-              <a:rPr lang="en-US" sz="1600" dirty="0" err="1" smtClean="0">
-                <a:latin typeface="Courier" charset="0"/>
-                <a:ea typeface="Courier" charset="0"/>
-                <a:cs typeface="Courier" charset="0"/>
-              </a:rPr>
-              <a:t>Switch</a:t>
-            </a:r>
-            <a:r>
-              <a:rPr lang="en-US" sz="1600" dirty="0" err="1" smtClean="0">
-                <a:latin typeface="Courier" charset="0"/>
-                <a:ea typeface="Courier" charset="0"/>
-                <a:cs typeface="Courier" charset="0"/>
-              </a:rPr>
-              <a:t>O</a:t>
-            </a:r>
-            <a:r>
-              <a:rPr lang="en-US" sz="1600" dirty="0" err="1" smtClean="0">
-                <a:latin typeface="Courier" charset="0"/>
-                <a:ea typeface="Courier" charset="0"/>
-                <a:cs typeface="Courier" charset="0"/>
-              </a:rPr>
-              <a:t>ffAction</a:t>
-            </a:r>
-            <a:r>
-              <a:rPr lang="en-US" sz="1600" dirty="0" smtClean="0">
-                <a:latin typeface="Courier" charset="0"/>
-                <a:ea typeface="Courier" charset="0"/>
-                <a:cs typeface="Courier" charset="0"/>
-              </a:rPr>
-              <a:t>",</a:t>
-            </a:r>
-            <a:endParaRPr lang="en-US" sz="1600" dirty="0">
-              <a:latin typeface="Courier" charset="0"/>
-              <a:ea typeface="Courier" charset="0"/>
-              <a:cs typeface="Courier" charset="0"/>
-            </a:endParaRPr>
-          </a:p>
-          <a:p>
-            <a:r>
-              <a:rPr lang="en-US" sz="1600" dirty="0">
-                <a:latin typeface="Courier" charset="0"/>
-                <a:ea typeface="Courier" charset="0"/>
-                <a:cs typeface="Courier" charset="0"/>
-              </a:rPr>
-              <a:t>          "op": ["</a:t>
-            </a:r>
-            <a:r>
-              <a:rPr lang="en-US" sz="1600" dirty="0" err="1">
-                <a:latin typeface="Courier" charset="0"/>
-                <a:ea typeface="Courier" charset="0"/>
-                <a:cs typeface="Courier" charset="0"/>
-              </a:rPr>
-              <a:t>invokeaction</a:t>
-            </a:r>
-            <a:r>
-              <a:rPr lang="en-US" sz="1600" dirty="0">
-                <a:latin typeface="Courier" charset="0"/>
-                <a:ea typeface="Courier" charset="0"/>
-                <a:cs typeface="Courier" charset="0"/>
-              </a:rPr>
-              <a:t>"],</a:t>
-            </a:r>
-          </a:p>
-          <a:p>
-            <a:r>
-              <a:rPr lang="en-US" sz="1600" dirty="0">
-                <a:latin typeface="Courier" charset="0"/>
-                <a:ea typeface="Courier" charset="0"/>
-                <a:cs typeface="Courier" charset="0"/>
-              </a:rPr>
-              <a:t>          "</a:t>
-            </a:r>
-            <a:r>
-              <a:rPr lang="en-US" sz="1600" dirty="0" err="1">
-                <a:latin typeface="Courier" charset="0"/>
-                <a:ea typeface="Courier" charset="0"/>
-                <a:cs typeface="Courier" charset="0"/>
-              </a:rPr>
-              <a:t>contentType</a:t>
-            </a:r>
-            <a:r>
-              <a:rPr lang="en-US" sz="1600" dirty="0">
-                <a:latin typeface="Courier" charset="0"/>
-                <a:ea typeface="Courier" charset="0"/>
-                <a:cs typeface="Courier" charset="0"/>
-              </a:rPr>
-              <a:t>": "application/</a:t>
-            </a:r>
-            <a:r>
-              <a:rPr lang="en-US" sz="1600" dirty="0" err="1">
-                <a:latin typeface="Courier" charset="0"/>
-                <a:ea typeface="Courier" charset="0"/>
-                <a:cs typeface="Courier" charset="0"/>
-              </a:rPr>
-              <a:t>json</a:t>
-            </a:r>
-            <a:r>
-              <a:rPr lang="en-US" sz="1600" dirty="0">
-                <a:latin typeface="Courier" charset="0"/>
-                <a:ea typeface="Courier" charset="0"/>
-                <a:cs typeface="Courier" charset="0"/>
-              </a:rPr>
-              <a:t>"</a:t>
-            </a:r>
-          </a:p>
-          <a:p>
-            <a:r>
-              <a:rPr lang="en-US" sz="1600" dirty="0">
-                <a:latin typeface="Courier" charset="0"/>
-                <a:ea typeface="Courier" charset="0"/>
-                <a:cs typeface="Courier" charset="0"/>
-              </a:rPr>
-              <a:t>        }</a:t>
-            </a:r>
-          </a:p>
-          <a:p>
-            <a:r>
-              <a:rPr lang="en-US" sz="1600" dirty="0">
-                <a:latin typeface="Courier" charset="0"/>
-                <a:ea typeface="Courier" charset="0"/>
-                <a:cs typeface="Courier" charset="0"/>
-              </a:rPr>
-              <a:t>      </a:t>
-            </a:r>
-            <a:r>
-              <a:rPr lang="en-US" sz="1600" dirty="0" smtClean="0">
-                <a:latin typeface="Courier" charset="0"/>
-                <a:ea typeface="Courier" charset="0"/>
-                <a:cs typeface="Courier" charset="0"/>
-              </a:rPr>
-              <a:t>]</a:t>
-            </a:r>
-            <a:endParaRPr lang="en-US" sz="1600" dirty="0">
-              <a:latin typeface="Courier" charset="0"/>
-              <a:ea typeface="Courier" charset="0"/>
-              <a:cs typeface="Courier" charset="0"/>
-            </a:endParaRPr>
-          </a:p>
-        </p:txBody>
-      </p:sp>
-      <p:sp>
-        <p:nvSpPr>
-          <p:cNvPr id="5" name="Title 1"/>
+          <p:cNvPr id="2" name="Title 1"/>
           <p:cNvSpPr>
             <a:spLocks noGrp="1"/>
           </p:cNvSpPr>
@@ -9022,7 +8619,7 @@
         </p:nvSpPr>
         <p:spPr>
           <a:xfrm>
-            <a:off x="2925040" y="-154919"/>
+            <a:off x="589206" y="106019"/>
             <a:ext cx="7886700" cy="1325563"/>
           </a:xfrm>
         </p:spPr>
@@ -9032,32 +8629,938 @@
           <a:p>
             <a:r>
               <a:rPr lang="en-US" dirty="0" smtClean="0"/>
-              <a:t>Semantic Proxy </a:t>
-            </a:r>
-            <a:r>
-              <a:rPr lang="mr-IN" dirty="0" smtClean="0"/>
-              <a:t>–</a:t>
-            </a:r>
-            <a:r>
-              <a:rPr lang="en-US" dirty="0" smtClean="0"/>
-              <a:t> </a:t>
-            </a:r>
-            <a:r>
-              <a:rPr lang="en-US" dirty="0" err="1" smtClean="0"/>
-              <a:t>WoT</a:t>
-            </a:r>
-            <a:r>
-              <a:rPr lang="en-US" dirty="0" smtClean="0"/>
-              <a:t> TD </a:t>
+              <a:t>TD Semantic Annotation </a:t>
             </a:r>
             <a:endParaRPr lang="en-US" dirty="0"/>
           </a:p>
         </p:txBody>
       </p:sp>
+      <p:graphicFrame>
+        <p:nvGraphicFramePr>
+          <p:cNvPr id="5" name="Table 4"/>
+          <p:cNvGraphicFramePr>
+            <a:graphicFrameLocks noGrp="1"/>
+          </p:cNvGraphicFramePr>
+          <p:nvPr>
+            <p:extLst>
+              <p:ext uri="{D42A27DB-BD31-4B8C-83A1-F6EECF244321}">
+                <p14:modId xmlns:p14="http://schemas.microsoft.com/office/powerpoint/2010/main" val="909889190"/>
+              </p:ext>
+            </p:extLst>
+          </p:nvPr>
+        </p:nvGraphicFramePr>
+        <p:xfrm>
+          <a:off x="1162435" y="1324436"/>
+          <a:ext cx="6932081" cy="2238029"/>
+        </p:xfrm>
+        <a:graphic>
+          <a:graphicData uri="http://schemas.openxmlformats.org/drawingml/2006/table">
+            <a:tbl>
+              <a:tblPr firstRow="1" bandRow="1">
+                <a:tableStyleId>{5C22544A-7EE6-4342-B048-85BDC9FD1C3A}</a:tableStyleId>
+              </a:tblPr>
+              <a:tblGrid>
+                <a:gridCol w="2478913"/>
+                <a:gridCol w="4453168"/>
+              </a:tblGrid>
+              <a:tr h="370840">
+                <a:tc>
+                  <a:txBody>
+                    <a:bodyPr/>
+                    <a:lstStyle/>
+                    <a:p>
+                      <a:r>
+                        <a:rPr lang="en-US" b="0" dirty="0" err="1" smtClean="0">
+                          <a:latin typeface="+mn-lt"/>
+                        </a:rPr>
+                        <a:t>iotschema</a:t>
+                      </a:r>
+                      <a:r>
+                        <a:rPr lang="en-US" b="0" dirty="0" smtClean="0">
+                          <a:latin typeface="+mn-lt"/>
+                        </a:rPr>
+                        <a:t> Definition</a:t>
+                      </a:r>
+                      <a:endParaRPr lang="en-US" b="0" dirty="0">
+                        <a:latin typeface="+mn-lt"/>
+                      </a:endParaRPr>
+                    </a:p>
+                  </a:txBody>
+                  <a:tcPr/>
+                </a:tc>
+                <a:tc>
+                  <a:txBody>
+                    <a:bodyPr/>
+                    <a:lstStyle/>
+                    <a:p>
+                      <a:pPr marL="0" marR="0" indent="0" algn="l" defTabSz="914400" rtl="0" eaLnBrk="1" fontAlgn="auto" latinLnBrk="0" hangingPunct="1">
+                        <a:lnSpc>
+                          <a:spcPct val="100000"/>
+                        </a:lnSpc>
+                        <a:spcBef>
+                          <a:spcPts val="0"/>
+                        </a:spcBef>
+                        <a:spcAft>
+                          <a:spcPts val="0"/>
+                        </a:spcAft>
+                        <a:buClrTx/>
+                        <a:buSzTx/>
+                        <a:buFontTx/>
+                        <a:buNone/>
+                        <a:tabLst/>
+                        <a:defRPr/>
+                      </a:pPr>
+                      <a:r>
+                        <a:rPr lang="en-US" b="0" dirty="0" smtClean="0"/>
+                        <a:t>TD @type annotation</a:t>
+                      </a:r>
+                    </a:p>
+                  </a:txBody>
+                  <a:tcPr/>
+                </a:tc>
+              </a:tr>
+              <a:tr h="383829">
+                <a:tc>
+                  <a:txBody>
+                    <a:bodyPr/>
+                    <a:lstStyle/>
+                    <a:p>
+                      <a:pPr marL="0" marR="0" indent="0" algn="l" defTabSz="914400" rtl="0" eaLnBrk="1" fontAlgn="auto" latinLnBrk="0" hangingPunct="1">
+                        <a:lnSpc>
+                          <a:spcPct val="100000"/>
+                        </a:lnSpc>
+                        <a:spcBef>
+                          <a:spcPts val="0"/>
+                        </a:spcBef>
+                        <a:spcAft>
+                          <a:spcPts val="0"/>
+                        </a:spcAft>
+                        <a:buClrTx/>
+                        <a:buSzTx/>
+                        <a:buFontTx/>
+                        <a:buNone/>
+                        <a:tabLst/>
+                        <a:defRPr/>
+                      </a:pPr>
+                      <a:r>
+                        <a:rPr lang="en-US" dirty="0" smtClean="0">
+                          <a:latin typeface="+mn-lt"/>
+                        </a:rPr>
+                        <a:t>Capability</a:t>
+                      </a:r>
+                    </a:p>
+                  </a:txBody>
+                  <a:tcPr/>
+                </a:tc>
+                <a:tc>
+                  <a:txBody>
+                    <a:bodyPr/>
+                    <a:lstStyle/>
+                    <a:p>
+                      <a:pPr marL="0" marR="0" indent="0" algn="l" defTabSz="914400" rtl="0" eaLnBrk="1" fontAlgn="auto" latinLnBrk="0" hangingPunct="1">
+                        <a:lnSpc>
+                          <a:spcPct val="100000"/>
+                        </a:lnSpc>
+                        <a:spcBef>
+                          <a:spcPts val="0"/>
+                        </a:spcBef>
+                        <a:spcAft>
+                          <a:spcPts val="0"/>
+                        </a:spcAft>
+                        <a:buClrTx/>
+                        <a:buSzTx/>
+                        <a:buFontTx/>
+                        <a:buNone/>
+                        <a:tabLst/>
+                        <a:defRPr/>
+                      </a:pPr>
+                      <a:r>
+                        <a:rPr lang="en-US" dirty="0" err="1" smtClean="0">
+                          <a:latin typeface="+mn-lt"/>
+                        </a:rPr>
+                        <a:t>iot:SwitchCapability</a:t>
+                      </a:r>
+                      <a:r>
+                        <a:rPr lang="en-US" dirty="0" smtClean="0">
+                          <a:latin typeface="+mn-lt"/>
+                        </a:rPr>
+                        <a:t> </a:t>
+                      </a:r>
+                      <a:endParaRPr lang="en-US" dirty="0">
+                        <a:latin typeface="+mn-lt"/>
+                      </a:endParaRPr>
+                    </a:p>
+                  </a:txBody>
+                  <a:tcPr/>
+                </a:tc>
+              </a:tr>
+              <a:tr h="370840">
+                <a:tc>
+                  <a:txBody>
+                    <a:bodyPr/>
+                    <a:lstStyle/>
+                    <a:p>
+                      <a:pPr marL="0" marR="0" indent="0" algn="l" defTabSz="914400" rtl="0" eaLnBrk="1" fontAlgn="auto" latinLnBrk="0" hangingPunct="1">
+                        <a:lnSpc>
+                          <a:spcPct val="100000"/>
+                        </a:lnSpc>
+                        <a:spcBef>
+                          <a:spcPts val="0"/>
+                        </a:spcBef>
+                        <a:spcAft>
+                          <a:spcPts val="0"/>
+                        </a:spcAft>
+                        <a:buClrTx/>
+                        <a:buSzTx/>
+                        <a:buFontTx/>
+                        <a:buNone/>
+                        <a:tabLst/>
+                        <a:defRPr/>
+                      </a:pPr>
+                      <a:r>
+                        <a:rPr lang="en-US" dirty="0" smtClean="0">
+                          <a:latin typeface="+mn-lt"/>
+                        </a:rPr>
+                        <a:t>Property</a:t>
+                      </a:r>
+                    </a:p>
+                  </a:txBody>
+                  <a:tcPr/>
+                </a:tc>
+                <a:tc>
+                  <a:txBody>
+                    <a:bodyPr/>
+                    <a:lstStyle/>
+                    <a:p>
+                      <a:pPr marL="0" marR="0" indent="0" algn="l" defTabSz="914400" rtl="0" eaLnBrk="1" fontAlgn="auto" latinLnBrk="0" hangingPunct="1">
+                        <a:lnSpc>
+                          <a:spcPct val="100000"/>
+                        </a:lnSpc>
+                        <a:spcBef>
+                          <a:spcPts val="0"/>
+                        </a:spcBef>
+                        <a:spcAft>
+                          <a:spcPts val="0"/>
+                        </a:spcAft>
+                        <a:buClrTx/>
+                        <a:buSzTx/>
+                        <a:buFontTx/>
+                        <a:buNone/>
+                        <a:tabLst/>
+                        <a:defRPr/>
+                      </a:pPr>
+                      <a:r>
+                        <a:rPr lang="en-US" dirty="0" err="1" smtClean="0">
+                          <a:latin typeface="+mn-lt"/>
+                        </a:rPr>
+                        <a:t>iot:SwitchStateProperty</a:t>
+                      </a:r>
+                      <a:endParaRPr lang="en-US" dirty="0">
+                        <a:latin typeface="+mn-lt"/>
+                      </a:endParaRPr>
+                    </a:p>
+                  </a:txBody>
+                  <a:tcPr/>
+                </a:tc>
+              </a:tr>
+              <a:tr h="370840">
+                <a:tc>
+                  <a:txBody>
+                    <a:bodyPr/>
+                    <a:lstStyle/>
+                    <a:p>
+                      <a:pPr marL="0" marR="0" indent="0" algn="l" defTabSz="914400" rtl="0" eaLnBrk="1" fontAlgn="auto" latinLnBrk="0" hangingPunct="1">
+                        <a:lnSpc>
+                          <a:spcPct val="100000"/>
+                        </a:lnSpc>
+                        <a:spcBef>
+                          <a:spcPts val="0"/>
+                        </a:spcBef>
+                        <a:spcAft>
+                          <a:spcPts val="0"/>
+                        </a:spcAft>
+                        <a:buClrTx/>
+                        <a:buSzTx/>
+                        <a:buFontTx/>
+                        <a:buNone/>
+                        <a:tabLst/>
+                        <a:defRPr/>
+                      </a:pPr>
+                      <a:r>
+                        <a:rPr lang="en-US" dirty="0" smtClean="0">
+                          <a:latin typeface="+mn-lt"/>
+                        </a:rPr>
+                        <a:t>Data Type</a:t>
+                      </a:r>
+                    </a:p>
+                  </a:txBody>
+                  <a:tcPr/>
+                </a:tc>
+                <a:tc>
+                  <a:txBody>
+                    <a:bodyPr/>
+                    <a:lstStyle/>
+                    <a:p>
+                      <a:pPr marL="0" marR="0" indent="0" algn="l" defTabSz="914400" rtl="0" eaLnBrk="1" fontAlgn="auto" latinLnBrk="0" hangingPunct="1">
+                        <a:lnSpc>
+                          <a:spcPct val="100000"/>
+                        </a:lnSpc>
+                        <a:spcBef>
+                          <a:spcPts val="0"/>
+                        </a:spcBef>
+                        <a:spcAft>
+                          <a:spcPts val="0"/>
+                        </a:spcAft>
+                        <a:buClrTx/>
+                        <a:buSzTx/>
+                        <a:buFontTx/>
+                        <a:buNone/>
+                        <a:tabLst/>
+                        <a:defRPr/>
+                      </a:pPr>
+                      <a:r>
+                        <a:rPr lang="en-US" dirty="0" err="1" smtClean="0">
+                          <a:latin typeface="+mn-lt"/>
+                        </a:rPr>
+                        <a:t>iot:SwitchStateData</a:t>
+                      </a:r>
+                      <a:endParaRPr lang="en-US" dirty="0" smtClean="0">
+                        <a:latin typeface="+mn-lt"/>
+                      </a:endParaRPr>
+                    </a:p>
+                  </a:txBody>
+                  <a:tcPr/>
+                </a:tc>
+              </a:tr>
+              <a:tr h="370840">
+                <a:tc>
+                  <a:txBody>
+                    <a:bodyPr/>
+                    <a:lstStyle/>
+                    <a:p>
+                      <a:r>
+                        <a:rPr lang="en-US" dirty="0" smtClean="0">
+                          <a:latin typeface="+mn-lt"/>
+                        </a:rPr>
+                        <a:t>Property Value</a:t>
+                      </a:r>
+                      <a:endParaRPr lang="en-US" dirty="0">
+                        <a:latin typeface="+mn-lt"/>
+                      </a:endParaRPr>
+                    </a:p>
+                  </a:txBody>
+                  <a:tcPr/>
+                </a:tc>
+                <a:tc>
+                  <a:txBody>
+                    <a:bodyPr/>
+                    <a:lstStyle/>
+                    <a:p>
+                      <a:r>
+                        <a:rPr lang="en-US" dirty="0" err="1" smtClean="0">
+                          <a:latin typeface="+mn-lt"/>
+                        </a:rPr>
+                        <a:t>iot:SwitchOnState</a:t>
+                      </a:r>
+                      <a:r>
+                        <a:rPr lang="en-US" dirty="0" smtClean="0">
+                          <a:latin typeface="+mn-lt"/>
+                        </a:rPr>
+                        <a:t>, </a:t>
+                      </a:r>
+                      <a:r>
+                        <a:rPr lang="en-US" dirty="0" err="1" smtClean="0">
+                          <a:latin typeface="+mn-lt"/>
+                        </a:rPr>
+                        <a:t>iot:SwitchOffState</a:t>
+                      </a:r>
+                      <a:endParaRPr lang="en-US" dirty="0">
+                        <a:latin typeface="+mn-lt"/>
+                      </a:endParaRPr>
+                    </a:p>
+                  </a:txBody>
+                  <a:tcPr/>
+                </a:tc>
+              </a:tr>
+              <a:tr h="370840">
+                <a:tc>
+                  <a:txBody>
+                    <a:bodyPr/>
+                    <a:lstStyle/>
+                    <a:p>
+                      <a:r>
+                        <a:rPr lang="en-US" dirty="0" smtClean="0">
+                          <a:latin typeface="+mn-lt"/>
+                        </a:rPr>
+                        <a:t>Action</a:t>
+                      </a:r>
+                      <a:endParaRPr lang="en-US" dirty="0">
+                        <a:latin typeface="+mn-lt"/>
+                      </a:endParaRPr>
+                    </a:p>
+                  </a:txBody>
+                  <a:tcPr/>
+                </a:tc>
+                <a:tc>
+                  <a:txBody>
+                    <a:bodyPr/>
+                    <a:lstStyle/>
+                    <a:p>
+                      <a:pPr marL="0" marR="0" indent="0" algn="l" defTabSz="914400" rtl="0" eaLnBrk="1" fontAlgn="auto" latinLnBrk="0" hangingPunct="1">
+                        <a:lnSpc>
+                          <a:spcPct val="100000"/>
+                        </a:lnSpc>
+                        <a:spcBef>
+                          <a:spcPts val="0"/>
+                        </a:spcBef>
+                        <a:spcAft>
+                          <a:spcPts val="0"/>
+                        </a:spcAft>
+                        <a:buClrTx/>
+                        <a:buSzTx/>
+                        <a:buFontTx/>
+                        <a:buNone/>
+                        <a:tabLst/>
+                        <a:defRPr/>
+                      </a:pPr>
+                      <a:r>
+                        <a:rPr lang="en-US" dirty="0" err="1" smtClean="0">
+                          <a:latin typeface="+mn-lt"/>
+                        </a:rPr>
+                        <a:t>iot:SwitchOnAction</a:t>
+                      </a:r>
+                      <a:r>
+                        <a:rPr lang="en-US" dirty="0" smtClean="0">
+                          <a:latin typeface="+mn-lt"/>
+                        </a:rPr>
+                        <a:t>, </a:t>
+                      </a:r>
+                      <a:r>
+                        <a:rPr lang="en-US" dirty="0" err="1" smtClean="0">
+                          <a:latin typeface="+mn-lt"/>
+                        </a:rPr>
+                        <a:t>iot:SwitchOffAction</a:t>
+                      </a:r>
+                      <a:endParaRPr lang="en-US" dirty="0" smtClean="0">
+                        <a:latin typeface="+mn-lt"/>
+                      </a:endParaRPr>
+                    </a:p>
+                  </a:txBody>
+                  <a:tcPr/>
+                </a:tc>
+              </a:tr>
+            </a:tbl>
+          </a:graphicData>
+        </a:graphic>
+      </p:graphicFrame>
+      <p:graphicFrame>
+        <p:nvGraphicFramePr>
+          <p:cNvPr id="6" name="Table 5"/>
+          <p:cNvGraphicFramePr>
+            <a:graphicFrameLocks noGrp="1"/>
+          </p:cNvGraphicFramePr>
+          <p:nvPr>
+            <p:extLst>
+              <p:ext uri="{D42A27DB-BD31-4B8C-83A1-F6EECF244321}">
+                <p14:modId xmlns:p14="http://schemas.microsoft.com/office/powerpoint/2010/main" val="1018832099"/>
+              </p:ext>
+            </p:extLst>
+          </p:nvPr>
+        </p:nvGraphicFramePr>
+        <p:xfrm>
+          <a:off x="1162436" y="3580011"/>
+          <a:ext cx="6932081" cy="2776509"/>
+        </p:xfrm>
+        <a:graphic>
+          <a:graphicData uri="http://schemas.openxmlformats.org/drawingml/2006/table">
+            <a:tbl>
+              <a:tblPr firstRow="1" bandRow="1">
+                <a:tableStyleId>{5C22544A-7EE6-4342-B048-85BDC9FD1C3A}</a:tableStyleId>
+              </a:tblPr>
+              <a:tblGrid>
+                <a:gridCol w="2490436"/>
+                <a:gridCol w="4441645"/>
+              </a:tblGrid>
+              <a:tr h="370840">
+                <a:tc>
+                  <a:txBody>
+                    <a:bodyPr/>
+                    <a:lstStyle/>
+                    <a:p>
+                      <a:r>
+                        <a:rPr lang="en-US" b="0" dirty="0" err="1" smtClean="0">
+                          <a:latin typeface="+mn-lt"/>
+                        </a:rPr>
+                        <a:t>OneDM</a:t>
+                      </a:r>
+                      <a:r>
+                        <a:rPr lang="en-US" b="0" dirty="0" smtClean="0">
+                          <a:latin typeface="+mn-lt"/>
+                        </a:rPr>
+                        <a:t> Definition</a:t>
+                      </a:r>
+                      <a:endParaRPr lang="en-US" b="0" dirty="0">
+                        <a:latin typeface="+mn-lt"/>
+                      </a:endParaRPr>
+                    </a:p>
+                  </a:txBody>
+                  <a:tcPr/>
+                </a:tc>
+                <a:tc>
+                  <a:txBody>
+                    <a:bodyPr/>
+                    <a:lstStyle/>
+                    <a:p>
+                      <a:r>
+                        <a:rPr lang="en-US" b="0" dirty="0" smtClean="0"/>
+                        <a:t>TD @type annotation</a:t>
+                      </a:r>
+                      <a:endParaRPr lang="en-US" b="0" dirty="0"/>
+                    </a:p>
+                  </a:txBody>
+                  <a:tcPr/>
+                </a:tc>
+              </a:tr>
+              <a:tr h="383829">
+                <a:tc>
+                  <a:txBody>
+                    <a:bodyPr/>
+                    <a:lstStyle/>
+                    <a:p>
+                      <a:pPr marL="0" marR="0" indent="0" algn="l" defTabSz="914400" rtl="0" eaLnBrk="1" fontAlgn="auto" latinLnBrk="0" hangingPunct="1">
+                        <a:lnSpc>
+                          <a:spcPct val="100000"/>
+                        </a:lnSpc>
+                        <a:spcBef>
+                          <a:spcPts val="0"/>
+                        </a:spcBef>
+                        <a:spcAft>
+                          <a:spcPts val="0"/>
+                        </a:spcAft>
+                        <a:buClrTx/>
+                        <a:buSzTx/>
+                        <a:buFontTx/>
+                        <a:buNone/>
+                        <a:tabLst/>
+                        <a:defRPr/>
+                      </a:pPr>
+                      <a:r>
+                        <a:rPr lang="en-US" dirty="0" smtClean="0">
+                          <a:latin typeface="+mn-lt"/>
+                        </a:rPr>
+                        <a:t>Object</a:t>
+                      </a:r>
+                    </a:p>
+                  </a:txBody>
+                  <a:tcPr/>
+                </a:tc>
+                <a:tc>
+                  <a:txBody>
+                    <a:bodyPr/>
+                    <a:lstStyle/>
+                    <a:p>
+                      <a:pPr marL="0" marR="0" indent="0" algn="l" defTabSz="914400" rtl="0" eaLnBrk="1" fontAlgn="auto" latinLnBrk="0" hangingPunct="1">
+                        <a:lnSpc>
+                          <a:spcPct val="100000"/>
+                        </a:lnSpc>
+                        <a:spcBef>
+                          <a:spcPts val="0"/>
+                        </a:spcBef>
+                        <a:spcAft>
+                          <a:spcPts val="0"/>
+                        </a:spcAft>
+                        <a:buClrTx/>
+                        <a:buSzTx/>
+                        <a:buFontTx/>
+                        <a:buNone/>
+                        <a:tabLst/>
+                        <a:defRPr/>
+                      </a:pPr>
+                      <a:r>
+                        <a:rPr lang="en-US" dirty="0" err="1" smtClean="0">
+                          <a:latin typeface="+mn-lt"/>
+                        </a:rPr>
+                        <a:t>odm:odmObject</a:t>
+                      </a:r>
+                      <a:r>
+                        <a:rPr lang="en-US" dirty="0" smtClean="0">
+                          <a:latin typeface="+mn-lt"/>
+                        </a:rPr>
+                        <a:t>/Switch</a:t>
+                      </a:r>
+                    </a:p>
+                  </a:txBody>
+                  <a:tcPr/>
+                </a:tc>
+              </a:tr>
+              <a:tr h="370840">
+                <a:tc>
+                  <a:txBody>
+                    <a:bodyPr/>
+                    <a:lstStyle/>
+                    <a:p>
+                      <a:pPr marL="0" marR="0" indent="0" algn="l" defTabSz="914400" rtl="0" eaLnBrk="1" fontAlgn="auto" latinLnBrk="0" hangingPunct="1">
+                        <a:lnSpc>
+                          <a:spcPct val="100000"/>
+                        </a:lnSpc>
+                        <a:spcBef>
+                          <a:spcPts val="0"/>
+                        </a:spcBef>
+                        <a:spcAft>
+                          <a:spcPts val="0"/>
+                        </a:spcAft>
+                        <a:buClrTx/>
+                        <a:buSzTx/>
+                        <a:buFontTx/>
+                        <a:buNone/>
+                        <a:tabLst/>
+                        <a:defRPr/>
+                      </a:pPr>
+                      <a:r>
+                        <a:rPr lang="en-US" dirty="0" smtClean="0">
+                          <a:latin typeface="+mn-lt"/>
+                        </a:rPr>
+                        <a:t>Property</a:t>
+                      </a:r>
+                    </a:p>
+                  </a:txBody>
+                  <a:tcPr/>
+                </a:tc>
+                <a:tc>
+                  <a:txBody>
+                    <a:bodyPr/>
+                    <a:lstStyle/>
+                    <a:p>
+                      <a:pPr marL="0" marR="0" indent="0" algn="l" defTabSz="914400" rtl="0" eaLnBrk="1" fontAlgn="auto" latinLnBrk="0" hangingPunct="1">
+                        <a:lnSpc>
+                          <a:spcPct val="100000"/>
+                        </a:lnSpc>
+                        <a:spcBef>
+                          <a:spcPts val="0"/>
+                        </a:spcBef>
+                        <a:spcAft>
+                          <a:spcPts val="0"/>
+                        </a:spcAft>
+                        <a:buClrTx/>
+                        <a:buSzTx/>
+                        <a:buFontTx/>
+                        <a:buNone/>
+                        <a:tabLst/>
+                        <a:defRPr/>
+                      </a:pPr>
+                      <a:r>
+                        <a:rPr lang="en-US" dirty="0" err="1" smtClean="0">
+                          <a:latin typeface="+mn-lt"/>
+                        </a:rPr>
+                        <a:t>odm:odmObject</a:t>
+                      </a:r>
+                      <a:r>
+                        <a:rPr lang="en-US" dirty="0" smtClean="0">
+                          <a:latin typeface="+mn-lt"/>
+                        </a:rPr>
+                        <a:t>/Switch/</a:t>
+                      </a:r>
+                      <a:r>
+                        <a:rPr lang="en-US" dirty="0" err="1" smtClean="0">
+                          <a:latin typeface="+mn-lt"/>
+                        </a:rPr>
+                        <a:t>odmProperty</a:t>
+                      </a:r>
+                      <a:r>
+                        <a:rPr lang="en-US" dirty="0" smtClean="0">
+                          <a:latin typeface="+mn-lt"/>
+                        </a:rPr>
+                        <a:t>/State</a:t>
+                      </a:r>
+                    </a:p>
+                  </a:txBody>
+                  <a:tcPr/>
+                </a:tc>
+              </a:tr>
+              <a:tr h="370840">
+                <a:tc>
+                  <a:txBody>
+                    <a:bodyPr/>
+                    <a:lstStyle/>
+                    <a:p>
+                      <a:pPr marL="0" marR="0" indent="0" algn="l" defTabSz="914400" rtl="0" eaLnBrk="1" fontAlgn="auto" latinLnBrk="0" hangingPunct="1">
+                        <a:lnSpc>
+                          <a:spcPct val="100000"/>
+                        </a:lnSpc>
+                        <a:spcBef>
+                          <a:spcPts val="0"/>
+                        </a:spcBef>
+                        <a:spcAft>
+                          <a:spcPts val="0"/>
+                        </a:spcAft>
+                        <a:buClrTx/>
+                        <a:buSzTx/>
+                        <a:buFontTx/>
+                        <a:buNone/>
+                        <a:tabLst/>
+                        <a:defRPr/>
+                      </a:pPr>
+                      <a:r>
+                        <a:rPr lang="en-US" dirty="0" smtClean="0">
+                          <a:latin typeface="+mn-lt"/>
+                        </a:rPr>
+                        <a:t>Data Type</a:t>
+                      </a:r>
+                    </a:p>
+                  </a:txBody>
+                  <a:tcPr/>
+                </a:tc>
+                <a:tc>
+                  <a:txBody>
+                    <a:bodyPr/>
+                    <a:lstStyle/>
+                    <a:p>
+                      <a:r>
+                        <a:rPr lang="en-US" dirty="0" err="1" smtClean="0">
+                          <a:latin typeface="+mn-lt"/>
+                        </a:rPr>
+                        <a:t>odm:odmData</a:t>
+                      </a:r>
+                      <a:r>
+                        <a:rPr lang="en-US" dirty="0" smtClean="0">
+                          <a:latin typeface="+mn-lt"/>
+                        </a:rPr>
+                        <a:t>/</a:t>
+                      </a:r>
+                      <a:r>
+                        <a:rPr lang="en-US" dirty="0" err="1" smtClean="0">
+                          <a:latin typeface="+mn-lt"/>
+                        </a:rPr>
+                        <a:t>SwitchData</a:t>
+                      </a:r>
+                      <a:endParaRPr lang="en-US" dirty="0">
+                        <a:latin typeface="+mn-lt"/>
+                      </a:endParaRPr>
+                    </a:p>
+                  </a:txBody>
+                  <a:tcPr/>
+                </a:tc>
+              </a:tr>
+              <a:tr h="370840">
+                <a:tc>
+                  <a:txBody>
+                    <a:bodyPr/>
+                    <a:lstStyle/>
+                    <a:p>
+                      <a:r>
+                        <a:rPr lang="en-US" dirty="0" smtClean="0">
+                          <a:latin typeface="+mn-lt"/>
+                        </a:rPr>
+                        <a:t>Property Value</a:t>
+                      </a:r>
+                      <a:endParaRPr lang="en-US" dirty="0">
+                        <a:latin typeface="+mn-lt"/>
+                      </a:endParaRPr>
+                    </a:p>
+                  </a:txBody>
+                  <a:tcPr/>
+                </a:tc>
+                <a:tc>
+                  <a:txBody>
+                    <a:bodyPr/>
+                    <a:lstStyle/>
+                    <a:p>
+                      <a:pPr marL="0" marR="0" indent="0" algn="l" defTabSz="914400" rtl="0" eaLnBrk="1" fontAlgn="auto" latinLnBrk="0" hangingPunct="1">
+                        <a:lnSpc>
+                          <a:spcPct val="100000"/>
+                        </a:lnSpc>
+                        <a:spcBef>
+                          <a:spcPts val="0"/>
+                        </a:spcBef>
+                        <a:spcAft>
+                          <a:spcPts val="0"/>
+                        </a:spcAft>
+                        <a:buClrTx/>
+                        <a:buSzTx/>
+                        <a:buFontTx/>
+                        <a:buNone/>
+                        <a:tabLst/>
+                        <a:defRPr/>
+                      </a:pPr>
+                      <a:r>
+                        <a:rPr lang="en-US" dirty="0" err="1" smtClean="0">
+                          <a:latin typeface="+mn-lt"/>
+                        </a:rPr>
+                        <a:t>odm:odmData</a:t>
+                      </a:r>
+                      <a:r>
+                        <a:rPr lang="en-US" dirty="0" smtClean="0">
+                          <a:latin typeface="+mn-lt"/>
+                        </a:rPr>
+                        <a:t>/</a:t>
+                      </a:r>
+                      <a:r>
+                        <a:rPr lang="en-US" dirty="0" err="1" smtClean="0">
+                          <a:latin typeface="+mn-lt"/>
+                        </a:rPr>
+                        <a:t>SwitchData</a:t>
+                      </a:r>
+                      <a:r>
+                        <a:rPr lang="en-US" dirty="0" smtClean="0">
+                          <a:latin typeface="+mn-lt"/>
+                        </a:rPr>
+                        <a:t>/</a:t>
+                      </a:r>
+                      <a:r>
+                        <a:rPr lang="en-US" dirty="0" err="1" smtClean="0">
+                          <a:latin typeface="+mn-lt"/>
+                        </a:rPr>
+                        <a:t>enum</a:t>
+                      </a:r>
+                      <a:r>
+                        <a:rPr lang="en-US" dirty="0" smtClean="0">
+                          <a:latin typeface="+mn-lt"/>
+                        </a:rPr>
+                        <a:t>/0, </a:t>
+                      </a:r>
+                      <a:r>
+                        <a:rPr lang="en-US" dirty="0" err="1" smtClean="0">
+                          <a:latin typeface="+mn-lt"/>
+                        </a:rPr>
+                        <a:t>odm:odmData</a:t>
+                      </a:r>
+                      <a:r>
+                        <a:rPr lang="en-US" dirty="0" smtClean="0">
+                          <a:latin typeface="+mn-lt"/>
+                        </a:rPr>
+                        <a:t>/</a:t>
+                      </a:r>
+                      <a:r>
+                        <a:rPr lang="en-US" dirty="0" err="1" smtClean="0">
+                          <a:latin typeface="+mn-lt"/>
+                        </a:rPr>
+                        <a:t>SwitchData</a:t>
+                      </a:r>
+                      <a:r>
+                        <a:rPr lang="en-US" dirty="0" smtClean="0">
+                          <a:latin typeface="+mn-lt"/>
+                        </a:rPr>
+                        <a:t>/</a:t>
+                      </a:r>
+                      <a:r>
+                        <a:rPr lang="en-US" dirty="0" err="1" smtClean="0">
+                          <a:latin typeface="+mn-lt"/>
+                        </a:rPr>
+                        <a:t>enum</a:t>
+                      </a:r>
+                      <a:r>
+                        <a:rPr lang="en-US" dirty="0" smtClean="0">
+                          <a:latin typeface="+mn-lt"/>
+                        </a:rPr>
+                        <a:t>/1</a:t>
+                      </a:r>
+                    </a:p>
+                  </a:txBody>
+                  <a:tcPr/>
+                </a:tc>
+              </a:tr>
+              <a:tr h="370840">
+                <a:tc>
+                  <a:txBody>
+                    <a:bodyPr/>
+                    <a:lstStyle/>
+                    <a:p>
+                      <a:r>
+                        <a:rPr lang="en-US" dirty="0" smtClean="0">
+                          <a:latin typeface="+mn-lt"/>
+                        </a:rPr>
+                        <a:t>Action</a:t>
+                      </a:r>
+                      <a:endParaRPr lang="en-US" dirty="0">
+                        <a:latin typeface="+mn-lt"/>
+                      </a:endParaRPr>
+                    </a:p>
+                  </a:txBody>
+                  <a:tcPr/>
+                </a:tc>
+                <a:tc>
+                  <a:txBody>
+                    <a:bodyPr/>
+                    <a:lstStyle/>
+                    <a:p>
+                      <a:pPr marL="0" marR="0" indent="0" algn="l" defTabSz="914400" rtl="0" eaLnBrk="1" fontAlgn="auto" latinLnBrk="0" hangingPunct="1">
+                        <a:lnSpc>
+                          <a:spcPct val="100000"/>
+                        </a:lnSpc>
+                        <a:spcBef>
+                          <a:spcPts val="0"/>
+                        </a:spcBef>
+                        <a:spcAft>
+                          <a:spcPts val="0"/>
+                        </a:spcAft>
+                        <a:buClrTx/>
+                        <a:buSzTx/>
+                        <a:buFontTx/>
+                        <a:buNone/>
+                        <a:tabLst/>
+                        <a:defRPr/>
+                      </a:pPr>
+                      <a:r>
+                        <a:rPr lang="en-US" dirty="0" err="1" smtClean="0">
+                          <a:latin typeface="+mn-lt"/>
+                        </a:rPr>
+                        <a:t>odm:odmObject</a:t>
+                      </a:r>
+                      <a:r>
+                        <a:rPr lang="en-US" dirty="0" smtClean="0">
+                          <a:latin typeface="+mn-lt"/>
+                        </a:rPr>
+                        <a:t>/Switch/</a:t>
+                      </a:r>
+                      <a:r>
+                        <a:rPr lang="en-US" dirty="0" err="1" smtClean="0">
+                          <a:latin typeface="+mn-lt"/>
+                        </a:rPr>
+                        <a:t>odmAction</a:t>
+                      </a:r>
+                      <a:r>
+                        <a:rPr lang="en-US" dirty="0" smtClean="0">
+                          <a:latin typeface="+mn-lt"/>
+                        </a:rPr>
+                        <a:t>/On, </a:t>
+                      </a:r>
+                      <a:r>
+                        <a:rPr lang="en-US" dirty="0" err="1" smtClean="0">
+                          <a:latin typeface="+mn-lt"/>
+                        </a:rPr>
+                        <a:t>odm:odmObject</a:t>
+                      </a:r>
+                      <a:r>
+                        <a:rPr lang="en-US" dirty="0" smtClean="0">
+                          <a:latin typeface="+mn-lt"/>
+                        </a:rPr>
+                        <a:t>/Switch/</a:t>
+                      </a:r>
+                      <a:r>
+                        <a:rPr lang="en-US" dirty="0" err="1" smtClean="0">
+                          <a:latin typeface="+mn-lt"/>
+                        </a:rPr>
+                        <a:t>odmAction</a:t>
+                      </a:r>
+                      <a:r>
+                        <a:rPr lang="en-US" dirty="0" smtClean="0">
+                          <a:latin typeface="+mn-lt"/>
+                        </a:rPr>
+                        <a:t>/Off</a:t>
+                      </a:r>
+                    </a:p>
+                  </a:txBody>
+                  <a:tcPr/>
+                </a:tc>
+              </a:tr>
+            </a:tbl>
+          </a:graphicData>
+        </a:graphic>
+      </p:graphicFrame>
     </p:spTree>
     <p:extLst>
       <p:ext uri="{BB962C8B-B14F-4D97-AF65-F5344CB8AC3E}">
-        <p14:creationId xmlns:p14="http://schemas.microsoft.com/office/powerpoint/2010/main" val="1834939288"/>
+        <p14:creationId xmlns:p14="http://schemas.microsoft.com/office/powerpoint/2010/main" val="770328261"/>
       </p:ext>
     </p:extLst>
   </p:cSld>
@@ -9096,7 +9599,7 @@
         </p:nvSpPr>
         <p:spPr>
           <a:xfrm>
-            <a:off x="628650" y="178089"/>
+            <a:off x="2675659" y="-144527"/>
             <a:ext cx="7886700" cy="1325563"/>
           </a:xfrm>
         </p:spPr>
@@ -9114,7 +9617,15 @@
             </a:r>
             <a:r>
               <a:rPr lang="en-US" dirty="0" smtClean="0"/>
-              <a:t> Semantic API</a:t>
+              <a:t> </a:t>
+            </a:r>
+            <a:r>
+              <a:rPr lang="en-US" dirty="0" err="1" smtClean="0"/>
+              <a:t>WoT</a:t>
+            </a:r>
+            <a:r>
+              <a:rPr lang="en-US" dirty="0" smtClean="0"/>
+              <a:t> TD </a:t>
             </a:r>
             <a:endParaRPr lang="en-US" dirty="0"/>
           </a:p>
@@ -9122,166 +9633,711 @@
       </p:sp>
       <p:sp>
         <p:nvSpPr>
-          <p:cNvPr id="3" name="Content Placeholder 2"/>
-          <p:cNvSpPr>
-            <a:spLocks noGrp="1"/>
-          </p:cNvSpPr>
-          <p:nvPr>
-            <p:ph idx="1"/>
-          </p:nvPr>
+          <p:cNvPr id="3" name="Rectangle 2"/>
+          <p:cNvSpPr/>
+          <p:nvPr/>
         </p:nvSpPr>
         <p:spPr>
           <a:xfrm>
-            <a:off x="628650" y="1410134"/>
-            <a:ext cx="7886700" cy="4351338"/>
+            <a:off x="275360" y="809200"/>
+            <a:ext cx="9351818" cy="5755422"/>
           </a:xfrm>
+          <a:prstGeom prst="rect">
+            <a:avLst/>
+          </a:prstGeom>
         </p:spPr>
         <p:txBody>
-          <a:bodyPr/>
+          <a:bodyPr wrap="square">
+            <a:spAutoFit/>
+          </a:bodyPr>
           <a:lstStyle/>
           <a:p>
             <a:r>
-              <a:rPr lang="en-US" dirty="0"/>
-              <a:t>Names of affordances are resolved through Semantic Discovery</a:t>
-            </a:r>
-          </a:p>
-          <a:p>
-            <a:pPr lvl="1"/>
-            <a:r>
-              <a:rPr lang="en-US" dirty="0" err="1"/>
-              <a:t>PropertyName</a:t>
-            </a:r>
-            <a:r>
-              <a:rPr lang="en-US" dirty="0"/>
-              <a:t>=discover(</a:t>
-            </a:r>
-            <a:r>
-              <a:rPr lang="en-US" dirty="0" err="1"/>
-              <a:t>FilterParameters</a:t>
-            </a:r>
-            <a:r>
-              <a:rPr lang="en-US" dirty="0"/>
-              <a:t>)</a:t>
-            </a:r>
-          </a:p>
-          <a:p>
-            <a:r>
-              <a:rPr lang="en-US" dirty="0" smtClean="0"/>
-              <a:t>Applications use meta-model affordances and operations</a:t>
-            </a:r>
-          </a:p>
-          <a:p>
-            <a:pPr lvl="1"/>
-            <a:r>
-              <a:rPr lang="en-US" dirty="0" smtClean="0"/>
-              <a:t>data=</a:t>
-            </a:r>
-            <a:r>
-              <a:rPr lang="en-US" dirty="0" err="1" smtClean="0"/>
-              <a:t>readProperty</a:t>
-            </a:r>
-            <a:r>
-              <a:rPr lang="en-US" dirty="0" smtClean="0"/>
-              <a:t>(</a:t>
-            </a:r>
-            <a:r>
-              <a:rPr lang="en-US" dirty="0" err="1" smtClean="0"/>
-              <a:t>PropertyName</a:t>
-            </a:r>
-            <a:r>
-              <a:rPr lang="en-US" dirty="0" smtClean="0"/>
-              <a:t>)</a:t>
-            </a:r>
-          </a:p>
-          <a:p>
-            <a:pPr lvl="1"/>
-            <a:r>
-              <a:rPr lang="en-US" dirty="0" err="1" smtClean="0"/>
-              <a:t>writeProperty</a:t>
-            </a:r>
-            <a:r>
-              <a:rPr lang="en-US" dirty="0" smtClean="0"/>
-              <a:t>(</a:t>
-            </a:r>
-            <a:r>
-              <a:rPr lang="en-US" dirty="0" err="1" smtClean="0"/>
-              <a:t>PropertyName</a:t>
-            </a:r>
-            <a:r>
-              <a:rPr lang="en-US" dirty="0" smtClean="0"/>
-              <a:t>, data)</a:t>
-            </a:r>
-          </a:p>
-          <a:p>
-            <a:pPr lvl="1"/>
-            <a:r>
-              <a:rPr lang="en-US" dirty="0" smtClean="0"/>
-              <a:t>result=</a:t>
-            </a:r>
-            <a:r>
-              <a:rPr lang="en-US" dirty="0" err="1" smtClean="0"/>
-              <a:t>invokeAction</a:t>
-            </a:r>
-            <a:r>
-              <a:rPr lang="en-US" dirty="0" smtClean="0"/>
-              <a:t>(</a:t>
-            </a:r>
-            <a:r>
-              <a:rPr lang="en-US" dirty="0" err="1" smtClean="0"/>
-              <a:t>ActionName</a:t>
-            </a:r>
-            <a:r>
-              <a:rPr lang="en-US" dirty="0" smtClean="0"/>
-              <a:t>, parameters)</a:t>
-            </a:r>
-          </a:p>
-          <a:p>
-            <a:pPr lvl="1"/>
-            <a:r>
-              <a:rPr lang="en-US" dirty="0"/>
-              <a:t>d</a:t>
-            </a:r>
-            <a:r>
-              <a:rPr lang="en-US" dirty="0" smtClean="0"/>
-              <a:t>ata=</a:t>
-            </a:r>
-            <a:r>
-              <a:rPr lang="en-US" dirty="0" err="1" smtClean="0"/>
-              <a:t>subscribeEvent</a:t>
-            </a:r>
-            <a:r>
-              <a:rPr lang="en-US" dirty="0" smtClean="0"/>
-              <a:t>(</a:t>
-            </a:r>
-            <a:r>
-              <a:rPr lang="en-US" dirty="0" err="1" smtClean="0"/>
-              <a:t>EventName</a:t>
-            </a:r>
-            <a:r>
-              <a:rPr lang="en-US" dirty="0" smtClean="0"/>
-              <a:t>) </a:t>
-            </a:r>
-          </a:p>
-          <a:p>
-            <a:r>
-              <a:rPr lang="en-US" dirty="0" smtClean="0"/>
-              <a:t>Supports modular, declarative programming models </a:t>
-            </a:r>
-            <a:r>
-              <a:rPr lang="mr-IN" dirty="0" smtClean="0"/>
-              <a:t>–</a:t>
-            </a:r>
-            <a:r>
-              <a:rPr lang="en-US" dirty="0" smtClean="0"/>
-              <a:t> Node-RED</a:t>
-            </a:r>
+              <a:rPr lang="en-US" sz="1600" dirty="0">
+                <a:latin typeface="Courier" charset="0"/>
+                <a:ea typeface="Courier" charset="0"/>
+                <a:cs typeface="Courier" charset="0"/>
+              </a:rPr>
+              <a:t>{</a:t>
+            </a:r>
+          </a:p>
+          <a:p>
+            <a:r>
+              <a:rPr lang="en-US" sz="1600" dirty="0" smtClean="0">
+                <a:latin typeface="Courier" charset="0"/>
+                <a:ea typeface="Courier" charset="0"/>
+                <a:cs typeface="Courier" charset="0"/>
+              </a:rPr>
+              <a:t>  "@</a:t>
+            </a:r>
+            <a:r>
+              <a:rPr lang="en-US" sz="1600" dirty="0">
+                <a:latin typeface="Courier" charset="0"/>
+                <a:ea typeface="Courier" charset="0"/>
+                <a:cs typeface="Courier" charset="0"/>
+              </a:rPr>
+              <a:t>context": [</a:t>
+            </a:r>
+          </a:p>
+          <a:p>
+            <a:r>
+              <a:rPr lang="en-US" sz="1600" dirty="0" smtClean="0">
+                <a:latin typeface="Courier" charset="0"/>
+                <a:ea typeface="Courier" charset="0"/>
+                <a:cs typeface="Courier" charset="0"/>
+              </a:rPr>
+              <a:t>    "</a:t>
+            </a:r>
+            <a:r>
+              <a:rPr lang="en-US" sz="1600" dirty="0">
+                <a:latin typeface="Courier" charset="0"/>
+                <a:ea typeface="Courier" charset="0"/>
+                <a:cs typeface="Courier" charset="0"/>
+              </a:rPr>
+              <a:t>https</a:t>
+            </a:r>
+            <a:r>
+              <a:rPr lang="en-US" sz="1600" dirty="0" smtClean="0">
+                <a:latin typeface="Courier" charset="0"/>
+                <a:ea typeface="Courier" charset="0"/>
+                <a:cs typeface="Courier" charset="0"/>
+              </a:rPr>
+              <a:t>://www.w3.org/2019/wot/td/v1</a:t>
+            </a:r>
+            <a:r>
+              <a:rPr lang="en-US" sz="1600" dirty="0">
+                <a:latin typeface="Courier" charset="0"/>
+                <a:ea typeface="Courier" charset="0"/>
+                <a:cs typeface="Courier" charset="0"/>
+              </a:rPr>
+              <a:t>",</a:t>
+            </a:r>
+          </a:p>
+          <a:p>
+            <a:r>
+              <a:rPr lang="en-US" sz="1600" dirty="0" smtClean="0">
+                <a:latin typeface="Courier" charset="0"/>
+                <a:ea typeface="Courier" charset="0"/>
+                <a:cs typeface="Courier" charset="0"/>
+              </a:rPr>
+              <a:t>    {"</a:t>
+            </a:r>
+            <a:r>
+              <a:rPr lang="en-US" sz="1600" dirty="0" err="1">
+                <a:latin typeface="Courier" charset="0"/>
+                <a:ea typeface="Courier" charset="0"/>
+                <a:cs typeface="Courier" charset="0"/>
+              </a:rPr>
+              <a:t>iot</a:t>
+            </a:r>
+            <a:r>
+              <a:rPr lang="en-US" sz="1600" dirty="0">
+                <a:latin typeface="Courier" charset="0"/>
+                <a:ea typeface="Courier" charset="0"/>
+                <a:cs typeface="Courier" charset="0"/>
+              </a:rPr>
+              <a:t>": "http://</a:t>
+            </a:r>
+            <a:r>
+              <a:rPr lang="en-US" sz="1600" dirty="0" err="1">
+                <a:latin typeface="Courier" charset="0"/>
+                <a:ea typeface="Courier" charset="0"/>
+                <a:cs typeface="Courier" charset="0"/>
+              </a:rPr>
+              <a:t>iotschema.org</a:t>
+            </a:r>
+            <a:r>
+              <a:rPr lang="en-US" sz="1600" dirty="0" smtClean="0">
+                <a:latin typeface="Courier" charset="0"/>
+                <a:ea typeface="Courier" charset="0"/>
+                <a:cs typeface="Courier" charset="0"/>
+              </a:rPr>
+              <a:t>/"}</a:t>
+            </a:r>
+            <a:endParaRPr lang="en-US" sz="1600" dirty="0">
+              <a:latin typeface="Courier" charset="0"/>
+              <a:ea typeface="Courier" charset="0"/>
+              <a:cs typeface="Courier" charset="0"/>
+            </a:endParaRPr>
+          </a:p>
+          <a:p>
+            <a:r>
+              <a:rPr lang="en-US" sz="1600" dirty="0" smtClean="0">
+                <a:latin typeface="Courier" charset="0"/>
+                <a:ea typeface="Courier" charset="0"/>
+                <a:cs typeface="Courier" charset="0"/>
+              </a:rPr>
+              <a:t>  ],</a:t>
+            </a:r>
+            <a:endParaRPr lang="en-US" sz="1600" dirty="0">
+              <a:latin typeface="Courier" charset="0"/>
+              <a:ea typeface="Courier" charset="0"/>
+              <a:cs typeface="Courier" charset="0"/>
+            </a:endParaRPr>
+          </a:p>
+          <a:p>
+            <a:r>
+              <a:rPr lang="en-US" sz="1600" dirty="0" smtClean="0">
+                <a:latin typeface="Courier" charset="0"/>
+                <a:ea typeface="Courier" charset="0"/>
+                <a:cs typeface="Courier" charset="0"/>
+              </a:rPr>
+              <a:t>  "@</a:t>
+            </a:r>
+            <a:r>
+              <a:rPr lang="en-US" sz="1600" dirty="0">
+                <a:latin typeface="Courier" charset="0"/>
+                <a:ea typeface="Courier" charset="0"/>
+                <a:cs typeface="Courier" charset="0"/>
+              </a:rPr>
+              <a:t>type": [ "Thing", "</a:t>
+            </a:r>
+            <a:r>
+              <a:rPr lang="en-US" sz="1600" dirty="0" err="1">
+                <a:solidFill>
+                  <a:srgbClr val="FF0000"/>
+                </a:solidFill>
+                <a:latin typeface="Courier" charset="0"/>
+                <a:ea typeface="Courier" charset="0"/>
+                <a:cs typeface="Courier" charset="0"/>
+              </a:rPr>
+              <a:t>iot:SwitchCapability</a:t>
+            </a:r>
+            <a:r>
+              <a:rPr lang="en-US" sz="1600" dirty="0">
+                <a:latin typeface="Courier" charset="0"/>
+                <a:ea typeface="Courier" charset="0"/>
+                <a:cs typeface="Courier" charset="0"/>
+              </a:rPr>
+              <a:t>" ],</a:t>
+            </a:r>
+          </a:p>
+          <a:p>
+            <a:r>
+              <a:rPr lang="en-US" sz="1600" dirty="0" smtClean="0">
+                <a:latin typeface="Courier" charset="0"/>
+                <a:ea typeface="Courier" charset="0"/>
+                <a:cs typeface="Courier" charset="0"/>
+              </a:rPr>
+              <a:t>  "</a:t>
+            </a:r>
+            <a:r>
+              <a:rPr lang="en-US" sz="1600" dirty="0">
+                <a:latin typeface="Courier" charset="0"/>
+                <a:ea typeface="Courier" charset="0"/>
+                <a:cs typeface="Courier" charset="0"/>
+              </a:rPr>
+              <a:t>properties": {</a:t>
+            </a:r>
+          </a:p>
+          <a:p>
+            <a:r>
+              <a:rPr lang="en-US" sz="1600" dirty="0" smtClean="0">
+                <a:latin typeface="Courier" charset="0"/>
+                <a:ea typeface="Courier" charset="0"/>
+                <a:cs typeface="Courier" charset="0"/>
+              </a:rPr>
+              <a:t>    "</a:t>
+            </a:r>
+            <a:r>
+              <a:rPr lang="en-US" sz="1600" dirty="0" err="1" smtClean="0">
+                <a:latin typeface="Courier" charset="0"/>
+                <a:ea typeface="Courier" charset="0"/>
+                <a:cs typeface="Courier" charset="0"/>
+              </a:rPr>
+              <a:t>SwitchStateProperty</a:t>
+            </a:r>
+            <a:r>
+              <a:rPr lang="en-US" sz="1600" dirty="0" smtClean="0">
+                <a:latin typeface="Courier" charset="0"/>
+                <a:ea typeface="Courier" charset="0"/>
+                <a:cs typeface="Courier" charset="0"/>
+              </a:rPr>
+              <a:t>": </a:t>
+            </a:r>
+            <a:r>
+              <a:rPr lang="en-US" sz="1600" dirty="0">
+                <a:latin typeface="Courier" charset="0"/>
+                <a:ea typeface="Courier" charset="0"/>
+                <a:cs typeface="Courier" charset="0"/>
+              </a:rPr>
+              <a:t>{</a:t>
+            </a:r>
+          </a:p>
+          <a:p>
+            <a:r>
+              <a:rPr lang="en-US" sz="1600" dirty="0" smtClean="0">
+                <a:latin typeface="Courier" charset="0"/>
+                <a:ea typeface="Courier" charset="0"/>
+                <a:cs typeface="Courier" charset="0"/>
+              </a:rPr>
+              <a:t>      "@</a:t>
+            </a:r>
+            <a:r>
+              <a:rPr lang="en-US" sz="1600" dirty="0">
+                <a:latin typeface="Courier" charset="0"/>
+                <a:ea typeface="Courier" charset="0"/>
+                <a:cs typeface="Courier" charset="0"/>
+              </a:rPr>
+              <a:t>type": ["</a:t>
+            </a:r>
+            <a:r>
+              <a:rPr lang="en-US" sz="1600" dirty="0" err="1">
+                <a:solidFill>
+                  <a:srgbClr val="FF0000"/>
+                </a:solidFill>
+                <a:latin typeface="Courier" charset="0"/>
+                <a:ea typeface="Courier" charset="0"/>
+                <a:cs typeface="Courier" charset="0"/>
+              </a:rPr>
+              <a:t>iot:SwitchStateProperty</a:t>
+            </a:r>
+            <a:r>
+              <a:rPr lang="en-US" sz="1600" dirty="0">
+                <a:latin typeface="Courier" charset="0"/>
+                <a:ea typeface="Courier" charset="0"/>
+                <a:cs typeface="Courier" charset="0"/>
+              </a:rPr>
+              <a:t>", </a:t>
+            </a:r>
+            <a:r>
+              <a:rPr lang="en-US" sz="1600" dirty="0" smtClean="0">
+                <a:latin typeface="Courier" charset="0"/>
+                <a:ea typeface="Courier" charset="0"/>
+                <a:cs typeface="Courier" charset="0"/>
+              </a:rPr>
+              <a:t>"</a:t>
+            </a:r>
+            <a:r>
+              <a:rPr lang="en-US" sz="1600" dirty="0" err="1" smtClean="0">
+                <a:solidFill>
+                  <a:srgbClr val="FF0000"/>
+                </a:solidFill>
+                <a:latin typeface="Courier" charset="0"/>
+                <a:ea typeface="Courier" charset="0"/>
+                <a:cs typeface="Courier" charset="0"/>
+              </a:rPr>
+              <a:t>iot:SwitchStateData</a:t>
+            </a:r>
+            <a:r>
+              <a:rPr lang="en-US" sz="1600" dirty="0">
+                <a:latin typeface="Courier" charset="0"/>
+                <a:ea typeface="Courier" charset="0"/>
+                <a:cs typeface="Courier" charset="0"/>
+              </a:rPr>
+              <a:t>"],</a:t>
+            </a:r>
+          </a:p>
+          <a:p>
+            <a:r>
+              <a:rPr lang="en-US" sz="1600" dirty="0" smtClean="0">
+                <a:latin typeface="Courier" charset="0"/>
+                <a:ea typeface="Courier" charset="0"/>
+                <a:cs typeface="Courier" charset="0"/>
+              </a:rPr>
+              <a:t>      "</a:t>
+            </a:r>
+            <a:r>
+              <a:rPr lang="en-US" sz="1600" dirty="0">
+                <a:latin typeface="Courier" charset="0"/>
+                <a:ea typeface="Courier" charset="0"/>
+                <a:cs typeface="Courier" charset="0"/>
+              </a:rPr>
+              <a:t>type": "string",</a:t>
+            </a:r>
+          </a:p>
+          <a:p>
+            <a:r>
+              <a:rPr lang="en-US" sz="1600" dirty="0" smtClean="0">
+                <a:latin typeface="Courier" charset="0"/>
+                <a:ea typeface="Courier" charset="0"/>
+                <a:cs typeface="Courier" charset="0"/>
+              </a:rPr>
+              <a:t>      "</a:t>
+            </a:r>
+            <a:r>
+              <a:rPr lang="en-US" sz="1600" dirty="0" err="1">
+                <a:latin typeface="Courier" charset="0"/>
+                <a:ea typeface="Courier" charset="0"/>
+                <a:cs typeface="Courier" charset="0"/>
+              </a:rPr>
+              <a:t>enum</a:t>
+            </a:r>
+            <a:r>
+              <a:rPr lang="en-US" sz="1600" dirty="0">
+                <a:latin typeface="Courier" charset="0"/>
+                <a:ea typeface="Courier" charset="0"/>
+                <a:cs typeface="Courier" charset="0"/>
+              </a:rPr>
+              <a:t>": ["on", "off"],</a:t>
+            </a:r>
+          </a:p>
+          <a:p>
+            <a:r>
+              <a:rPr lang="en-US" sz="1600" dirty="0" smtClean="0">
+                <a:latin typeface="Courier" charset="0"/>
+                <a:ea typeface="Courier" charset="0"/>
+                <a:cs typeface="Courier" charset="0"/>
+              </a:rPr>
+              <a:t>      "</a:t>
+            </a:r>
+            <a:r>
+              <a:rPr lang="en-US" sz="1600" dirty="0" err="1">
+                <a:latin typeface="Courier" charset="0"/>
+                <a:ea typeface="Courier" charset="0"/>
+                <a:cs typeface="Courier" charset="0"/>
+              </a:rPr>
+              <a:t>writeOnly</a:t>
+            </a:r>
+            <a:r>
+              <a:rPr lang="en-US" sz="1600" dirty="0">
+                <a:latin typeface="Courier" charset="0"/>
+                <a:ea typeface="Courier" charset="0"/>
+                <a:cs typeface="Courier" charset="0"/>
+              </a:rPr>
+              <a:t>": false,</a:t>
+            </a:r>
+          </a:p>
+          <a:p>
+            <a:r>
+              <a:rPr lang="en-US" sz="1600" dirty="0" smtClean="0">
+                <a:latin typeface="Courier" charset="0"/>
+                <a:ea typeface="Courier" charset="0"/>
+                <a:cs typeface="Courier" charset="0"/>
+              </a:rPr>
+              <a:t>      "</a:t>
+            </a:r>
+            <a:r>
+              <a:rPr lang="en-US" sz="1600" dirty="0" err="1">
+                <a:latin typeface="Courier" charset="0"/>
+                <a:ea typeface="Courier" charset="0"/>
+                <a:cs typeface="Courier" charset="0"/>
+              </a:rPr>
+              <a:t>readOnly</a:t>
+            </a:r>
+            <a:r>
+              <a:rPr lang="en-US" sz="1600" dirty="0">
+                <a:latin typeface="Courier" charset="0"/>
+                <a:ea typeface="Courier" charset="0"/>
+                <a:cs typeface="Courier" charset="0"/>
+              </a:rPr>
+              <a:t>": false,</a:t>
+            </a:r>
+          </a:p>
+          <a:p>
+            <a:r>
+              <a:rPr lang="en-US" sz="1600" dirty="0" smtClean="0">
+                <a:latin typeface="Courier" charset="0"/>
+                <a:ea typeface="Courier" charset="0"/>
+                <a:cs typeface="Courier" charset="0"/>
+              </a:rPr>
+              <a:t>      "</a:t>
+            </a:r>
+            <a:r>
+              <a:rPr lang="en-US" sz="1600" dirty="0">
+                <a:latin typeface="Courier" charset="0"/>
+                <a:ea typeface="Courier" charset="0"/>
+                <a:cs typeface="Courier" charset="0"/>
+              </a:rPr>
+              <a:t>observable": </a:t>
+            </a:r>
+            <a:r>
+              <a:rPr lang="en-US" sz="1600" dirty="0" smtClean="0">
+                <a:latin typeface="Courier" charset="0"/>
+                <a:ea typeface="Courier" charset="0"/>
+                <a:cs typeface="Courier" charset="0"/>
+              </a:rPr>
+              <a:t>true,</a:t>
+            </a:r>
+            <a:endParaRPr lang="en-US" sz="1600" dirty="0">
+              <a:latin typeface="Courier" charset="0"/>
+              <a:ea typeface="Courier" charset="0"/>
+              <a:cs typeface="Courier" charset="0"/>
+            </a:endParaRPr>
+          </a:p>
+          <a:p>
+            <a:r>
+              <a:rPr lang="en-US" sz="1600" dirty="0" smtClean="0">
+                <a:latin typeface="Courier" charset="0"/>
+                <a:ea typeface="Courier" charset="0"/>
+                <a:cs typeface="Courier" charset="0"/>
+              </a:rPr>
+              <a:t>      "</a:t>
+            </a:r>
+            <a:r>
+              <a:rPr lang="en-US" sz="1600" dirty="0">
+                <a:latin typeface="Courier" charset="0"/>
+                <a:ea typeface="Courier" charset="0"/>
+                <a:cs typeface="Courier" charset="0"/>
+              </a:rPr>
+              <a:t>forms": [</a:t>
+            </a:r>
+          </a:p>
+          <a:p>
+            <a:r>
+              <a:rPr lang="en-US" sz="1600" dirty="0" smtClean="0">
+                <a:latin typeface="Courier" charset="0"/>
+                <a:ea typeface="Courier" charset="0"/>
+                <a:cs typeface="Courier" charset="0"/>
+              </a:rPr>
+              <a:t>        {</a:t>
+            </a:r>
+            <a:endParaRPr lang="en-US" sz="1600" dirty="0">
+              <a:latin typeface="Courier" charset="0"/>
+              <a:ea typeface="Courier" charset="0"/>
+              <a:cs typeface="Courier" charset="0"/>
+            </a:endParaRPr>
+          </a:p>
+          <a:p>
+            <a:r>
+              <a:rPr lang="en-US" sz="1600" dirty="0" smtClean="0">
+                <a:latin typeface="Courier" charset="0"/>
+                <a:ea typeface="Courier" charset="0"/>
+                <a:cs typeface="Courier" charset="0"/>
+              </a:rPr>
+              <a:t>         "</a:t>
+            </a:r>
+            <a:r>
+              <a:rPr lang="en-US" sz="1600" dirty="0" err="1">
+                <a:latin typeface="Courier" charset="0"/>
+                <a:ea typeface="Courier" charset="0"/>
+                <a:cs typeface="Courier" charset="0"/>
+              </a:rPr>
+              <a:t>href</a:t>
+            </a:r>
+            <a:r>
+              <a:rPr lang="en-US" sz="1600" dirty="0">
+                <a:latin typeface="Courier" charset="0"/>
+                <a:ea typeface="Courier" charset="0"/>
+                <a:cs typeface="Courier" charset="0"/>
+              </a:rPr>
+              <a:t>": </a:t>
+            </a:r>
+            <a:r>
+              <a:rPr lang="en-US" sz="1600" dirty="0" smtClean="0">
+                <a:latin typeface="Courier" charset="0"/>
+                <a:ea typeface="Courier" charset="0"/>
+                <a:cs typeface="Courier" charset="0"/>
+              </a:rPr>
+              <a:t>"/</a:t>
+            </a:r>
+            <a:r>
+              <a:rPr lang="en-US" sz="1600" dirty="0" err="1" smtClean="0">
+                <a:latin typeface="Courier" charset="0"/>
+                <a:ea typeface="Courier" charset="0"/>
+                <a:cs typeface="Courier" charset="0"/>
+              </a:rPr>
+              <a:t>SwitchCapability</a:t>
+            </a:r>
+            <a:r>
+              <a:rPr lang="en-US" sz="1600" dirty="0" smtClean="0">
+                <a:latin typeface="Courier" charset="0"/>
+                <a:ea typeface="Courier" charset="0"/>
+                <a:cs typeface="Courier" charset="0"/>
+              </a:rPr>
+              <a:t>/properties/</a:t>
+            </a:r>
+            <a:r>
+              <a:rPr lang="en-US" sz="1600" dirty="0" err="1" smtClean="0">
+                <a:latin typeface="Courier" charset="0"/>
+                <a:ea typeface="Courier" charset="0"/>
+                <a:cs typeface="Courier" charset="0"/>
+              </a:rPr>
+              <a:t>SwitchStateProperty</a:t>
+            </a:r>
+            <a:r>
+              <a:rPr lang="en-US" sz="1600" dirty="0" smtClean="0">
+                <a:latin typeface="Courier" charset="0"/>
+                <a:ea typeface="Courier" charset="0"/>
+                <a:cs typeface="Courier" charset="0"/>
+              </a:rPr>
+              <a:t>",</a:t>
+            </a:r>
+            <a:endParaRPr lang="en-US" sz="1600" dirty="0">
+              <a:latin typeface="Courier" charset="0"/>
+              <a:ea typeface="Courier" charset="0"/>
+              <a:cs typeface="Courier" charset="0"/>
+            </a:endParaRPr>
+          </a:p>
+          <a:p>
+            <a:r>
+              <a:rPr lang="en-US" sz="1600" dirty="0" smtClean="0">
+                <a:latin typeface="Courier" charset="0"/>
+                <a:ea typeface="Courier" charset="0"/>
+                <a:cs typeface="Courier" charset="0"/>
+              </a:rPr>
+              <a:t>         "</a:t>
+            </a:r>
+            <a:r>
+              <a:rPr lang="en-US" sz="1600" dirty="0">
+                <a:latin typeface="Courier" charset="0"/>
+                <a:ea typeface="Courier" charset="0"/>
+                <a:cs typeface="Courier" charset="0"/>
+              </a:rPr>
+              <a:t>op": ["</a:t>
+            </a:r>
+            <a:r>
+              <a:rPr lang="en-US" sz="1600" dirty="0" err="1">
+                <a:latin typeface="Courier" charset="0"/>
+                <a:ea typeface="Courier" charset="0"/>
+                <a:cs typeface="Courier" charset="0"/>
+              </a:rPr>
+              <a:t>readproperty</a:t>
+            </a:r>
+            <a:r>
+              <a:rPr lang="en-US" sz="1600" dirty="0">
+                <a:latin typeface="Courier" charset="0"/>
+                <a:ea typeface="Courier" charset="0"/>
+                <a:cs typeface="Courier" charset="0"/>
+              </a:rPr>
+              <a:t>", "</a:t>
+            </a:r>
+            <a:r>
+              <a:rPr lang="en-US" sz="1600" dirty="0" err="1">
+                <a:latin typeface="Courier" charset="0"/>
+                <a:ea typeface="Courier" charset="0"/>
+                <a:cs typeface="Courier" charset="0"/>
+              </a:rPr>
+              <a:t>writeproperty</a:t>
+            </a:r>
+            <a:r>
+              <a:rPr lang="en-US" sz="1600" dirty="0" smtClean="0">
+                <a:latin typeface="Courier" charset="0"/>
+                <a:ea typeface="Courier" charset="0"/>
+                <a:cs typeface="Courier" charset="0"/>
+              </a:rPr>
+              <a:t>", "</a:t>
+            </a:r>
+            <a:r>
+              <a:rPr lang="en-US" sz="1600" dirty="0" err="1" smtClean="0">
+                <a:latin typeface="Courier" charset="0"/>
+                <a:ea typeface="Courier" charset="0"/>
+                <a:cs typeface="Courier" charset="0"/>
+              </a:rPr>
+              <a:t>observeproperty</a:t>
+            </a:r>
+            <a:r>
+              <a:rPr lang="en-US" sz="1600" dirty="0" smtClean="0">
+                <a:latin typeface="Courier" charset="0"/>
+                <a:ea typeface="Courier" charset="0"/>
+                <a:cs typeface="Courier" charset="0"/>
+              </a:rPr>
+              <a:t>"],</a:t>
+            </a:r>
+            <a:endParaRPr lang="en-US" sz="1600" dirty="0">
+              <a:latin typeface="Courier" charset="0"/>
+              <a:ea typeface="Courier" charset="0"/>
+              <a:cs typeface="Courier" charset="0"/>
+            </a:endParaRPr>
+          </a:p>
+          <a:p>
+            <a:r>
+              <a:rPr lang="en-US" sz="1600" dirty="0" smtClean="0">
+                <a:latin typeface="Courier" charset="0"/>
+                <a:ea typeface="Courier" charset="0"/>
+                <a:cs typeface="Courier" charset="0"/>
+              </a:rPr>
+              <a:t>         "</a:t>
+            </a:r>
+            <a:r>
+              <a:rPr lang="en-US" sz="1600" dirty="0" err="1">
+                <a:latin typeface="Courier" charset="0"/>
+                <a:ea typeface="Courier" charset="0"/>
+                <a:cs typeface="Courier" charset="0"/>
+              </a:rPr>
+              <a:t>contentType</a:t>
+            </a:r>
+            <a:r>
+              <a:rPr lang="en-US" sz="1600" dirty="0">
+                <a:latin typeface="Courier" charset="0"/>
+                <a:ea typeface="Courier" charset="0"/>
+                <a:cs typeface="Courier" charset="0"/>
+              </a:rPr>
+              <a:t>": "application/</a:t>
+            </a:r>
+            <a:r>
+              <a:rPr lang="en-US" sz="1600" dirty="0" err="1">
+                <a:latin typeface="Courier" charset="0"/>
+                <a:ea typeface="Courier" charset="0"/>
+                <a:cs typeface="Courier" charset="0"/>
+              </a:rPr>
+              <a:t>json</a:t>
+            </a:r>
+            <a:r>
+              <a:rPr lang="en-US" sz="1600" dirty="0">
+                <a:latin typeface="Courier" charset="0"/>
+                <a:ea typeface="Courier" charset="0"/>
+                <a:cs typeface="Courier" charset="0"/>
+              </a:rPr>
+              <a:t>"</a:t>
+            </a:r>
+          </a:p>
+          <a:p>
+            <a:r>
+              <a:rPr lang="en-US" sz="1600" dirty="0" smtClean="0">
+                <a:latin typeface="Courier" charset="0"/>
+                <a:ea typeface="Courier" charset="0"/>
+                <a:cs typeface="Courier" charset="0"/>
+              </a:rPr>
+              <a:t>        }</a:t>
+            </a:r>
+            <a:endParaRPr lang="en-US" sz="1600" dirty="0">
+              <a:latin typeface="Courier" charset="0"/>
+              <a:ea typeface="Courier" charset="0"/>
+              <a:cs typeface="Courier" charset="0"/>
+            </a:endParaRPr>
+          </a:p>
+          <a:p>
+            <a:r>
+              <a:rPr lang="en-US" sz="1600" dirty="0" smtClean="0">
+                <a:latin typeface="Courier" charset="0"/>
+                <a:ea typeface="Courier" charset="0"/>
+                <a:cs typeface="Courier" charset="0"/>
+              </a:rPr>
+              <a:t>      ]</a:t>
+            </a:r>
+            <a:endParaRPr lang="en-US" sz="1600" dirty="0">
+              <a:latin typeface="Courier" charset="0"/>
+              <a:ea typeface="Courier" charset="0"/>
+              <a:cs typeface="Courier" charset="0"/>
+            </a:endParaRPr>
+          </a:p>
+          <a:p>
+            <a:r>
+              <a:rPr lang="en-US" sz="1600" dirty="0" smtClean="0">
+                <a:latin typeface="Courier" charset="0"/>
+                <a:ea typeface="Courier" charset="0"/>
+                <a:cs typeface="Courier" charset="0"/>
+              </a:rPr>
+              <a:t>    }</a:t>
+            </a:r>
+            <a:endParaRPr lang="en-US" sz="1600" dirty="0">
+              <a:latin typeface="Courier" charset="0"/>
+              <a:ea typeface="Courier" charset="0"/>
+              <a:cs typeface="Courier" charset="0"/>
+            </a:endParaRPr>
+          </a:p>
+          <a:p>
+            <a:r>
+              <a:rPr lang="en-US" sz="1600" dirty="0" smtClean="0">
+                <a:latin typeface="Courier" charset="0"/>
+                <a:ea typeface="Courier" charset="0"/>
+                <a:cs typeface="Courier" charset="0"/>
+              </a:rPr>
+              <a:t>  },</a:t>
+            </a:r>
+            <a:endParaRPr lang="en-US" sz="1600" dirty="0">
+              <a:latin typeface="Courier" charset="0"/>
+              <a:ea typeface="Courier" charset="0"/>
+              <a:cs typeface="Courier" charset="0"/>
+            </a:endParaRPr>
           </a:p>
         </p:txBody>
       </p:sp>
     </p:spTree>
     <p:extLst>
       <p:ext uri="{BB962C8B-B14F-4D97-AF65-F5344CB8AC3E}">
-        <p14:creationId xmlns:p14="http://schemas.microsoft.com/office/powerpoint/2010/main" val="71748157"/>
+        <p14:creationId xmlns:p14="http://schemas.microsoft.com/office/powerpoint/2010/main" val="1445931559"/>
       </p:ext>
     </p:extLst>
   </p:cSld>
@@ -9432,6 +10488,887 @@
       </p:grpSpPr>
       <p:sp>
         <p:nvSpPr>
+          <p:cNvPr id="4" name="Rectangle 3"/>
+          <p:cNvSpPr/>
+          <p:nvPr/>
+        </p:nvSpPr>
+        <p:spPr>
+          <a:xfrm>
+            <a:off x="301336" y="850762"/>
+            <a:ext cx="8842664" cy="5539978"/>
+          </a:xfrm>
+          <a:prstGeom prst="rect">
+            <a:avLst/>
+          </a:prstGeom>
+        </p:spPr>
+        <p:txBody>
+          <a:bodyPr wrap="square">
+            <a:spAutoFit/>
+          </a:bodyPr>
+          <a:lstStyle/>
+          <a:p>
+            <a:r>
+              <a:rPr lang="en-US" dirty="0">
+                <a:latin typeface="Courier" charset="0"/>
+                <a:ea typeface="Courier" charset="0"/>
+                <a:cs typeface="Courier" charset="0"/>
+              </a:rPr>
+              <a:t>  </a:t>
+            </a:r>
+            <a:r>
+              <a:rPr lang="en-US" sz="1600" dirty="0">
+                <a:latin typeface="Courier" charset="0"/>
+                <a:ea typeface="Courier" charset="0"/>
+                <a:cs typeface="Courier" charset="0"/>
+              </a:rPr>
+              <a:t>"actions": {</a:t>
+            </a:r>
+          </a:p>
+          <a:p>
+            <a:r>
+              <a:rPr lang="en-US" sz="1600" dirty="0">
+                <a:latin typeface="Courier" charset="0"/>
+                <a:ea typeface="Courier" charset="0"/>
+                <a:cs typeface="Courier" charset="0"/>
+              </a:rPr>
+              <a:t>    </a:t>
+            </a:r>
+            <a:r>
+              <a:rPr lang="en-US" sz="1600" dirty="0" smtClean="0">
+                <a:latin typeface="Courier" charset="0"/>
+                <a:ea typeface="Courier" charset="0"/>
+                <a:cs typeface="Courier" charset="0"/>
+              </a:rPr>
+              <a:t>"</a:t>
+            </a:r>
+            <a:r>
+              <a:rPr lang="en-US" sz="1600" dirty="0" err="1" smtClean="0">
+                <a:latin typeface="Courier" charset="0"/>
+                <a:ea typeface="Courier" charset="0"/>
+                <a:cs typeface="Courier" charset="0"/>
+              </a:rPr>
+              <a:t>SwitchOnAction</a:t>
+            </a:r>
+            <a:r>
+              <a:rPr lang="en-US" sz="1600" dirty="0" smtClean="0">
+                <a:latin typeface="Courier" charset="0"/>
+                <a:ea typeface="Courier" charset="0"/>
+                <a:cs typeface="Courier" charset="0"/>
+              </a:rPr>
+              <a:t>": </a:t>
+            </a:r>
+            <a:r>
+              <a:rPr lang="en-US" sz="1600" dirty="0">
+                <a:latin typeface="Courier" charset="0"/>
+                <a:ea typeface="Courier" charset="0"/>
+                <a:cs typeface="Courier" charset="0"/>
+              </a:rPr>
+              <a:t>{</a:t>
+            </a:r>
+          </a:p>
+          <a:p>
+            <a:r>
+              <a:rPr lang="en-US" sz="1600" dirty="0">
+                <a:latin typeface="Courier" charset="0"/>
+                <a:ea typeface="Courier" charset="0"/>
+                <a:cs typeface="Courier" charset="0"/>
+              </a:rPr>
+              <a:t>      "@type": ["</a:t>
+            </a:r>
+            <a:r>
+              <a:rPr lang="en-US" sz="1600" dirty="0" err="1">
+                <a:solidFill>
+                  <a:srgbClr val="FF0000"/>
+                </a:solidFill>
+                <a:latin typeface="Courier" charset="0"/>
+                <a:ea typeface="Courier" charset="0"/>
+                <a:cs typeface="Courier" charset="0"/>
+              </a:rPr>
+              <a:t>iot:SwitchOnAction</a:t>
+            </a:r>
+            <a:r>
+              <a:rPr lang="en-US" sz="1600" dirty="0">
+                <a:latin typeface="Courier" charset="0"/>
+                <a:ea typeface="Courier" charset="0"/>
+                <a:cs typeface="Courier" charset="0"/>
+              </a:rPr>
+              <a:t>"],</a:t>
+            </a:r>
+          </a:p>
+          <a:p>
+            <a:r>
+              <a:rPr lang="en-US" sz="1600" dirty="0">
+                <a:latin typeface="Courier" charset="0"/>
+                <a:ea typeface="Courier" charset="0"/>
+                <a:cs typeface="Courier" charset="0"/>
+              </a:rPr>
+              <a:t>      "input": {},</a:t>
+            </a:r>
+          </a:p>
+          <a:p>
+            <a:r>
+              <a:rPr lang="en-US" sz="1600" dirty="0">
+                <a:latin typeface="Courier" charset="0"/>
+                <a:ea typeface="Courier" charset="0"/>
+                <a:cs typeface="Courier" charset="0"/>
+              </a:rPr>
+              <a:t>      "forms": [</a:t>
+            </a:r>
+          </a:p>
+          <a:p>
+            <a:r>
+              <a:rPr lang="en-US" sz="1600" dirty="0">
+                <a:latin typeface="Courier" charset="0"/>
+                <a:ea typeface="Courier" charset="0"/>
+                <a:cs typeface="Courier" charset="0"/>
+              </a:rPr>
+              <a:t>        {</a:t>
+            </a:r>
+          </a:p>
+          <a:p>
+            <a:r>
+              <a:rPr lang="en-US" sz="1600" dirty="0">
+                <a:latin typeface="Courier" charset="0"/>
+                <a:ea typeface="Courier" charset="0"/>
+                <a:cs typeface="Courier" charset="0"/>
+              </a:rPr>
+              <a:t>          "</a:t>
+            </a:r>
+            <a:r>
+              <a:rPr lang="en-US" sz="1600" dirty="0" err="1">
+                <a:latin typeface="Courier" charset="0"/>
+                <a:ea typeface="Courier" charset="0"/>
+                <a:cs typeface="Courier" charset="0"/>
+              </a:rPr>
+              <a:t>href</a:t>
+            </a:r>
+            <a:r>
+              <a:rPr lang="en-US" sz="1600" dirty="0">
+                <a:latin typeface="Courier" charset="0"/>
+                <a:ea typeface="Courier" charset="0"/>
+                <a:cs typeface="Courier" charset="0"/>
+              </a:rPr>
+              <a:t>": </a:t>
+            </a:r>
+            <a:r>
+              <a:rPr lang="en-US" sz="1600" dirty="0" smtClean="0">
+                <a:latin typeface="Courier" charset="0"/>
+                <a:ea typeface="Courier" charset="0"/>
+                <a:cs typeface="Courier" charset="0"/>
+              </a:rPr>
+              <a:t>"/</a:t>
+            </a:r>
+            <a:r>
+              <a:rPr lang="en-US" sz="1600" dirty="0" err="1" smtClean="0">
+                <a:latin typeface="Courier" charset="0"/>
+                <a:ea typeface="Courier" charset="0"/>
+                <a:cs typeface="Courier" charset="0"/>
+              </a:rPr>
+              <a:t>SwitchCapability</a:t>
+            </a:r>
+            <a:r>
+              <a:rPr lang="en-US" sz="1600" dirty="0" smtClean="0">
+                <a:latin typeface="Courier" charset="0"/>
+                <a:ea typeface="Courier" charset="0"/>
+                <a:cs typeface="Courier" charset="0"/>
+              </a:rPr>
+              <a:t>/actions/</a:t>
+            </a:r>
+            <a:r>
+              <a:rPr lang="en-US" sz="1600" dirty="0" err="1" smtClean="0">
+                <a:latin typeface="Courier" charset="0"/>
+                <a:ea typeface="Courier" charset="0"/>
+                <a:cs typeface="Courier" charset="0"/>
+              </a:rPr>
+              <a:t>SwitchOnAction</a:t>
+            </a:r>
+            <a:r>
+              <a:rPr lang="en-US" sz="1600" dirty="0" smtClean="0">
+                <a:latin typeface="Courier" charset="0"/>
+                <a:ea typeface="Courier" charset="0"/>
+                <a:cs typeface="Courier" charset="0"/>
+              </a:rPr>
+              <a:t>",</a:t>
+            </a:r>
+            <a:endParaRPr lang="en-US" sz="1600" dirty="0">
+              <a:latin typeface="Courier" charset="0"/>
+              <a:ea typeface="Courier" charset="0"/>
+              <a:cs typeface="Courier" charset="0"/>
+            </a:endParaRPr>
+          </a:p>
+          <a:p>
+            <a:r>
+              <a:rPr lang="en-US" sz="1600" dirty="0">
+                <a:latin typeface="Courier" charset="0"/>
+                <a:ea typeface="Courier" charset="0"/>
+                <a:cs typeface="Courier" charset="0"/>
+              </a:rPr>
+              <a:t>          "op": ["</a:t>
+            </a:r>
+            <a:r>
+              <a:rPr lang="en-US" sz="1600" dirty="0" err="1">
+                <a:latin typeface="Courier" charset="0"/>
+                <a:ea typeface="Courier" charset="0"/>
+                <a:cs typeface="Courier" charset="0"/>
+              </a:rPr>
+              <a:t>invokeaction</a:t>
+            </a:r>
+            <a:r>
+              <a:rPr lang="en-US" sz="1600" dirty="0">
+                <a:latin typeface="Courier" charset="0"/>
+                <a:ea typeface="Courier" charset="0"/>
+                <a:cs typeface="Courier" charset="0"/>
+              </a:rPr>
+              <a:t>"],</a:t>
+            </a:r>
+          </a:p>
+          <a:p>
+            <a:r>
+              <a:rPr lang="en-US" sz="1600" dirty="0">
+                <a:latin typeface="Courier" charset="0"/>
+                <a:ea typeface="Courier" charset="0"/>
+                <a:cs typeface="Courier" charset="0"/>
+              </a:rPr>
+              <a:t>          "</a:t>
+            </a:r>
+            <a:r>
+              <a:rPr lang="en-US" sz="1600" dirty="0" err="1">
+                <a:latin typeface="Courier" charset="0"/>
+                <a:ea typeface="Courier" charset="0"/>
+                <a:cs typeface="Courier" charset="0"/>
+              </a:rPr>
+              <a:t>contentType</a:t>
+            </a:r>
+            <a:r>
+              <a:rPr lang="en-US" sz="1600" dirty="0">
+                <a:latin typeface="Courier" charset="0"/>
+                <a:ea typeface="Courier" charset="0"/>
+                <a:cs typeface="Courier" charset="0"/>
+              </a:rPr>
+              <a:t>": "application/</a:t>
+            </a:r>
+            <a:r>
+              <a:rPr lang="en-US" sz="1600" dirty="0" err="1">
+                <a:latin typeface="Courier" charset="0"/>
+                <a:ea typeface="Courier" charset="0"/>
+                <a:cs typeface="Courier" charset="0"/>
+              </a:rPr>
+              <a:t>json</a:t>
+            </a:r>
+            <a:r>
+              <a:rPr lang="en-US" sz="1600" dirty="0">
+                <a:latin typeface="Courier" charset="0"/>
+                <a:ea typeface="Courier" charset="0"/>
+                <a:cs typeface="Courier" charset="0"/>
+              </a:rPr>
+              <a:t>"</a:t>
+            </a:r>
+          </a:p>
+          <a:p>
+            <a:r>
+              <a:rPr lang="en-US" sz="1600" dirty="0">
+                <a:latin typeface="Courier" charset="0"/>
+                <a:ea typeface="Courier" charset="0"/>
+                <a:cs typeface="Courier" charset="0"/>
+              </a:rPr>
+              <a:t>        }</a:t>
+            </a:r>
+          </a:p>
+          <a:p>
+            <a:r>
+              <a:rPr lang="en-US" sz="1600" dirty="0">
+                <a:latin typeface="Courier" charset="0"/>
+                <a:ea typeface="Courier" charset="0"/>
+                <a:cs typeface="Courier" charset="0"/>
+              </a:rPr>
+              <a:t>      ]</a:t>
+            </a:r>
+          </a:p>
+          <a:p>
+            <a:r>
+              <a:rPr lang="en-US" sz="1600" dirty="0">
+                <a:latin typeface="Courier" charset="0"/>
+                <a:ea typeface="Courier" charset="0"/>
+                <a:cs typeface="Courier" charset="0"/>
+              </a:rPr>
+              <a:t>    },</a:t>
+            </a:r>
+          </a:p>
+          <a:p>
+            <a:r>
+              <a:rPr lang="en-US" sz="1600" dirty="0">
+                <a:latin typeface="Courier" charset="0"/>
+                <a:ea typeface="Courier" charset="0"/>
+                <a:cs typeface="Courier" charset="0"/>
+              </a:rPr>
+              <a:t>    </a:t>
+            </a:r>
+            <a:r>
+              <a:rPr lang="en-US" sz="1600" dirty="0" smtClean="0">
+                <a:latin typeface="Courier" charset="0"/>
+                <a:ea typeface="Courier" charset="0"/>
+                <a:cs typeface="Courier" charset="0"/>
+              </a:rPr>
+              <a:t>"</a:t>
+            </a:r>
+            <a:r>
+              <a:rPr lang="en-US" sz="1600" dirty="0" err="1" smtClean="0">
+                <a:latin typeface="Courier" charset="0"/>
+                <a:ea typeface="Courier" charset="0"/>
+                <a:cs typeface="Courier" charset="0"/>
+              </a:rPr>
+              <a:t>SwitchOffAction</a:t>
+            </a:r>
+            <a:r>
+              <a:rPr lang="en-US" sz="1600" dirty="0" smtClean="0">
+                <a:latin typeface="Courier" charset="0"/>
+                <a:ea typeface="Courier" charset="0"/>
+                <a:cs typeface="Courier" charset="0"/>
+              </a:rPr>
+              <a:t>": </a:t>
+            </a:r>
+            <a:r>
+              <a:rPr lang="en-US" sz="1600" dirty="0">
+                <a:latin typeface="Courier" charset="0"/>
+                <a:ea typeface="Courier" charset="0"/>
+                <a:cs typeface="Courier" charset="0"/>
+              </a:rPr>
+              <a:t>{</a:t>
+            </a:r>
+          </a:p>
+          <a:p>
+            <a:r>
+              <a:rPr lang="en-US" sz="1600" dirty="0">
+                <a:latin typeface="Courier" charset="0"/>
+                <a:ea typeface="Courier" charset="0"/>
+                <a:cs typeface="Courier" charset="0"/>
+              </a:rPr>
+              <a:t>      "@type": ["</a:t>
+            </a:r>
+            <a:r>
+              <a:rPr lang="en-US" sz="1600" dirty="0" err="1">
+                <a:solidFill>
+                  <a:srgbClr val="FF0000"/>
+                </a:solidFill>
+                <a:latin typeface="Courier" charset="0"/>
+                <a:ea typeface="Courier" charset="0"/>
+                <a:cs typeface="Courier" charset="0"/>
+              </a:rPr>
+              <a:t>iot:SwitchOffAction</a:t>
+            </a:r>
+            <a:r>
+              <a:rPr lang="en-US" sz="1600" dirty="0">
+                <a:latin typeface="Courier" charset="0"/>
+                <a:ea typeface="Courier" charset="0"/>
+                <a:cs typeface="Courier" charset="0"/>
+              </a:rPr>
+              <a:t>"],</a:t>
+            </a:r>
+          </a:p>
+          <a:p>
+            <a:r>
+              <a:rPr lang="en-US" sz="1600" dirty="0">
+                <a:latin typeface="Courier" charset="0"/>
+                <a:ea typeface="Courier" charset="0"/>
+                <a:cs typeface="Courier" charset="0"/>
+              </a:rPr>
+              <a:t>      "input": {},</a:t>
+            </a:r>
+          </a:p>
+          <a:p>
+            <a:r>
+              <a:rPr lang="en-US" sz="1600" dirty="0">
+                <a:latin typeface="Courier" charset="0"/>
+                <a:ea typeface="Courier" charset="0"/>
+                <a:cs typeface="Courier" charset="0"/>
+              </a:rPr>
+              <a:t>      "forms": [</a:t>
+            </a:r>
+          </a:p>
+          <a:p>
+            <a:r>
+              <a:rPr lang="en-US" sz="1600" dirty="0">
+                <a:latin typeface="Courier" charset="0"/>
+                <a:ea typeface="Courier" charset="0"/>
+                <a:cs typeface="Courier" charset="0"/>
+              </a:rPr>
+              <a:t>        {</a:t>
+            </a:r>
+          </a:p>
+          <a:p>
+            <a:r>
+              <a:rPr lang="en-US" sz="1600" dirty="0">
+                <a:latin typeface="Courier" charset="0"/>
+                <a:ea typeface="Courier" charset="0"/>
+                <a:cs typeface="Courier" charset="0"/>
+              </a:rPr>
+              <a:t>          "</a:t>
+            </a:r>
+            <a:r>
+              <a:rPr lang="en-US" sz="1600" dirty="0" err="1">
+                <a:latin typeface="Courier" charset="0"/>
+                <a:ea typeface="Courier" charset="0"/>
+                <a:cs typeface="Courier" charset="0"/>
+              </a:rPr>
+              <a:t>href</a:t>
+            </a:r>
+            <a:r>
+              <a:rPr lang="en-US" sz="1600" dirty="0">
+                <a:latin typeface="Courier" charset="0"/>
+                <a:ea typeface="Courier" charset="0"/>
+                <a:cs typeface="Courier" charset="0"/>
+              </a:rPr>
+              <a:t>": </a:t>
+            </a:r>
+            <a:r>
+              <a:rPr lang="en-US" sz="1600" dirty="0" smtClean="0">
+                <a:latin typeface="Courier" charset="0"/>
+                <a:ea typeface="Courier" charset="0"/>
+                <a:cs typeface="Courier" charset="0"/>
+              </a:rPr>
+              <a:t>"/</a:t>
+            </a:r>
+            <a:r>
+              <a:rPr lang="en-US" sz="1600" dirty="0" err="1" smtClean="0">
+                <a:latin typeface="Courier" charset="0"/>
+                <a:ea typeface="Courier" charset="0"/>
+                <a:cs typeface="Courier" charset="0"/>
+              </a:rPr>
+              <a:t>SwitchCapability</a:t>
+            </a:r>
+            <a:r>
+              <a:rPr lang="en-US" sz="1600" dirty="0" smtClean="0">
+                <a:latin typeface="Courier" charset="0"/>
+                <a:ea typeface="Courier" charset="0"/>
+                <a:cs typeface="Courier" charset="0"/>
+              </a:rPr>
+              <a:t>/actions/</a:t>
+            </a:r>
+            <a:r>
+              <a:rPr lang="en-US" sz="1600" dirty="0" err="1" smtClean="0">
+                <a:latin typeface="Courier" charset="0"/>
+                <a:ea typeface="Courier" charset="0"/>
+                <a:cs typeface="Courier" charset="0"/>
+              </a:rPr>
+              <a:t>SwitchOffAction</a:t>
+            </a:r>
+            <a:r>
+              <a:rPr lang="en-US" sz="1600" dirty="0" smtClean="0">
+                <a:latin typeface="Courier" charset="0"/>
+                <a:ea typeface="Courier" charset="0"/>
+                <a:cs typeface="Courier" charset="0"/>
+              </a:rPr>
+              <a:t>",</a:t>
+            </a:r>
+            <a:endParaRPr lang="en-US" sz="1600" dirty="0">
+              <a:latin typeface="Courier" charset="0"/>
+              <a:ea typeface="Courier" charset="0"/>
+              <a:cs typeface="Courier" charset="0"/>
+            </a:endParaRPr>
+          </a:p>
+          <a:p>
+            <a:r>
+              <a:rPr lang="en-US" sz="1600" dirty="0">
+                <a:latin typeface="Courier" charset="0"/>
+                <a:ea typeface="Courier" charset="0"/>
+                <a:cs typeface="Courier" charset="0"/>
+              </a:rPr>
+              <a:t>          "op": ["</a:t>
+            </a:r>
+            <a:r>
+              <a:rPr lang="en-US" sz="1600" dirty="0" err="1">
+                <a:latin typeface="Courier" charset="0"/>
+                <a:ea typeface="Courier" charset="0"/>
+                <a:cs typeface="Courier" charset="0"/>
+              </a:rPr>
+              <a:t>invokeaction</a:t>
+            </a:r>
+            <a:r>
+              <a:rPr lang="en-US" sz="1600" dirty="0">
+                <a:latin typeface="Courier" charset="0"/>
+                <a:ea typeface="Courier" charset="0"/>
+                <a:cs typeface="Courier" charset="0"/>
+              </a:rPr>
+              <a:t>"],</a:t>
+            </a:r>
+          </a:p>
+          <a:p>
+            <a:r>
+              <a:rPr lang="en-US" sz="1600" dirty="0">
+                <a:latin typeface="Courier" charset="0"/>
+                <a:ea typeface="Courier" charset="0"/>
+                <a:cs typeface="Courier" charset="0"/>
+              </a:rPr>
+              <a:t>          "</a:t>
+            </a:r>
+            <a:r>
+              <a:rPr lang="en-US" sz="1600" dirty="0" err="1">
+                <a:latin typeface="Courier" charset="0"/>
+                <a:ea typeface="Courier" charset="0"/>
+                <a:cs typeface="Courier" charset="0"/>
+              </a:rPr>
+              <a:t>contentType</a:t>
+            </a:r>
+            <a:r>
+              <a:rPr lang="en-US" sz="1600" dirty="0">
+                <a:latin typeface="Courier" charset="0"/>
+                <a:ea typeface="Courier" charset="0"/>
+                <a:cs typeface="Courier" charset="0"/>
+              </a:rPr>
+              <a:t>": "application/</a:t>
+            </a:r>
+            <a:r>
+              <a:rPr lang="en-US" sz="1600" dirty="0" err="1">
+                <a:latin typeface="Courier" charset="0"/>
+                <a:ea typeface="Courier" charset="0"/>
+                <a:cs typeface="Courier" charset="0"/>
+              </a:rPr>
+              <a:t>json</a:t>
+            </a:r>
+            <a:r>
+              <a:rPr lang="en-US" sz="1600" dirty="0">
+                <a:latin typeface="Courier" charset="0"/>
+                <a:ea typeface="Courier" charset="0"/>
+                <a:cs typeface="Courier" charset="0"/>
+              </a:rPr>
+              <a:t>"</a:t>
+            </a:r>
+          </a:p>
+          <a:p>
+            <a:r>
+              <a:rPr lang="en-US" sz="1600" dirty="0">
+                <a:latin typeface="Courier" charset="0"/>
+                <a:ea typeface="Courier" charset="0"/>
+                <a:cs typeface="Courier" charset="0"/>
+              </a:rPr>
+              <a:t>        }</a:t>
+            </a:r>
+          </a:p>
+          <a:p>
+            <a:r>
+              <a:rPr lang="en-US" sz="1600" dirty="0">
+                <a:latin typeface="Courier" charset="0"/>
+                <a:ea typeface="Courier" charset="0"/>
+                <a:cs typeface="Courier" charset="0"/>
+              </a:rPr>
+              <a:t>      </a:t>
+            </a:r>
+            <a:r>
+              <a:rPr lang="en-US" sz="1600" dirty="0" smtClean="0">
+                <a:latin typeface="Courier" charset="0"/>
+                <a:ea typeface="Courier" charset="0"/>
+                <a:cs typeface="Courier" charset="0"/>
+              </a:rPr>
+              <a:t>]</a:t>
+            </a:r>
+            <a:endParaRPr lang="en-US" sz="1600" dirty="0">
+              <a:latin typeface="Courier" charset="0"/>
+              <a:ea typeface="Courier" charset="0"/>
+              <a:cs typeface="Courier" charset="0"/>
+            </a:endParaRPr>
+          </a:p>
+        </p:txBody>
+      </p:sp>
+      <p:sp>
+        <p:nvSpPr>
+          <p:cNvPr id="5" name="Title 1"/>
+          <p:cNvSpPr>
+            <a:spLocks noGrp="1"/>
+          </p:cNvSpPr>
+          <p:nvPr>
+            <p:ph type="title"/>
+          </p:nvPr>
+        </p:nvSpPr>
+        <p:spPr>
+          <a:xfrm>
+            <a:off x="2925040" y="-154919"/>
+            <a:ext cx="7886700" cy="1325563"/>
+          </a:xfrm>
+        </p:spPr>
+        <p:txBody>
+          <a:bodyPr/>
+          <a:lstStyle/>
+          <a:p>
+            <a:r>
+              <a:rPr lang="en-US" dirty="0" smtClean="0"/>
+              <a:t>Semantic Proxy </a:t>
+            </a:r>
+            <a:r>
+              <a:rPr lang="mr-IN" dirty="0" smtClean="0"/>
+              <a:t>–</a:t>
+            </a:r>
+            <a:r>
+              <a:rPr lang="en-US" dirty="0" smtClean="0"/>
+              <a:t> </a:t>
+            </a:r>
+            <a:r>
+              <a:rPr lang="en-US" dirty="0" err="1" smtClean="0"/>
+              <a:t>WoT</a:t>
+            </a:r>
+            <a:r>
+              <a:rPr lang="en-US" dirty="0" smtClean="0"/>
+              <a:t> TD </a:t>
+            </a:r>
+            <a:endParaRPr lang="en-US" dirty="0"/>
+          </a:p>
+        </p:txBody>
+      </p:sp>
+    </p:spTree>
+    <p:extLst>
+      <p:ext uri="{BB962C8B-B14F-4D97-AF65-F5344CB8AC3E}">
+        <p14:creationId xmlns:p14="http://schemas.microsoft.com/office/powerpoint/2010/main" val="1834939288"/>
+      </p:ext>
+    </p:extLst>
+  </p:cSld>
+  <p:clrMapOvr>
+    <a:masterClrMapping/>
+  </p:clrMapOvr>
+</p:sld>
+</file>
+
+<file path=ppt/slides/slide21.xml><?xml version="1.0" encoding="utf-8"?>
+<p:sld xmlns:a="http://schemas.openxmlformats.org/drawingml/2006/main" xmlns:r="http://schemas.openxmlformats.org/officeDocument/2006/relationships" xmlns:p="http://schemas.openxmlformats.org/presentationml/2006/main">
+  <p:cSld>
+    <p:spTree>
+      <p:nvGrpSpPr>
+        <p:cNvPr id="1" name=""/>
+        <p:cNvGrpSpPr/>
+        <p:nvPr/>
+      </p:nvGrpSpPr>
+      <p:grpSpPr>
+        <a:xfrm>
+          <a:off x="0" y="0"/>
+          <a:ext cx="0" cy="0"/>
+          <a:chOff x="0" y="0"/>
+          <a:chExt cx="0" cy="0"/>
+        </a:xfrm>
+      </p:grpSpPr>
+      <p:sp>
+        <p:nvSpPr>
+          <p:cNvPr id="2" name="Title 1"/>
+          <p:cNvSpPr>
+            <a:spLocks noGrp="1"/>
+          </p:cNvSpPr>
+          <p:nvPr>
+            <p:ph type="title"/>
+          </p:nvPr>
+        </p:nvSpPr>
+        <p:spPr>
+          <a:xfrm>
+            <a:off x="628650" y="178089"/>
+            <a:ext cx="7886700" cy="1325563"/>
+          </a:xfrm>
+        </p:spPr>
+        <p:txBody>
+          <a:bodyPr/>
+          <a:lstStyle/>
+          <a:p>
+            <a:r>
+              <a:rPr lang="en-US" dirty="0" smtClean="0"/>
+              <a:t>Semantic Proxy </a:t>
+            </a:r>
+            <a:r>
+              <a:rPr lang="mr-IN" dirty="0" smtClean="0"/>
+              <a:t>–</a:t>
+            </a:r>
+            <a:r>
+              <a:rPr lang="en-US" dirty="0" smtClean="0"/>
+              <a:t> Semantic API</a:t>
+            </a:r>
+            <a:endParaRPr lang="en-US" dirty="0"/>
+          </a:p>
+        </p:txBody>
+      </p:sp>
+      <p:sp>
+        <p:nvSpPr>
+          <p:cNvPr id="3" name="Content Placeholder 2"/>
+          <p:cNvSpPr>
+            <a:spLocks noGrp="1"/>
+          </p:cNvSpPr>
+          <p:nvPr>
+            <p:ph idx="1"/>
+          </p:nvPr>
+        </p:nvSpPr>
+        <p:spPr>
+          <a:xfrm>
+            <a:off x="628650" y="1410134"/>
+            <a:ext cx="7886700" cy="4351338"/>
+          </a:xfrm>
+        </p:spPr>
+        <p:txBody>
+          <a:bodyPr/>
+          <a:lstStyle/>
+          <a:p>
+            <a:r>
+              <a:rPr lang="en-US" dirty="0"/>
+              <a:t>Names of affordances are resolved through Semantic Discovery</a:t>
+            </a:r>
+          </a:p>
+          <a:p>
+            <a:pPr lvl="1"/>
+            <a:r>
+              <a:rPr lang="en-US" dirty="0" err="1"/>
+              <a:t>PropertyName</a:t>
+            </a:r>
+            <a:r>
+              <a:rPr lang="en-US" dirty="0"/>
+              <a:t>=discover(</a:t>
+            </a:r>
+            <a:r>
+              <a:rPr lang="en-US" dirty="0" err="1"/>
+              <a:t>FilterParameters</a:t>
+            </a:r>
+            <a:r>
+              <a:rPr lang="en-US" dirty="0"/>
+              <a:t>)</a:t>
+            </a:r>
+          </a:p>
+          <a:p>
+            <a:r>
+              <a:rPr lang="en-US" dirty="0" smtClean="0"/>
+              <a:t>Applications use meta-model affordances and operations</a:t>
+            </a:r>
+          </a:p>
+          <a:p>
+            <a:pPr lvl="1"/>
+            <a:r>
+              <a:rPr lang="en-US" dirty="0" smtClean="0"/>
+              <a:t>data=</a:t>
+            </a:r>
+            <a:r>
+              <a:rPr lang="en-US" dirty="0" err="1" smtClean="0"/>
+              <a:t>readProperty</a:t>
+            </a:r>
+            <a:r>
+              <a:rPr lang="en-US" dirty="0" smtClean="0"/>
+              <a:t>(</a:t>
+            </a:r>
+            <a:r>
+              <a:rPr lang="en-US" dirty="0" err="1" smtClean="0"/>
+              <a:t>PropertyName</a:t>
+            </a:r>
+            <a:r>
+              <a:rPr lang="en-US" dirty="0" smtClean="0"/>
+              <a:t>)</a:t>
+            </a:r>
+          </a:p>
+          <a:p>
+            <a:pPr lvl="1"/>
+            <a:r>
+              <a:rPr lang="en-US" dirty="0" err="1" smtClean="0"/>
+              <a:t>writeProperty</a:t>
+            </a:r>
+            <a:r>
+              <a:rPr lang="en-US" dirty="0" smtClean="0"/>
+              <a:t>(</a:t>
+            </a:r>
+            <a:r>
+              <a:rPr lang="en-US" dirty="0" err="1" smtClean="0"/>
+              <a:t>PropertyName</a:t>
+            </a:r>
+            <a:r>
+              <a:rPr lang="en-US" dirty="0" smtClean="0"/>
+              <a:t>, data)</a:t>
+            </a:r>
+          </a:p>
+          <a:p>
+            <a:pPr lvl="1"/>
+            <a:r>
+              <a:rPr lang="en-US" dirty="0" smtClean="0"/>
+              <a:t>result=</a:t>
+            </a:r>
+            <a:r>
+              <a:rPr lang="en-US" dirty="0" err="1" smtClean="0"/>
+              <a:t>invokeAction</a:t>
+            </a:r>
+            <a:r>
+              <a:rPr lang="en-US" dirty="0" smtClean="0"/>
+              <a:t>(</a:t>
+            </a:r>
+            <a:r>
+              <a:rPr lang="en-US" dirty="0" err="1" smtClean="0"/>
+              <a:t>ActionName</a:t>
+            </a:r>
+            <a:r>
+              <a:rPr lang="en-US" dirty="0" smtClean="0"/>
+              <a:t>, parameters)</a:t>
+            </a:r>
+          </a:p>
+          <a:p>
+            <a:pPr lvl="1"/>
+            <a:r>
+              <a:rPr lang="en-US" dirty="0"/>
+              <a:t>d</a:t>
+            </a:r>
+            <a:r>
+              <a:rPr lang="en-US" dirty="0" smtClean="0"/>
+              <a:t>ata=</a:t>
+            </a:r>
+            <a:r>
+              <a:rPr lang="en-US" dirty="0" err="1" smtClean="0"/>
+              <a:t>subscribeEvent</a:t>
+            </a:r>
+            <a:r>
+              <a:rPr lang="en-US" dirty="0" smtClean="0"/>
+              <a:t>(</a:t>
+            </a:r>
+            <a:r>
+              <a:rPr lang="en-US" dirty="0" err="1" smtClean="0"/>
+              <a:t>EventName</a:t>
+            </a:r>
+            <a:r>
+              <a:rPr lang="en-US" dirty="0" smtClean="0"/>
+              <a:t>) </a:t>
+            </a:r>
+          </a:p>
+          <a:p>
+            <a:r>
+              <a:rPr lang="en-US" dirty="0" smtClean="0"/>
+              <a:t>Supports modular, declarative programming models </a:t>
+            </a:r>
+            <a:r>
+              <a:rPr lang="mr-IN" dirty="0" smtClean="0"/>
+              <a:t>–</a:t>
+            </a:r>
+            <a:r>
+              <a:rPr lang="en-US" dirty="0" smtClean="0"/>
+              <a:t> Node-RED</a:t>
+            </a:r>
+          </a:p>
+        </p:txBody>
+      </p:sp>
+    </p:spTree>
+    <p:extLst>
+      <p:ext uri="{BB962C8B-B14F-4D97-AF65-F5344CB8AC3E}">
+        <p14:creationId xmlns:p14="http://schemas.microsoft.com/office/powerpoint/2010/main" val="71748157"/>
+      </p:ext>
+    </p:extLst>
+  </p:cSld>
+  <p:clrMapOvr>
+    <a:masterClrMapping/>
+  </p:clrMapOvr>
+</p:sld>
+</file>
+
+<file path=ppt/slides/slide22.xml><?xml version="1.0" encoding="utf-8"?>
+<p:sld xmlns:a="http://schemas.openxmlformats.org/drawingml/2006/main" xmlns:r="http://schemas.openxmlformats.org/officeDocument/2006/relationships" xmlns:p="http://schemas.openxmlformats.org/presentationml/2006/main">
+  <p:cSld>
+    <p:spTree>
+      <p:nvGrpSpPr>
+        <p:cNvPr id="1" name=""/>
+        <p:cNvGrpSpPr/>
+        <p:nvPr/>
+      </p:nvGrpSpPr>
+      <p:grpSpPr>
+        <a:xfrm>
+          <a:off x="0" y="0"/>
+          <a:ext cx="0" cy="0"/>
+          <a:chOff x="0" y="0"/>
+          <a:chExt cx="0" cy="0"/>
+        </a:xfrm>
+      </p:grpSpPr>
+      <p:sp>
+        <p:nvSpPr>
           <p:cNvPr id="2" name="Title 1"/>
           <p:cNvSpPr>
             <a:spLocks noGrp="1"/>
@@ -9613,6 +11550,3277 @@
       </p:par>
     </p:tnLst>
   </p:timing>
+</p:sld>
+</file>
+
+<file path=ppt/slides/slide23.xml><?xml version="1.0" encoding="utf-8"?>
+<p:sld xmlns:a="http://schemas.openxmlformats.org/drawingml/2006/main" xmlns:r="http://schemas.openxmlformats.org/officeDocument/2006/relationships" xmlns:p="http://schemas.openxmlformats.org/presentationml/2006/main">
+  <p:cSld>
+    <p:spTree>
+      <p:nvGrpSpPr>
+        <p:cNvPr id="1" name=""/>
+        <p:cNvGrpSpPr/>
+        <p:nvPr/>
+      </p:nvGrpSpPr>
+      <p:grpSpPr>
+        <a:xfrm>
+          <a:off x="0" y="0"/>
+          <a:ext cx="0" cy="0"/>
+          <a:chOff x="0" y="0"/>
+          <a:chExt cx="0" cy="0"/>
+        </a:xfrm>
+      </p:grpSpPr>
+      <p:sp>
+        <p:nvSpPr>
+          <p:cNvPr id="2" name="Title 1"/>
+          <p:cNvSpPr>
+            <a:spLocks noGrp="1"/>
+          </p:cNvSpPr>
+          <p:nvPr>
+            <p:ph type="title"/>
+          </p:nvPr>
+        </p:nvSpPr>
+        <p:spPr>
+          <a:xfrm>
+            <a:off x="535131" y="259773"/>
+            <a:ext cx="7886700" cy="1325563"/>
+          </a:xfrm>
+        </p:spPr>
+        <p:txBody>
+          <a:bodyPr/>
+          <a:lstStyle/>
+          <a:p>
+            <a:r>
+              <a:rPr lang="en-US" dirty="0" smtClean="0"/>
+              <a:t>Expected Result </a:t>
+            </a:r>
+            <a:r>
+              <a:rPr lang="mr-IN" dirty="0" smtClean="0"/>
+              <a:t>–</a:t>
+            </a:r>
+            <a:r>
+              <a:rPr lang="en-US" dirty="0" smtClean="0"/>
+              <a:t> Object maps to Capability </a:t>
+            </a:r>
+            <a:r>
+              <a:rPr lang="en-US" dirty="0" smtClean="0"/>
+              <a:t>(.)</a:t>
+            </a:r>
+            <a:endParaRPr lang="en-US" dirty="0"/>
+          </a:p>
+        </p:txBody>
+      </p:sp>
+      <p:sp>
+        <p:nvSpPr>
+          <p:cNvPr id="4" name="Rectangle 3"/>
+          <p:cNvSpPr/>
+          <p:nvPr/>
+        </p:nvSpPr>
+        <p:spPr>
+          <a:xfrm>
+            <a:off x="2218459" y="2095189"/>
+            <a:ext cx="7091796" cy="3785652"/>
+          </a:xfrm>
+          <a:prstGeom prst="rect">
+            <a:avLst/>
+          </a:prstGeom>
+        </p:spPr>
+        <p:txBody>
+          <a:bodyPr wrap="square">
+            <a:spAutoFit/>
+          </a:bodyPr>
+          <a:lstStyle/>
+          <a:p>
+            <a:r>
+              <a:rPr lang="en-US" sz="1600" b="0" i="0" dirty="0" smtClean="0">
+                <a:solidFill>
+                  <a:srgbClr val="000000"/>
+                </a:solidFill>
+                <a:effectLst/>
+                <a:latin typeface="Courier" charset="0"/>
+              </a:rPr>
+              <a:t>{</a:t>
+            </a:r>
+            <a:endParaRPr lang="en-US" sz="1600" b="0" i="0" dirty="0" smtClean="0">
+              <a:solidFill>
+                <a:srgbClr val="000000"/>
+              </a:solidFill>
+              <a:effectLst/>
+              <a:latin typeface="Helvetica" charset="0"/>
+            </a:endParaRPr>
+          </a:p>
+          <a:p>
+            <a:r>
+              <a:rPr lang="en-US" sz="1600" b="0" i="0" dirty="0" smtClean="0">
+                <a:solidFill>
+                  <a:srgbClr val="000000"/>
+                </a:solidFill>
+                <a:effectLst/>
+                <a:latin typeface="Courier" charset="0"/>
+              </a:rPr>
+              <a:t>  "@id": "</a:t>
+            </a:r>
+            <a:r>
+              <a:rPr lang="en-US" sz="1600" b="0" i="0" dirty="0" err="1" smtClean="0">
+                <a:solidFill>
+                  <a:srgbClr val="FF0000"/>
+                </a:solidFill>
+                <a:effectLst/>
+                <a:latin typeface="Courier" charset="0"/>
+              </a:rPr>
+              <a:t>iot:Capability.Switch</a:t>
+            </a:r>
+            <a:r>
+              <a:rPr lang="en-US" sz="1600" b="0" i="0" dirty="0" smtClean="0">
+                <a:solidFill>
+                  <a:srgbClr val="000000"/>
+                </a:solidFill>
+                <a:effectLst/>
+                <a:latin typeface="Courier" charset="0"/>
+              </a:rPr>
+              <a:t>",</a:t>
+            </a:r>
+            <a:endParaRPr lang="en-US" sz="1600" b="0" i="0" dirty="0" smtClean="0">
+              <a:solidFill>
+                <a:srgbClr val="000000"/>
+              </a:solidFill>
+              <a:effectLst/>
+              <a:latin typeface="Helvetica" charset="0"/>
+            </a:endParaRPr>
+          </a:p>
+          <a:p>
+            <a:r>
+              <a:rPr lang="en-US" sz="1600" b="0" i="0" dirty="0" smtClean="0">
+                <a:solidFill>
+                  <a:srgbClr val="000000"/>
+                </a:solidFill>
+                <a:effectLst/>
+                <a:latin typeface="Courier" charset="0"/>
+              </a:rPr>
+              <a:t>  "@type": "</a:t>
+            </a:r>
+            <a:r>
+              <a:rPr lang="en-US" sz="1600" b="0" i="0" dirty="0" err="1" smtClean="0">
+                <a:solidFill>
+                  <a:srgbClr val="000000"/>
+                </a:solidFill>
+                <a:effectLst/>
+                <a:latin typeface="Courier" charset="0"/>
+              </a:rPr>
+              <a:t>rdfs:Class</a:t>
+            </a:r>
+            <a:r>
+              <a:rPr lang="en-US" sz="1600" b="0" i="0" dirty="0" smtClean="0">
+                <a:solidFill>
+                  <a:srgbClr val="000000"/>
+                </a:solidFill>
+                <a:effectLst/>
+                <a:latin typeface="Courier" charset="0"/>
+              </a:rPr>
+              <a:t>",</a:t>
+            </a:r>
+            <a:endParaRPr lang="en-US" sz="1600" b="0" i="0" dirty="0" smtClean="0">
+              <a:solidFill>
+                <a:srgbClr val="000000"/>
+              </a:solidFill>
+              <a:effectLst/>
+              <a:latin typeface="Helvetica" charset="0"/>
+            </a:endParaRPr>
+          </a:p>
+          <a:p>
+            <a:r>
+              <a:rPr lang="en-US" sz="1600" b="0" i="0" dirty="0" smtClean="0">
+                <a:solidFill>
+                  <a:srgbClr val="000000"/>
+                </a:solidFill>
+                <a:effectLst/>
+                <a:latin typeface="Courier" charset="0"/>
+              </a:rPr>
+              <a:t>  "</a:t>
+            </a:r>
+            <a:r>
+              <a:rPr lang="en-US" sz="1600" b="0" i="0" dirty="0" err="1" smtClean="0">
+                <a:solidFill>
+                  <a:srgbClr val="000000"/>
+                </a:solidFill>
+                <a:effectLst/>
+                <a:latin typeface="Courier" charset="0"/>
+              </a:rPr>
+              <a:t>rdfs:label</a:t>
+            </a:r>
+            <a:r>
+              <a:rPr lang="en-US" sz="1600" b="0" i="0" dirty="0" smtClean="0">
+                <a:solidFill>
+                  <a:srgbClr val="000000"/>
+                </a:solidFill>
+                <a:effectLst/>
+                <a:latin typeface="Courier" charset="0"/>
+              </a:rPr>
+              <a:t>": "</a:t>
+            </a:r>
+            <a:r>
+              <a:rPr lang="en-US" sz="1600" b="0" i="0" dirty="0" err="1" smtClean="0">
+                <a:solidFill>
+                  <a:srgbClr val="000000"/>
+                </a:solidFill>
+                <a:effectLst/>
+                <a:latin typeface="Courier" charset="0"/>
+              </a:rPr>
+              <a:t>SwitchCapability</a:t>
+            </a:r>
+            <a:r>
+              <a:rPr lang="en-US" sz="1600" b="0" i="0" dirty="0" smtClean="0">
+                <a:solidFill>
+                  <a:srgbClr val="000000"/>
+                </a:solidFill>
+                <a:effectLst/>
+                <a:latin typeface="Courier" charset="0"/>
+              </a:rPr>
+              <a:t>",</a:t>
+            </a:r>
+            <a:endParaRPr lang="en-US" sz="1600" b="0" i="0" dirty="0" smtClean="0">
+              <a:solidFill>
+                <a:srgbClr val="000000"/>
+              </a:solidFill>
+              <a:effectLst/>
+              <a:latin typeface="Helvetica" charset="0"/>
+            </a:endParaRPr>
+          </a:p>
+          <a:p>
+            <a:r>
+              <a:rPr lang="en-US" sz="1600" b="0" i="0" dirty="0" smtClean="0">
+                <a:solidFill>
+                  <a:srgbClr val="000000"/>
+                </a:solidFill>
+                <a:effectLst/>
+                <a:latin typeface="Courier" charset="0"/>
+              </a:rPr>
+              <a:t>  "</a:t>
+            </a:r>
+            <a:r>
+              <a:rPr lang="en-US" sz="1600" b="0" i="0" dirty="0" err="1" smtClean="0">
+                <a:solidFill>
+                  <a:srgbClr val="000000"/>
+                </a:solidFill>
+                <a:effectLst/>
+                <a:latin typeface="Courier" charset="0"/>
+              </a:rPr>
+              <a:t>rdfs:subClassOf</a:t>
+            </a:r>
+            <a:r>
+              <a:rPr lang="en-US" sz="1600" b="0" i="0" dirty="0" smtClean="0">
+                <a:solidFill>
+                  <a:srgbClr val="000000"/>
+                </a:solidFill>
+                <a:effectLst/>
+                <a:latin typeface="Courier" charset="0"/>
+              </a:rPr>
+              <a:t>": { </a:t>
+            </a:r>
+          </a:p>
+          <a:p>
+            <a:r>
+              <a:rPr lang="en-US" sz="1600" dirty="0">
+                <a:solidFill>
+                  <a:srgbClr val="000000"/>
+                </a:solidFill>
+                <a:latin typeface="Courier" charset="0"/>
+              </a:rPr>
+              <a:t> </a:t>
+            </a:r>
+            <a:r>
+              <a:rPr lang="en-US" sz="1600" dirty="0" smtClean="0">
+                <a:solidFill>
+                  <a:srgbClr val="000000"/>
+                </a:solidFill>
+                <a:latin typeface="Courier" charset="0"/>
+              </a:rPr>
+              <a:t>   </a:t>
+            </a:r>
+            <a:r>
+              <a:rPr lang="en-US" sz="1600" b="0" i="0" dirty="0" smtClean="0">
+                <a:solidFill>
+                  <a:srgbClr val="000000"/>
+                </a:solidFill>
+                <a:effectLst/>
+                <a:latin typeface="Courier" charset="0"/>
+              </a:rPr>
+              <a:t>"@id": "</a:t>
+            </a:r>
+            <a:r>
+              <a:rPr lang="en-US" sz="1600" b="0" i="0" dirty="0" err="1" smtClean="0">
+                <a:solidFill>
+                  <a:srgbClr val="000000"/>
+                </a:solidFill>
+                <a:effectLst/>
+                <a:latin typeface="Courier" charset="0"/>
+              </a:rPr>
+              <a:t>iot:Capability</a:t>
+            </a:r>
+            <a:r>
+              <a:rPr lang="en-US" sz="1600" b="0" i="0" dirty="0" smtClean="0">
+                <a:solidFill>
+                  <a:srgbClr val="000000"/>
+                </a:solidFill>
+                <a:effectLst/>
+                <a:latin typeface="Courier" charset="0"/>
+              </a:rPr>
+              <a:t>" </a:t>
+            </a:r>
+          </a:p>
+          <a:p>
+            <a:r>
+              <a:rPr lang="en-US" sz="1600" dirty="0">
+                <a:solidFill>
+                  <a:srgbClr val="000000"/>
+                </a:solidFill>
+                <a:latin typeface="Courier" charset="0"/>
+              </a:rPr>
+              <a:t> </a:t>
+            </a:r>
+            <a:r>
+              <a:rPr lang="en-US" sz="1600" dirty="0" smtClean="0">
+                <a:solidFill>
+                  <a:srgbClr val="000000"/>
+                </a:solidFill>
+                <a:latin typeface="Courier" charset="0"/>
+              </a:rPr>
+              <a:t> </a:t>
+            </a:r>
+            <a:r>
+              <a:rPr lang="en-US" sz="1600" b="0" i="0" dirty="0" smtClean="0">
+                <a:solidFill>
+                  <a:srgbClr val="000000"/>
+                </a:solidFill>
+                <a:effectLst/>
+                <a:latin typeface="Courier" charset="0"/>
+              </a:rPr>
+              <a:t>},</a:t>
+            </a:r>
+            <a:endParaRPr lang="en-US" sz="1600" b="0" i="0" dirty="0" smtClean="0">
+              <a:solidFill>
+                <a:srgbClr val="000000"/>
+              </a:solidFill>
+              <a:effectLst/>
+              <a:latin typeface="Helvetica" charset="0"/>
+            </a:endParaRPr>
+          </a:p>
+          <a:p>
+            <a:r>
+              <a:rPr lang="en-US" sz="1600" b="0" i="0" dirty="0" smtClean="0">
+                <a:solidFill>
+                  <a:srgbClr val="000000"/>
+                </a:solidFill>
+                <a:effectLst/>
+                <a:latin typeface="Courier" charset="0"/>
+              </a:rPr>
+              <a:t>  "</a:t>
+            </a:r>
+            <a:r>
+              <a:rPr lang="en-US" sz="1600" b="0" i="0" dirty="0" err="1" smtClean="0">
+                <a:solidFill>
+                  <a:srgbClr val="000000"/>
+                </a:solidFill>
+                <a:effectLst/>
+                <a:latin typeface="Courier" charset="0"/>
+              </a:rPr>
+              <a:t>iot:providesInteractionPattern</a:t>
+            </a:r>
+            <a:r>
+              <a:rPr lang="en-US" sz="1600" b="0" i="0" dirty="0" smtClean="0">
+                <a:solidFill>
+                  <a:srgbClr val="000000"/>
+                </a:solidFill>
+                <a:effectLst/>
+                <a:latin typeface="Courier" charset="0"/>
+              </a:rPr>
+              <a:t>": [</a:t>
+            </a:r>
+            <a:endParaRPr lang="en-US" sz="1600" b="0" i="0" dirty="0" smtClean="0">
+              <a:solidFill>
+                <a:srgbClr val="000000"/>
+              </a:solidFill>
+              <a:effectLst/>
+              <a:latin typeface="Helvetica" charset="0"/>
+            </a:endParaRPr>
+          </a:p>
+          <a:p>
+            <a:r>
+              <a:rPr lang="en-US" sz="1600" b="0" i="0" dirty="0" smtClean="0">
+                <a:solidFill>
+                  <a:srgbClr val="000000"/>
+                </a:solidFill>
+                <a:effectLst/>
+                <a:latin typeface="Courier" charset="0"/>
+              </a:rPr>
+              <a:t>    {</a:t>
+            </a:r>
+            <a:endParaRPr lang="en-US" sz="1600" b="0" i="0" dirty="0" smtClean="0">
+              <a:solidFill>
+                <a:srgbClr val="000000"/>
+              </a:solidFill>
+              <a:effectLst/>
+              <a:latin typeface="Helvetica" charset="0"/>
+            </a:endParaRPr>
+          </a:p>
+          <a:p>
+            <a:r>
+              <a:rPr lang="en-US" sz="1600" b="0" i="0" dirty="0" smtClean="0">
+                <a:solidFill>
+                  <a:srgbClr val="000000"/>
+                </a:solidFill>
+                <a:effectLst/>
+                <a:latin typeface="Courier" charset="0"/>
+              </a:rPr>
+              <a:t>    "@id": "</a:t>
+            </a:r>
+            <a:r>
+              <a:rPr lang="en-US" sz="1600" dirty="0" err="1" smtClean="0">
+                <a:solidFill>
+                  <a:srgbClr val="FF0000"/>
+                </a:solidFill>
+                <a:latin typeface="Courier" charset="0"/>
+              </a:rPr>
+              <a:t>iot:Capability.Switch.Property.State</a:t>
+            </a:r>
+            <a:r>
+              <a:rPr lang="en-US" sz="1600" b="0" i="0" dirty="0" smtClean="0">
+                <a:solidFill>
+                  <a:srgbClr val="000000"/>
+                </a:solidFill>
+                <a:effectLst/>
+                <a:latin typeface="Courier" charset="0"/>
+              </a:rPr>
+              <a:t>",</a:t>
+            </a:r>
+            <a:endParaRPr lang="en-US" sz="1600" b="0" i="0" dirty="0" smtClean="0">
+              <a:solidFill>
+                <a:srgbClr val="000000"/>
+              </a:solidFill>
+              <a:effectLst/>
+              <a:latin typeface="Helvetica" charset="0"/>
+            </a:endParaRPr>
+          </a:p>
+          <a:p>
+            <a:r>
+              <a:rPr lang="en-US" sz="1600" b="0" i="0" dirty="0" smtClean="0">
+                <a:solidFill>
+                  <a:srgbClr val="000000"/>
+                </a:solidFill>
+                <a:effectLst/>
+                <a:latin typeface="Courier" charset="0"/>
+              </a:rPr>
+              <a:t>    "@id": "</a:t>
+            </a:r>
+            <a:r>
+              <a:rPr lang="en-US" sz="1600" b="0" i="0" dirty="0" err="1" smtClean="0">
+                <a:solidFill>
+                  <a:srgbClr val="FF0000"/>
+                </a:solidFill>
+                <a:effectLst/>
+                <a:latin typeface="Courier" charset="0"/>
+              </a:rPr>
+              <a:t>iot:</a:t>
+            </a:r>
+            <a:r>
+              <a:rPr lang="en-US" sz="1600" dirty="0" err="1" smtClean="0">
+                <a:solidFill>
+                  <a:srgbClr val="FF0000"/>
+                </a:solidFill>
+                <a:latin typeface="Courier" charset="0"/>
+              </a:rPr>
+              <a:t>Capability.Switch.</a:t>
+            </a:r>
+            <a:r>
+              <a:rPr lang="en-US" sz="1600" b="0" i="0" dirty="0" err="1" smtClean="0">
+                <a:solidFill>
+                  <a:srgbClr val="FF0000"/>
+                </a:solidFill>
+                <a:effectLst/>
+                <a:latin typeface="Courier" charset="0"/>
+              </a:rPr>
+              <a:t>Action.On</a:t>
+            </a:r>
+            <a:r>
+              <a:rPr lang="en-US" sz="1600" b="0" i="0" dirty="0" smtClean="0">
+                <a:solidFill>
+                  <a:srgbClr val="000000"/>
+                </a:solidFill>
+                <a:effectLst/>
+                <a:latin typeface="Courier" charset="0"/>
+              </a:rPr>
+              <a:t>",</a:t>
+            </a:r>
+            <a:endParaRPr lang="en-US" sz="1600" b="0" i="0" dirty="0" smtClean="0">
+              <a:solidFill>
+                <a:srgbClr val="000000"/>
+              </a:solidFill>
+              <a:effectLst/>
+              <a:latin typeface="Helvetica" charset="0"/>
+            </a:endParaRPr>
+          </a:p>
+          <a:p>
+            <a:r>
+              <a:rPr lang="en-US" sz="1600" b="0" i="0" dirty="0" smtClean="0">
+                <a:solidFill>
+                  <a:srgbClr val="000000"/>
+                </a:solidFill>
+                <a:effectLst/>
+                <a:latin typeface="Courier" charset="0"/>
+              </a:rPr>
+              <a:t>    "@id": "</a:t>
+            </a:r>
+            <a:r>
+              <a:rPr lang="en-US" sz="1600" dirty="0" err="1" smtClean="0">
+                <a:solidFill>
+                  <a:srgbClr val="FF0000"/>
+                </a:solidFill>
+                <a:latin typeface="Courier" charset="0"/>
+              </a:rPr>
+              <a:t>iot:Capability.Switch.Action.Off</a:t>
+            </a:r>
+            <a:r>
+              <a:rPr lang="en-US" sz="1600" b="0" i="0" dirty="0" smtClean="0">
+                <a:solidFill>
+                  <a:srgbClr val="000000"/>
+                </a:solidFill>
+                <a:effectLst/>
+                <a:latin typeface="Courier" charset="0"/>
+              </a:rPr>
+              <a:t>"</a:t>
+            </a:r>
+            <a:endParaRPr lang="en-US" sz="1600" b="0" i="0" dirty="0" smtClean="0">
+              <a:solidFill>
+                <a:srgbClr val="000000"/>
+              </a:solidFill>
+              <a:effectLst/>
+              <a:latin typeface="Helvetica" charset="0"/>
+            </a:endParaRPr>
+          </a:p>
+          <a:p>
+            <a:r>
+              <a:rPr lang="en-US" sz="1600" b="0" i="0" dirty="0" smtClean="0">
+                <a:solidFill>
+                  <a:srgbClr val="000000"/>
+                </a:solidFill>
+                <a:effectLst/>
+                <a:latin typeface="Courier" charset="0"/>
+              </a:rPr>
+              <a:t>    }</a:t>
+            </a:r>
+            <a:endParaRPr lang="en-US" sz="1600" b="0" i="0" dirty="0" smtClean="0">
+              <a:solidFill>
+                <a:srgbClr val="000000"/>
+              </a:solidFill>
+              <a:effectLst/>
+              <a:latin typeface="Helvetica" charset="0"/>
+            </a:endParaRPr>
+          </a:p>
+          <a:p>
+            <a:r>
+              <a:rPr lang="en-US" sz="1600" b="0" i="0" dirty="0" smtClean="0">
+                <a:solidFill>
+                  <a:srgbClr val="000000"/>
+                </a:solidFill>
+                <a:effectLst/>
+                <a:latin typeface="Courier" charset="0"/>
+              </a:rPr>
+              <a:t>  ]</a:t>
+            </a:r>
+            <a:endParaRPr lang="en-US" sz="1600" b="0" i="0" dirty="0" smtClean="0">
+              <a:solidFill>
+                <a:srgbClr val="000000"/>
+              </a:solidFill>
+              <a:effectLst/>
+              <a:latin typeface="Helvetica" charset="0"/>
+            </a:endParaRPr>
+          </a:p>
+          <a:p>
+            <a:r>
+              <a:rPr lang="en-US" sz="1600" b="0" i="0" dirty="0" smtClean="0">
+                <a:solidFill>
+                  <a:srgbClr val="000000"/>
+                </a:solidFill>
+                <a:effectLst/>
+                <a:latin typeface="Courier" charset="0"/>
+              </a:rPr>
+              <a:t>}</a:t>
+            </a:r>
+            <a:endParaRPr lang="en-US" sz="1600" b="0" i="0" dirty="0" smtClean="0">
+              <a:solidFill>
+                <a:srgbClr val="000000"/>
+              </a:solidFill>
+              <a:effectLst/>
+              <a:latin typeface="Helvetica" charset="0"/>
+            </a:endParaRPr>
+          </a:p>
+        </p:txBody>
+      </p:sp>
+    </p:spTree>
+    <p:extLst>
+      <p:ext uri="{BB962C8B-B14F-4D97-AF65-F5344CB8AC3E}">
+        <p14:creationId xmlns:p14="http://schemas.microsoft.com/office/powerpoint/2010/main" val="1451453107"/>
+      </p:ext>
+    </p:extLst>
+  </p:cSld>
+  <p:clrMapOvr>
+    <a:masterClrMapping/>
+  </p:clrMapOvr>
+</p:sld>
+</file>
+
+<file path=ppt/slides/slide24.xml><?xml version="1.0" encoding="utf-8"?>
+<p:sld xmlns:a="http://schemas.openxmlformats.org/drawingml/2006/main" xmlns:r="http://schemas.openxmlformats.org/officeDocument/2006/relationships" xmlns:p="http://schemas.openxmlformats.org/presentationml/2006/main">
+  <p:cSld>
+    <p:spTree>
+      <p:nvGrpSpPr>
+        <p:cNvPr id="1" name=""/>
+        <p:cNvGrpSpPr/>
+        <p:nvPr/>
+      </p:nvGrpSpPr>
+      <p:grpSpPr>
+        <a:xfrm>
+          <a:off x="0" y="0"/>
+          <a:ext cx="0" cy="0"/>
+          <a:chOff x="0" y="0"/>
+          <a:chExt cx="0" cy="0"/>
+        </a:xfrm>
+      </p:grpSpPr>
+      <p:sp>
+        <p:nvSpPr>
+          <p:cNvPr id="2" name="Title 1"/>
+          <p:cNvSpPr>
+            <a:spLocks noGrp="1"/>
+          </p:cNvSpPr>
+          <p:nvPr>
+            <p:ph type="title"/>
+          </p:nvPr>
+        </p:nvSpPr>
+        <p:spPr>
+          <a:xfrm>
+            <a:off x="639041" y="155864"/>
+            <a:ext cx="7886700" cy="1325563"/>
+          </a:xfrm>
+        </p:spPr>
+        <p:txBody>
+          <a:bodyPr/>
+          <a:lstStyle/>
+          <a:p>
+            <a:r>
+              <a:rPr lang="en-US" dirty="0" smtClean="0"/>
+              <a:t>Expected Result </a:t>
+            </a:r>
+            <a:r>
+              <a:rPr lang="mr-IN" dirty="0" smtClean="0"/>
+              <a:t>–</a:t>
+            </a:r>
+            <a:r>
+              <a:rPr lang="en-US" dirty="0" smtClean="0"/>
+              <a:t> Actions (.)</a:t>
+            </a:r>
+            <a:endParaRPr lang="en-US" dirty="0"/>
+          </a:p>
+        </p:txBody>
+      </p:sp>
+      <p:sp>
+        <p:nvSpPr>
+          <p:cNvPr id="5" name="Rectangle 4"/>
+          <p:cNvSpPr/>
+          <p:nvPr/>
+        </p:nvSpPr>
+        <p:spPr>
+          <a:xfrm>
+            <a:off x="2618510" y="1710027"/>
+            <a:ext cx="5766954" cy="4031873"/>
+          </a:xfrm>
+          <a:prstGeom prst="rect">
+            <a:avLst/>
+          </a:prstGeom>
+        </p:spPr>
+        <p:txBody>
+          <a:bodyPr wrap="square">
+            <a:spAutoFit/>
+          </a:bodyPr>
+          <a:lstStyle/>
+          <a:p>
+            <a:r>
+              <a:rPr lang="en-US" sz="1600" b="0" i="0" dirty="0" smtClean="0">
+                <a:solidFill>
+                  <a:srgbClr val="000000"/>
+                </a:solidFill>
+                <a:effectLst/>
+                <a:latin typeface="Courier" charset="0"/>
+              </a:rPr>
+              <a:t>{</a:t>
+            </a:r>
+            <a:endParaRPr lang="en-US" sz="1600" b="0" i="0" dirty="0" smtClean="0">
+              <a:solidFill>
+                <a:srgbClr val="000000"/>
+              </a:solidFill>
+              <a:effectLst/>
+              <a:latin typeface="Helvetica" charset="0"/>
+            </a:endParaRPr>
+          </a:p>
+          <a:p>
+            <a:r>
+              <a:rPr lang="en-US" sz="1600" b="0" i="0" dirty="0" smtClean="0">
+                <a:solidFill>
+                  <a:srgbClr val="000000"/>
+                </a:solidFill>
+                <a:effectLst/>
+                <a:latin typeface="Courier" charset="0"/>
+              </a:rPr>
+              <a:t>  "@id": "</a:t>
+            </a:r>
+            <a:r>
+              <a:rPr lang="en-US" sz="1600" dirty="0" err="1">
+                <a:solidFill>
+                  <a:srgbClr val="FF0000"/>
+                </a:solidFill>
+                <a:latin typeface="Courier" charset="0"/>
+              </a:rPr>
+              <a:t>iot:Capability.Switch.Action.On</a:t>
+            </a:r>
+            <a:r>
+              <a:rPr lang="en-US" sz="1600" b="0" i="0" dirty="0" smtClean="0">
+                <a:solidFill>
+                  <a:srgbClr val="000000"/>
+                </a:solidFill>
+                <a:effectLst/>
+                <a:latin typeface="Courier" charset="0"/>
+              </a:rPr>
+              <a:t>",</a:t>
+            </a:r>
+            <a:endParaRPr lang="en-US" sz="1600" b="0" i="0" dirty="0" smtClean="0">
+              <a:solidFill>
+                <a:srgbClr val="000000"/>
+              </a:solidFill>
+              <a:effectLst/>
+              <a:latin typeface="Helvetica" charset="0"/>
+            </a:endParaRPr>
+          </a:p>
+          <a:p>
+            <a:r>
+              <a:rPr lang="en-US" sz="1600" b="0" i="0" dirty="0" smtClean="0">
+                <a:solidFill>
+                  <a:srgbClr val="000000"/>
+                </a:solidFill>
+                <a:effectLst/>
+                <a:latin typeface="Courier" charset="0"/>
+              </a:rPr>
+              <a:t>  "@type": "</a:t>
+            </a:r>
+            <a:r>
+              <a:rPr lang="en-US" sz="1600" b="0" i="0" dirty="0" err="1" smtClean="0">
+                <a:solidFill>
+                  <a:srgbClr val="000000"/>
+                </a:solidFill>
+                <a:effectLst/>
+                <a:latin typeface="Courier" charset="0"/>
+              </a:rPr>
+              <a:t>rdfs:Class</a:t>
+            </a:r>
+            <a:r>
+              <a:rPr lang="en-US" sz="1600" b="0" i="0" dirty="0" smtClean="0">
+                <a:solidFill>
+                  <a:srgbClr val="000000"/>
+                </a:solidFill>
+                <a:effectLst/>
+                <a:latin typeface="Courier" charset="0"/>
+              </a:rPr>
+              <a:t>",</a:t>
+            </a:r>
+            <a:endParaRPr lang="en-US" sz="1600" b="0" i="0" dirty="0" smtClean="0">
+              <a:solidFill>
+                <a:srgbClr val="000000"/>
+              </a:solidFill>
+              <a:effectLst/>
+              <a:latin typeface="Helvetica" charset="0"/>
+            </a:endParaRPr>
+          </a:p>
+          <a:p>
+            <a:r>
+              <a:rPr lang="en-US" sz="1600" b="0" i="0" dirty="0" smtClean="0">
+                <a:solidFill>
+                  <a:srgbClr val="000000"/>
+                </a:solidFill>
+                <a:effectLst/>
+                <a:latin typeface="Courier" charset="0"/>
+              </a:rPr>
+              <a:t>  "</a:t>
+            </a:r>
+            <a:r>
+              <a:rPr lang="en-US" sz="1600" b="0" i="0" dirty="0" err="1" smtClean="0">
+                <a:solidFill>
+                  <a:srgbClr val="000000"/>
+                </a:solidFill>
+                <a:effectLst/>
+                <a:latin typeface="Courier" charset="0"/>
+              </a:rPr>
+              <a:t>rdfs:label</a:t>
+            </a:r>
+            <a:r>
+              <a:rPr lang="en-US" sz="1600" b="0" i="0" dirty="0" smtClean="0">
+                <a:solidFill>
+                  <a:srgbClr val="000000"/>
+                </a:solidFill>
+                <a:effectLst/>
+                <a:latin typeface="Courier" charset="0"/>
+              </a:rPr>
+              <a:t>": "</a:t>
+            </a:r>
+            <a:r>
+              <a:rPr lang="en-US" sz="1600" b="0" i="0" dirty="0" err="1" smtClean="0">
+                <a:solidFill>
+                  <a:srgbClr val="000000"/>
+                </a:solidFill>
+                <a:effectLst/>
+                <a:latin typeface="Courier" charset="0"/>
+              </a:rPr>
+              <a:t>SwitchOnAction</a:t>
+            </a:r>
+            <a:r>
+              <a:rPr lang="en-US" sz="1600" b="0" i="0" dirty="0" smtClean="0">
+                <a:solidFill>
+                  <a:srgbClr val="000000"/>
+                </a:solidFill>
+                <a:effectLst/>
+                <a:latin typeface="Courier" charset="0"/>
+              </a:rPr>
+              <a:t>",</a:t>
+            </a:r>
+            <a:endParaRPr lang="en-US" sz="1600" b="0" i="0" dirty="0" smtClean="0">
+              <a:solidFill>
+                <a:srgbClr val="000000"/>
+              </a:solidFill>
+              <a:effectLst/>
+              <a:latin typeface="Helvetica" charset="0"/>
+            </a:endParaRPr>
+          </a:p>
+          <a:p>
+            <a:r>
+              <a:rPr lang="en-US" sz="1600" b="0" i="0" dirty="0" smtClean="0">
+                <a:solidFill>
+                  <a:srgbClr val="000000"/>
+                </a:solidFill>
+                <a:effectLst/>
+                <a:latin typeface="Courier" charset="0"/>
+              </a:rPr>
+              <a:t>  "</a:t>
+            </a:r>
+            <a:r>
+              <a:rPr lang="en-US" sz="1600" b="0" i="0" dirty="0" err="1" smtClean="0">
+                <a:solidFill>
+                  <a:srgbClr val="000000"/>
+                </a:solidFill>
+                <a:effectLst/>
+                <a:latin typeface="Courier" charset="0"/>
+              </a:rPr>
+              <a:t>rdfs:subClassOf</a:t>
+            </a:r>
+            <a:r>
+              <a:rPr lang="en-US" sz="1600" b="0" i="0" dirty="0" smtClean="0">
+                <a:solidFill>
+                  <a:srgbClr val="000000"/>
+                </a:solidFill>
+                <a:effectLst/>
+                <a:latin typeface="Courier" charset="0"/>
+              </a:rPr>
+              <a:t>": {</a:t>
+            </a:r>
+            <a:endParaRPr lang="en-US" sz="1600" b="0" i="0" dirty="0" smtClean="0">
+              <a:solidFill>
+                <a:srgbClr val="000000"/>
+              </a:solidFill>
+              <a:effectLst/>
+              <a:latin typeface="Helvetica" charset="0"/>
+            </a:endParaRPr>
+          </a:p>
+          <a:p>
+            <a:r>
+              <a:rPr lang="en-US" sz="1600" b="0" i="0" dirty="0" smtClean="0">
+                <a:solidFill>
+                  <a:srgbClr val="000000"/>
+                </a:solidFill>
+                <a:effectLst/>
+                <a:latin typeface="Courier" charset="0"/>
+              </a:rPr>
+              <a:t>    "@id": "</a:t>
+            </a:r>
+            <a:r>
+              <a:rPr lang="en-US" sz="1600" b="0" i="0" dirty="0" err="1" smtClean="0">
+                <a:solidFill>
+                  <a:srgbClr val="000000"/>
+                </a:solidFill>
+                <a:effectLst/>
+                <a:latin typeface="Courier" charset="0"/>
+              </a:rPr>
+              <a:t>iot:Action</a:t>
+            </a:r>
+            <a:r>
+              <a:rPr lang="en-US" sz="1600" b="0" i="0" dirty="0" smtClean="0">
+                <a:solidFill>
+                  <a:srgbClr val="000000"/>
+                </a:solidFill>
+                <a:effectLst/>
+                <a:latin typeface="Courier" charset="0"/>
+              </a:rPr>
+              <a:t>"</a:t>
+            </a:r>
+            <a:endParaRPr lang="en-US" sz="1600" b="0" i="0" dirty="0" smtClean="0">
+              <a:solidFill>
+                <a:srgbClr val="000000"/>
+              </a:solidFill>
+              <a:effectLst/>
+              <a:latin typeface="Helvetica" charset="0"/>
+            </a:endParaRPr>
+          </a:p>
+          <a:p>
+            <a:r>
+              <a:rPr lang="en-US" sz="1600" b="0" i="0" dirty="0" smtClean="0">
+                <a:solidFill>
+                  <a:srgbClr val="000000"/>
+                </a:solidFill>
+                <a:effectLst/>
+                <a:latin typeface="Courier" charset="0"/>
+              </a:rPr>
+              <a:t>  }</a:t>
+            </a:r>
+            <a:endParaRPr lang="en-US" sz="1600" b="0" i="0" dirty="0" smtClean="0">
+              <a:solidFill>
+                <a:srgbClr val="000000"/>
+              </a:solidFill>
+              <a:effectLst/>
+              <a:latin typeface="Helvetica" charset="0"/>
+            </a:endParaRPr>
+          </a:p>
+          <a:p>
+            <a:r>
+              <a:rPr lang="en-US" sz="1600" b="0" i="0" dirty="0" smtClean="0">
+                <a:solidFill>
+                  <a:srgbClr val="000000"/>
+                </a:solidFill>
+                <a:effectLst/>
+                <a:latin typeface="Courier" charset="0"/>
+              </a:rPr>
+              <a:t>},</a:t>
+            </a:r>
+            <a:endParaRPr lang="en-US" sz="1600" b="0" i="0" dirty="0" smtClean="0">
+              <a:solidFill>
+                <a:srgbClr val="000000"/>
+              </a:solidFill>
+              <a:effectLst/>
+              <a:latin typeface="Helvetica" charset="0"/>
+            </a:endParaRPr>
+          </a:p>
+          <a:p>
+            <a:r>
+              <a:rPr lang="en-US" sz="1600" b="0" i="0" dirty="0" smtClean="0">
+                <a:solidFill>
+                  <a:srgbClr val="000000"/>
+                </a:solidFill>
+                <a:effectLst/>
+                <a:latin typeface="Courier" charset="0"/>
+              </a:rPr>
+              <a:t>{</a:t>
+            </a:r>
+            <a:endParaRPr lang="en-US" sz="1600" b="0" i="0" dirty="0" smtClean="0">
+              <a:solidFill>
+                <a:srgbClr val="000000"/>
+              </a:solidFill>
+              <a:effectLst/>
+              <a:latin typeface="Helvetica" charset="0"/>
+            </a:endParaRPr>
+          </a:p>
+          <a:p>
+            <a:r>
+              <a:rPr lang="en-US" sz="1600" b="0" i="0" dirty="0" smtClean="0">
+                <a:solidFill>
+                  <a:srgbClr val="000000"/>
+                </a:solidFill>
+                <a:effectLst/>
+                <a:latin typeface="Courier" charset="0"/>
+              </a:rPr>
+              <a:t>  "@id": "</a:t>
+            </a:r>
+            <a:r>
+              <a:rPr lang="en-US" sz="1600" dirty="0" err="1" smtClean="0">
+                <a:solidFill>
+                  <a:srgbClr val="FF0000"/>
+                </a:solidFill>
+                <a:latin typeface="Courier" charset="0"/>
+              </a:rPr>
+              <a:t>iot:Capability.Switch.Action.Off</a:t>
+            </a:r>
+            <a:r>
+              <a:rPr lang="en-US" sz="1600" b="0" i="0" dirty="0" smtClean="0">
+                <a:solidFill>
+                  <a:srgbClr val="000000"/>
+                </a:solidFill>
+                <a:effectLst/>
+                <a:latin typeface="Courier" charset="0"/>
+              </a:rPr>
+              <a:t>",</a:t>
+            </a:r>
+            <a:endParaRPr lang="en-US" sz="1600" b="0" i="0" dirty="0" smtClean="0">
+              <a:solidFill>
+                <a:srgbClr val="000000"/>
+              </a:solidFill>
+              <a:effectLst/>
+              <a:latin typeface="Helvetica" charset="0"/>
+            </a:endParaRPr>
+          </a:p>
+          <a:p>
+            <a:r>
+              <a:rPr lang="en-US" sz="1600" b="0" i="0" dirty="0" smtClean="0">
+                <a:solidFill>
+                  <a:srgbClr val="000000"/>
+                </a:solidFill>
+                <a:effectLst/>
+                <a:latin typeface="Courier" charset="0"/>
+              </a:rPr>
+              <a:t>  "@type": "</a:t>
+            </a:r>
+            <a:r>
+              <a:rPr lang="en-US" sz="1600" b="0" i="0" dirty="0" err="1" smtClean="0">
+                <a:solidFill>
+                  <a:srgbClr val="000000"/>
+                </a:solidFill>
+                <a:effectLst/>
+                <a:latin typeface="Courier" charset="0"/>
+              </a:rPr>
+              <a:t>rdfs:Class</a:t>
+            </a:r>
+            <a:r>
+              <a:rPr lang="en-US" sz="1600" b="0" i="0" dirty="0" smtClean="0">
+                <a:solidFill>
+                  <a:srgbClr val="000000"/>
+                </a:solidFill>
+                <a:effectLst/>
+                <a:latin typeface="Courier" charset="0"/>
+              </a:rPr>
+              <a:t>",</a:t>
+            </a:r>
+            <a:endParaRPr lang="en-US" sz="1600" b="0" i="0" dirty="0" smtClean="0">
+              <a:solidFill>
+                <a:srgbClr val="000000"/>
+              </a:solidFill>
+              <a:effectLst/>
+              <a:latin typeface="Helvetica" charset="0"/>
+            </a:endParaRPr>
+          </a:p>
+          <a:p>
+            <a:r>
+              <a:rPr lang="en-US" sz="1600" b="0" i="0" dirty="0" smtClean="0">
+                <a:solidFill>
+                  <a:srgbClr val="000000"/>
+                </a:solidFill>
+                <a:effectLst/>
+                <a:latin typeface="Courier" charset="0"/>
+              </a:rPr>
+              <a:t>  "</a:t>
+            </a:r>
+            <a:r>
+              <a:rPr lang="en-US" sz="1600" b="0" i="0" dirty="0" err="1" smtClean="0">
+                <a:solidFill>
+                  <a:srgbClr val="000000"/>
+                </a:solidFill>
+                <a:effectLst/>
+                <a:latin typeface="Courier" charset="0"/>
+              </a:rPr>
+              <a:t>rdfs:label</a:t>
+            </a:r>
+            <a:r>
+              <a:rPr lang="en-US" sz="1600" b="0" i="0" dirty="0" smtClean="0">
+                <a:solidFill>
+                  <a:srgbClr val="000000"/>
+                </a:solidFill>
+                <a:effectLst/>
+                <a:latin typeface="Courier" charset="0"/>
+              </a:rPr>
+              <a:t>": "</a:t>
+            </a:r>
+            <a:r>
+              <a:rPr lang="en-US" sz="1600" b="0" i="0" dirty="0" err="1" smtClean="0">
+                <a:solidFill>
+                  <a:srgbClr val="000000"/>
+                </a:solidFill>
+                <a:effectLst/>
+                <a:latin typeface="Courier" charset="0"/>
+              </a:rPr>
+              <a:t>SwitchOffAction</a:t>
+            </a:r>
+            <a:r>
+              <a:rPr lang="en-US" sz="1600" b="0" i="0" dirty="0" smtClean="0">
+                <a:solidFill>
+                  <a:srgbClr val="000000"/>
+                </a:solidFill>
+                <a:effectLst/>
+                <a:latin typeface="Courier" charset="0"/>
+              </a:rPr>
+              <a:t>",</a:t>
+            </a:r>
+            <a:endParaRPr lang="en-US" sz="1600" b="0" i="0" dirty="0" smtClean="0">
+              <a:solidFill>
+                <a:srgbClr val="000000"/>
+              </a:solidFill>
+              <a:effectLst/>
+              <a:latin typeface="Helvetica" charset="0"/>
+            </a:endParaRPr>
+          </a:p>
+          <a:p>
+            <a:r>
+              <a:rPr lang="en-US" sz="1600" b="0" i="0" dirty="0" smtClean="0">
+                <a:solidFill>
+                  <a:srgbClr val="000000"/>
+                </a:solidFill>
+                <a:effectLst/>
+                <a:latin typeface="Courier" charset="0"/>
+              </a:rPr>
+              <a:t>  "</a:t>
+            </a:r>
+            <a:r>
+              <a:rPr lang="en-US" sz="1600" b="0" i="0" dirty="0" err="1" smtClean="0">
+                <a:solidFill>
+                  <a:srgbClr val="000000"/>
+                </a:solidFill>
+                <a:effectLst/>
+                <a:latin typeface="Courier" charset="0"/>
+              </a:rPr>
+              <a:t>rdfs:subClassOf</a:t>
+            </a:r>
+            <a:r>
+              <a:rPr lang="en-US" sz="1600" b="0" i="0" dirty="0" smtClean="0">
+                <a:solidFill>
+                  <a:srgbClr val="000000"/>
+                </a:solidFill>
+                <a:effectLst/>
+                <a:latin typeface="Courier" charset="0"/>
+              </a:rPr>
+              <a:t>": {</a:t>
+            </a:r>
+            <a:endParaRPr lang="en-US" sz="1600" b="0" i="0" dirty="0" smtClean="0">
+              <a:solidFill>
+                <a:srgbClr val="000000"/>
+              </a:solidFill>
+              <a:effectLst/>
+              <a:latin typeface="Helvetica" charset="0"/>
+            </a:endParaRPr>
+          </a:p>
+          <a:p>
+            <a:r>
+              <a:rPr lang="en-US" sz="1600" b="0" i="0" dirty="0" smtClean="0">
+                <a:solidFill>
+                  <a:srgbClr val="000000"/>
+                </a:solidFill>
+                <a:effectLst/>
+                <a:latin typeface="Courier" charset="0"/>
+              </a:rPr>
+              <a:t>    "@id": "</a:t>
+            </a:r>
+            <a:r>
+              <a:rPr lang="en-US" sz="1600" b="0" i="0" dirty="0" err="1" smtClean="0">
+                <a:solidFill>
+                  <a:srgbClr val="000000"/>
+                </a:solidFill>
+                <a:effectLst/>
+                <a:latin typeface="Courier" charset="0"/>
+              </a:rPr>
+              <a:t>iot:Action</a:t>
+            </a:r>
+            <a:r>
+              <a:rPr lang="en-US" sz="1600" b="0" i="0" dirty="0" smtClean="0">
+                <a:solidFill>
+                  <a:srgbClr val="000000"/>
+                </a:solidFill>
+                <a:effectLst/>
+                <a:latin typeface="Courier" charset="0"/>
+              </a:rPr>
+              <a:t>"</a:t>
+            </a:r>
+            <a:endParaRPr lang="en-US" sz="1600" b="0" i="0" dirty="0" smtClean="0">
+              <a:solidFill>
+                <a:srgbClr val="000000"/>
+              </a:solidFill>
+              <a:effectLst/>
+              <a:latin typeface="Helvetica" charset="0"/>
+            </a:endParaRPr>
+          </a:p>
+          <a:p>
+            <a:r>
+              <a:rPr lang="en-US" sz="1600" b="0" i="0" dirty="0" smtClean="0">
+                <a:solidFill>
+                  <a:srgbClr val="000000"/>
+                </a:solidFill>
+                <a:effectLst/>
+                <a:latin typeface="Courier" charset="0"/>
+              </a:rPr>
+              <a:t>  }</a:t>
+            </a:r>
+            <a:endParaRPr lang="en-US" sz="1600" b="0" i="0" dirty="0" smtClean="0">
+              <a:solidFill>
+                <a:srgbClr val="000000"/>
+              </a:solidFill>
+              <a:effectLst/>
+              <a:latin typeface="Helvetica" charset="0"/>
+            </a:endParaRPr>
+          </a:p>
+          <a:p>
+            <a:r>
+              <a:rPr lang="en-US" sz="1600" b="0" i="0" dirty="0" smtClean="0">
+                <a:solidFill>
+                  <a:srgbClr val="000000"/>
+                </a:solidFill>
+                <a:effectLst/>
+                <a:latin typeface="Courier" charset="0"/>
+              </a:rPr>
+              <a:t>}</a:t>
+            </a:r>
+            <a:endParaRPr lang="en-US" sz="1600" b="0" i="0" dirty="0">
+              <a:solidFill>
+                <a:srgbClr val="000000"/>
+              </a:solidFill>
+              <a:effectLst/>
+              <a:latin typeface="Helvetica" charset="0"/>
+            </a:endParaRPr>
+          </a:p>
+        </p:txBody>
+      </p:sp>
+    </p:spTree>
+    <p:extLst>
+      <p:ext uri="{BB962C8B-B14F-4D97-AF65-F5344CB8AC3E}">
+        <p14:creationId xmlns:p14="http://schemas.microsoft.com/office/powerpoint/2010/main" val="1305623076"/>
+      </p:ext>
+    </p:extLst>
+  </p:cSld>
+  <p:clrMapOvr>
+    <a:masterClrMapping/>
+  </p:clrMapOvr>
+</p:sld>
+</file>
+
+<file path=ppt/slides/slide25.xml><?xml version="1.0" encoding="utf-8"?>
+<p:sld xmlns:a="http://schemas.openxmlformats.org/drawingml/2006/main" xmlns:r="http://schemas.openxmlformats.org/officeDocument/2006/relationships" xmlns:p="http://schemas.openxmlformats.org/presentationml/2006/main">
+  <p:cSld>
+    <p:spTree>
+      <p:nvGrpSpPr>
+        <p:cNvPr id="1" name=""/>
+        <p:cNvGrpSpPr/>
+        <p:nvPr/>
+      </p:nvGrpSpPr>
+      <p:grpSpPr>
+        <a:xfrm>
+          <a:off x="0" y="0"/>
+          <a:ext cx="0" cy="0"/>
+          <a:chOff x="0" y="0"/>
+          <a:chExt cx="0" cy="0"/>
+        </a:xfrm>
+      </p:grpSpPr>
+      <p:sp>
+        <p:nvSpPr>
+          <p:cNvPr id="2" name="Title 1"/>
+          <p:cNvSpPr>
+            <a:spLocks noGrp="1"/>
+          </p:cNvSpPr>
+          <p:nvPr>
+            <p:ph type="title"/>
+          </p:nvPr>
+        </p:nvSpPr>
+        <p:spPr>
+          <a:xfrm>
+            <a:off x="566305" y="0"/>
+            <a:ext cx="7886700" cy="1325563"/>
+          </a:xfrm>
+        </p:spPr>
+        <p:txBody>
+          <a:bodyPr/>
+          <a:lstStyle/>
+          <a:p>
+            <a:r>
+              <a:rPr lang="en-US" dirty="0" smtClean="0"/>
+              <a:t>Properties and Data </a:t>
+            </a:r>
+            <a:r>
+              <a:rPr lang="en-US" dirty="0" smtClean="0"/>
+              <a:t>Types (.)</a:t>
+            </a:r>
+            <a:endParaRPr lang="en-US" dirty="0"/>
+          </a:p>
+        </p:txBody>
+      </p:sp>
+      <p:sp>
+        <p:nvSpPr>
+          <p:cNvPr id="4" name="Rectangle 3"/>
+          <p:cNvSpPr/>
+          <p:nvPr/>
+        </p:nvSpPr>
+        <p:spPr>
+          <a:xfrm>
+            <a:off x="2078181" y="1066766"/>
+            <a:ext cx="7180117" cy="5509200"/>
+          </a:xfrm>
+          <a:prstGeom prst="rect">
+            <a:avLst/>
+          </a:prstGeom>
+        </p:spPr>
+        <p:txBody>
+          <a:bodyPr wrap="square">
+            <a:spAutoFit/>
+          </a:bodyPr>
+          <a:lstStyle/>
+          <a:p>
+            <a:r>
+              <a:rPr lang="en-US" sz="1600" b="0" i="0" dirty="0" smtClean="0">
+                <a:solidFill>
+                  <a:srgbClr val="000000"/>
+                </a:solidFill>
+                <a:effectLst/>
+                <a:latin typeface="Courier" charset="0"/>
+              </a:rPr>
+              <a:t>{</a:t>
+            </a:r>
+            <a:endParaRPr lang="en-US" sz="1600" b="0" i="0" dirty="0" smtClean="0">
+              <a:solidFill>
+                <a:srgbClr val="000000"/>
+              </a:solidFill>
+              <a:effectLst/>
+              <a:latin typeface="Helvetica" charset="0"/>
+            </a:endParaRPr>
+          </a:p>
+          <a:p>
+            <a:r>
+              <a:rPr lang="en-US" sz="1600" b="0" i="0" dirty="0" smtClean="0">
+                <a:solidFill>
+                  <a:srgbClr val="000000"/>
+                </a:solidFill>
+                <a:effectLst/>
+                <a:latin typeface="Courier" charset="0"/>
+              </a:rPr>
+              <a:t>  "@id": "</a:t>
+            </a:r>
+            <a:r>
+              <a:rPr lang="en-US" sz="1600" dirty="0" err="1">
+                <a:solidFill>
+                  <a:srgbClr val="FF0000"/>
+                </a:solidFill>
+                <a:latin typeface="Courier" charset="0"/>
+              </a:rPr>
+              <a:t>iot:Capability.Switch.Property.State</a:t>
+            </a:r>
+            <a:r>
+              <a:rPr lang="en-US" sz="1600" b="0" i="0" dirty="0" smtClean="0">
+                <a:solidFill>
+                  <a:srgbClr val="000000"/>
+                </a:solidFill>
+                <a:effectLst/>
+                <a:latin typeface="Courier" charset="0"/>
+              </a:rPr>
+              <a:t>",</a:t>
+            </a:r>
+            <a:endParaRPr lang="en-US" sz="1600" b="0" i="0" dirty="0" smtClean="0">
+              <a:solidFill>
+                <a:srgbClr val="000000"/>
+              </a:solidFill>
+              <a:effectLst/>
+              <a:latin typeface="Helvetica" charset="0"/>
+            </a:endParaRPr>
+          </a:p>
+          <a:p>
+            <a:r>
+              <a:rPr lang="en-US" sz="1600" b="0" i="0" dirty="0" smtClean="0">
+                <a:solidFill>
+                  <a:srgbClr val="000000"/>
+                </a:solidFill>
+                <a:effectLst/>
+                <a:latin typeface="Courier" charset="0"/>
+              </a:rPr>
+              <a:t>  "@type": "</a:t>
+            </a:r>
+            <a:r>
+              <a:rPr lang="en-US" sz="1600" b="0" i="0" dirty="0" err="1" smtClean="0">
+                <a:solidFill>
+                  <a:srgbClr val="000000"/>
+                </a:solidFill>
+                <a:effectLst/>
+                <a:latin typeface="Courier" charset="0"/>
+              </a:rPr>
+              <a:t>rdfs:Class</a:t>
+            </a:r>
+            <a:r>
+              <a:rPr lang="en-US" sz="1600" b="0" i="0" dirty="0" smtClean="0">
+                <a:solidFill>
+                  <a:srgbClr val="000000"/>
+                </a:solidFill>
+                <a:effectLst/>
+                <a:latin typeface="Courier" charset="0"/>
+              </a:rPr>
+              <a:t>",</a:t>
+            </a:r>
+            <a:endParaRPr lang="en-US" sz="1600" b="0" i="0" dirty="0" smtClean="0">
+              <a:solidFill>
+                <a:srgbClr val="000000"/>
+              </a:solidFill>
+              <a:effectLst/>
+              <a:latin typeface="Helvetica" charset="0"/>
+            </a:endParaRPr>
+          </a:p>
+          <a:p>
+            <a:r>
+              <a:rPr lang="en-US" sz="1600" b="0" i="0" dirty="0" smtClean="0">
+                <a:solidFill>
+                  <a:srgbClr val="000000"/>
+                </a:solidFill>
+                <a:effectLst/>
+                <a:latin typeface="Courier" charset="0"/>
+              </a:rPr>
+              <a:t>  "</a:t>
+            </a:r>
+            <a:r>
+              <a:rPr lang="en-US" sz="1600" b="0" i="0" dirty="0" err="1" smtClean="0">
+                <a:solidFill>
+                  <a:srgbClr val="000000"/>
+                </a:solidFill>
+                <a:effectLst/>
+                <a:latin typeface="Courier" charset="0"/>
+              </a:rPr>
+              <a:t>rdfs:label</a:t>
+            </a:r>
+            <a:r>
+              <a:rPr lang="en-US" sz="1600" b="0" i="0" dirty="0" smtClean="0">
+                <a:solidFill>
+                  <a:srgbClr val="000000"/>
+                </a:solidFill>
+                <a:effectLst/>
+                <a:latin typeface="Courier" charset="0"/>
+              </a:rPr>
+              <a:t>": "</a:t>
+            </a:r>
+            <a:r>
+              <a:rPr lang="en-US" sz="1600" b="0" i="0" dirty="0" err="1" smtClean="0">
+                <a:solidFill>
+                  <a:srgbClr val="000000"/>
+                </a:solidFill>
+                <a:effectLst/>
+                <a:latin typeface="Courier" charset="0"/>
+              </a:rPr>
+              <a:t>SwitchStateProperty</a:t>
+            </a:r>
+            <a:r>
+              <a:rPr lang="en-US" sz="1600" b="0" i="0" dirty="0" smtClean="0">
+                <a:solidFill>
+                  <a:srgbClr val="000000"/>
+                </a:solidFill>
+                <a:effectLst/>
+                <a:latin typeface="Courier" charset="0"/>
+              </a:rPr>
+              <a:t>",</a:t>
+            </a:r>
+            <a:endParaRPr lang="en-US" sz="1600" b="0" i="0" dirty="0" smtClean="0">
+              <a:solidFill>
+                <a:srgbClr val="000000"/>
+              </a:solidFill>
+              <a:effectLst/>
+              <a:latin typeface="Helvetica" charset="0"/>
+            </a:endParaRPr>
+          </a:p>
+          <a:p>
+            <a:r>
+              <a:rPr lang="en-US" sz="1600" b="0" i="0" dirty="0" smtClean="0">
+                <a:solidFill>
+                  <a:srgbClr val="000000"/>
+                </a:solidFill>
+                <a:effectLst/>
+                <a:latin typeface="Courier" charset="0"/>
+              </a:rPr>
+              <a:t>  "</a:t>
+            </a:r>
+            <a:r>
+              <a:rPr lang="en-US" sz="1600" b="0" i="0" dirty="0" err="1" smtClean="0">
+                <a:solidFill>
+                  <a:srgbClr val="000000"/>
+                </a:solidFill>
+                <a:effectLst/>
+                <a:latin typeface="Courier" charset="0"/>
+              </a:rPr>
+              <a:t>rdfs:subClassOf</a:t>
+            </a:r>
+            <a:r>
+              <a:rPr lang="en-US" sz="1600" b="0" i="0" dirty="0" smtClean="0">
+                <a:solidFill>
+                  <a:srgbClr val="000000"/>
+                </a:solidFill>
+                <a:effectLst/>
+                <a:latin typeface="Courier" charset="0"/>
+              </a:rPr>
+              <a:t>": {</a:t>
+            </a:r>
+            <a:endParaRPr lang="en-US" sz="1600" b="0" i="0" dirty="0" smtClean="0">
+              <a:solidFill>
+                <a:srgbClr val="000000"/>
+              </a:solidFill>
+              <a:effectLst/>
+              <a:latin typeface="Helvetica" charset="0"/>
+            </a:endParaRPr>
+          </a:p>
+          <a:p>
+            <a:r>
+              <a:rPr lang="en-US" sz="1600" b="0" i="0" dirty="0" smtClean="0">
+                <a:solidFill>
+                  <a:srgbClr val="000000"/>
+                </a:solidFill>
+                <a:effectLst/>
+                <a:latin typeface="Courier" charset="0"/>
+              </a:rPr>
+              <a:t>    "@id": "</a:t>
+            </a:r>
+            <a:r>
+              <a:rPr lang="en-US" sz="1600" b="0" i="0" dirty="0" err="1" smtClean="0">
+                <a:solidFill>
+                  <a:srgbClr val="000000"/>
+                </a:solidFill>
+                <a:effectLst/>
+                <a:latin typeface="Courier" charset="0"/>
+              </a:rPr>
+              <a:t>iot:Property</a:t>
+            </a:r>
+            <a:r>
+              <a:rPr lang="en-US" sz="1600" b="0" i="0" dirty="0" smtClean="0">
+                <a:solidFill>
+                  <a:srgbClr val="000000"/>
+                </a:solidFill>
+                <a:effectLst/>
+                <a:latin typeface="Courier" charset="0"/>
+              </a:rPr>
+              <a:t>"</a:t>
+            </a:r>
+            <a:endParaRPr lang="en-US" sz="1600" b="0" i="0" dirty="0" smtClean="0">
+              <a:solidFill>
+                <a:srgbClr val="000000"/>
+              </a:solidFill>
+              <a:effectLst/>
+              <a:latin typeface="Helvetica" charset="0"/>
+            </a:endParaRPr>
+          </a:p>
+          <a:p>
+            <a:r>
+              <a:rPr lang="en-US" sz="1600" b="0" i="0" dirty="0" smtClean="0">
+                <a:solidFill>
+                  <a:srgbClr val="000000"/>
+                </a:solidFill>
+                <a:effectLst/>
+                <a:latin typeface="Courier" charset="0"/>
+              </a:rPr>
+              <a:t>  },</a:t>
+            </a:r>
+            <a:endParaRPr lang="en-US" sz="1600" b="0" i="0" dirty="0" smtClean="0">
+              <a:solidFill>
+                <a:srgbClr val="000000"/>
+              </a:solidFill>
+              <a:effectLst/>
+              <a:latin typeface="Helvetica" charset="0"/>
+            </a:endParaRPr>
+          </a:p>
+          <a:p>
+            <a:r>
+              <a:rPr lang="en-US" sz="1600" b="0" i="0" dirty="0" smtClean="0">
+                <a:solidFill>
+                  <a:srgbClr val="000000"/>
+                </a:solidFill>
+                <a:effectLst/>
+                <a:latin typeface="Courier" charset="0"/>
+              </a:rPr>
+              <a:t>  "</a:t>
+            </a:r>
+            <a:r>
+              <a:rPr lang="en-US" sz="1600" b="0" i="0" dirty="0" err="1" smtClean="0">
+                <a:solidFill>
+                  <a:srgbClr val="000000"/>
+                </a:solidFill>
+                <a:effectLst/>
+                <a:latin typeface="Courier" charset="0"/>
+              </a:rPr>
+              <a:t>iot:providesOutputData</a:t>
+            </a:r>
+            <a:r>
+              <a:rPr lang="en-US" sz="1600" b="0" i="0" dirty="0" smtClean="0">
+                <a:solidFill>
+                  <a:srgbClr val="000000"/>
+                </a:solidFill>
+                <a:effectLst/>
+                <a:latin typeface="Courier" charset="0"/>
+              </a:rPr>
+              <a:t>": {</a:t>
+            </a:r>
+            <a:endParaRPr lang="en-US" sz="1600" b="0" i="0" dirty="0" smtClean="0">
+              <a:solidFill>
+                <a:srgbClr val="000000"/>
+              </a:solidFill>
+              <a:effectLst/>
+              <a:latin typeface="Helvetica" charset="0"/>
+            </a:endParaRPr>
+          </a:p>
+          <a:p>
+            <a:r>
+              <a:rPr lang="en-US" sz="1600" b="0" i="0" dirty="0" smtClean="0">
+                <a:solidFill>
+                  <a:srgbClr val="000000"/>
+                </a:solidFill>
+                <a:effectLst/>
+                <a:latin typeface="Courier" charset="0"/>
+              </a:rPr>
+              <a:t>    "@id": "</a:t>
+            </a:r>
+            <a:r>
+              <a:rPr lang="en-US" sz="1600" dirty="0" err="1" smtClean="0">
+                <a:solidFill>
+                  <a:srgbClr val="FF0000"/>
+                </a:solidFill>
+                <a:latin typeface="Courier" charset="0"/>
+              </a:rPr>
+              <a:t>iot:Capability.Switch.Property.State.Data</a:t>
+            </a:r>
+            <a:r>
+              <a:rPr lang="en-US" sz="1600" b="0" i="0" dirty="0" smtClean="0">
+                <a:solidFill>
+                  <a:srgbClr val="000000"/>
+                </a:solidFill>
+                <a:effectLst/>
+                <a:latin typeface="Courier" charset="0"/>
+              </a:rPr>
+              <a:t>"</a:t>
+            </a:r>
+            <a:endParaRPr lang="en-US" sz="1600" b="0" i="0" dirty="0" smtClean="0">
+              <a:solidFill>
+                <a:srgbClr val="000000"/>
+              </a:solidFill>
+              <a:effectLst/>
+              <a:latin typeface="Helvetica" charset="0"/>
+            </a:endParaRPr>
+          </a:p>
+          <a:p>
+            <a:r>
+              <a:rPr lang="en-US" sz="1600" b="0" i="0" dirty="0" smtClean="0">
+                <a:solidFill>
+                  <a:srgbClr val="000000"/>
+                </a:solidFill>
+                <a:effectLst/>
+                <a:latin typeface="Courier" charset="0"/>
+              </a:rPr>
+              <a:t>  }</a:t>
+            </a:r>
+            <a:endParaRPr lang="en-US" sz="1600" b="0" i="0" dirty="0" smtClean="0">
+              <a:solidFill>
+                <a:srgbClr val="000000"/>
+              </a:solidFill>
+              <a:effectLst/>
+              <a:latin typeface="Helvetica" charset="0"/>
+            </a:endParaRPr>
+          </a:p>
+          <a:p>
+            <a:r>
+              <a:rPr lang="en-US" sz="1600" b="0" i="0" dirty="0" smtClean="0">
+                <a:solidFill>
+                  <a:srgbClr val="000000"/>
+                </a:solidFill>
+                <a:effectLst/>
+                <a:latin typeface="Courier" charset="0"/>
+              </a:rPr>
+              <a:t>},</a:t>
+            </a:r>
+            <a:endParaRPr lang="en-US" sz="1600" b="0" i="0" dirty="0" smtClean="0">
+              <a:solidFill>
+                <a:srgbClr val="000000"/>
+              </a:solidFill>
+              <a:effectLst/>
+              <a:latin typeface="Helvetica" charset="0"/>
+            </a:endParaRPr>
+          </a:p>
+          <a:p>
+            <a:r>
+              <a:rPr lang="en-US" sz="1600" b="0" i="0" dirty="0" smtClean="0">
+                <a:solidFill>
+                  <a:srgbClr val="000000"/>
+                </a:solidFill>
+                <a:effectLst/>
+                <a:latin typeface="Courier" charset="0"/>
+              </a:rPr>
+              <a:t>{</a:t>
+            </a:r>
+            <a:endParaRPr lang="en-US" sz="1600" b="0" i="0" dirty="0" smtClean="0">
+              <a:solidFill>
+                <a:srgbClr val="000000"/>
+              </a:solidFill>
+              <a:effectLst/>
+              <a:latin typeface="Helvetica" charset="0"/>
+            </a:endParaRPr>
+          </a:p>
+          <a:p>
+            <a:r>
+              <a:rPr lang="en-US" sz="1600" b="0" i="0" dirty="0" smtClean="0">
+                <a:solidFill>
+                  <a:srgbClr val="000000"/>
+                </a:solidFill>
+                <a:effectLst/>
+                <a:latin typeface="Courier" charset="0"/>
+              </a:rPr>
+              <a:t>  "@id": "</a:t>
+            </a:r>
+            <a:r>
+              <a:rPr lang="en-US" sz="1600" dirty="0" err="1">
+                <a:solidFill>
+                  <a:srgbClr val="FF0000"/>
+                </a:solidFill>
+                <a:latin typeface="Courier" charset="0"/>
+              </a:rPr>
+              <a:t>iot:Capability.Switch.Property.State.Data</a:t>
+            </a:r>
+            <a:r>
+              <a:rPr lang="en-US" sz="1600" b="0" i="0" dirty="0" smtClean="0">
+                <a:solidFill>
+                  <a:srgbClr val="000000"/>
+                </a:solidFill>
+                <a:effectLst/>
+                <a:latin typeface="Courier" charset="0"/>
+              </a:rPr>
+              <a:t>",</a:t>
+            </a:r>
+            <a:endParaRPr lang="en-US" sz="1600" b="0" i="0" dirty="0" smtClean="0">
+              <a:solidFill>
+                <a:srgbClr val="000000"/>
+              </a:solidFill>
+              <a:effectLst/>
+              <a:latin typeface="Helvetica" charset="0"/>
+            </a:endParaRPr>
+          </a:p>
+          <a:p>
+            <a:r>
+              <a:rPr lang="en-US" sz="1600" b="0" i="0" dirty="0" smtClean="0">
+                <a:solidFill>
+                  <a:srgbClr val="000000"/>
+                </a:solidFill>
+                <a:effectLst/>
+                <a:latin typeface="Courier" charset="0"/>
+              </a:rPr>
+              <a:t>  "@type": "</a:t>
+            </a:r>
+            <a:r>
+              <a:rPr lang="en-US" sz="1600" b="0" i="0" dirty="0" err="1" smtClean="0">
+                <a:solidFill>
+                  <a:srgbClr val="000000"/>
+                </a:solidFill>
+                <a:effectLst/>
+                <a:latin typeface="Courier" charset="0"/>
+              </a:rPr>
+              <a:t>rdfs:Class</a:t>
+            </a:r>
+            <a:r>
+              <a:rPr lang="en-US" sz="1600" b="0" i="0" dirty="0" smtClean="0">
+                <a:solidFill>
+                  <a:srgbClr val="000000"/>
+                </a:solidFill>
+                <a:effectLst/>
+                <a:latin typeface="Courier" charset="0"/>
+              </a:rPr>
+              <a:t>",</a:t>
+            </a:r>
+            <a:endParaRPr lang="en-US" sz="1600" b="0" i="0" dirty="0" smtClean="0">
+              <a:solidFill>
+                <a:srgbClr val="000000"/>
+              </a:solidFill>
+              <a:effectLst/>
+              <a:latin typeface="Helvetica" charset="0"/>
+            </a:endParaRPr>
+          </a:p>
+          <a:p>
+            <a:r>
+              <a:rPr lang="en-US" sz="1600" b="0" i="0" dirty="0" smtClean="0">
+                <a:solidFill>
+                  <a:srgbClr val="000000"/>
+                </a:solidFill>
+                <a:effectLst/>
+                <a:latin typeface="Courier" charset="0"/>
+              </a:rPr>
+              <a:t>  "</a:t>
+            </a:r>
+            <a:r>
+              <a:rPr lang="en-US" sz="1600" b="0" i="0" dirty="0" err="1" smtClean="0">
+                <a:solidFill>
+                  <a:srgbClr val="000000"/>
+                </a:solidFill>
+                <a:effectLst/>
+                <a:latin typeface="Courier" charset="0"/>
+              </a:rPr>
+              <a:t>rdfs:label</a:t>
+            </a:r>
+            <a:r>
+              <a:rPr lang="en-US" sz="1600" b="0" i="0" dirty="0" smtClean="0">
+                <a:solidFill>
+                  <a:srgbClr val="000000"/>
+                </a:solidFill>
+                <a:effectLst/>
+                <a:latin typeface="Courier" charset="0"/>
+              </a:rPr>
+              <a:t>": "</a:t>
+            </a:r>
+            <a:r>
+              <a:rPr lang="en-US" sz="1600" b="0" i="0" dirty="0" err="1" smtClean="0">
+                <a:solidFill>
+                  <a:srgbClr val="000000"/>
+                </a:solidFill>
+                <a:effectLst/>
+                <a:latin typeface="Courier" charset="0"/>
+              </a:rPr>
+              <a:t>SwitchStateData</a:t>
+            </a:r>
+            <a:r>
+              <a:rPr lang="en-US" sz="1600" b="0" i="0" dirty="0" smtClean="0">
+                <a:solidFill>
+                  <a:srgbClr val="000000"/>
+                </a:solidFill>
+                <a:effectLst/>
+                <a:latin typeface="Courier" charset="0"/>
+              </a:rPr>
+              <a:t>",</a:t>
+            </a:r>
+            <a:endParaRPr lang="en-US" sz="1600" b="0" i="0" dirty="0" smtClean="0">
+              <a:solidFill>
+                <a:srgbClr val="000000"/>
+              </a:solidFill>
+              <a:effectLst/>
+              <a:latin typeface="Helvetica" charset="0"/>
+            </a:endParaRPr>
+          </a:p>
+          <a:p>
+            <a:r>
+              <a:rPr lang="en-US" sz="1600" b="0" i="0" dirty="0" smtClean="0">
+                <a:solidFill>
+                  <a:srgbClr val="000000"/>
+                </a:solidFill>
+                <a:effectLst/>
+                <a:latin typeface="Courier" charset="0"/>
+              </a:rPr>
+              <a:t>  "</a:t>
+            </a:r>
+            <a:r>
+              <a:rPr lang="en-US" sz="1600" b="0" i="0" dirty="0" err="1" smtClean="0">
+                <a:solidFill>
+                  <a:srgbClr val="000000"/>
+                </a:solidFill>
+                <a:effectLst/>
+                <a:latin typeface="Courier" charset="0"/>
+              </a:rPr>
+              <a:t>rdfs:subClassOf</a:t>
+            </a:r>
+            <a:r>
+              <a:rPr lang="en-US" sz="1600" b="0" i="0" dirty="0" smtClean="0">
+                <a:solidFill>
+                  <a:srgbClr val="000000"/>
+                </a:solidFill>
+                <a:effectLst/>
+                <a:latin typeface="Courier" charset="0"/>
+              </a:rPr>
+              <a:t>": {</a:t>
+            </a:r>
+            <a:endParaRPr lang="en-US" sz="1600" b="0" i="0" dirty="0" smtClean="0">
+              <a:solidFill>
+                <a:srgbClr val="000000"/>
+              </a:solidFill>
+              <a:effectLst/>
+              <a:latin typeface="Helvetica" charset="0"/>
+            </a:endParaRPr>
+          </a:p>
+          <a:p>
+            <a:r>
+              <a:rPr lang="en-US" sz="1600" b="0" i="0" dirty="0" smtClean="0">
+                <a:solidFill>
+                  <a:srgbClr val="000000"/>
+                </a:solidFill>
+                <a:effectLst/>
+                <a:latin typeface="Courier" charset="0"/>
+              </a:rPr>
+              <a:t>    "@id": "</a:t>
+            </a:r>
+            <a:r>
+              <a:rPr lang="en-US" sz="1600" b="0" i="0" dirty="0" err="1" smtClean="0">
+                <a:solidFill>
+                  <a:srgbClr val="000000"/>
+                </a:solidFill>
+                <a:effectLst/>
+                <a:latin typeface="Courier" charset="0"/>
+              </a:rPr>
+              <a:t>schema:PropertyValue</a:t>
+            </a:r>
+            <a:r>
+              <a:rPr lang="en-US" sz="1600" b="0" i="0" dirty="0" smtClean="0">
+                <a:solidFill>
+                  <a:srgbClr val="000000"/>
+                </a:solidFill>
+                <a:effectLst/>
+                <a:latin typeface="Courier" charset="0"/>
+              </a:rPr>
+              <a:t>"</a:t>
+            </a:r>
+            <a:endParaRPr lang="en-US" sz="1600" b="0" i="0" dirty="0" smtClean="0">
+              <a:solidFill>
+                <a:srgbClr val="000000"/>
+              </a:solidFill>
+              <a:effectLst/>
+              <a:latin typeface="Helvetica" charset="0"/>
+            </a:endParaRPr>
+          </a:p>
+          <a:p>
+            <a:r>
+              <a:rPr lang="en-US" sz="1600" b="0" i="0" dirty="0" smtClean="0">
+                <a:solidFill>
+                  <a:srgbClr val="000000"/>
+                </a:solidFill>
+                <a:effectLst/>
+                <a:latin typeface="Courier" charset="0"/>
+              </a:rPr>
+              <a:t>  },</a:t>
+            </a:r>
+            <a:endParaRPr lang="en-US" sz="1600" b="0" i="0" dirty="0" smtClean="0">
+              <a:solidFill>
+                <a:srgbClr val="000000"/>
+              </a:solidFill>
+              <a:effectLst/>
+              <a:latin typeface="Helvetica" charset="0"/>
+            </a:endParaRPr>
+          </a:p>
+          <a:p>
+            <a:r>
+              <a:rPr lang="en-US" sz="1600" b="0" i="0" dirty="0" smtClean="0">
+                <a:solidFill>
+                  <a:srgbClr val="000000"/>
+                </a:solidFill>
+                <a:effectLst/>
+                <a:latin typeface="Courier" charset="0"/>
+              </a:rPr>
+              <a:t>  "</a:t>
+            </a:r>
+            <a:r>
+              <a:rPr lang="en-US" sz="1600" b="0" i="0" dirty="0" err="1" smtClean="0">
+                <a:solidFill>
+                  <a:srgbClr val="000000"/>
+                </a:solidFill>
+                <a:effectLst/>
+                <a:latin typeface="Courier" charset="0"/>
+              </a:rPr>
+              <a:t>schema:propertyType</a:t>
+            </a:r>
+            <a:r>
+              <a:rPr lang="en-US" sz="1600" b="0" i="0" dirty="0" smtClean="0">
+                <a:solidFill>
+                  <a:srgbClr val="000000"/>
+                </a:solidFill>
+                <a:effectLst/>
+                <a:latin typeface="Courier" charset="0"/>
+              </a:rPr>
+              <a:t>": {</a:t>
+            </a:r>
+            <a:endParaRPr lang="en-US" sz="1600" b="0" i="0" dirty="0" smtClean="0">
+              <a:solidFill>
+                <a:srgbClr val="000000"/>
+              </a:solidFill>
+              <a:effectLst/>
+              <a:latin typeface="Helvetica" charset="0"/>
+            </a:endParaRPr>
+          </a:p>
+          <a:p>
+            <a:r>
+              <a:rPr lang="en-US" sz="1600" b="0" i="0" dirty="0" smtClean="0">
+                <a:solidFill>
+                  <a:srgbClr val="000000"/>
+                </a:solidFill>
+                <a:effectLst/>
+                <a:latin typeface="Courier" charset="0"/>
+              </a:rPr>
+              <a:t>    "@id": "</a:t>
+            </a:r>
+            <a:r>
+              <a:rPr lang="en-US" sz="1600" b="0" i="0" dirty="0" err="1" smtClean="0">
+                <a:solidFill>
+                  <a:srgbClr val="000000"/>
+                </a:solidFill>
+                <a:effectLst/>
+                <a:latin typeface="Courier" charset="0"/>
+              </a:rPr>
+              <a:t>schema:String</a:t>
+            </a:r>
+            <a:r>
+              <a:rPr lang="en-US" sz="1600" b="0" i="0" dirty="0" smtClean="0">
+                <a:solidFill>
+                  <a:srgbClr val="000000"/>
+                </a:solidFill>
+                <a:effectLst/>
+                <a:latin typeface="Courier" charset="0"/>
+              </a:rPr>
+              <a:t>"</a:t>
+            </a:r>
+            <a:endParaRPr lang="en-US" sz="1600" b="0" i="0" dirty="0" smtClean="0">
+              <a:solidFill>
+                <a:srgbClr val="000000"/>
+              </a:solidFill>
+              <a:effectLst/>
+              <a:latin typeface="Helvetica" charset="0"/>
+            </a:endParaRPr>
+          </a:p>
+          <a:p>
+            <a:r>
+              <a:rPr lang="en-US" sz="1600" b="0" i="0" dirty="0" smtClean="0">
+                <a:solidFill>
+                  <a:srgbClr val="000000"/>
+                </a:solidFill>
+                <a:effectLst/>
+                <a:latin typeface="Courier" charset="0"/>
+              </a:rPr>
+              <a:t>  }</a:t>
+            </a:r>
+            <a:endParaRPr lang="en-US" sz="1600" b="0" i="0" dirty="0" smtClean="0">
+              <a:solidFill>
+                <a:srgbClr val="000000"/>
+              </a:solidFill>
+              <a:effectLst/>
+              <a:latin typeface="Helvetica" charset="0"/>
+            </a:endParaRPr>
+          </a:p>
+          <a:p>
+            <a:r>
+              <a:rPr lang="en-US" sz="1600" b="0" i="0" dirty="0" smtClean="0">
+                <a:solidFill>
+                  <a:srgbClr val="000000"/>
+                </a:solidFill>
+                <a:effectLst/>
+                <a:latin typeface="Courier" charset="0"/>
+              </a:rPr>
+              <a:t>}</a:t>
+            </a:r>
+            <a:endParaRPr lang="en-US" sz="1600" b="0" i="0" dirty="0">
+              <a:solidFill>
+                <a:srgbClr val="000000"/>
+              </a:solidFill>
+              <a:effectLst/>
+              <a:latin typeface="Helvetica" charset="0"/>
+            </a:endParaRPr>
+          </a:p>
+        </p:txBody>
+      </p:sp>
+    </p:spTree>
+    <p:extLst>
+      <p:ext uri="{BB962C8B-B14F-4D97-AF65-F5344CB8AC3E}">
+        <p14:creationId xmlns:p14="http://schemas.microsoft.com/office/powerpoint/2010/main" val="619133286"/>
+      </p:ext>
+    </p:extLst>
+  </p:cSld>
+  <p:clrMapOvr>
+    <a:masterClrMapping/>
+  </p:clrMapOvr>
+</p:sld>
+</file>
+
+<file path=ppt/slides/slide26.xml><?xml version="1.0" encoding="utf-8"?>
+<p:sld xmlns:a="http://schemas.openxmlformats.org/drawingml/2006/main" xmlns:r="http://schemas.openxmlformats.org/officeDocument/2006/relationships" xmlns:p="http://schemas.openxmlformats.org/presentationml/2006/main">
+  <p:cSld>
+    <p:spTree>
+      <p:nvGrpSpPr>
+        <p:cNvPr id="1" name=""/>
+        <p:cNvGrpSpPr/>
+        <p:nvPr/>
+      </p:nvGrpSpPr>
+      <p:grpSpPr>
+        <a:xfrm>
+          <a:off x="0" y="0"/>
+          <a:ext cx="0" cy="0"/>
+          <a:chOff x="0" y="0"/>
+          <a:chExt cx="0" cy="0"/>
+        </a:xfrm>
+      </p:grpSpPr>
+      <p:sp>
+        <p:nvSpPr>
+          <p:cNvPr id="2" name="Title 1"/>
+          <p:cNvSpPr>
+            <a:spLocks noGrp="1"/>
+          </p:cNvSpPr>
+          <p:nvPr>
+            <p:ph type="title"/>
+          </p:nvPr>
+        </p:nvSpPr>
+        <p:spPr>
+          <a:xfrm>
+            <a:off x="701386" y="0"/>
+            <a:ext cx="8193232" cy="1325563"/>
+          </a:xfrm>
+        </p:spPr>
+        <p:txBody>
+          <a:bodyPr/>
+          <a:lstStyle/>
+          <a:p>
+            <a:r>
+              <a:rPr lang="en-US" dirty="0" err="1" smtClean="0"/>
+              <a:t>Enum</a:t>
+            </a:r>
+            <a:r>
+              <a:rPr lang="en-US" dirty="0" smtClean="0"/>
+              <a:t> Data Item and Type in </a:t>
+            </a:r>
+            <a:r>
+              <a:rPr lang="en-US" dirty="0" smtClean="0"/>
+              <a:t>RDF (.)</a:t>
+            </a:r>
+            <a:endParaRPr lang="en-US" dirty="0"/>
+          </a:p>
+        </p:txBody>
+      </p:sp>
+      <p:sp>
+        <p:nvSpPr>
+          <p:cNvPr id="4" name="Rectangle 3"/>
+          <p:cNvSpPr/>
+          <p:nvPr/>
+        </p:nvSpPr>
+        <p:spPr>
+          <a:xfrm>
+            <a:off x="872836" y="1220204"/>
+            <a:ext cx="7715249" cy="2800767"/>
+          </a:xfrm>
+          <a:prstGeom prst="rect">
+            <a:avLst/>
+          </a:prstGeom>
+        </p:spPr>
+        <p:txBody>
+          <a:bodyPr wrap="square">
+            <a:spAutoFit/>
+          </a:bodyPr>
+          <a:lstStyle/>
+          <a:p>
+            <a:r>
+              <a:rPr lang="en-US" sz="1600" dirty="0">
+                <a:solidFill>
+                  <a:srgbClr val="000000"/>
+                </a:solidFill>
+                <a:latin typeface="Courier" charset="0"/>
+              </a:rPr>
+              <a:t>{</a:t>
+            </a:r>
+            <a:endParaRPr lang="en-US" sz="1600" dirty="0">
+              <a:solidFill>
+                <a:srgbClr val="000000"/>
+              </a:solidFill>
+              <a:latin typeface="Helvetica" charset="0"/>
+            </a:endParaRPr>
+          </a:p>
+          <a:p>
+            <a:r>
+              <a:rPr lang="en-US" sz="1600" dirty="0">
+                <a:solidFill>
+                  <a:srgbClr val="000000"/>
+                </a:solidFill>
+                <a:latin typeface="Courier" charset="0"/>
+              </a:rPr>
+              <a:t>  "@id": </a:t>
+            </a:r>
+            <a:r>
+              <a:rPr lang="en-US" sz="1600" dirty="0" smtClean="0">
+                <a:solidFill>
+                  <a:srgbClr val="000000"/>
+                </a:solidFill>
+                <a:latin typeface="Courier" charset="0"/>
+              </a:rPr>
+              <a:t>"</a:t>
+            </a:r>
+            <a:r>
+              <a:rPr lang="en-US" sz="1600" dirty="0" err="1">
+                <a:solidFill>
+                  <a:srgbClr val="FF0000"/>
+                </a:solidFill>
+                <a:latin typeface="Courier" charset="0"/>
+              </a:rPr>
+              <a:t>iot:Capability.Switch.Property.State.Data</a:t>
+            </a:r>
+            <a:r>
+              <a:rPr lang="en-US" sz="1600" dirty="0" smtClean="0">
+                <a:solidFill>
+                  <a:srgbClr val="000000"/>
+                </a:solidFill>
+                <a:latin typeface="Courier" charset="0"/>
+              </a:rPr>
+              <a:t>",</a:t>
+            </a:r>
+            <a:endParaRPr lang="en-US" sz="1600" dirty="0">
+              <a:solidFill>
+                <a:srgbClr val="000000"/>
+              </a:solidFill>
+              <a:latin typeface="Helvetica" charset="0"/>
+            </a:endParaRPr>
+          </a:p>
+          <a:p>
+            <a:r>
+              <a:rPr lang="en-US" sz="1600" dirty="0">
+                <a:solidFill>
+                  <a:srgbClr val="000000"/>
+                </a:solidFill>
+                <a:latin typeface="Courier" charset="0"/>
+              </a:rPr>
+              <a:t>  "@type": "</a:t>
+            </a:r>
+            <a:r>
+              <a:rPr lang="en-US" sz="1600" dirty="0" err="1">
+                <a:solidFill>
+                  <a:srgbClr val="000000"/>
+                </a:solidFill>
+                <a:latin typeface="Courier" charset="0"/>
+              </a:rPr>
+              <a:t>rdfs:Class</a:t>
+            </a:r>
+            <a:r>
+              <a:rPr lang="en-US" sz="1600" dirty="0">
+                <a:solidFill>
+                  <a:srgbClr val="000000"/>
+                </a:solidFill>
+                <a:latin typeface="Courier" charset="0"/>
+              </a:rPr>
+              <a:t>",</a:t>
+            </a:r>
+            <a:endParaRPr lang="en-US" sz="1600" dirty="0">
+              <a:solidFill>
+                <a:srgbClr val="000000"/>
+              </a:solidFill>
+              <a:latin typeface="Helvetica" charset="0"/>
+            </a:endParaRPr>
+          </a:p>
+          <a:p>
+            <a:r>
+              <a:rPr lang="en-US" sz="1600" dirty="0">
+                <a:solidFill>
+                  <a:srgbClr val="000000"/>
+                </a:solidFill>
+                <a:latin typeface="Courier" charset="0"/>
+              </a:rPr>
+              <a:t>  "</a:t>
+            </a:r>
+            <a:r>
+              <a:rPr lang="en-US" sz="1600" dirty="0" err="1">
+                <a:solidFill>
+                  <a:srgbClr val="000000"/>
+                </a:solidFill>
+                <a:latin typeface="Courier" charset="0"/>
+              </a:rPr>
+              <a:t>rdfs:label</a:t>
+            </a:r>
+            <a:r>
+              <a:rPr lang="en-US" sz="1600" dirty="0">
+                <a:solidFill>
+                  <a:srgbClr val="000000"/>
+                </a:solidFill>
+                <a:latin typeface="Courier" charset="0"/>
+              </a:rPr>
+              <a:t>": "</a:t>
+            </a:r>
+            <a:r>
+              <a:rPr lang="en-US" sz="1600" dirty="0" err="1">
+                <a:solidFill>
+                  <a:srgbClr val="000000"/>
+                </a:solidFill>
+                <a:latin typeface="Courier" charset="0"/>
+              </a:rPr>
+              <a:t>SwitchStateData</a:t>
+            </a:r>
+            <a:r>
+              <a:rPr lang="en-US" sz="1600" dirty="0">
+                <a:solidFill>
+                  <a:srgbClr val="000000"/>
+                </a:solidFill>
+                <a:latin typeface="Courier" charset="0"/>
+              </a:rPr>
+              <a:t>",</a:t>
+            </a:r>
+            <a:endParaRPr lang="en-US" sz="1600" dirty="0">
+              <a:solidFill>
+                <a:srgbClr val="000000"/>
+              </a:solidFill>
+              <a:latin typeface="Helvetica" charset="0"/>
+            </a:endParaRPr>
+          </a:p>
+          <a:p>
+            <a:r>
+              <a:rPr lang="en-US" sz="1600" dirty="0">
+                <a:solidFill>
+                  <a:srgbClr val="000000"/>
+                </a:solidFill>
+                <a:latin typeface="Courier" charset="0"/>
+              </a:rPr>
+              <a:t>  "</a:t>
+            </a:r>
+            <a:r>
+              <a:rPr lang="en-US" sz="1600" dirty="0" err="1">
+                <a:solidFill>
+                  <a:srgbClr val="000000"/>
+                </a:solidFill>
+                <a:latin typeface="Courier" charset="0"/>
+              </a:rPr>
+              <a:t>rdfs:subClassOf</a:t>
+            </a:r>
+            <a:r>
+              <a:rPr lang="en-US" sz="1600" dirty="0">
+                <a:solidFill>
+                  <a:srgbClr val="000000"/>
+                </a:solidFill>
+                <a:latin typeface="Courier" charset="0"/>
+              </a:rPr>
+              <a:t>": {</a:t>
+            </a:r>
+            <a:endParaRPr lang="en-US" sz="1600" dirty="0">
+              <a:solidFill>
+                <a:srgbClr val="000000"/>
+              </a:solidFill>
+              <a:latin typeface="Helvetica" charset="0"/>
+            </a:endParaRPr>
+          </a:p>
+          <a:p>
+            <a:r>
+              <a:rPr lang="en-US" sz="1600" dirty="0">
+                <a:solidFill>
+                  <a:srgbClr val="000000"/>
+                </a:solidFill>
+                <a:latin typeface="Courier" charset="0"/>
+              </a:rPr>
+              <a:t>    "@id": "</a:t>
+            </a:r>
+            <a:r>
+              <a:rPr lang="en-US" sz="1600" dirty="0" err="1">
+                <a:solidFill>
+                  <a:srgbClr val="000000"/>
+                </a:solidFill>
+                <a:latin typeface="Courier" charset="0"/>
+              </a:rPr>
+              <a:t>schema:PropertyValue</a:t>
+            </a:r>
+            <a:r>
+              <a:rPr lang="en-US" sz="1600" dirty="0">
+                <a:solidFill>
+                  <a:srgbClr val="000000"/>
+                </a:solidFill>
+                <a:latin typeface="Courier" charset="0"/>
+              </a:rPr>
+              <a:t>"</a:t>
+            </a:r>
+            <a:endParaRPr lang="en-US" sz="1600" dirty="0">
+              <a:solidFill>
+                <a:srgbClr val="000000"/>
+              </a:solidFill>
+              <a:latin typeface="Helvetica" charset="0"/>
+            </a:endParaRPr>
+          </a:p>
+          <a:p>
+            <a:r>
+              <a:rPr lang="en-US" sz="1600" dirty="0">
+                <a:solidFill>
+                  <a:srgbClr val="000000"/>
+                </a:solidFill>
+                <a:latin typeface="Courier" charset="0"/>
+              </a:rPr>
+              <a:t>  },</a:t>
+            </a:r>
+            <a:endParaRPr lang="en-US" sz="1600" dirty="0">
+              <a:solidFill>
+                <a:srgbClr val="000000"/>
+              </a:solidFill>
+              <a:latin typeface="Helvetica" charset="0"/>
+            </a:endParaRPr>
+          </a:p>
+          <a:p>
+            <a:r>
+              <a:rPr lang="en-US" sz="1600" dirty="0">
+                <a:solidFill>
+                  <a:srgbClr val="000000"/>
+                </a:solidFill>
+                <a:latin typeface="Courier" charset="0"/>
+              </a:rPr>
+              <a:t>  "</a:t>
+            </a:r>
+            <a:r>
+              <a:rPr lang="en-US" sz="1600" dirty="0" err="1">
+                <a:solidFill>
+                  <a:srgbClr val="000000"/>
+                </a:solidFill>
+                <a:latin typeface="Courier" charset="0"/>
+              </a:rPr>
+              <a:t>schema:propertyType</a:t>
+            </a:r>
+            <a:r>
+              <a:rPr lang="en-US" sz="1600" dirty="0">
+                <a:solidFill>
+                  <a:srgbClr val="000000"/>
+                </a:solidFill>
+                <a:latin typeface="Courier" charset="0"/>
+              </a:rPr>
+              <a:t>": {</a:t>
+            </a:r>
+            <a:endParaRPr lang="en-US" sz="1600" dirty="0">
+              <a:solidFill>
+                <a:srgbClr val="000000"/>
+              </a:solidFill>
+              <a:latin typeface="Helvetica" charset="0"/>
+            </a:endParaRPr>
+          </a:p>
+          <a:p>
+            <a:r>
+              <a:rPr lang="en-US" sz="1600" dirty="0">
+                <a:solidFill>
+                  <a:srgbClr val="000000"/>
+                </a:solidFill>
+                <a:latin typeface="Courier" charset="0"/>
+              </a:rPr>
+              <a:t>    "@id": </a:t>
+            </a:r>
+            <a:r>
+              <a:rPr lang="en-US" sz="1600" dirty="0" smtClean="0">
+                <a:solidFill>
+                  <a:srgbClr val="000000"/>
+                </a:solidFill>
+                <a:latin typeface="Courier" charset="0"/>
+              </a:rPr>
+              <a:t>"</a:t>
+            </a:r>
+            <a:r>
+              <a:rPr lang="en-US" sz="1600" dirty="0" err="1" smtClean="0">
+                <a:solidFill>
+                  <a:srgbClr val="FF0000"/>
+                </a:solidFill>
+                <a:latin typeface="Courier" charset="0"/>
+              </a:rPr>
+              <a:t>iot:Capability.Switch.Property.State.Data.Value</a:t>
+            </a:r>
+            <a:r>
+              <a:rPr lang="en-US" sz="1600" dirty="0" smtClean="0">
+                <a:solidFill>
+                  <a:srgbClr val="000000"/>
+                </a:solidFill>
+                <a:latin typeface="Courier" charset="0"/>
+              </a:rPr>
+              <a:t>"</a:t>
+            </a:r>
+            <a:endParaRPr lang="en-US" sz="1600" dirty="0">
+              <a:solidFill>
+                <a:srgbClr val="000000"/>
+              </a:solidFill>
+              <a:latin typeface="Helvetica" charset="0"/>
+            </a:endParaRPr>
+          </a:p>
+          <a:p>
+            <a:r>
+              <a:rPr lang="en-US" sz="1600" dirty="0">
+                <a:solidFill>
+                  <a:srgbClr val="000000"/>
+                </a:solidFill>
+                <a:latin typeface="Courier" charset="0"/>
+              </a:rPr>
+              <a:t>  }</a:t>
+            </a:r>
+            <a:endParaRPr lang="en-US" sz="1600" dirty="0">
+              <a:solidFill>
+                <a:srgbClr val="000000"/>
+              </a:solidFill>
+              <a:latin typeface="Helvetica" charset="0"/>
+            </a:endParaRPr>
+          </a:p>
+          <a:p>
+            <a:r>
+              <a:rPr lang="en-US" sz="1600" dirty="0">
+                <a:solidFill>
+                  <a:srgbClr val="000000"/>
+                </a:solidFill>
+                <a:latin typeface="Courier" charset="0"/>
+              </a:rPr>
+              <a:t>}</a:t>
+            </a:r>
+            <a:endParaRPr lang="en-US" sz="1600" dirty="0">
+              <a:solidFill>
+                <a:srgbClr val="000000"/>
+              </a:solidFill>
+              <a:latin typeface="Helvetica" charset="0"/>
+            </a:endParaRPr>
+          </a:p>
+        </p:txBody>
+      </p:sp>
+      <p:sp>
+        <p:nvSpPr>
+          <p:cNvPr id="6" name="Rectangle 5"/>
+          <p:cNvSpPr/>
+          <p:nvPr/>
+        </p:nvSpPr>
+        <p:spPr>
+          <a:xfrm>
+            <a:off x="872835" y="3915612"/>
+            <a:ext cx="7920470" cy="2308324"/>
+          </a:xfrm>
+          <a:prstGeom prst="rect">
+            <a:avLst/>
+          </a:prstGeom>
+        </p:spPr>
+        <p:txBody>
+          <a:bodyPr wrap="square">
+            <a:spAutoFit/>
+          </a:bodyPr>
+          <a:lstStyle/>
+          <a:p>
+            <a:r>
+              <a:rPr lang="en-US" sz="1600" dirty="0">
+                <a:latin typeface="Courier" charset="0"/>
+                <a:ea typeface="Courier" charset="0"/>
+                <a:cs typeface="Courier" charset="0"/>
+              </a:rPr>
+              <a:t>{</a:t>
+            </a:r>
+          </a:p>
+          <a:p>
+            <a:r>
+              <a:rPr lang="en-US" sz="1600" dirty="0">
+                <a:latin typeface="Courier" charset="0"/>
+                <a:ea typeface="Courier" charset="0"/>
+                <a:cs typeface="Courier" charset="0"/>
+              </a:rPr>
+              <a:t>    "@id": </a:t>
+            </a:r>
+            <a:r>
+              <a:rPr lang="en-US" sz="1600" dirty="0" smtClean="0">
+                <a:latin typeface="Courier" charset="0"/>
+                <a:ea typeface="Courier" charset="0"/>
+                <a:cs typeface="Courier" charset="0"/>
+              </a:rPr>
+              <a:t>"</a:t>
+            </a:r>
+            <a:r>
+              <a:rPr lang="en-US" sz="1600" dirty="0" err="1">
+                <a:solidFill>
+                  <a:srgbClr val="FF0000"/>
+                </a:solidFill>
+                <a:latin typeface="Courier" charset="0"/>
+              </a:rPr>
+              <a:t>iot:Capability.Switch.Property.State.Data.Value</a:t>
+            </a:r>
+            <a:r>
+              <a:rPr lang="en-US" sz="1600" dirty="0" smtClean="0">
+                <a:latin typeface="Courier" charset="0"/>
+                <a:ea typeface="Courier" charset="0"/>
+                <a:cs typeface="Courier" charset="0"/>
+              </a:rPr>
+              <a:t>",</a:t>
+            </a:r>
+            <a:endParaRPr lang="en-US" sz="1600" dirty="0">
+              <a:latin typeface="Courier" charset="0"/>
+              <a:ea typeface="Courier" charset="0"/>
+              <a:cs typeface="Courier" charset="0"/>
+            </a:endParaRPr>
+          </a:p>
+          <a:p>
+            <a:r>
+              <a:rPr lang="en-US" sz="1600" dirty="0">
+                <a:latin typeface="Courier" charset="0"/>
+                <a:ea typeface="Courier" charset="0"/>
+                <a:cs typeface="Courier" charset="0"/>
+              </a:rPr>
+              <a:t>    "@type": "</a:t>
+            </a:r>
+            <a:r>
+              <a:rPr lang="en-US" sz="1600" dirty="0" err="1">
+                <a:latin typeface="Courier" charset="0"/>
+                <a:ea typeface="Courier" charset="0"/>
+                <a:cs typeface="Courier" charset="0"/>
+              </a:rPr>
+              <a:t>rdfs:Class</a:t>
+            </a:r>
+            <a:r>
+              <a:rPr lang="en-US" sz="1600" dirty="0">
+                <a:latin typeface="Courier" charset="0"/>
+                <a:ea typeface="Courier" charset="0"/>
+                <a:cs typeface="Courier" charset="0"/>
+              </a:rPr>
+              <a:t>",</a:t>
+            </a:r>
+          </a:p>
+          <a:p>
+            <a:r>
+              <a:rPr lang="en-US" sz="1600" dirty="0">
+                <a:latin typeface="Courier" charset="0"/>
+                <a:ea typeface="Courier" charset="0"/>
+                <a:cs typeface="Courier" charset="0"/>
+              </a:rPr>
+              <a:t>    "</a:t>
+            </a:r>
+            <a:r>
+              <a:rPr lang="en-US" sz="1600" dirty="0" err="1">
+                <a:latin typeface="Courier" charset="0"/>
+                <a:ea typeface="Courier" charset="0"/>
+                <a:cs typeface="Courier" charset="0"/>
+              </a:rPr>
+              <a:t>rdfs:comment</a:t>
+            </a:r>
+            <a:r>
+              <a:rPr lang="en-US" sz="1600" dirty="0">
+                <a:latin typeface="Courier" charset="0"/>
+                <a:ea typeface="Courier" charset="0"/>
+                <a:cs typeface="Courier" charset="0"/>
+              </a:rPr>
+              <a:t>": </a:t>
+            </a:r>
+            <a:r>
+              <a:rPr lang="en-US" sz="1600" dirty="0" smtClean="0">
+                <a:latin typeface="Courier" charset="0"/>
+                <a:ea typeface="Courier" charset="0"/>
+                <a:cs typeface="Courier" charset="0"/>
+              </a:rPr>
+              <a:t>"Enumeration </a:t>
+            </a:r>
+            <a:r>
+              <a:rPr lang="en-US" sz="1600" dirty="0">
+                <a:latin typeface="Courier" charset="0"/>
+                <a:ea typeface="Courier" charset="0"/>
+                <a:cs typeface="Courier" charset="0"/>
+              </a:rPr>
+              <a:t>of </a:t>
+            </a:r>
+            <a:r>
+              <a:rPr lang="en-US" sz="1600" dirty="0" smtClean="0">
+                <a:latin typeface="Courier" charset="0"/>
+                <a:ea typeface="Courier" charset="0"/>
+                <a:cs typeface="Courier" charset="0"/>
+              </a:rPr>
+              <a:t>Switch states",</a:t>
+            </a:r>
+            <a:endParaRPr lang="en-US" sz="1600" dirty="0">
+              <a:latin typeface="Courier" charset="0"/>
+              <a:ea typeface="Courier" charset="0"/>
+              <a:cs typeface="Courier" charset="0"/>
+            </a:endParaRPr>
+          </a:p>
+          <a:p>
+            <a:r>
+              <a:rPr lang="en-US" sz="1600" dirty="0">
+                <a:latin typeface="Courier" charset="0"/>
+                <a:ea typeface="Courier" charset="0"/>
+                <a:cs typeface="Courier" charset="0"/>
+              </a:rPr>
+              <a:t>    "</a:t>
+            </a:r>
+            <a:r>
+              <a:rPr lang="en-US" sz="1600" dirty="0" err="1">
+                <a:latin typeface="Courier" charset="0"/>
+                <a:ea typeface="Courier" charset="0"/>
+                <a:cs typeface="Courier" charset="0"/>
+              </a:rPr>
+              <a:t>rdfs:label</a:t>
+            </a:r>
+            <a:r>
+              <a:rPr lang="en-US" sz="1600" dirty="0">
+                <a:latin typeface="Courier" charset="0"/>
+                <a:ea typeface="Courier" charset="0"/>
+                <a:cs typeface="Courier" charset="0"/>
+              </a:rPr>
+              <a:t>": </a:t>
+            </a:r>
+            <a:r>
+              <a:rPr lang="en-US" sz="1600" dirty="0" smtClean="0">
+                <a:latin typeface="Courier" charset="0"/>
+                <a:ea typeface="Courier" charset="0"/>
+                <a:cs typeface="Courier" charset="0"/>
+              </a:rPr>
+              <a:t>"</a:t>
+            </a:r>
+            <a:r>
+              <a:rPr lang="en-US" sz="1600" dirty="0" err="1" smtClean="0">
+                <a:latin typeface="Courier" charset="0"/>
+                <a:ea typeface="Courier" charset="0"/>
+                <a:cs typeface="Courier" charset="0"/>
+              </a:rPr>
+              <a:t>SwitchStateValue</a:t>
+            </a:r>
+            <a:r>
+              <a:rPr lang="en-US" sz="1600" dirty="0" smtClean="0">
+                <a:latin typeface="Courier" charset="0"/>
+                <a:ea typeface="Courier" charset="0"/>
+                <a:cs typeface="Courier" charset="0"/>
+              </a:rPr>
+              <a:t>",</a:t>
+            </a:r>
+            <a:endParaRPr lang="en-US" sz="1600" dirty="0">
+              <a:latin typeface="Courier" charset="0"/>
+              <a:ea typeface="Courier" charset="0"/>
+              <a:cs typeface="Courier" charset="0"/>
+            </a:endParaRPr>
+          </a:p>
+          <a:p>
+            <a:r>
+              <a:rPr lang="en-US" sz="1600" dirty="0">
+                <a:latin typeface="Courier" charset="0"/>
+                <a:ea typeface="Courier" charset="0"/>
+                <a:cs typeface="Courier" charset="0"/>
+              </a:rPr>
+              <a:t>    "</a:t>
+            </a:r>
+            <a:r>
+              <a:rPr lang="en-US" sz="1600" dirty="0" err="1">
+                <a:latin typeface="Courier" charset="0"/>
+                <a:ea typeface="Courier" charset="0"/>
+                <a:cs typeface="Courier" charset="0"/>
+              </a:rPr>
+              <a:t>rdfs:subClassOf</a:t>
+            </a:r>
+            <a:r>
+              <a:rPr lang="en-US" sz="1600" dirty="0">
+                <a:latin typeface="Courier" charset="0"/>
+                <a:ea typeface="Courier" charset="0"/>
+                <a:cs typeface="Courier" charset="0"/>
+              </a:rPr>
+              <a:t>": {</a:t>
+            </a:r>
+          </a:p>
+          <a:p>
+            <a:r>
+              <a:rPr lang="en-US" sz="1600" dirty="0">
+                <a:latin typeface="Courier" charset="0"/>
+                <a:ea typeface="Courier" charset="0"/>
+                <a:cs typeface="Courier" charset="0"/>
+              </a:rPr>
+              <a:t>      "@id": "</a:t>
+            </a:r>
+            <a:r>
+              <a:rPr lang="en-US" sz="1600" dirty="0" err="1">
+                <a:latin typeface="Courier" charset="0"/>
+                <a:ea typeface="Courier" charset="0"/>
+                <a:cs typeface="Courier" charset="0"/>
+              </a:rPr>
+              <a:t>schema:Enumeration</a:t>
+            </a:r>
+            <a:r>
+              <a:rPr lang="en-US" sz="1600" dirty="0" smtClean="0">
+                <a:latin typeface="Courier" charset="0"/>
+                <a:ea typeface="Courier" charset="0"/>
+                <a:cs typeface="Courier" charset="0"/>
+              </a:rPr>
+              <a:t>"</a:t>
+            </a:r>
+          </a:p>
+          <a:p>
+            <a:r>
+              <a:rPr lang="en-US" sz="1600" dirty="0" smtClean="0">
+                <a:latin typeface="Courier" charset="0"/>
+                <a:ea typeface="Courier" charset="0"/>
+                <a:cs typeface="Courier" charset="0"/>
+              </a:rPr>
+              <a:t>    }</a:t>
+            </a:r>
+          </a:p>
+          <a:p>
+            <a:r>
+              <a:rPr lang="en-US" sz="1600" dirty="0" smtClean="0">
+                <a:latin typeface="Courier" charset="0"/>
+                <a:ea typeface="Courier" charset="0"/>
+                <a:cs typeface="Courier" charset="0"/>
+              </a:rPr>
+              <a:t>},</a:t>
+            </a:r>
+            <a:endParaRPr lang="en-US" sz="1600" dirty="0">
+              <a:latin typeface="Courier" charset="0"/>
+              <a:ea typeface="Courier" charset="0"/>
+              <a:cs typeface="Courier" charset="0"/>
+            </a:endParaRPr>
+          </a:p>
+        </p:txBody>
+      </p:sp>
+    </p:spTree>
+    <p:extLst>
+      <p:ext uri="{BB962C8B-B14F-4D97-AF65-F5344CB8AC3E}">
+        <p14:creationId xmlns:p14="http://schemas.microsoft.com/office/powerpoint/2010/main" val="830114032"/>
+      </p:ext>
+    </p:extLst>
+  </p:cSld>
+  <p:clrMapOvr>
+    <a:masterClrMapping/>
+  </p:clrMapOvr>
+</p:sld>
+</file>
+
+<file path=ppt/slides/slide27.xml><?xml version="1.0" encoding="utf-8"?>
+<p:sld xmlns:a="http://schemas.openxmlformats.org/drawingml/2006/main" xmlns:r="http://schemas.openxmlformats.org/officeDocument/2006/relationships" xmlns:p="http://schemas.openxmlformats.org/presentationml/2006/main">
+  <p:cSld>
+    <p:spTree>
+      <p:nvGrpSpPr>
+        <p:cNvPr id="1" name=""/>
+        <p:cNvGrpSpPr/>
+        <p:nvPr/>
+      </p:nvGrpSpPr>
+      <p:grpSpPr>
+        <a:xfrm>
+          <a:off x="0" y="0"/>
+          <a:ext cx="0" cy="0"/>
+          <a:chOff x="0" y="0"/>
+          <a:chExt cx="0" cy="0"/>
+        </a:xfrm>
+      </p:grpSpPr>
+      <p:sp>
+        <p:nvSpPr>
+          <p:cNvPr id="5" name="Title 1"/>
+          <p:cNvSpPr>
+            <a:spLocks noGrp="1"/>
+          </p:cNvSpPr>
+          <p:nvPr>
+            <p:ph type="title"/>
+          </p:nvPr>
+        </p:nvSpPr>
+        <p:spPr>
+          <a:xfrm>
+            <a:off x="628650" y="0"/>
+            <a:ext cx="7886700" cy="1325563"/>
+          </a:xfrm>
+        </p:spPr>
+        <p:txBody>
+          <a:bodyPr/>
+          <a:lstStyle/>
+          <a:p>
+            <a:r>
+              <a:rPr lang="en-US" dirty="0" err="1" smtClean="0"/>
+              <a:t>Enum</a:t>
+            </a:r>
+            <a:r>
+              <a:rPr lang="en-US" dirty="0" smtClean="0"/>
+              <a:t> Data Values in </a:t>
+            </a:r>
+            <a:r>
+              <a:rPr lang="en-US" dirty="0" smtClean="0"/>
+              <a:t>RDF (.)</a:t>
+            </a:r>
+            <a:endParaRPr lang="en-US" dirty="0"/>
+          </a:p>
+        </p:txBody>
+      </p:sp>
+      <p:sp>
+        <p:nvSpPr>
+          <p:cNvPr id="6" name="Rectangle 5"/>
+          <p:cNvSpPr/>
+          <p:nvPr/>
+        </p:nvSpPr>
+        <p:spPr>
+          <a:xfrm>
+            <a:off x="628651" y="1942881"/>
+            <a:ext cx="8224404" cy="3046988"/>
+          </a:xfrm>
+          <a:prstGeom prst="rect">
+            <a:avLst/>
+          </a:prstGeom>
+        </p:spPr>
+        <p:txBody>
+          <a:bodyPr wrap="square">
+            <a:spAutoFit/>
+          </a:bodyPr>
+          <a:lstStyle/>
+          <a:p>
+            <a:r>
+              <a:rPr lang="en-US" sz="1600" dirty="0">
+                <a:latin typeface="Courier" charset="0"/>
+                <a:ea typeface="Courier" charset="0"/>
+                <a:cs typeface="Courier" charset="0"/>
+              </a:rPr>
+              <a:t>{</a:t>
+            </a:r>
+          </a:p>
+          <a:p>
+            <a:r>
+              <a:rPr lang="en-US" sz="1600" dirty="0">
+                <a:latin typeface="Courier" charset="0"/>
+                <a:ea typeface="Courier" charset="0"/>
+                <a:cs typeface="Courier" charset="0"/>
+              </a:rPr>
+              <a:t>    "@id": </a:t>
+            </a:r>
+            <a:r>
+              <a:rPr lang="en-US" sz="1600" dirty="0" smtClean="0">
+                <a:latin typeface="Courier" charset="0"/>
+                <a:ea typeface="Courier" charset="0"/>
+                <a:cs typeface="Courier" charset="0"/>
+              </a:rPr>
+              <a:t>"</a:t>
+            </a:r>
+            <a:r>
+              <a:rPr lang="en-US" sz="1600" dirty="0" err="1" smtClean="0">
+                <a:solidFill>
+                  <a:srgbClr val="FF0000"/>
+                </a:solidFill>
+                <a:latin typeface="Courier" charset="0"/>
+              </a:rPr>
+              <a:t>iot:Capability.Switch.Property.State.Data.Value.On</a:t>
+            </a:r>
+            <a:r>
+              <a:rPr lang="en-US" sz="1600" dirty="0" smtClean="0">
+                <a:latin typeface="Courier" charset="0"/>
+                <a:ea typeface="Courier" charset="0"/>
+                <a:cs typeface="Courier" charset="0"/>
+              </a:rPr>
+              <a:t>",</a:t>
+            </a:r>
+            <a:endParaRPr lang="en-US" sz="1600" dirty="0">
+              <a:latin typeface="Courier" charset="0"/>
+              <a:ea typeface="Courier" charset="0"/>
+              <a:cs typeface="Courier" charset="0"/>
+            </a:endParaRPr>
+          </a:p>
+          <a:p>
+            <a:r>
+              <a:rPr lang="en-US" sz="1600" dirty="0">
+                <a:latin typeface="Courier" charset="0"/>
+                <a:ea typeface="Courier" charset="0"/>
+                <a:cs typeface="Courier" charset="0"/>
+              </a:rPr>
+              <a:t>    "@type": </a:t>
+            </a:r>
+            <a:r>
+              <a:rPr lang="en-US" sz="1600" dirty="0" smtClean="0">
+                <a:latin typeface="Courier" charset="0"/>
+                <a:ea typeface="Courier" charset="0"/>
+                <a:cs typeface="Courier" charset="0"/>
+              </a:rPr>
+              <a:t>"</a:t>
+            </a:r>
+            <a:r>
+              <a:rPr lang="en-US" sz="1600" dirty="0" err="1">
+                <a:solidFill>
+                  <a:srgbClr val="FF0000"/>
+                </a:solidFill>
+                <a:latin typeface="Courier" charset="0"/>
+              </a:rPr>
+              <a:t>iot:Capability.Switch.Property.State.Data.Value</a:t>
+            </a:r>
+            <a:r>
+              <a:rPr lang="en-US" sz="1600" dirty="0" smtClean="0">
+                <a:latin typeface="Courier" charset="0"/>
+                <a:ea typeface="Courier" charset="0"/>
+                <a:cs typeface="Courier" charset="0"/>
+              </a:rPr>
+              <a:t>",</a:t>
+            </a:r>
+            <a:endParaRPr lang="en-US" sz="1600" dirty="0">
+              <a:latin typeface="Courier" charset="0"/>
+              <a:ea typeface="Courier" charset="0"/>
+              <a:cs typeface="Courier" charset="0"/>
+            </a:endParaRPr>
+          </a:p>
+          <a:p>
+            <a:r>
+              <a:rPr lang="en-US" sz="1600" dirty="0">
+                <a:latin typeface="Courier" charset="0"/>
+                <a:ea typeface="Courier" charset="0"/>
+                <a:cs typeface="Courier" charset="0"/>
+              </a:rPr>
+              <a:t>    "</a:t>
+            </a:r>
+            <a:r>
+              <a:rPr lang="en-US" sz="1600" dirty="0" err="1">
+                <a:latin typeface="Courier" charset="0"/>
+                <a:ea typeface="Courier" charset="0"/>
+                <a:cs typeface="Courier" charset="0"/>
+              </a:rPr>
+              <a:t>rdfs:comment</a:t>
+            </a:r>
+            <a:r>
+              <a:rPr lang="en-US" sz="1600" dirty="0">
+                <a:latin typeface="Courier" charset="0"/>
+                <a:ea typeface="Courier" charset="0"/>
+                <a:cs typeface="Courier" charset="0"/>
+              </a:rPr>
+              <a:t>": </a:t>
+            </a:r>
+            <a:r>
+              <a:rPr lang="en-US" sz="1600" dirty="0" smtClean="0">
+                <a:latin typeface="Courier" charset="0"/>
+                <a:ea typeface="Courier" charset="0"/>
+                <a:cs typeface="Courier" charset="0"/>
+              </a:rPr>
+              <a:t>"Switch On State",</a:t>
+            </a:r>
+            <a:endParaRPr lang="en-US" sz="1600" dirty="0">
+              <a:latin typeface="Courier" charset="0"/>
+              <a:ea typeface="Courier" charset="0"/>
+              <a:cs typeface="Courier" charset="0"/>
+            </a:endParaRPr>
+          </a:p>
+          <a:p>
+            <a:r>
+              <a:rPr lang="en-US" sz="1600" dirty="0">
+                <a:latin typeface="Courier" charset="0"/>
+                <a:ea typeface="Courier" charset="0"/>
+                <a:cs typeface="Courier" charset="0"/>
+              </a:rPr>
+              <a:t>    "</a:t>
+            </a:r>
+            <a:r>
+              <a:rPr lang="en-US" sz="1600" dirty="0" err="1">
+                <a:latin typeface="Courier" charset="0"/>
+                <a:ea typeface="Courier" charset="0"/>
+                <a:cs typeface="Courier" charset="0"/>
+              </a:rPr>
+              <a:t>rdfs:label</a:t>
+            </a:r>
+            <a:r>
+              <a:rPr lang="en-US" sz="1600" dirty="0">
+                <a:latin typeface="Courier" charset="0"/>
+                <a:ea typeface="Courier" charset="0"/>
+                <a:cs typeface="Courier" charset="0"/>
+              </a:rPr>
+              <a:t>": </a:t>
+            </a:r>
+            <a:r>
+              <a:rPr lang="en-US" sz="1600" dirty="0" smtClean="0">
+                <a:latin typeface="Courier" charset="0"/>
+                <a:ea typeface="Courier" charset="0"/>
+                <a:cs typeface="Courier" charset="0"/>
+              </a:rPr>
+              <a:t>"</a:t>
+            </a:r>
+            <a:r>
+              <a:rPr lang="en-US" sz="1600" dirty="0" err="1" smtClean="0">
+                <a:latin typeface="Courier" charset="0"/>
+                <a:ea typeface="Courier" charset="0"/>
+                <a:cs typeface="Courier" charset="0"/>
+              </a:rPr>
+              <a:t>SwitchOnState</a:t>
+            </a:r>
+            <a:r>
+              <a:rPr lang="en-US" sz="1600" dirty="0" smtClean="0">
+                <a:latin typeface="Courier" charset="0"/>
+                <a:ea typeface="Courier" charset="0"/>
+                <a:cs typeface="Courier" charset="0"/>
+              </a:rPr>
+              <a:t>"</a:t>
+            </a:r>
+            <a:endParaRPr lang="en-US" sz="1600" dirty="0">
+              <a:latin typeface="Courier" charset="0"/>
+              <a:ea typeface="Courier" charset="0"/>
+              <a:cs typeface="Courier" charset="0"/>
+            </a:endParaRPr>
+          </a:p>
+          <a:p>
+            <a:r>
+              <a:rPr lang="en-US" sz="1600" dirty="0" smtClean="0">
+                <a:latin typeface="Courier" charset="0"/>
+                <a:ea typeface="Courier" charset="0"/>
+                <a:cs typeface="Courier" charset="0"/>
+              </a:rPr>
+              <a:t>},</a:t>
+            </a:r>
+            <a:endParaRPr lang="en-US" sz="1600" dirty="0">
+              <a:latin typeface="Courier" charset="0"/>
+              <a:ea typeface="Courier" charset="0"/>
+              <a:cs typeface="Courier" charset="0"/>
+            </a:endParaRPr>
+          </a:p>
+          <a:p>
+            <a:r>
+              <a:rPr lang="en-US" sz="1600" dirty="0">
+                <a:latin typeface="Courier" charset="0"/>
+                <a:ea typeface="Courier" charset="0"/>
+                <a:cs typeface="Courier" charset="0"/>
+              </a:rPr>
+              <a:t>{</a:t>
+            </a:r>
+          </a:p>
+          <a:p>
+            <a:r>
+              <a:rPr lang="en-US" sz="1600" dirty="0">
+                <a:latin typeface="Courier" charset="0"/>
+                <a:ea typeface="Courier" charset="0"/>
+                <a:cs typeface="Courier" charset="0"/>
+              </a:rPr>
+              <a:t>    "@id": </a:t>
+            </a:r>
+            <a:r>
+              <a:rPr lang="en-US" sz="1600" dirty="0" smtClean="0">
+                <a:latin typeface="Courier" charset="0"/>
+                <a:ea typeface="Courier" charset="0"/>
+                <a:cs typeface="Courier" charset="0"/>
+              </a:rPr>
+              <a:t>"</a:t>
+            </a:r>
+            <a:r>
+              <a:rPr lang="en-US" sz="1600" dirty="0" err="1" smtClean="0">
+                <a:solidFill>
+                  <a:srgbClr val="FF0000"/>
+                </a:solidFill>
+                <a:latin typeface="Courier" charset="0"/>
+              </a:rPr>
+              <a:t>iot:Capability.Switch.Property.State.Data.Value.Off</a:t>
+            </a:r>
+            <a:r>
+              <a:rPr lang="en-US" sz="1600" dirty="0" smtClean="0">
+                <a:latin typeface="Courier" charset="0"/>
+                <a:ea typeface="Courier" charset="0"/>
+                <a:cs typeface="Courier" charset="0"/>
+              </a:rPr>
+              <a:t>",</a:t>
+            </a:r>
+            <a:endParaRPr lang="en-US" sz="1600" dirty="0">
+              <a:latin typeface="Courier" charset="0"/>
+              <a:ea typeface="Courier" charset="0"/>
+              <a:cs typeface="Courier" charset="0"/>
+            </a:endParaRPr>
+          </a:p>
+          <a:p>
+            <a:r>
+              <a:rPr lang="en-US" sz="1600" dirty="0">
+                <a:latin typeface="Courier" charset="0"/>
+                <a:ea typeface="Courier" charset="0"/>
+                <a:cs typeface="Courier" charset="0"/>
+              </a:rPr>
+              <a:t>    "@type": </a:t>
+            </a:r>
+            <a:r>
+              <a:rPr lang="en-US" sz="1600" dirty="0" smtClean="0">
+                <a:latin typeface="Courier" charset="0"/>
+                <a:ea typeface="Courier" charset="0"/>
+                <a:cs typeface="Courier" charset="0"/>
+              </a:rPr>
+              <a:t>"</a:t>
+            </a:r>
+            <a:r>
+              <a:rPr lang="en-US" sz="1600" dirty="0" err="1">
+                <a:solidFill>
+                  <a:srgbClr val="FF0000"/>
+                </a:solidFill>
+                <a:latin typeface="Courier" charset="0"/>
+              </a:rPr>
+              <a:t>iot:Capability.Switch.Property.State.Data.Value</a:t>
+            </a:r>
+            <a:r>
+              <a:rPr lang="en-US" sz="1600" dirty="0" smtClean="0">
+                <a:latin typeface="Courier" charset="0"/>
+                <a:ea typeface="Courier" charset="0"/>
+                <a:cs typeface="Courier" charset="0"/>
+              </a:rPr>
+              <a:t>",</a:t>
+            </a:r>
+            <a:endParaRPr lang="en-US" sz="1600" dirty="0">
+              <a:latin typeface="Courier" charset="0"/>
+              <a:ea typeface="Courier" charset="0"/>
+              <a:cs typeface="Courier" charset="0"/>
+            </a:endParaRPr>
+          </a:p>
+          <a:p>
+            <a:r>
+              <a:rPr lang="en-US" sz="1600" dirty="0">
+                <a:latin typeface="Courier" charset="0"/>
+                <a:ea typeface="Courier" charset="0"/>
+                <a:cs typeface="Courier" charset="0"/>
+              </a:rPr>
+              <a:t>    "</a:t>
+            </a:r>
+            <a:r>
+              <a:rPr lang="en-US" sz="1600" dirty="0" err="1">
+                <a:latin typeface="Courier" charset="0"/>
+                <a:ea typeface="Courier" charset="0"/>
+                <a:cs typeface="Courier" charset="0"/>
+              </a:rPr>
+              <a:t>rdfs:comment</a:t>
+            </a:r>
+            <a:r>
+              <a:rPr lang="en-US" sz="1600" dirty="0">
+                <a:latin typeface="Courier" charset="0"/>
+                <a:ea typeface="Courier" charset="0"/>
+                <a:cs typeface="Courier" charset="0"/>
+              </a:rPr>
+              <a:t>": "Switch </a:t>
+            </a:r>
+            <a:r>
+              <a:rPr lang="en-US" sz="1600" dirty="0" smtClean="0">
+                <a:latin typeface="Courier" charset="0"/>
+                <a:ea typeface="Courier" charset="0"/>
+                <a:cs typeface="Courier" charset="0"/>
+              </a:rPr>
+              <a:t>Off </a:t>
+            </a:r>
+            <a:r>
+              <a:rPr lang="en-US" sz="1600" dirty="0">
+                <a:latin typeface="Courier" charset="0"/>
+                <a:ea typeface="Courier" charset="0"/>
+                <a:cs typeface="Courier" charset="0"/>
+              </a:rPr>
+              <a:t>State",</a:t>
+            </a:r>
+          </a:p>
+          <a:p>
+            <a:r>
+              <a:rPr lang="en-US" sz="1600" dirty="0">
+                <a:latin typeface="Courier" charset="0"/>
+                <a:ea typeface="Courier" charset="0"/>
+                <a:cs typeface="Courier" charset="0"/>
+              </a:rPr>
+              <a:t>    "</a:t>
+            </a:r>
+            <a:r>
+              <a:rPr lang="en-US" sz="1600" dirty="0" err="1">
+                <a:latin typeface="Courier" charset="0"/>
+                <a:ea typeface="Courier" charset="0"/>
+                <a:cs typeface="Courier" charset="0"/>
+              </a:rPr>
+              <a:t>rdfs:label</a:t>
+            </a:r>
+            <a:r>
+              <a:rPr lang="en-US" sz="1600" dirty="0">
+                <a:latin typeface="Courier" charset="0"/>
+                <a:ea typeface="Courier" charset="0"/>
+                <a:cs typeface="Courier" charset="0"/>
+              </a:rPr>
+              <a:t>": </a:t>
+            </a:r>
+            <a:r>
+              <a:rPr lang="en-US" sz="1600" dirty="0" smtClean="0">
+                <a:latin typeface="Courier" charset="0"/>
+                <a:ea typeface="Courier" charset="0"/>
+                <a:cs typeface="Courier" charset="0"/>
+              </a:rPr>
+              <a:t>"</a:t>
+            </a:r>
+            <a:r>
+              <a:rPr lang="en-US" sz="1600" dirty="0" err="1" smtClean="0">
+                <a:latin typeface="Courier" charset="0"/>
+                <a:ea typeface="Courier" charset="0"/>
+                <a:cs typeface="Courier" charset="0"/>
+              </a:rPr>
+              <a:t>SwitchOffState</a:t>
+            </a:r>
+            <a:r>
+              <a:rPr lang="en-US" sz="1600" dirty="0" smtClean="0">
+                <a:latin typeface="Courier" charset="0"/>
+                <a:ea typeface="Courier" charset="0"/>
+                <a:cs typeface="Courier" charset="0"/>
+              </a:rPr>
+              <a:t>"</a:t>
+            </a:r>
+          </a:p>
+          <a:p>
+            <a:r>
+              <a:rPr lang="en-US" sz="1600" dirty="0" smtClean="0">
+                <a:latin typeface="Courier" charset="0"/>
+                <a:ea typeface="Courier" charset="0"/>
+                <a:cs typeface="Courier" charset="0"/>
+              </a:rPr>
+              <a:t>}</a:t>
+            </a:r>
+            <a:endParaRPr lang="en-US" sz="1600" dirty="0">
+              <a:latin typeface="Courier" charset="0"/>
+              <a:ea typeface="Courier" charset="0"/>
+              <a:cs typeface="Courier" charset="0"/>
+            </a:endParaRPr>
+          </a:p>
+        </p:txBody>
+      </p:sp>
+    </p:spTree>
+    <p:extLst>
+      <p:ext uri="{BB962C8B-B14F-4D97-AF65-F5344CB8AC3E}">
+        <p14:creationId xmlns:p14="http://schemas.microsoft.com/office/powerpoint/2010/main" val="1672764912"/>
+      </p:ext>
+    </p:extLst>
+  </p:cSld>
+  <p:clrMapOvr>
+    <a:masterClrMapping/>
+  </p:clrMapOvr>
 </p:sld>
 </file>
 
@@ -9954,11 +15162,7 @@
           <a:p>
             <a:r>
               <a:rPr lang="en-US" dirty="0" smtClean="0"/>
-              <a:t>"Incoming</a:t>
-            </a:r>
-            <a:r>
-              <a:rPr lang="en-US" dirty="0" smtClean="0"/>
-              <a:t>" Consumed TD and "Outgoing" Exposed TD have the same affordances in the semantic model, and customized data schemas and protocol bindings</a:t>
+              <a:t>"Incoming" Consumed TD and "Outgoing" Exposed TD have the same affordances in the semantic model, and customized data schemas and protocol bindings</a:t>
             </a:r>
           </a:p>
           <a:p>
@@ -11139,35 +16343,14 @@
             </a:r>
             <a:r>
               <a:rPr lang="en-US" dirty="0" smtClean="0"/>
-              <a:t>Thing </a:t>
-            </a:r>
+              <a:t>Thing TD has OCF protocol binding</a:t>
+            </a:r>
+          </a:p>
+          <a:p>
             <a:r>
               <a:rPr lang="en-US" dirty="0" smtClean="0"/>
-              <a:t>TD has </a:t>
-            </a:r>
-            <a:r>
-              <a:rPr lang="en-US" dirty="0" smtClean="0"/>
-              <a:t>OCF protocol binding</a:t>
-            </a:r>
-          </a:p>
-          <a:p>
-            <a:r>
-              <a:rPr lang="en-US" dirty="0" smtClean="0"/>
-              <a:t>Consumed Thing </a:t>
-            </a:r>
-            <a:r>
-              <a:rPr lang="en-US" dirty="0" smtClean="0"/>
-              <a:t>TD has </a:t>
-            </a:r>
-            <a:r>
-              <a:rPr lang="en-US" dirty="0" smtClean="0"/>
-              <a:t>IPSO protocol </a:t>
-            </a:r>
-            <a:r>
-              <a:rPr lang="en-US" dirty="0" smtClean="0"/>
-              <a:t>binding</a:t>
-            </a:r>
-            <a:endParaRPr lang="en-US" dirty="0" smtClean="0"/>
+              <a:t>Consumed Thing TD has IPSO protocol binding</a:t>
+            </a:r>
           </a:p>
         </p:txBody>
       </p:sp>
